--- a/Lesson 1/DIY Battery.pptx
+++ b/Lesson 1/DIY Battery.pptx
@@ -1,27 +1,27 @@
 
 <file path=ppt/presentation.xml><?xml version="1.0" encoding="utf-8"?>
-<p:presentation xmlns:a="http://schemas.openxmlformats.org/drawingml/2006/main" xmlns:r="http://schemas.openxmlformats.org/officeDocument/2006/relationships" xmlns:mc="http://schemas.openxmlformats.org/markup-compatibility/2006" xmlns:mv="urn:schemas-microsoft-com:mac:vml" xmlns:p="http://schemas.openxmlformats.org/presentationml/2006/main" xmlns:c="http://schemas.openxmlformats.org/drawingml/2006/chart" xmlns:dgm="http://schemas.openxmlformats.org/drawingml/2006/diagram" xmlns:o="urn:schemas-microsoft-com:office:office" xmlns:v="urn:schemas-microsoft-com:vml" xmlns:pvml="urn:schemas-microsoft-com:office:powerpoint" xmlns:com="http://schemas.openxmlformats.org/drawingml/2006/compatibility" xmlns:p14="http://schemas.microsoft.com/office/powerpoint/2010/main" xmlns:p15="http://schemas.microsoft.com/office/powerpoint/2012/main" autoCompressPictures="0" strictFirstAndLastChars="0" saveSubsetFonts="1">
+<p:presentation xmlns:a="http://schemas.openxmlformats.org/drawingml/2006/main" xmlns:r="http://schemas.openxmlformats.org/officeDocument/2006/relationships" xmlns:p="http://schemas.openxmlformats.org/presentationml/2006/main" strictFirstAndLastChars="0" saveSubsetFonts="1" autoCompressPictures="0">
   <p:sldMasterIdLst>
-    <p:sldMasterId id="2147483659" r:id="rId4"/>
+    <p:sldMasterId id="2147483659" r:id="rId1"/>
   </p:sldMasterIdLst>
   <p:notesMasterIdLst>
-    <p:notesMasterId r:id="rId5"/>
+    <p:notesMasterId r:id="rId11"/>
   </p:notesMasterIdLst>
   <p:sldIdLst>
-    <p:sldId id="256" r:id="rId6"/>
-    <p:sldId id="257" r:id="rId7"/>
-    <p:sldId id="258" r:id="rId8"/>
-    <p:sldId id="259" r:id="rId9"/>
-    <p:sldId id="260" r:id="rId10"/>
-    <p:sldId id="261" r:id="rId11"/>
-    <p:sldId id="262" r:id="rId12"/>
-    <p:sldId id="263" r:id="rId13"/>
-    <p:sldId id="264" r:id="rId14"/>
+    <p:sldId id="256" r:id="rId2"/>
+    <p:sldId id="257" r:id="rId3"/>
+    <p:sldId id="258" r:id="rId4"/>
+    <p:sldId id="259" r:id="rId5"/>
+    <p:sldId id="260" r:id="rId6"/>
+    <p:sldId id="261" r:id="rId7"/>
+    <p:sldId id="262" r:id="rId8"/>
+    <p:sldId id="263" r:id="rId9"/>
+    <p:sldId id="264" r:id="rId10"/>
   </p:sldIdLst>
-  <p:sldSz cy="5143500" cx="9144000"/>
+  <p:sldSz cx="9144000" cy="5143500" type="screen16x9"/>
   <p:notesSz cx="6858000" cy="9144000"/>
   <p:defaultTextStyle>
-    <a:defPPr lvl="0" marR="0" rtl="0" algn="l">
+    <a:defPPr marR="0" lvl="0" algn="l" rtl="0">
       <a:lnSpc>
         <a:spcPct val="100000"/>
       </a:lnSpc>
@@ -32,7 +32,7 @@
         <a:spcPts val="0"/>
       </a:spcAft>
     </a:defPPr>
-    <a:lvl1pPr lvl="0" marR="0" rtl="0" algn="l">
+    <a:lvl1pPr marR="0" lvl="0" algn="l" rtl="0">
       <a:lnSpc>
         <a:spcPct val="100000"/>
       </a:lnSpc>
@@ -46,7 +46,7 @@
         <a:srgbClr val="000000"/>
       </a:buClr>
       <a:buFont typeface="Arial"/>
-      <a:defRPr b="0" i="0" sz="1400" u="none" cap="none" strike="noStrike">
+      <a:defRPr sz="1400" b="0" i="0" u="none" strike="noStrike" cap="none">
         <a:solidFill>
           <a:srgbClr val="000000"/>
         </a:solidFill>
@@ -56,7 +56,7 @@
         <a:sym typeface="Arial"/>
       </a:defRPr>
     </a:lvl1pPr>
-    <a:lvl2pPr lvl="1" marR="0" rtl="0" algn="l">
+    <a:lvl2pPr marR="0" lvl="1" algn="l" rtl="0">
       <a:lnSpc>
         <a:spcPct val="100000"/>
       </a:lnSpc>
@@ -70,7 +70,7 @@
         <a:srgbClr val="000000"/>
       </a:buClr>
       <a:buFont typeface="Arial"/>
-      <a:defRPr b="0" i="0" sz="1400" u="none" cap="none" strike="noStrike">
+      <a:defRPr sz="1400" b="0" i="0" u="none" strike="noStrike" cap="none">
         <a:solidFill>
           <a:srgbClr val="000000"/>
         </a:solidFill>
@@ -80,7 +80,7 @@
         <a:sym typeface="Arial"/>
       </a:defRPr>
     </a:lvl2pPr>
-    <a:lvl3pPr lvl="2" marR="0" rtl="0" algn="l">
+    <a:lvl3pPr marR="0" lvl="2" algn="l" rtl="0">
       <a:lnSpc>
         <a:spcPct val="100000"/>
       </a:lnSpc>
@@ -94,7 +94,7 @@
         <a:srgbClr val="000000"/>
       </a:buClr>
       <a:buFont typeface="Arial"/>
-      <a:defRPr b="0" i="0" sz="1400" u="none" cap="none" strike="noStrike">
+      <a:defRPr sz="1400" b="0" i="0" u="none" strike="noStrike" cap="none">
         <a:solidFill>
           <a:srgbClr val="000000"/>
         </a:solidFill>
@@ -104,7 +104,7 @@
         <a:sym typeface="Arial"/>
       </a:defRPr>
     </a:lvl3pPr>
-    <a:lvl4pPr lvl="3" marR="0" rtl="0" algn="l">
+    <a:lvl4pPr marR="0" lvl="3" algn="l" rtl="0">
       <a:lnSpc>
         <a:spcPct val="100000"/>
       </a:lnSpc>
@@ -118,7 +118,7 @@
         <a:srgbClr val="000000"/>
       </a:buClr>
       <a:buFont typeface="Arial"/>
-      <a:defRPr b="0" i="0" sz="1400" u="none" cap="none" strike="noStrike">
+      <a:defRPr sz="1400" b="0" i="0" u="none" strike="noStrike" cap="none">
         <a:solidFill>
           <a:srgbClr val="000000"/>
         </a:solidFill>
@@ -128,7 +128,7 @@
         <a:sym typeface="Arial"/>
       </a:defRPr>
     </a:lvl4pPr>
-    <a:lvl5pPr lvl="4" marR="0" rtl="0" algn="l">
+    <a:lvl5pPr marR="0" lvl="4" algn="l" rtl="0">
       <a:lnSpc>
         <a:spcPct val="100000"/>
       </a:lnSpc>
@@ -142,7 +142,7 @@
         <a:srgbClr val="000000"/>
       </a:buClr>
       <a:buFont typeface="Arial"/>
-      <a:defRPr b="0" i="0" sz="1400" u="none" cap="none" strike="noStrike">
+      <a:defRPr sz="1400" b="0" i="0" u="none" strike="noStrike" cap="none">
         <a:solidFill>
           <a:srgbClr val="000000"/>
         </a:solidFill>
@@ -152,7 +152,7 @@
         <a:sym typeface="Arial"/>
       </a:defRPr>
     </a:lvl5pPr>
-    <a:lvl6pPr lvl="5" marR="0" rtl="0" algn="l">
+    <a:lvl6pPr marR="0" lvl="5" algn="l" rtl="0">
       <a:lnSpc>
         <a:spcPct val="100000"/>
       </a:lnSpc>
@@ -166,7 +166,7 @@
         <a:srgbClr val="000000"/>
       </a:buClr>
       <a:buFont typeface="Arial"/>
-      <a:defRPr b="0" i="0" sz="1400" u="none" cap="none" strike="noStrike">
+      <a:defRPr sz="1400" b="0" i="0" u="none" strike="noStrike" cap="none">
         <a:solidFill>
           <a:srgbClr val="000000"/>
         </a:solidFill>
@@ -176,7 +176,7 @@
         <a:sym typeface="Arial"/>
       </a:defRPr>
     </a:lvl6pPr>
-    <a:lvl7pPr lvl="6" marR="0" rtl="0" algn="l">
+    <a:lvl7pPr marR="0" lvl="6" algn="l" rtl="0">
       <a:lnSpc>
         <a:spcPct val="100000"/>
       </a:lnSpc>
@@ -190,7 +190,7 @@
         <a:srgbClr val="000000"/>
       </a:buClr>
       <a:buFont typeface="Arial"/>
-      <a:defRPr b="0" i="0" sz="1400" u="none" cap="none" strike="noStrike">
+      <a:defRPr sz="1400" b="0" i="0" u="none" strike="noStrike" cap="none">
         <a:solidFill>
           <a:srgbClr val="000000"/>
         </a:solidFill>
@@ -200,7 +200,7 @@
         <a:sym typeface="Arial"/>
       </a:defRPr>
     </a:lvl7pPr>
-    <a:lvl8pPr lvl="7" marR="0" rtl="0" algn="l">
+    <a:lvl8pPr marR="0" lvl="7" algn="l" rtl="0">
       <a:lnSpc>
         <a:spcPct val="100000"/>
       </a:lnSpc>
@@ -214,7 +214,7 @@
         <a:srgbClr val="000000"/>
       </a:buClr>
       <a:buFont typeface="Arial"/>
-      <a:defRPr b="0" i="0" sz="1400" u="none" cap="none" strike="noStrike">
+      <a:defRPr sz="1400" b="0" i="0" u="none" strike="noStrike" cap="none">
         <a:solidFill>
           <a:srgbClr val="000000"/>
         </a:solidFill>
@@ -224,7 +224,7 @@
         <a:sym typeface="Arial"/>
       </a:defRPr>
     </a:lvl8pPr>
-    <a:lvl9pPr lvl="8" marR="0" rtl="0" algn="l">
+    <a:lvl9pPr marR="0" lvl="8" algn="l" rtl="0">
       <a:lnSpc>
         <a:spcPct val="100000"/>
       </a:lnSpc>
@@ -238,7 +238,7 @@
         <a:srgbClr val="000000"/>
       </a:buClr>
       <a:buFont typeface="Arial"/>
-      <a:defRPr b="0" i="0" sz="1400" u="none" cap="none" strike="noStrike">
+      <a:defRPr sz="1400" b="0" i="0" u="none" strike="noStrike" cap="none">
         <a:solidFill>
           <a:srgbClr val="000000"/>
         </a:solidFill>
@@ -251,7 +251,7 @@
   </p:defaultTextStyle>
   <p:extLst>
     <p:ext uri="{EFAFB233-063F-42B5-8137-9DF3F51BA10A}">
-      <p15:sldGuideLst>
+      <p15:sldGuideLst xmlns:p15="http://schemas.microsoft.com/office/powerpoint/2012/main">
         <p15:guide id="1" orient="horz" pos="1620">
           <p15:clr>
             <a:srgbClr val="A4A3A4"/>
@@ -269,11 +269,16 @@
 </file>
 
 <file path=ppt/notesMasters/notesMaster1.xml><?xml version="1.0" encoding="utf-8"?>
-<p:notesMaster xmlns:a="http://schemas.openxmlformats.org/drawingml/2006/main" xmlns:r="http://schemas.openxmlformats.org/officeDocument/2006/relationships" xmlns:mc="http://schemas.openxmlformats.org/markup-compatibility/2006" xmlns:mv="urn:schemas-microsoft-com:mac:vml" xmlns:p="http://schemas.openxmlformats.org/presentationml/2006/main" xmlns:c="http://schemas.openxmlformats.org/drawingml/2006/chart" xmlns:dgm="http://schemas.openxmlformats.org/drawingml/2006/diagram" xmlns:o="urn:schemas-microsoft-com:office:office" xmlns:v="urn:schemas-microsoft-com:vml" xmlns:pvml="urn:schemas-microsoft-com:office:powerpoint" xmlns:com="http://schemas.openxmlformats.org/drawingml/2006/compatibility" xmlns:p14="http://schemas.microsoft.com/office/powerpoint/2010/main" xmlns:p15="http://schemas.microsoft.com/office/powerpoint/2012/main">
+<p:notesMaster xmlns:a="http://schemas.openxmlformats.org/drawingml/2006/main" xmlns:r="http://schemas.openxmlformats.org/officeDocument/2006/relationships" xmlns:p="http://schemas.openxmlformats.org/presentationml/2006/main">
   <p:cSld>
+    <p:bg>
+      <p:bgRef idx="1001">
+        <a:schemeClr val="bg1"/>
+      </p:bgRef>
+    </p:bg>
     <p:spTree>
       <p:nvGrpSpPr>
-        <p:cNvPr id="2" name="Shape 2"/>
+        <p:cNvPr id="1" name="Shape 2"/>
         <p:cNvGrpSpPr/>
         <p:nvPr/>
       </p:nvGrpSpPr>
@@ -288,9 +293,11 @@
       <p:sp>
         <p:nvSpPr>
           <p:cNvPr id="3" name="Shape 3"/>
-          <p:cNvSpPr/>
+          <p:cNvSpPr>
+            <a:spLocks noGrp="1" noRot="1" noChangeAspect="1"/>
+          </p:cNvSpPr>
           <p:nvPr>
-            <p:ph idx="2" type="sldImg"/>
+            <p:ph type="sldImg" idx="2"/>
           </p:nvPr>
         </p:nvSpPr>
         <p:spPr>
@@ -299,8 +306,13 @@
             <a:ext cx="6096075" cy="3429000"/>
           </a:xfrm>
           <a:custGeom>
+            <a:avLst/>
+            <a:gdLst/>
+            <a:ahLst/>
+            <a:cxnLst/>
+            <a:rect l="0" t="0" r="0" b="0"/>
             <a:pathLst>
-              <a:path extrusionOk="0" h="120000" w="120000">
+              <a:path w="120000" h="120000" extrusionOk="0">
                 <a:moveTo>
                   <a:pt x="0" y="0"/>
                 </a:moveTo>
@@ -318,23 +330,25 @@
             </a:pathLst>
           </a:custGeom>
           <a:noFill/>
-          <a:ln cap="flat" cmpd="sng" w="9525">
+          <a:ln w="9525" cap="flat" cmpd="sng">
             <a:solidFill>
               <a:srgbClr val="000000"/>
             </a:solidFill>
             <a:prstDash val="solid"/>
             <a:round/>
-            <a:headEnd len="sm" w="sm" type="none"/>
-            <a:tailEnd len="sm" w="sm" type="none"/>
+            <a:headEnd type="none" w="sm" len="sm"/>
+            <a:tailEnd type="none" w="sm" len="sm"/>
           </a:ln>
         </p:spPr>
       </p:sp>
       <p:sp>
         <p:nvSpPr>
           <p:cNvPr id="4" name="Shape 4"/>
-          <p:cNvSpPr txBox="1"/>
+          <p:cNvSpPr txBox="1">
+            <a:spLocks noGrp="1"/>
+          </p:cNvSpPr>
           <p:nvPr>
-            <p:ph idx="1" type="body"/>
+            <p:ph type="body" idx="1"/>
           </p:nvPr>
         </p:nvSpPr>
         <p:spPr>
@@ -351,9 +365,9 @@
           </a:ln>
         </p:spPr>
         <p:txBody>
-          <a:bodyPr anchorCtr="0" anchor="t" bIns="91425" lIns="91425" spcFirstLastPara="1" rIns="91425" wrap="square" tIns="91425"/>
+          <a:bodyPr spcFirstLastPara="1" wrap="square" lIns="91425" tIns="91425" rIns="91425" bIns="91425" anchor="t" anchorCtr="0"/>
           <a:lstStyle>
-            <a:lvl1pPr indent="-298450" lvl="0" marL="457200">
+            <a:lvl1pPr marL="457200" lvl="0" indent="-298450">
               <a:spcBef>
                 <a:spcPts val="0"/>
               </a:spcBef>
@@ -364,7 +378,7 @@
               <a:buChar char="●"/>
               <a:defRPr sz="1100"/>
             </a:lvl1pPr>
-            <a:lvl2pPr indent="-298450" lvl="1" marL="914400">
+            <a:lvl2pPr marL="914400" lvl="1" indent="-298450">
               <a:spcBef>
                 <a:spcPts val="0"/>
               </a:spcBef>
@@ -375,7 +389,7 @@
               <a:buChar char="○"/>
               <a:defRPr sz="1100"/>
             </a:lvl2pPr>
-            <a:lvl3pPr indent="-298450" lvl="2" marL="1371600">
+            <a:lvl3pPr marL="1371600" lvl="2" indent="-298450">
               <a:spcBef>
                 <a:spcPts val="0"/>
               </a:spcBef>
@@ -386,7 +400,7 @@
               <a:buChar char="■"/>
               <a:defRPr sz="1100"/>
             </a:lvl3pPr>
-            <a:lvl4pPr indent="-298450" lvl="3" marL="1828800">
+            <a:lvl4pPr marL="1828800" lvl="3" indent="-298450">
               <a:spcBef>
                 <a:spcPts val="0"/>
               </a:spcBef>
@@ -397,7 +411,7 @@
               <a:buChar char="●"/>
               <a:defRPr sz="1100"/>
             </a:lvl4pPr>
-            <a:lvl5pPr indent="-298450" lvl="4" marL="2286000">
+            <a:lvl5pPr marL="2286000" lvl="4" indent="-298450">
               <a:spcBef>
                 <a:spcPts val="0"/>
               </a:spcBef>
@@ -408,7 +422,7 @@
               <a:buChar char="○"/>
               <a:defRPr sz="1100"/>
             </a:lvl5pPr>
-            <a:lvl6pPr indent="-298450" lvl="5" marL="2743200">
+            <a:lvl6pPr marL="2743200" lvl="5" indent="-298450">
               <a:spcBef>
                 <a:spcPts val="0"/>
               </a:spcBef>
@@ -419,7 +433,7 @@
               <a:buChar char="■"/>
               <a:defRPr sz="1100"/>
             </a:lvl6pPr>
-            <a:lvl7pPr indent="-298450" lvl="6" marL="3200400">
+            <a:lvl7pPr marL="3200400" lvl="6" indent="-298450">
               <a:spcBef>
                 <a:spcPts val="0"/>
               </a:spcBef>
@@ -430,7 +444,7 @@
               <a:buChar char="●"/>
               <a:defRPr sz="1100"/>
             </a:lvl7pPr>
-            <a:lvl8pPr indent="-298450" lvl="7" marL="3657600">
+            <a:lvl8pPr marL="3657600" lvl="7" indent="-298450">
               <a:spcBef>
                 <a:spcPts val="0"/>
               </a:spcBef>
@@ -441,7 +455,7 @@
               <a:buChar char="○"/>
               <a:defRPr sz="1100"/>
             </a:lvl8pPr>
-            <a:lvl9pPr indent="-298450" lvl="8" marL="4114800">
+            <a:lvl9pPr marL="4114800" lvl="8" indent="-298450">
               <a:spcBef>
                 <a:spcPts val="0"/>
               </a:spcBef>
@@ -453,14 +467,16 @@
               <a:defRPr sz="1100"/>
             </a:lvl9pPr>
           </a:lstStyle>
-          <a:p/>
+          <a:p>
+            <a:endParaRPr/>
+          </a:p>
         </p:txBody>
       </p:sp>
     </p:spTree>
   </p:cSld>
-  <p:clrMap accent1="accent1" accent2="accent2" accent3="accent3" accent4="accent4" accent5="accent5" accent6="accent6" bg1="lt1" bg2="dk2" tx1="dk1" tx2="lt2" folHlink="folHlink" hlink="hlink"/>
+  <p:clrMap bg1="lt1" tx1="dk1" bg2="dk2" tx2="lt2" accent1="accent1" accent2="accent2" accent3="accent3" accent4="accent4" accent5="accent5" accent6="accent6" hlink="hlink" folHlink="folHlink"/>
   <p:notesStyle>
-    <a:defPPr lvl="0" marR="0" rtl="0" algn="l">
+    <a:defPPr marR="0" lvl="0" algn="l" rtl="0">
       <a:lnSpc>
         <a:spcPct val="100000"/>
       </a:lnSpc>
@@ -471,7 +487,7 @@
         <a:spcPts val="0"/>
       </a:spcAft>
     </a:defPPr>
-    <a:lvl1pPr lvl="0" marR="0" rtl="0" algn="l">
+    <a:lvl1pPr marR="0" lvl="0" algn="l" rtl="0">
       <a:lnSpc>
         <a:spcPct val="100000"/>
       </a:lnSpc>
@@ -485,7 +501,7 @@
         <a:srgbClr val="000000"/>
       </a:buClr>
       <a:buFont typeface="Arial"/>
-      <a:defRPr b="0" i="0" sz="1400" u="none" cap="none" strike="noStrike">
+      <a:defRPr sz="1400" b="0" i="0" u="none" strike="noStrike" cap="none">
         <a:solidFill>
           <a:srgbClr val="000000"/>
         </a:solidFill>
@@ -495,7 +511,7 @@
         <a:sym typeface="Arial"/>
       </a:defRPr>
     </a:lvl1pPr>
-    <a:lvl2pPr lvl="1" marR="0" rtl="0" algn="l">
+    <a:lvl2pPr marR="0" lvl="1" algn="l" rtl="0">
       <a:lnSpc>
         <a:spcPct val="100000"/>
       </a:lnSpc>
@@ -509,7 +525,7 @@
         <a:srgbClr val="000000"/>
       </a:buClr>
       <a:buFont typeface="Arial"/>
-      <a:defRPr b="0" i="0" sz="1400" u="none" cap="none" strike="noStrike">
+      <a:defRPr sz="1400" b="0" i="0" u="none" strike="noStrike" cap="none">
         <a:solidFill>
           <a:srgbClr val="000000"/>
         </a:solidFill>
@@ -519,7 +535,7 @@
         <a:sym typeface="Arial"/>
       </a:defRPr>
     </a:lvl2pPr>
-    <a:lvl3pPr lvl="2" marR="0" rtl="0" algn="l">
+    <a:lvl3pPr marR="0" lvl="2" algn="l" rtl="0">
       <a:lnSpc>
         <a:spcPct val="100000"/>
       </a:lnSpc>
@@ -533,7 +549,7 @@
         <a:srgbClr val="000000"/>
       </a:buClr>
       <a:buFont typeface="Arial"/>
-      <a:defRPr b="0" i="0" sz="1400" u="none" cap="none" strike="noStrike">
+      <a:defRPr sz="1400" b="0" i="0" u="none" strike="noStrike" cap="none">
         <a:solidFill>
           <a:srgbClr val="000000"/>
         </a:solidFill>
@@ -543,7 +559,7 @@
         <a:sym typeface="Arial"/>
       </a:defRPr>
     </a:lvl3pPr>
-    <a:lvl4pPr lvl="3" marR="0" rtl="0" algn="l">
+    <a:lvl4pPr marR="0" lvl="3" algn="l" rtl="0">
       <a:lnSpc>
         <a:spcPct val="100000"/>
       </a:lnSpc>
@@ -557,7 +573,7 @@
         <a:srgbClr val="000000"/>
       </a:buClr>
       <a:buFont typeface="Arial"/>
-      <a:defRPr b="0" i="0" sz="1400" u="none" cap="none" strike="noStrike">
+      <a:defRPr sz="1400" b="0" i="0" u="none" strike="noStrike" cap="none">
         <a:solidFill>
           <a:srgbClr val="000000"/>
         </a:solidFill>
@@ -567,7 +583,7 @@
         <a:sym typeface="Arial"/>
       </a:defRPr>
     </a:lvl4pPr>
-    <a:lvl5pPr lvl="4" marR="0" rtl="0" algn="l">
+    <a:lvl5pPr marR="0" lvl="4" algn="l" rtl="0">
       <a:lnSpc>
         <a:spcPct val="100000"/>
       </a:lnSpc>
@@ -581,7 +597,7 @@
         <a:srgbClr val="000000"/>
       </a:buClr>
       <a:buFont typeface="Arial"/>
-      <a:defRPr b="0" i="0" sz="1400" u="none" cap="none" strike="noStrike">
+      <a:defRPr sz="1400" b="0" i="0" u="none" strike="noStrike" cap="none">
         <a:solidFill>
           <a:srgbClr val="000000"/>
         </a:solidFill>
@@ -591,7 +607,7 @@
         <a:sym typeface="Arial"/>
       </a:defRPr>
     </a:lvl5pPr>
-    <a:lvl6pPr lvl="5" marR="0" rtl="0" algn="l">
+    <a:lvl6pPr marR="0" lvl="5" algn="l" rtl="0">
       <a:lnSpc>
         <a:spcPct val="100000"/>
       </a:lnSpc>
@@ -605,7 +621,7 @@
         <a:srgbClr val="000000"/>
       </a:buClr>
       <a:buFont typeface="Arial"/>
-      <a:defRPr b="0" i="0" sz="1400" u="none" cap="none" strike="noStrike">
+      <a:defRPr sz="1400" b="0" i="0" u="none" strike="noStrike" cap="none">
         <a:solidFill>
           <a:srgbClr val="000000"/>
         </a:solidFill>
@@ -615,7 +631,7 @@
         <a:sym typeface="Arial"/>
       </a:defRPr>
     </a:lvl6pPr>
-    <a:lvl7pPr lvl="6" marR="0" rtl="0" algn="l">
+    <a:lvl7pPr marR="0" lvl="6" algn="l" rtl="0">
       <a:lnSpc>
         <a:spcPct val="100000"/>
       </a:lnSpc>
@@ -629,7 +645,7 @@
         <a:srgbClr val="000000"/>
       </a:buClr>
       <a:buFont typeface="Arial"/>
-      <a:defRPr b="0" i="0" sz="1400" u="none" cap="none" strike="noStrike">
+      <a:defRPr sz="1400" b="0" i="0" u="none" strike="noStrike" cap="none">
         <a:solidFill>
           <a:srgbClr val="000000"/>
         </a:solidFill>
@@ -639,7 +655,7 @@
         <a:sym typeface="Arial"/>
       </a:defRPr>
     </a:lvl7pPr>
-    <a:lvl8pPr lvl="7" marR="0" rtl="0" algn="l">
+    <a:lvl8pPr marR="0" lvl="7" algn="l" rtl="0">
       <a:lnSpc>
         <a:spcPct val="100000"/>
       </a:lnSpc>
@@ -653,7 +669,7 @@
         <a:srgbClr val="000000"/>
       </a:buClr>
       <a:buFont typeface="Arial"/>
-      <a:defRPr b="0" i="0" sz="1400" u="none" cap="none" strike="noStrike">
+      <a:defRPr sz="1400" b="0" i="0" u="none" strike="noStrike" cap="none">
         <a:solidFill>
           <a:srgbClr val="000000"/>
         </a:solidFill>
@@ -663,7 +679,7 @@
         <a:sym typeface="Arial"/>
       </a:defRPr>
     </a:lvl8pPr>
-    <a:lvl9pPr lvl="8" marR="0" rtl="0" algn="l">
+    <a:lvl9pPr marR="0" lvl="8" algn="l" rtl="0">
       <a:lnSpc>
         <a:spcPct val="100000"/>
       </a:lnSpc>
@@ -677,7 +693,7 @@
         <a:srgbClr val="000000"/>
       </a:buClr>
       <a:buFont typeface="Arial"/>
-      <a:defRPr b="0" i="0" sz="1400" u="none" cap="none" strike="noStrike">
+      <a:defRPr sz="1400" b="0" i="0" u="none" strike="noStrike" cap="none">
         <a:solidFill>
           <a:srgbClr val="000000"/>
         </a:solidFill>
@@ -692,11 +708,11 @@
 </file>
 
 <file path=ppt/notesSlides/notesSlide1.xml><?xml version="1.0" encoding="utf-8"?>
-<p:notes xmlns:a="http://schemas.openxmlformats.org/drawingml/2006/main" xmlns:r="http://schemas.openxmlformats.org/officeDocument/2006/relationships" xmlns:mc="http://schemas.openxmlformats.org/markup-compatibility/2006" xmlns:mv="urn:schemas-microsoft-com:mac:vml" xmlns:p="http://schemas.openxmlformats.org/presentationml/2006/main" xmlns:c="http://schemas.openxmlformats.org/drawingml/2006/chart" xmlns:dgm="http://schemas.openxmlformats.org/drawingml/2006/diagram" xmlns:o="urn:schemas-microsoft-com:office:office" xmlns:v="urn:schemas-microsoft-com:vml" xmlns:pvml="urn:schemas-microsoft-com:office:powerpoint" xmlns:com="http://schemas.openxmlformats.org/drawingml/2006/compatibility" xmlns:p14="http://schemas.microsoft.com/office/powerpoint/2010/main" xmlns:p15="http://schemas.microsoft.com/office/powerpoint/2012/main" showMasterPhAnim="0" showMasterSp="0">
+<p:notes xmlns:a="http://schemas.openxmlformats.org/drawingml/2006/main" xmlns:r="http://schemas.openxmlformats.org/officeDocument/2006/relationships" xmlns:p="http://schemas.openxmlformats.org/presentationml/2006/main" showMasterSp="0" showMasterPhAnim="0">
   <p:cSld>
     <p:spTree>
       <p:nvGrpSpPr>
-        <p:cNvPr id="50" name="Shape 50"/>
+        <p:cNvPr id="1" name="Shape 50"/>
         <p:cNvGrpSpPr/>
         <p:nvPr/>
       </p:nvGrpSpPr>
@@ -711,19 +727,26 @@
       <p:sp>
         <p:nvSpPr>
           <p:cNvPr id="51" name="Shape 51"/>
-          <p:cNvSpPr/>
+          <p:cNvSpPr>
+            <a:spLocks noGrp="1" noRot="1" noChangeAspect="1"/>
+          </p:cNvSpPr>
           <p:nvPr>
-            <p:ph idx="2" type="sldImg"/>
+            <p:ph type="sldImg" idx="2"/>
           </p:nvPr>
         </p:nvSpPr>
         <p:spPr>
           <a:xfrm>
-            <a:off x="381300" y="685800"/>
-            <a:ext cx="6096075" cy="3429000"/>
+            <a:off x="381000" y="685800"/>
+            <a:ext cx="6096000" cy="3429000"/>
           </a:xfrm>
           <a:custGeom>
+            <a:avLst/>
+            <a:gdLst/>
+            <a:ahLst/>
+            <a:cxnLst/>
+            <a:rect l="0" t="0" r="0" b="0"/>
             <a:pathLst>
-              <a:path extrusionOk="0" h="120000" w="120000">
+              <a:path w="120000" h="120000" extrusionOk="0">
                 <a:moveTo>
                   <a:pt x="0" y="0"/>
                 </a:moveTo>
@@ -745,9 +768,11 @@
       <p:sp>
         <p:nvSpPr>
           <p:cNvPr id="52" name="Shape 52"/>
-          <p:cNvSpPr txBox="1"/>
+          <p:cNvSpPr txBox="1">
+            <a:spLocks noGrp="1"/>
+          </p:cNvSpPr>
           <p:nvPr>
-            <p:ph idx="1" type="body"/>
+            <p:ph type="body" idx="1"/>
           </p:nvPr>
         </p:nvSpPr>
         <p:spPr>
@@ -760,12 +785,12 @@
           </a:prstGeom>
         </p:spPr>
         <p:txBody>
-          <a:bodyPr anchorCtr="0" anchor="t" bIns="91425" lIns="91425" spcFirstLastPara="1" rIns="91425" wrap="square" tIns="91425">
+          <a:bodyPr spcFirstLastPara="1" wrap="square" lIns="91425" tIns="91425" rIns="91425" bIns="91425" anchor="t" anchorCtr="0">
             <a:noAutofit/>
           </a:bodyPr>
           <a:lstStyle/>
           <a:p>
-            <a:pPr indent="0" lvl="0" marL="0">
+            <a:pPr marL="0" lvl="0" indent="0">
               <a:spcBef>
                 <a:spcPts val="0"/>
               </a:spcBef>
@@ -774,9 +799,6 @@
               </a:spcAft>
               <a:buNone/>
             </a:pPr>
-            <a:r>
-              <a:t/>
-            </a:r>
             <a:endParaRPr/>
           </a:p>
         </p:txBody>
@@ -790,11 +812,11 @@
 </file>
 
 <file path=ppt/notesSlides/notesSlide2.xml><?xml version="1.0" encoding="utf-8"?>
-<p:notes xmlns:a="http://schemas.openxmlformats.org/drawingml/2006/main" xmlns:r="http://schemas.openxmlformats.org/officeDocument/2006/relationships" xmlns:mc="http://schemas.openxmlformats.org/markup-compatibility/2006" xmlns:mv="urn:schemas-microsoft-com:mac:vml" xmlns:p="http://schemas.openxmlformats.org/presentationml/2006/main" xmlns:c="http://schemas.openxmlformats.org/drawingml/2006/chart" xmlns:dgm="http://schemas.openxmlformats.org/drawingml/2006/diagram" xmlns:o="urn:schemas-microsoft-com:office:office" xmlns:v="urn:schemas-microsoft-com:vml" xmlns:pvml="urn:schemas-microsoft-com:office:powerpoint" xmlns:com="http://schemas.openxmlformats.org/drawingml/2006/compatibility" xmlns:p14="http://schemas.microsoft.com/office/powerpoint/2010/main" xmlns:p15="http://schemas.microsoft.com/office/powerpoint/2012/main" showMasterPhAnim="0" showMasterSp="0">
+<p:notes xmlns:a="http://schemas.openxmlformats.org/drawingml/2006/main" xmlns:r="http://schemas.openxmlformats.org/officeDocument/2006/relationships" xmlns:p="http://schemas.openxmlformats.org/presentationml/2006/main" showMasterSp="0" showMasterPhAnim="0">
   <p:cSld>
     <p:spTree>
       <p:nvGrpSpPr>
-        <p:cNvPr id="57" name="Shape 57"/>
+        <p:cNvPr id="1" name="Shape 57"/>
         <p:cNvGrpSpPr/>
         <p:nvPr/>
       </p:nvGrpSpPr>
@@ -809,19 +831,26 @@
       <p:sp>
         <p:nvSpPr>
           <p:cNvPr id="58" name="Shape 58"/>
-          <p:cNvSpPr/>
+          <p:cNvSpPr>
+            <a:spLocks noGrp="1" noRot="1" noChangeAspect="1"/>
+          </p:cNvSpPr>
           <p:nvPr>
-            <p:ph idx="2" type="sldImg"/>
+            <p:ph type="sldImg" idx="2"/>
           </p:nvPr>
         </p:nvSpPr>
         <p:spPr>
           <a:xfrm>
-            <a:off x="381300" y="685800"/>
+            <a:off x="381000" y="685800"/>
             <a:ext cx="6096000" cy="3429000"/>
           </a:xfrm>
           <a:custGeom>
+            <a:avLst/>
+            <a:gdLst/>
+            <a:ahLst/>
+            <a:cxnLst/>
+            <a:rect l="0" t="0" r="0" b="0"/>
             <a:pathLst>
-              <a:path extrusionOk="0" h="120000" w="120000">
+              <a:path w="120000" h="120000" extrusionOk="0">
                 <a:moveTo>
                   <a:pt x="0" y="0"/>
                 </a:moveTo>
@@ -843,9 +872,11 @@
       <p:sp>
         <p:nvSpPr>
           <p:cNvPr id="59" name="Shape 59"/>
-          <p:cNvSpPr txBox="1"/>
+          <p:cNvSpPr txBox="1">
+            <a:spLocks noGrp="1"/>
+          </p:cNvSpPr>
           <p:nvPr>
-            <p:ph idx="1" type="body"/>
+            <p:ph type="body" idx="1"/>
           </p:nvPr>
         </p:nvSpPr>
         <p:spPr>
@@ -858,12 +889,12 @@
           </a:prstGeom>
         </p:spPr>
         <p:txBody>
-          <a:bodyPr anchorCtr="0" anchor="t" bIns="91425" lIns="91425" spcFirstLastPara="1" rIns="91425" wrap="square" tIns="91425">
+          <a:bodyPr spcFirstLastPara="1" wrap="square" lIns="91425" tIns="91425" rIns="91425" bIns="91425" anchor="t" anchorCtr="0">
             <a:noAutofit/>
           </a:bodyPr>
           <a:lstStyle/>
           <a:p>
-            <a:pPr indent="0" lvl="0" marL="0">
+            <a:pPr marL="0" lvl="0" indent="0">
               <a:spcBef>
                 <a:spcPts val="0"/>
               </a:spcBef>
@@ -872,9 +903,6 @@
               </a:spcAft>
               <a:buNone/>
             </a:pPr>
-            <a:r>
-              <a:t/>
-            </a:r>
             <a:endParaRPr/>
           </a:p>
         </p:txBody>
@@ -888,11 +916,11 @@
 </file>
 
 <file path=ppt/notesSlides/notesSlide3.xml><?xml version="1.0" encoding="utf-8"?>
-<p:notes xmlns:a="http://schemas.openxmlformats.org/drawingml/2006/main" xmlns:r="http://schemas.openxmlformats.org/officeDocument/2006/relationships" xmlns:mc="http://schemas.openxmlformats.org/markup-compatibility/2006" xmlns:mv="urn:schemas-microsoft-com:mac:vml" xmlns:p="http://schemas.openxmlformats.org/presentationml/2006/main" xmlns:c="http://schemas.openxmlformats.org/drawingml/2006/chart" xmlns:dgm="http://schemas.openxmlformats.org/drawingml/2006/diagram" xmlns:o="urn:schemas-microsoft-com:office:office" xmlns:v="urn:schemas-microsoft-com:vml" xmlns:pvml="urn:schemas-microsoft-com:office:powerpoint" xmlns:com="http://schemas.openxmlformats.org/drawingml/2006/compatibility" xmlns:p14="http://schemas.microsoft.com/office/powerpoint/2010/main" xmlns:p15="http://schemas.microsoft.com/office/powerpoint/2012/main" showMasterPhAnim="0" showMasterSp="0">
+<p:notes xmlns:a="http://schemas.openxmlformats.org/drawingml/2006/main" xmlns:r="http://schemas.openxmlformats.org/officeDocument/2006/relationships" xmlns:p="http://schemas.openxmlformats.org/presentationml/2006/main" showMasterSp="0" showMasterPhAnim="0">
   <p:cSld>
     <p:spTree>
       <p:nvGrpSpPr>
-        <p:cNvPr id="64" name="Shape 64"/>
+        <p:cNvPr id="1" name="Shape 64"/>
         <p:cNvGrpSpPr/>
         <p:nvPr/>
       </p:nvGrpSpPr>
@@ -907,19 +935,26 @@
       <p:sp>
         <p:nvSpPr>
           <p:cNvPr id="65" name="Shape 65"/>
-          <p:cNvSpPr/>
+          <p:cNvSpPr>
+            <a:spLocks noGrp="1" noRot="1" noChangeAspect="1"/>
+          </p:cNvSpPr>
           <p:nvPr>
-            <p:ph idx="2" type="sldImg"/>
+            <p:ph type="sldImg" idx="2"/>
           </p:nvPr>
         </p:nvSpPr>
         <p:spPr>
           <a:xfrm>
-            <a:off x="381300" y="685800"/>
+            <a:off x="381000" y="685800"/>
             <a:ext cx="6096000" cy="3429000"/>
           </a:xfrm>
           <a:custGeom>
+            <a:avLst/>
+            <a:gdLst/>
+            <a:ahLst/>
+            <a:cxnLst/>
+            <a:rect l="0" t="0" r="0" b="0"/>
             <a:pathLst>
-              <a:path extrusionOk="0" h="120000" w="120000">
+              <a:path w="120000" h="120000" extrusionOk="0">
                 <a:moveTo>
                   <a:pt x="0" y="0"/>
                 </a:moveTo>
@@ -941,9 +976,11 @@
       <p:sp>
         <p:nvSpPr>
           <p:cNvPr id="66" name="Shape 66"/>
-          <p:cNvSpPr txBox="1"/>
+          <p:cNvSpPr txBox="1">
+            <a:spLocks noGrp="1"/>
+          </p:cNvSpPr>
           <p:nvPr>
-            <p:ph idx="1" type="body"/>
+            <p:ph type="body" idx="1"/>
           </p:nvPr>
         </p:nvSpPr>
         <p:spPr>
@@ -956,12 +993,12 @@
           </a:prstGeom>
         </p:spPr>
         <p:txBody>
-          <a:bodyPr anchorCtr="0" anchor="t" bIns="91425" lIns="91425" spcFirstLastPara="1" rIns="91425" wrap="square" tIns="91425">
+          <a:bodyPr spcFirstLastPara="1" wrap="square" lIns="91425" tIns="91425" rIns="91425" bIns="91425" anchor="t" anchorCtr="0">
             <a:noAutofit/>
           </a:bodyPr>
           <a:lstStyle/>
           <a:p>
-            <a:pPr indent="0" lvl="0" marL="0">
+            <a:pPr marL="0" lvl="0" indent="0">
               <a:spcBef>
                 <a:spcPts val="0"/>
               </a:spcBef>
@@ -970,9 +1007,6 @@
               </a:spcAft>
               <a:buNone/>
             </a:pPr>
-            <a:r>
-              <a:t/>
-            </a:r>
             <a:endParaRPr/>
           </a:p>
         </p:txBody>
@@ -986,11 +1020,11 @@
 </file>
 
 <file path=ppt/notesSlides/notesSlide4.xml><?xml version="1.0" encoding="utf-8"?>
-<p:notes xmlns:a="http://schemas.openxmlformats.org/drawingml/2006/main" xmlns:r="http://schemas.openxmlformats.org/officeDocument/2006/relationships" xmlns:mc="http://schemas.openxmlformats.org/markup-compatibility/2006" xmlns:mv="urn:schemas-microsoft-com:mac:vml" xmlns:p="http://schemas.openxmlformats.org/presentationml/2006/main" xmlns:c="http://schemas.openxmlformats.org/drawingml/2006/chart" xmlns:dgm="http://schemas.openxmlformats.org/drawingml/2006/diagram" xmlns:o="urn:schemas-microsoft-com:office:office" xmlns:v="urn:schemas-microsoft-com:vml" xmlns:pvml="urn:schemas-microsoft-com:office:powerpoint" xmlns:com="http://schemas.openxmlformats.org/drawingml/2006/compatibility" xmlns:p14="http://schemas.microsoft.com/office/powerpoint/2010/main" xmlns:p15="http://schemas.microsoft.com/office/powerpoint/2012/main" showMasterPhAnim="0" showMasterSp="0">
+<p:notes xmlns:a="http://schemas.openxmlformats.org/drawingml/2006/main" xmlns:r="http://schemas.openxmlformats.org/officeDocument/2006/relationships" xmlns:p="http://schemas.openxmlformats.org/presentationml/2006/main" showMasterSp="0" showMasterPhAnim="0">
   <p:cSld>
     <p:spTree>
       <p:nvGrpSpPr>
-        <p:cNvPr id="70" name="Shape 70"/>
+        <p:cNvPr id="1" name="Shape 70"/>
         <p:cNvGrpSpPr/>
         <p:nvPr/>
       </p:nvGrpSpPr>
@@ -1005,19 +1039,26 @@
       <p:sp>
         <p:nvSpPr>
           <p:cNvPr id="71" name="Shape 71"/>
-          <p:cNvSpPr/>
+          <p:cNvSpPr>
+            <a:spLocks noGrp="1" noRot="1" noChangeAspect="1"/>
+          </p:cNvSpPr>
           <p:nvPr>
-            <p:ph idx="2" type="sldImg"/>
+            <p:ph type="sldImg" idx="2"/>
           </p:nvPr>
         </p:nvSpPr>
         <p:spPr>
           <a:xfrm>
-            <a:off x="381300" y="685800"/>
+            <a:off x="381000" y="685800"/>
             <a:ext cx="6096000" cy="3429000"/>
           </a:xfrm>
           <a:custGeom>
+            <a:avLst/>
+            <a:gdLst/>
+            <a:ahLst/>
+            <a:cxnLst/>
+            <a:rect l="0" t="0" r="0" b="0"/>
             <a:pathLst>
-              <a:path extrusionOk="0" h="120000" w="120000">
+              <a:path w="120000" h="120000" extrusionOk="0">
                 <a:moveTo>
                   <a:pt x="0" y="0"/>
                 </a:moveTo>
@@ -1039,9 +1080,11 @@
       <p:sp>
         <p:nvSpPr>
           <p:cNvPr id="72" name="Shape 72"/>
-          <p:cNvSpPr txBox="1"/>
+          <p:cNvSpPr txBox="1">
+            <a:spLocks noGrp="1"/>
+          </p:cNvSpPr>
           <p:nvPr>
-            <p:ph idx="1" type="body"/>
+            <p:ph type="body" idx="1"/>
           </p:nvPr>
         </p:nvSpPr>
         <p:spPr>
@@ -1054,12 +1097,12 @@
           </a:prstGeom>
         </p:spPr>
         <p:txBody>
-          <a:bodyPr anchorCtr="0" anchor="t" bIns="91425" lIns="91425" spcFirstLastPara="1" rIns="91425" wrap="square" tIns="91425">
+          <a:bodyPr spcFirstLastPara="1" wrap="square" lIns="91425" tIns="91425" rIns="91425" bIns="91425" anchor="t" anchorCtr="0">
             <a:noAutofit/>
           </a:bodyPr>
           <a:lstStyle/>
           <a:p>
-            <a:pPr indent="0" lvl="0" marL="0">
+            <a:pPr marL="0" lvl="0" indent="0">
               <a:spcBef>
                 <a:spcPts val="0"/>
               </a:spcBef>
@@ -1068,9 +1111,6 @@
               </a:spcAft>
               <a:buNone/>
             </a:pPr>
-            <a:r>
-              <a:t/>
-            </a:r>
             <a:endParaRPr/>
           </a:p>
         </p:txBody>
@@ -1084,11 +1124,11 @@
 </file>
 
 <file path=ppt/notesSlides/notesSlide5.xml><?xml version="1.0" encoding="utf-8"?>
-<p:notes xmlns:a="http://schemas.openxmlformats.org/drawingml/2006/main" xmlns:r="http://schemas.openxmlformats.org/officeDocument/2006/relationships" xmlns:mc="http://schemas.openxmlformats.org/markup-compatibility/2006" xmlns:mv="urn:schemas-microsoft-com:mac:vml" xmlns:p="http://schemas.openxmlformats.org/presentationml/2006/main" xmlns:c="http://schemas.openxmlformats.org/drawingml/2006/chart" xmlns:dgm="http://schemas.openxmlformats.org/drawingml/2006/diagram" xmlns:o="urn:schemas-microsoft-com:office:office" xmlns:v="urn:schemas-microsoft-com:vml" xmlns:pvml="urn:schemas-microsoft-com:office:powerpoint" xmlns:com="http://schemas.openxmlformats.org/drawingml/2006/compatibility" xmlns:p14="http://schemas.microsoft.com/office/powerpoint/2010/main" xmlns:p15="http://schemas.microsoft.com/office/powerpoint/2012/main" showMasterPhAnim="0" showMasterSp="0">
+<p:notes xmlns:a="http://schemas.openxmlformats.org/drawingml/2006/main" xmlns:r="http://schemas.openxmlformats.org/officeDocument/2006/relationships" xmlns:p="http://schemas.openxmlformats.org/presentationml/2006/main" showMasterSp="0" showMasterPhAnim="0">
   <p:cSld>
     <p:spTree>
       <p:nvGrpSpPr>
-        <p:cNvPr id="86" name="Shape 86"/>
+        <p:cNvPr id="1" name="Shape 86"/>
         <p:cNvGrpSpPr/>
         <p:nvPr/>
       </p:nvGrpSpPr>
@@ -1103,19 +1143,26 @@
       <p:sp>
         <p:nvSpPr>
           <p:cNvPr id="87" name="Shape 87"/>
-          <p:cNvSpPr/>
+          <p:cNvSpPr>
+            <a:spLocks noGrp="1" noRot="1" noChangeAspect="1"/>
+          </p:cNvSpPr>
           <p:nvPr>
-            <p:ph idx="2" type="sldImg"/>
+            <p:ph type="sldImg" idx="2"/>
           </p:nvPr>
         </p:nvSpPr>
         <p:spPr>
           <a:xfrm>
-            <a:off x="381300" y="685800"/>
+            <a:off x="381000" y="685800"/>
             <a:ext cx="6096000" cy="3429000"/>
           </a:xfrm>
           <a:custGeom>
+            <a:avLst/>
+            <a:gdLst/>
+            <a:ahLst/>
+            <a:cxnLst/>
+            <a:rect l="0" t="0" r="0" b="0"/>
             <a:pathLst>
-              <a:path extrusionOk="0" h="120000" w="120000">
+              <a:path w="120000" h="120000" extrusionOk="0">
                 <a:moveTo>
                   <a:pt x="0" y="0"/>
                 </a:moveTo>
@@ -1137,9 +1184,11 @@
       <p:sp>
         <p:nvSpPr>
           <p:cNvPr id="88" name="Shape 88"/>
-          <p:cNvSpPr txBox="1"/>
+          <p:cNvSpPr txBox="1">
+            <a:spLocks noGrp="1"/>
+          </p:cNvSpPr>
           <p:nvPr>
-            <p:ph idx="1" type="body"/>
+            <p:ph type="body" idx="1"/>
           </p:nvPr>
         </p:nvSpPr>
         <p:spPr>
@@ -1152,12 +1201,12 @@
           </a:prstGeom>
         </p:spPr>
         <p:txBody>
-          <a:bodyPr anchorCtr="0" anchor="t" bIns="91425" lIns="91425" spcFirstLastPara="1" rIns="91425" wrap="square" tIns="91425">
+          <a:bodyPr spcFirstLastPara="1" wrap="square" lIns="91425" tIns="91425" rIns="91425" bIns="91425" anchor="t" anchorCtr="0">
             <a:noAutofit/>
           </a:bodyPr>
           <a:lstStyle/>
           <a:p>
-            <a:pPr indent="0" lvl="0" marL="0">
+            <a:pPr marL="0" lvl="0" indent="0">
               <a:spcBef>
                 <a:spcPts val="0"/>
               </a:spcBef>
@@ -1166,9 +1215,6 @@
               </a:spcAft>
               <a:buNone/>
             </a:pPr>
-            <a:r>
-              <a:t/>
-            </a:r>
             <a:endParaRPr/>
           </a:p>
         </p:txBody>
@@ -1182,11 +1228,11 @@
 </file>
 
 <file path=ppt/notesSlides/notesSlide6.xml><?xml version="1.0" encoding="utf-8"?>
-<p:notes xmlns:a="http://schemas.openxmlformats.org/drawingml/2006/main" xmlns:r="http://schemas.openxmlformats.org/officeDocument/2006/relationships" xmlns:mc="http://schemas.openxmlformats.org/markup-compatibility/2006" xmlns:mv="urn:schemas-microsoft-com:mac:vml" xmlns:p="http://schemas.openxmlformats.org/presentationml/2006/main" xmlns:c="http://schemas.openxmlformats.org/drawingml/2006/chart" xmlns:dgm="http://schemas.openxmlformats.org/drawingml/2006/diagram" xmlns:o="urn:schemas-microsoft-com:office:office" xmlns:v="urn:schemas-microsoft-com:vml" xmlns:pvml="urn:schemas-microsoft-com:office:powerpoint" xmlns:com="http://schemas.openxmlformats.org/drawingml/2006/compatibility" xmlns:p14="http://schemas.microsoft.com/office/powerpoint/2010/main" xmlns:p15="http://schemas.microsoft.com/office/powerpoint/2012/main" showMasterPhAnim="0" showMasterSp="0">
+<p:notes xmlns:a="http://schemas.openxmlformats.org/drawingml/2006/main" xmlns:r="http://schemas.openxmlformats.org/officeDocument/2006/relationships" xmlns:p="http://schemas.openxmlformats.org/presentationml/2006/main" showMasterSp="0" showMasterPhAnim="0">
   <p:cSld>
     <p:spTree>
       <p:nvGrpSpPr>
-        <p:cNvPr id="121" name="Shape 121"/>
+        <p:cNvPr id="1" name="Shape 121"/>
         <p:cNvGrpSpPr/>
         <p:nvPr/>
       </p:nvGrpSpPr>
@@ -1201,19 +1247,26 @@
       <p:sp>
         <p:nvSpPr>
           <p:cNvPr id="122" name="Shape 122"/>
-          <p:cNvSpPr/>
+          <p:cNvSpPr>
+            <a:spLocks noGrp="1" noRot="1" noChangeAspect="1"/>
+          </p:cNvSpPr>
           <p:nvPr>
-            <p:ph idx="2" type="sldImg"/>
+            <p:ph type="sldImg" idx="2"/>
           </p:nvPr>
         </p:nvSpPr>
         <p:spPr>
           <a:xfrm>
-            <a:off x="381300" y="685800"/>
+            <a:off x="381000" y="685800"/>
             <a:ext cx="6096000" cy="3429000"/>
           </a:xfrm>
           <a:custGeom>
+            <a:avLst/>
+            <a:gdLst/>
+            <a:ahLst/>
+            <a:cxnLst/>
+            <a:rect l="0" t="0" r="0" b="0"/>
             <a:pathLst>
-              <a:path extrusionOk="0" h="120000" w="120000">
+              <a:path w="120000" h="120000" extrusionOk="0">
                 <a:moveTo>
                   <a:pt x="0" y="0"/>
                 </a:moveTo>
@@ -1235,9 +1288,11 @@
       <p:sp>
         <p:nvSpPr>
           <p:cNvPr id="123" name="Shape 123"/>
-          <p:cNvSpPr txBox="1"/>
+          <p:cNvSpPr txBox="1">
+            <a:spLocks noGrp="1"/>
+          </p:cNvSpPr>
           <p:nvPr>
-            <p:ph idx="1" type="body"/>
+            <p:ph type="body" idx="1"/>
           </p:nvPr>
         </p:nvSpPr>
         <p:spPr>
@@ -1250,12 +1305,12 @@
           </a:prstGeom>
         </p:spPr>
         <p:txBody>
-          <a:bodyPr anchorCtr="0" anchor="t" bIns="91425" lIns="91425" spcFirstLastPara="1" rIns="91425" wrap="square" tIns="91425">
+          <a:bodyPr spcFirstLastPara="1" wrap="square" lIns="91425" tIns="91425" rIns="91425" bIns="91425" anchor="t" anchorCtr="0">
             <a:noAutofit/>
           </a:bodyPr>
           <a:lstStyle/>
           <a:p>
-            <a:pPr indent="0" lvl="0" marL="0">
+            <a:pPr marL="0" lvl="0" indent="0">
               <a:spcBef>
                 <a:spcPts val="0"/>
               </a:spcBef>
@@ -1264,9 +1319,6 @@
               </a:spcAft>
               <a:buNone/>
             </a:pPr>
-            <a:r>
-              <a:t/>
-            </a:r>
             <a:endParaRPr/>
           </a:p>
         </p:txBody>
@@ -1280,11 +1332,11 @@
 </file>
 
 <file path=ppt/notesSlides/notesSlide7.xml><?xml version="1.0" encoding="utf-8"?>
-<p:notes xmlns:a="http://schemas.openxmlformats.org/drawingml/2006/main" xmlns:r="http://schemas.openxmlformats.org/officeDocument/2006/relationships" xmlns:mc="http://schemas.openxmlformats.org/markup-compatibility/2006" xmlns:mv="urn:schemas-microsoft-com:mac:vml" xmlns:p="http://schemas.openxmlformats.org/presentationml/2006/main" xmlns:c="http://schemas.openxmlformats.org/drawingml/2006/chart" xmlns:dgm="http://schemas.openxmlformats.org/drawingml/2006/diagram" xmlns:o="urn:schemas-microsoft-com:office:office" xmlns:v="urn:schemas-microsoft-com:vml" xmlns:pvml="urn:schemas-microsoft-com:office:powerpoint" xmlns:com="http://schemas.openxmlformats.org/drawingml/2006/compatibility" xmlns:p14="http://schemas.microsoft.com/office/powerpoint/2010/main" xmlns:p15="http://schemas.microsoft.com/office/powerpoint/2012/main" showMasterPhAnim="0" showMasterSp="0">
+<p:notes xmlns:a="http://schemas.openxmlformats.org/drawingml/2006/main" xmlns:r="http://schemas.openxmlformats.org/officeDocument/2006/relationships" xmlns:p="http://schemas.openxmlformats.org/presentationml/2006/main" showMasterSp="0" showMasterPhAnim="0">
   <p:cSld>
     <p:spTree>
       <p:nvGrpSpPr>
-        <p:cNvPr id="127" name="Shape 127"/>
+        <p:cNvPr id="1" name="Shape 127"/>
         <p:cNvGrpSpPr/>
         <p:nvPr/>
       </p:nvGrpSpPr>
@@ -1299,19 +1351,26 @@
       <p:sp>
         <p:nvSpPr>
           <p:cNvPr id="128" name="Shape 128"/>
-          <p:cNvSpPr/>
+          <p:cNvSpPr>
+            <a:spLocks noGrp="1" noRot="1" noChangeAspect="1"/>
+          </p:cNvSpPr>
           <p:nvPr>
-            <p:ph idx="2" type="sldImg"/>
+            <p:ph type="sldImg" idx="2"/>
           </p:nvPr>
         </p:nvSpPr>
         <p:spPr>
           <a:xfrm>
-            <a:off x="381300" y="685800"/>
+            <a:off x="381000" y="685800"/>
             <a:ext cx="6096000" cy="3429000"/>
           </a:xfrm>
           <a:custGeom>
+            <a:avLst/>
+            <a:gdLst/>
+            <a:ahLst/>
+            <a:cxnLst/>
+            <a:rect l="0" t="0" r="0" b="0"/>
             <a:pathLst>
-              <a:path extrusionOk="0" h="120000" w="120000">
+              <a:path w="120000" h="120000" extrusionOk="0">
                 <a:moveTo>
                   <a:pt x="0" y="0"/>
                 </a:moveTo>
@@ -1333,9 +1392,11 @@
       <p:sp>
         <p:nvSpPr>
           <p:cNvPr id="129" name="Shape 129"/>
-          <p:cNvSpPr txBox="1"/>
+          <p:cNvSpPr txBox="1">
+            <a:spLocks noGrp="1"/>
+          </p:cNvSpPr>
           <p:nvPr>
-            <p:ph idx="1" type="body"/>
+            <p:ph type="body" idx="1"/>
           </p:nvPr>
         </p:nvSpPr>
         <p:spPr>
@@ -1348,12 +1409,12 @@
           </a:prstGeom>
         </p:spPr>
         <p:txBody>
-          <a:bodyPr anchorCtr="0" anchor="t" bIns="91425" lIns="91425" spcFirstLastPara="1" rIns="91425" wrap="square" tIns="91425">
+          <a:bodyPr spcFirstLastPara="1" wrap="square" lIns="91425" tIns="91425" rIns="91425" bIns="91425" anchor="t" anchorCtr="0">
             <a:noAutofit/>
           </a:bodyPr>
           <a:lstStyle/>
           <a:p>
-            <a:pPr indent="0" lvl="0" marL="0">
+            <a:pPr marL="0" lvl="0" indent="0">
               <a:spcBef>
                 <a:spcPts val="0"/>
               </a:spcBef>
@@ -1362,9 +1423,6 @@
               </a:spcAft>
               <a:buNone/>
             </a:pPr>
-            <a:r>
-              <a:t/>
-            </a:r>
             <a:endParaRPr/>
           </a:p>
         </p:txBody>
@@ -1378,11 +1436,11 @@
 </file>
 
 <file path=ppt/notesSlides/notesSlide8.xml><?xml version="1.0" encoding="utf-8"?>
-<p:notes xmlns:a="http://schemas.openxmlformats.org/drawingml/2006/main" xmlns:r="http://schemas.openxmlformats.org/officeDocument/2006/relationships" xmlns:mc="http://schemas.openxmlformats.org/markup-compatibility/2006" xmlns:mv="urn:schemas-microsoft-com:mac:vml" xmlns:p="http://schemas.openxmlformats.org/presentationml/2006/main" xmlns:c="http://schemas.openxmlformats.org/drawingml/2006/chart" xmlns:dgm="http://schemas.openxmlformats.org/drawingml/2006/diagram" xmlns:o="urn:schemas-microsoft-com:office:office" xmlns:v="urn:schemas-microsoft-com:vml" xmlns:pvml="urn:schemas-microsoft-com:office:powerpoint" xmlns:com="http://schemas.openxmlformats.org/drawingml/2006/compatibility" xmlns:p14="http://schemas.microsoft.com/office/powerpoint/2010/main" xmlns:p15="http://schemas.microsoft.com/office/powerpoint/2012/main" showMasterPhAnim="0" showMasterSp="0">
+<p:notes xmlns:a="http://schemas.openxmlformats.org/drawingml/2006/main" xmlns:r="http://schemas.openxmlformats.org/officeDocument/2006/relationships" xmlns:p="http://schemas.openxmlformats.org/presentationml/2006/main" showMasterSp="0" showMasterPhAnim="0">
   <p:cSld>
     <p:spTree>
       <p:nvGrpSpPr>
-        <p:cNvPr id="132" name="Shape 132"/>
+        <p:cNvPr id="1" name="Shape 132"/>
         <p:cNvGrpSpPr/>
         <p:nvPr/>
       </p:nvGrpSpPr>
@@ -1397,19 +1455,26 @@
       <p:sp>
         <p:nvSpPr>
           <p:cNvPr id="133" name="Shape 133"/>
-          <p:cNvSpPr/>
+          <p:cNvSpPr>
+            <a:spLocks noGrp="1" noRot="1" noChangeAspect="1"/>
+          </p:cNvSpPr>
           <p:nvPr>
-            <p:ph idx="2" type="sldImg"/>
+            <p:ph type="sldImg" idx="2"/>
           </p:nvPr>
         </p:nvSpPr>
         <p:spPr>
           <a:xfrm>
-            <a:off x="381300" y="685800"/>
+            <a:off x="381000" y="685800"/>
             <a:ext cx="6096000" cy="3429000"/>
           </a:xfrm>
           <a:custGeom>
+            <a:avLst/>
+            <a:gdLst/>
+            <a:ahLst/>
+            <a:cxnLst/>
+            <a:rect l="0" t="0" r="0" b="0"/>
             <a:pathLst>
-              <a:path extrusionOk="0" h="120000" w="120000">
+              <a:path w="120000" h="120000" extrusionOk="0">
                 <a:moveTo>
                   <a:pt x="0" y="0"/>
                 </a:moveTo>
@@ -1431,9 +1496,11 @@
       <p:sp>
         <p:nvSpPr>
           <p:cNvPr id="134" name="Shape 134"/>
-          <p:cNvSpPr txBox="1"/>
+          <p:cNvSpPr txBox="1">
+            <a:spLocks noGrp="1"/>
+          </p:cNvSpPr>
           <p:nvPr>
-            <p:ph idx="1" type="body"/>
+            <p:ph type="body" idx="1"/>
           </p:nvPr>
         </p:nvSpPr>
         <p:spPr>
@@ -1446,12 +1513,12 @@
           </a:prstGeom>
         </p:spPr>
         <p:txBody>
-          <a:bodyPr anchorCtr="0" anchor="t" bIns="91425" lIns="91425" spcFirstLastPara="1" rIns="91425" wrap="square" tIns="91425">
+          <a:bodyPr spcFirstLastPara="1" wrap="square" lIns="91425" tIns="91425" rIns="91425" bIns="91425" anchor="t" anchorCtr="0">
             <a:noAutofit/>
           </a:bodyPr>
           <a:lstStyle/>
           <a:p>
-            <a:pPr indent="0" lvl="0" marL="0">
+            <a:pPr marL="0" lvl="0" indent="0">
               <a:spcBef>
                 <a:spcPts val="0"/>
               </a:spcBef>
@@ -1460,9 +1527,6 @@
               </a:spcAft>
               <a:buNone/>
             </a:pPr>
-            <a:r>
-              <a:t/>
-            </a:r>
             <a:endParaRPr/>
           </a:p>
         </p:txBody>
@@ -1476,11 +1540,11 @@
 </file>
 
 <file path=ppt/notesSlides/notesSlide9.xml><?xml version="1.0" encoding="utf-8"?>
-<p:notes xmlns:a="http://schemas.openxmlformats.org/drawingml/2006/main" xmlns:r="http://schemas.openxmlformats.org/officeDocument/2006/relationships" xmlns:mc="http://schemas.openxmlformats.org/markup-compatibility/2006" xmlns:mv="urn:schemas-microsoft-com:mac:vml" xmlns:p="http://schemas.openxmlformats.org/presentationml/2006/main" xmlns:c="http://schemas.openxmlformats.org/drawingml/2006/chart" xmlns:dgm="http://schemas.openxmlformats.org/drawingml/2006/diagram" xmlns:o="urn:schemas-microsoft-com:office:office" xmlns:v="urn:schemas-microsoft-com:vml" xmlns:pvml="urn:schemas-microsoft-com:office:powerpoint" xmlns:com="http://schemas.openxmlformats.org/drawingml/2006/compatibility" xmlns:p14="http://schemas.microsoft.com/office/powerpoint/2010/main" xmlns:p15="http://schemas.microsoft.com/office/powerpoint/2012/main" showMasterPhAnim="0" showMasterSp="0">
+<p:notes xmlns:a="http://schemas.openxmlformats.org/drawingml/2006/main" xmlns:r="http://schemas.openxmlformats.org/officeDocument/2006/relationships" xmlns:p="http://schemas.openxmlformats.org/presentationml/2006/main" showMasterSp="0" showMasterPhAnim="0">
   <p:cSld>
     <p:spTree>
       <p:nvGrpSpPr>
-        <p:cNvPr id="139" name="Shape 139"/>
+        <p:cNvPr id="1" name="Shape 139"/>
         <p:cNvGrpSpPr/>
         <p:nvPr/>
       </p:nvGrpSpPr>
@@ -1495,19 +1559,26 @@
       <p:sp>
         <p:nvSpPr>
           <p:cNvPr id="140" name="Shape 140"/>
-          <p:cNvSpPr/>
+          <p:cNvSpPr>
+            <a:spLocks noGrp="1" noRot="1" noChangeAspect="1"/>
+          </p:cNvSpPr>
           <p:nvPr>
-            <p:ph idx="2" type="sldImg"/>
+            <p:ph type="sldImg" idx="2"/>
           </p:nvPr>
         </p:nvSpPr>
         <p:spPr>
           <a:xfrm>
-            <a:off x="381300" y="685800"/>
+            <a:off x="381000" y="685800"/>
             <a:ext cx="6096000" cy="3429000"/>
           </a:xfrm>
           <a:custGeom>
+            <a:avLst/>
+            <a:gdLst/>
+            <a:ahLst/>
+            <a:cxnLst/>
+            <a:rect l="0" t="0" r="0" b="0"/>
             <a:pathLst>
-              <a:path extrusionOk="0" h="120000" w="120000">
+              <a:path w="120000" h="120000" extrusionOk="0">
                 <a:moveTo>
                   <a:pt x="0" y="0"/>
                 </a:moveTo>
@@ -1529,9 +1600,11 @@
       <p:sp>
         <p:nvSpPr>
           <p:cNvPr id="141" name="Shape 141"/>
-          <p:cNvSpPr txBox="1"/>
+          <p:cNvSpPr txBox="1">
+            <a:spLocks noGrp="1"/>
+          </p:cNvSpPr>
           <p:nvPr>
-            <p:ph idx="1" type="body"/>
+            <p:ph type="body" idx="1"/>
           </p:nvPr>
         </p:nvSpPr>
         <p:spPr>
@@ -1544,12 +1617,12 @@
           </a:prstGeom>
         </p:spPr>
         <p:txBody>
-          <a:bodyPr anchorCtr="0" anchor="t" bIns="91425" lIns="91425" spcFirstLastPara="1" rIns="91425" wrap="square" tIns="91425">
+          <a:bodyPr spcFirstLastPara="1" wrap="square" lIns="91425" tIns="91425" rIns="91425" bIns="91425" anchor="t" anchorCtr="0">
             <a:noAutofit/>
           </a:bodyPr>
           <a:lstStyle/>
           <a:p>
-            <a:pPr indent="0" lvl="0" marL="0">
+            <a:pPr marL="0" lvl="0" indent="0">
               <a:spcBef>
                 <a:spcPts val="0"/>
               </a:spcBef>
@@ -1558,9 +1631,6 @@
               </a:spcAft>
               <a:buNone/>
             </a:pPr>
-            <a:r>
-              <a:t/>
-            </a:r>
             <a:endParaRPr/>
           </a:p>
         </p:txBody>
@@ -1574,11 +1644,11 @@
 </file>
 
 <file path=ppt/slideLayouts/slideLayout1.xml><?xml version="1.0" encoding="utf-8"?>
-<p:sldLayout xmlns:a="http://schemas.openxmlformats.org/drawingml/2006/main" xmlns:r="http://schemas.openxmlformats.org/officeDocument/2006/relationships" xmlns:mc="http://schemas.openxmlformats.org/markup-compatibility/2006" xmlns:mv="urn:schemas-microsoft-com:mac:vml" xmlns:p="http://schemas.openxmlformats.org/presentationml/2006/main" xmlns:c="http://schemas.openxmlformats.org/drawingml/2006/chart" xmlns:dgm="http://schemas.openxmlformats.org/drawingml/2006/diagram" xmlns:o="urn:schemas-microsoft-com:office:office" xmlns:v="urn:schemas-microsoft-com:vml" xmlns:pvml="urn:schemas-microsoft-com:office:powerpoint" xmlns:com="http://schemas.openxmlformats.org/drawingml/2006/compatibility" xmlns:p14="http://schemas.microsoft.com/office/powerpoint/2010/main" xmlns:p15="http://schemas.microsoft.com/office/powerpoint/2012/main" matchingName="Title slide" type="title">
+<p:sldLayout xmlns:a="http://schemas.openxmlformats.org/drawingml/2006/main" xmlns:r="http://schemas.openxmlformats.org/officeDocument/2006/relationships" xmlns:p="http://schemas.openxmlformats.org/presentationml/2006/main" matchingName="Title slide" type="title">
   <p:cSld name="TITLE">
     <p:spTree>
       <p:nvGrpSpPr>
-        <p:cNvPr id="9" name="Shape 9"/>
+        <p:cNvPr id="1" name="Shape 9"/>
         <p:cNvGrpSpPr/>
         <p:nvPr/>
       </p:nvGrpSpPr>
@@ -1593,7 +1663,9 @@
       <p:sp>
         <p:nvSpPr>
           <p:cNvPr id="10" name="Shape 10"/>
-          <p:cNvSpPr txBox="1"/>
+          <p:cNvSpPr txBox="1">
+            <a:spLocks noGrp="1"/>
+          </p:cNvSpPr>
           <p:nvPr>
             <p:ph type="ctrTitle"/>
           </p:nvPr>
@@ -1608,7 +1680,7 @@
           </a:prstGeom>
         </p:spPr>
         <p:txBody>
-          <a:bodyPr anchorCtr="0" anchor="b" bIns="91425" lIns="91425" spcFirstLastPara="1" rIns="91425" wrap="square" tIns="91425"/>
+          <a:bodyPr spcFirstLastPara="1" wrap="square" lIns="91425" tIns="91425" rIns="91425" bIns="91425" anchor="b" anchorCtr="0"/>
           <a:lstStyle>
             <a:lvl1pPr lvl="0" algn="ctr">
               <a:spcBef>
@@ -1710,15 +1782,19 @@
               <a:defRPr sz="5200"/>
             </a:lvl9pPr>
           </a:lstStyle>
-          <a:p/>
+          <a:p>
+            <a:endParaRPr/>
+          </a:p>
         </p:txBody>
       </p:sp>
       <p:sp>
         <p:nvSpPr>
           <p:cNvPr id="11" name="Shape 11"/>
-          <p:cNvSpPr txBox="1"/>
+          <p:cNvSpPr txBox="1">
+            <a:spLocks noGrp="1"/>
+          </p:cNvSpPr>
           <p:nvPr>
-            <p:ph idx="1" type="subTitle"/>
+            <p:ph type="subTitle" idx="1"/>
           </p:nvPr>
         </p:nvSpPr>
         <p:spPr>
@@ -1731,7 +1807,7 @@
           </a:prstGeom>
         </p:spPr>
         <p:txBody>
-          <a:bodyPr anchorCtr="0" anchor="t" bIns="91425" lIns="91425" spcFirstLastPara="1" rIns="91425" wrap="square" tIns="91425"/>
+          <a:bodyPr spcFirstLastPara="1" wrap="square" lIns="91425" tIns="91425" rIns="91425" bIns="91425" anchor="t" anchorCtr="0"/>
           <a:lstStyle>
             <a:lvl1pPr lvl="0" algn="ctr">
               <a:lnSpc>
@@ -1860,15 +1936,19 @@
               <a:defRPr sz="2800"/>
             </a:lvl9pPr>
           </a:lstStyle>
-          <a:p/>
+          <a:p>
+            <a:endParaRPr/>
+          </a:p>
         </p:txBody>
       </p:sp>
       <p:sp>
         <p:nvSpPr>
           <p:cNvPr id="12" name="Shape 12"/>
-          <p:cNvSpPr txBox="1"/>
+          <p:cNvSpPr txBox="1">
+            <a:spLocks noGrp="1"/>
+          </p:cNvSpPr>
           <p:nvPr>
-            <p:ph idx="12" type="sldNum"/>
+            <p:ph type="sldNum" idx="12"/>
           </p:nvPr>
         </p:nvSpPr>
         <p:spPr>
@@ -1881,7 +1961,7 @@
           </a:prstGeom>
         </p:spPr>
         <p:txBody>
-          <a:bodyPr anchorCtr="0" anchor="ctr" bIns="91425" lIns="91425" spcFirstLastPara="1" rIns="91425" wrap="square" tIns="91425">
+          <a:bodyPr spcFirstLastPara="1" wrap="square" lIns="91425" tIns="91425" rIns="91425" bIns="91425" anchor="ctr" anchorCtr="0">
             <a:noAutofit/>
           </a:bodyPr>
           <a:lstStyle>
@@ -1923,7 +2003,7 @@
             </a:lvl9pPr>
           </a:lstStyle>
           <a:p>
-            <a:pPr indent="0" lvl="0" marL="0">
+            <a:pPr marL="0" lvl="0" indent="0">
               <a:spcBef>
                 <a:spcPts val="0"/>
               </a:spcBef>
@@ -1949,11 +2029,11 @@
 </file>
 
 <file path=ppt/slideLayouts/slideLayout10.xml><?xml version="1.0" encoding="utf-8"?>
-<p:sldLayout xmlns:a="http://schemas.openxmlformats.org/drawingml/2006/main" xmlns:r="http://schemas.openxmlformats.org/officeDocument/2006/relationships" xmlns:mc="http://schemas.openxmlformats.org/markup-compatibility/2006" xmlns:mv="urn:schemas-microsoft-com:mac:vml" xmlns:p="http://schemas.openxmlformats.org/presentationml/2006/main" xmlns:c="http://schemas.openxmlformats.org/drawingml/2006/chart" xmlns:dgm="http://schemas.openxmlformats.org/drawingml/2006/diagram" xmlns:o="urn:schemas-microsoft-com:office:office" xmlns:v="urn:schemas-microsoft-com:vml" xmlns:pvml="urn:schemas-microsoft-com:office:powerpoint" xmlns:com="http://schemas.openxmlformats.org/drawingml/2006/compatibility" xmlns:p14="http://schemas.microsoft.com/office/powerpoint/2010/main" xmlns:p15="http://schemas.microsoft.com/office/powerpoint/2012/main" matchingName="Big number">
+<p:sldLayout xmlns:a="http://schemas.openxmlformats.org/drawingml/2006/main" xmlns:r="http://schemas.openxmlformats.org/officeDocument/2006/relationships" xmlns:p="http://schemas.openxmlformats.org/presentationml/2006/main" matchingName="Big number">
   <p:cSld name="BIG_NUMBER">
     <p:spTree>
       <p:nvGrpSpPr>
-        <p:cNvPr id="44" name="Shape 44"/>
+        <p:cNvPr id="1" name="Shape 44"/>
         <p:cNvGrpSpPr/>
         <p:nvPr/>
       </p:nvGrpSpPr>
@@ -1968,9 +2048,11 @@
       <p:sp>
         <p:nvSpPr>
           <p:cNvPr id="45" name="Shape 45"/>
-          <p:cNvSpPr txBox="1"/>
+          <p:cNvSpPr txBox="1">
+            <a:spLocks noGrp="1"/>
+          </p:cNvSpPr>
           <p:nvPr>
-            <p:ph hasCustomPrompt="1" type="title"/>
+            <p:ph type="title" hasCustomPrompt="1"/>
           </p:nvPr>
         </p:nvSpPr>
         <p:spPr>
@@ -1983,7 +2065,7 @@
           </a:prstGeom>
         </p:spPr>
         <p:txBody>
-          <a:bodyPr anchorCtr="0" anchor="b" bIns="91425" lIns="91425" spcFirstLastPara="1" rIns="91425" wrap="square" tIns="91425"/>
+          <a:bodyPr spcFirstLastPara="1" wrap="square" lIns="91425" tIns="91425" rIns="91425" bIns="91425" anchor="b" anchorCtr="0"/>
           <a:lstStyle>
             <a:lvl1pPr lvl="0" algn="ctr">
               <a:spcBef>
@@ -2095,9 +2177,11 @@
       <p:sp>
         <p:nvSpPr>
           <p:cNvPr id="46" name="Shape 46"/>
-          <p:cNvSpPr txBox="1"/>
+          <p:cNvSpPr txBox="1">
+            <a:spLocks noGrp="1"/>
+          </p:cNvSpPr>
           <p:nvPr>
-            <p:ph idx="1" type="body"/>
+            <p:ph type="body" idx="1"/>
           </p:nvPr>
         </p:nvSpPr>
         <p:spPr>
@@ -2110,9 +2194,9 @@
           </a:prstGeom>
         </p:spPr>
         <p:txBody>
-          <a:bodyPr anchorCtr="0" anchor="t" bIns="91425" lIns="91425" spcFirstLastPara="1" rIns="91425" wrap="square" tIns="91425"/>
+          <a:bodyPr spcFirstLastPara="1" wrap="square" lIns="91425" tIns="91425" rIns="91425" bIns="91425" anchor="t" anchorCtr="0"/>
           <a:lstStyle>
-            <a:lvl1pPr indent="-342900" lvl="0" marL="457200" algn="ctr">
+            <a:lvl1pPr marL="457200" lvl="0" indent="-342900" algn="ctr">
               <a:spcBef>
                 <a:spcPts val="0"/>
               </a:spcBef>
@@ -2123,7 +2207,7 @@
               <a:buChar char="●"/>
               <a:defRPr/>
             </a:lvl1pPr>
-            <a:lvl2pPr indent="-317500" lvl="1" marL="914400" algn="ctr">
+            <a:lvl2pPr marL="914400" lvl="1" indent="-317500" algn="ctr">
               <a:spcBef>
                 <a:spcPts val="1600"/>
               </a:spcBef>
@@ -2134,7 +2218,7 @@
               <a:buChar char="○"/>
               <a:defRPr/>
             </a:lvl2pPr>
-            <a:lvl3pPr indent="-317500" lvl="2" marL="1371600" algn="ctr">
+            <a:lvl3pPr marL="1371600" lvl="2" indent="-317500" algn="ctr">
               <a:spcBef>
                 <a:spcPts val="1600"/>
               </a:spcBef>
@@ -2145,7 +2229,7 @@
               <a:buChar char="■"/>
               <a:defRPr/>
             </a:lvl3pPr>
-            <a:lvl4pPr indent="-317500" lvl="3" marL="1828800" algn="ctr">
+            <a:lvl4pPr marL="1828800" lvl="3" indent="-317500" algn="ctr">
               <a:spcBef>
                 <a:spcPts val="1600"/>
               </a:spcBef>
@@ -2156,7 +2240,7 @@
               <a:buChar char="●"/>
               <a:defRPr/>
             </a:lvl4pPr>
-            <a:lvl5pPr indent="-317500" lvl="4" marL="2286000" algn="ctr">
+            <a:lvl5pPr marL="2286000" lvl="4" indent="-317500" algn="ctr">
               <a:spcBef>
                 <a:spcPts val="1600"/>
               </a:spcBef>
@@ -2167,7 +2251,7 @@
               <a:buChar char="○"/>
               <a:defRPr/>
             </a:lvl5pPr>
-            <a:lvl6pPr indent="-317500" lvl="5" marL="2743200" algn="ctr">
+            <a:lvl6pPr marL="2743200" lvl="5" indent="-317500" algn="ctr">
               <a:spcBef>
                 <a:spcPts val="1600"/>
               </a:spcBef>
@@ -2178,7 +2262,7 @@
               <a:buChar char="■"/>
               <a:defRPr/>
             </a:lvl6pPr>
-            <a:lvl7pPr indent="-317500" lvl="6" marL="3200400" algn="ctr">
+            <a:lvl7pPr marL="3200400" lvl="6" indent="-317500" algn="ctr">
               <a:spcBef>
                 <a:spcPts val="1600"/>
               </a:spcBef>
@@ -2189,7 +2273,7 @@
               <a:buChar char="●"/>
               <a:defRPr/>
             </a:lvl7pPr>
-            <a:lvl8pPr indent="-317500" lvl="7" marL="3657600" algn="ctr">
+            <a:lvl8pPr marL="3657600" lvl="7" indent="-317500" algn="ctr">
               <a:spcBef>
                 <a:spcPts val="1600"/>
               </a:spcBef>
@@ -2200,7 +2284,7 @@
               <a:buChar char="○"/>
               <a:defRPr/>
             </a:lvl8pPr>
-            <a:lvl9pPr indent="-317500" lvl="8" marL="4114800" algn="ctr">
+            <a:lvl9pPr marL="4114800" lvl="8" indent="-317500" algn="ctr">
               <a:spcBef>
                 <a:spcPts val="1600"/>
               </a:spcBef>
@@ -2212,15 +2296,19 @@
               <a:defRPr/>
             </a:lvl9pPr>
           </a:lstStyle>
-          <a:p/>
+          <a:p>
+            <a:endParaRPr/>
+          </a:p>
         </p:txBody>
       </p:sp>
       <p:sp>
         <p:nvSpPr>
           <p:cNvPr id="47" name="Shape 47"/>
-          <p:cNvSpPr txBox="1"/>
+          <p:cNvSpPr txBox="1">
+            <a:spLocks noGrp="1"/>
+          </p:cNvSpPr>
           <p:nvPr>
-            <p:ph idx="12" type="sldNum"/>
+            <p:ph type="sldNum" idx="12"/>
           </p:nvPr>
         </p:nvSpPr>
         <p:spPr>
@@ -2233,7 +2321,7 @@
           </a:prstGeom>
         </p:spPr>
         <p:txBody>
-          <a:bodyPr anchorCtr="0" anchor="ctr" bIns="91425" lIns="91425" spcFirstLastPara="1" rIns="91425" wrap="square" tIns="91425">
+          <a:bodyPr spcFirstLastPara="1" wrap="square" lIns="91425" tIns="91425" rIns="91425" bIns="91425" anchor="ctr" anchorCtr="0">
             <a:noAutofit/>
           </a:bodyPr>
           <a:lstStyle>
@@ -2275,7 +2363,7 @@
             </a:lvl9pPr>
           </a:lstStyle>
           <a:p>
-            <a:pPr indent="0" lvl="0" marL="0">
+            <a:pPr marL="0" lvl="0" indent="0">
               <a:spcBef>
                 <a:spcPts val="0"/>
               </a:spcBef>
@@ -2301,11 +2389,11 @@
 </file>
 
 <file path=ppt/slideLayouts/slideLayout11.xml><?xml version="1.0" encoding="utf-8"?>
-<p:sldLayout xmlns:a="http://schemas.openxmlformats.org/drawingml/2006/main" xmlns:r="http://schemas.openxmlformats.org/officeDocument/2006/relationships" xmlns:mc="http://schemas.openxmlformats.org/markup-compatibility/2006" xmlns:mv="urn:schemas-microsoft-com:mac:vml" xmlns:p="http://schemas.openxmlformats.org/presentationml/2006/main" xmlns:c="http://schemas.openxmlformats.org/drawingml/2006/chart" xmlns:dgm="http://schemas.openxmlformats.org/drawingml/2006/diagram" xmlns:o="urn:schemas-microsoft-com:office:office" xmlns:v="urn:schemas-microsoft-com:vml" xmlns:pvml="urn:schemas-microsoft-com:office:powerpoint" xmlns:com="http://schemas.openxmlformats.org/drawingml/2006/compatibility" xmlns:p14="http://schemas.microsoft.com/office/powerpoint/2010/main" xmlns:p15="http://schemas.microsoft.com/office/powerpoint/2012/main" matchingName="Blank" type="blank">
+<p:sldLayout xmlns:a="http://schemas.openxmlformats.org/drawingml/2006/main" xmlns:r="http://schemas.openxmlformats.org/officeDocument/2006/relationships" xmlns:p="http://schemas.openxmlformats.org/presentationml/2006/main" matchingName="Blank" type="blank">
   <p:cSld name="BLANK">
     <p:spTree>
       <p:nvGrpSpPr>
-        <p:cNvPr id="48" name="Shape 48"/>
+        <p:cNvPr id="1" name="Shape 48"/>
         <p:cNvGrpSpPr/>
         <p:nvPr/>
       </p:nvGrpSpPr>
@@ -2320,9 +2408,11 @@
       <p:sp>
         <p:nvSpPr>
           <p:cNvPr id="49" name="Shape 49"/>
-          <p:cNvSpPr txBox="1"/>
+          <p:cNvSpPr txBox="1">
+            <a:spLocks noGrp="1"/>
+          </p:cNvSpPr>
           <p:nvPr>
-            <p:ph idx="12" type="sldNum"/>
+            <p:ph type="sldNum" idx="12"/>
           </p:nvPr>
         </p:nvSpPr>
         <p:spPr>
@@ -2335,7 +2425,7 @@
           </a:prstGeom>
         </p:spPr>
         <p:txBody>
-          <a:bodyPr anchorCtr="0" anchor="ctr" bIns="91425" lIns="91425" spcFirstLastPara="1" rIns="91425" wrap="square" tIns="91425">
+          <a:bodyPr spcFirstLastPara="1" wrap="square" lIns="91425" tIns="91425" rIns="91425" bIns="91425" anchor="ctr" anchorCtr="0">
             <a:noAutofit/>
           </a:bodyPr>
           <a:lstStyle>
@@ -2377,7 +2467,7 @@
             </a:lvl9pPr>
           </a:lstStyle>
           <a:p>
-            <a:pPr indent="0" lvl="0" marL="0">
+            <a:pPr marL="0" lvl="0" indent="0">
               <a:spcBef>
                 <a:spcPts val="0"/>
               </a:spcBef>
@@ -2403,11 +2493,11 @@
 </file>
 
 <file path=ppt/slideLayouts/slideLayout2.xml><?xml version="1.0" encoding="utf-8"?>
-<p:sldLayout xmlns:a="http://schemas.openxmlformats.org/drawingml/2006/main" xmlns:r="http://schemas.openxmlformats.org/officeDocument/2006/relationships" xmlns:mc="http://schemas.openxmlformats.org/markup-compatibility/2006" xmlns:mv="urn:schemas-microsoft-com:mac:vml" xmlns:p="http://schemas.openxmlformats.org/presentationml/2006/main" xmlns:c="http://schemas.openxmlformats.org/drawingml/2006/chart" xmlns:dgm="http://schemas.openxmlformats.org/drawingml/2006/diagram" xmlns:o="urn:schemas-microsoft-com:office:office" xmlns:v="urn:schemas-microsoft-com:vml" xmlns:pvml="urn:schemas-microsoft-com:office:powerpoint" xmlns:com="http://schemas.openxmlformats.org/drawingml/2006/compatibility" xmlns:p14="http://schemas.microsoft.com/office/powerpoint/2010/main" xmlns:p15="http://schemas.microsoft.com/office/powerpoint/2012/main" matchingName="Section header" type="secHead">
+<p:sldLayout xmlns:a="http://schemas.openxmlformats.org/drawingml/2006/main" xmlns:r="http://schemas.openxmlformats.org/officeDocument/2006/relationships" xmlns:p="http://schemas.openxmlformats.org/presentationml/2006/main" matchingName="Section header" type="secHead">
   <p:cSld name="SECTION_HEADER">
     <p:spTree>
       <p:nvGrpSpPr>
-        <p:cNvPr id="13" name="Shape 13"/>
+        <p:cNvPr id="1" name="Shape 13"/>
         <p:cNvGrpSpPr/>
         <p:nvPr/>
       </p:nvGrpSpPr>
@@ -2422,7 +2512,9 @@
       <p:sp>
         <p:nvSpPr>
           <p:cNvPr id="14" name="Shape 14"/>
-          <p:cNvSpPr txBox="1"/>
+          <p:cNvSpPr txBox="1">
+            <a:spLocks noGrp="1"/>
+          </p:cNvSpPr>
           <p:nvPr>
             <p:ph type="title"/>
           </p:nvPr>
@@ -2437,7 +2529,7 @@
           </a:prstGeom>
         </p:spPr>
         <p:txBody>
-          <a:bodyPr anchorCtr="0" anchor="ctr" bIns="91425" lIns="91425" spcFirstLastPara="1" rIns="91425" wrap="square" tIns="91425"/>
+          <a:bodyPr spcFirstLastPara="1" wrap="square" lIns="91425" tIns="91425" rIns="91425" bIns="91425" anchor="ctr" anchorCtr="0"/>
           <a:lstStyle>
             <a:lvl1pPr lvl="0" algn="ctr">
               <a:spcBef>
@@ -2539,15 +2631,19 @@
               <a:defRPr sz="3600"/>
             </a:lvl9pPr>
           </a:lstStyle>
-          <a:p/>
+          <a:p>
+            <a:endParaRPr/>
+          </a:p>
         </p:txBody>
       </p:sp>
       <p:sp>
         <p:nvSpPr>
           <p:cNvPr id="15" name="Shape 15"/>
-          <p:cNvSpPr txBox="1"/>
+          <p:cNvSpPr txBox="1">
+            <a:spLocks noGrp="1"/>
+          </p:cNvSpPr>
           <p:nvPr>
-            <p:ph idx="12" type="sldNum"/>
+            <p:ph type="sldNum" idx="12"/>
           </p:nvPr>
         </p:nvSpPr>
         <p:spPr>
@@ -2560,7 +2656,7 @@
           </a:prstGeom>
         </p:spPr>
         <p:txBody>
-          <a:bodyPr anchorCtr="0" anchor="ctr" bIns="91425" lIns="91425" spcFirstLastPara="1" rIns="91425" wrap="square" tIns="91425">
+          <a:bodyPr spcFirstLastPara="1" wrap="square" lIns="91425" tIns="91425" rIns="91425" bIns="91425" anchor="ctr" anchorCtr="0">
             <a:noAutofit/>
           </a:bodyPr>
           <a:lstStyle>
@@ -2602,7 +2698,7 @@
             </a:lvl9pPr>
           </a:lstStyle>
           <a:p>
-            <a:pPr indent="0" lvl="0" marL="0">
+            <a:pPr marL="0" lvl="0" indent="0">
               <a:spcBef>
                 <a:spcPts val="0"/>
               </a:spcBef>
@@ -2628,11 +2724,11 @@
 </file>
 
 <file path=ppt/slideLayouts/slideLayout3.xml><?xml version="1.0" encoding="utf-8"?>
-<p:sldLayout xmlns:a="http://schemas.openxmlformats.org/drawingml/2006/main" xmlns:r="http://schemas.openxmlformats.org/officeDocument/2006/relationships" xmlns:mc="http://schemas.openxmlformats.org/markup-compatibility/2006" xmlns:mv="urn:schemas-microsoft-com:mac:vml" xmlns:p="http://schemas.openxmlformats.org/presentationml/2006/main" xmlns:c="http://schemas.openxmlformats.org/drawingml/2006/chart" xmlns:dgm="http://schemas.openxmlformats.org/drawingml/2006/diagram" xmlns:o="urn:schemas-microsoft-com:office:office" xmlns:v="urn:schemas-microsoft-com:vml" xmlns:pvml="urn:schemas-microsoft-com:office:powerpoint" xmlns:com="http://schemas.openxmlformats.org/drawingml/2006/compatibility" xmlns:p14="http://schemas.microsoft.com/office/powerpoint/2010/main" xmlns:p15="http://schemas.microsoft.com/office/powerpoint/2012/main" matchingName="Title and body" type="tx">
+<p:sldLayout xmlns:a="http://schemas.openxmlformats.org/drawingml/2006/main" xmlns:r="http://schemas.openxmlformats.org/officeDocument/2006/relationships" xmlns:p="http://schemas.openxmlformats.org/presentationml/2006/main" matchingName="Title and body" type="tx">
   <p:cSld name="TITLE_AND_BODY">
     <p:spTree>
       <p:nvGrpSpPr>
-        <p:cNvPr id="16" name="Shape 16"/>
+        <p:cNvPr id="1" name="Shape 16"/>
         <p:cNvGrpSpPr/>
         <p:nvPr/>
       </p:nvGrpSpPr>
@@ -2647,7 +2743,9 @@
       <p:sp>
         <p:nvSpPr>
           <p:cNvPr id="17" name="Shape 17"/>
-          <p:cNvSpPr txBox="1"/>
+          <p:cNvSpPr txBox="1">
+            <a:spLocks noGrp="1"/>
+          </p:cNvSpPr>
           <p:nvPr>
             <p:ph type="title"/>
           </p:nvPr>
@@ -2662,7 +2760,7 @@
           </a:prstGeom>
         </p:spPr>
         <p:txBody>
-          <a:bodyPr anchorCtr="0" anchor="t" bIns="91425" lIns="91425" spcFirstLastPara="1" rIns="91425" wrap="square" tIns="91425"/>
+          <a:bodyPr spcFirstLastPara="1" wrap="square" lIns="91425" tIns="91425" rIns="91425" bIns="91425" anchor="t" anchorCtr="0"/>
           <a:lstStyle>
             <a:lvl1pPr lvl="0">
               <a:spcBef>
@@ -2764,15 +2862,19 @@
               <a:defRPr/>
             </a:lvl9pPr>
           </a:lstStyle>
-          <a:p/>
+          <a:p>
+            <a:endParaRPr/>
+          </a:p>
         </p:txBody>
       </p:sp>
       <p:sp>
         <p:nvSpPr>
           <p:cNvPr id="18" name="Shape 18"/>
-          <p:cNvSpPr txBox="1"/>
+          <p:cNvSpPr txBox="1">
+            <a:spLocks noGrp="1"/>
+          </p:cNvSpPr>
           <p:nvPr>
-            <p:ph idx="1" type="body"/>
+            <p:ph type="body" idx="1"/>
           </p:nvPr>
         </p:nvSpPr>
         <p:spPr>
@@ -2785,9 +2887,9 @@
           </a:prstGeom>
         </p:spPr>
         <p:txBody>
-          <a:bodyPr anchorCtr="0" anchor="t" bIns="91425" lIns="91425" spcFirstLastPara="1" rIns="91425" wrap="square" tIns="91425"/>
+          <a:bodyPr spcFirstLastPara="1" wrap="square" lIns="91425" tIns="91425" rIns="91425" bIns="91425" anchor="t" anchorCtr="0"/>
           <a:lstStyle>
-            <a:lvl1pPr indent="-342900" lvl="0" marL="457200">
+            <a:lvl1pPr marL="457200" lvl="0" indent="-342900">
               <a:spcBef>
                 <a:spcPts val="0"/>
               </a:spcBef>
@@ -2798,7 +2900,7 @@
               <a:buChar char="●"/>
               <a:defRPr/>
             </a:lvl1pPr>
-            <a:lvl2pPr indent="-317500" lvl="1" marL="914400">
+            <a:lvl2pPr marL="914400" lvl="1" indent="-317500">
               <a:spcBef>
                 <a:spcPts val="1600"/>
               </a:spcBef>
@@ -2809,7 +2911,7 @@
               <a:buChar char="○"/>
               <a:defRPr/>
             </a:lvl2pPr>
-            <a:lvl3pPr indent="-317500" lvl="2" marL="1371600">
+            <a:lvl3pPr marL="1371600" lvl="2" indent="-317500">
               <a:spcBef>
                 <a:spcPts val="1600"/>
               </a:spcBef>
@@ -2820,7 +2922,7 @@
               <a:buChar char="■"/>
               <a:defRPr/>
             </a:lvl3pPr>
-            <a:lvl4pPr indent="-317500" lvl="3" marL="1828800">
+            <a:lvl4pPr marL="1828800" lvl="3" indent="-317500">
               <a:spcBef>
                 <a:spcPts val="1600"/>
               </a:spcBef>
@@ -2831,7 +2933,7 @@
               <a:buChar char="●"/>
               <a:defRPr/>
             </a:lvl4pPr>
-            <a:lvl5pPr indent="-317500" lvl="4" marL="2286000">
+            <a:lvl5pPr marL="2286000" lvl="4" indent="-317500">
               <a:spcBef>
                 <a:spcPts val="1600"/>
               </a:spcBef>
@@ -2842,7 +2944,7 @@
               <a:buChar char="○"/>
               <a:defRPr/>
             </a:lvl5pPr>
-            <a:lvl6pPr indent="-317500" lvl="5" marL="2743200">
+            <a:lvl6pPr marL="2743200" lvl="5" indent="-317500">
               <a:spcBef>
                 <a:spcPts val="1600"/>
               </a:spcBef>
@@ -2853,7 +2955,7 @@
               <a:buChar char="■"/>
               <a:defRPr/>
             </a:lvl6pPr>
-            <a:lvl7pPr indent="-317500" lvl="6" marL="3200400">
+            <a:lvl7pPr marL="3200400" lvl="6" indent="-317500">
               <a:spcBef>
                 <a:spcPts val="1600"/>
               </a:spcBef>
@@ -2864,7 +2966,7 @@
               <a:buChar char="●"/>
               <a:defRPr/>
             </a:lvl7pPr>
-            <a:lvl8pPr indent="-317500" lvl="7" marL="3657600">
+            <a:lvl8pPr marL="3657600" lvl="7" indent="-317500">
               <a:spcBef>
                 <a:spcPts val="1600"/>
               </a:spcBef>
@@ -2875,7 +2977,7 @@
               <a:buChar char="○"/>
               <a:defRPr/>
             </a:lvl8pPr>
-            <a:lvl9pPr indent="-317500" lvl="8" marL="4114800">
+            <a:lvl9pPr marL="4114800" lvl="8" indent="-317500">
               <a:spcBef>
                 <a:spcPts val="1600"/>
               </a:spcBef>
@@ -2887,15 +2989,19 @@
               <a:defRPr/>
             </a:lvl9pPr>
           </a:lstStyle>
-          <a:p/>
+          <a:p>
+            <a:endParaRPr/>
+          </a:p>
         </p:txBody>
       </p:sp>
       <p:sp>
         <p:nvSpPr>
           <p:cNvPr id="19" name="Shape 19"/>
-          <p:cNvSpPr txBox="1"/>
+          <p:cNvSpPr txBox="1">
+            <a:spLocks noGrp="1"/>
+          </p:cNvSpPr>
           <p:nvPr>
-            <p:ph idx="12" type="sldNum"/>
+            <p:ph type="sldNum" idx="12"/>
           </p:nvPr>
         </p:nvSpPr>
         <p:spPr>
@@ -2908,7 +3014,7 @@
           </a:prstGeom>
         </p:spPr>
         <p:txBody>
-          <a:bodyPr anchorCtr="0" anchor="ctr" bIns="91425" lIns="91425" spcFirstLastPara="1" rIns="91425" wrap="square" tIns="91425">
+          <a:bodyPr spcFirstLastPara="1" wrap="square" lIns="91425" tIns="91425" rIns="91425" bIns="91425" anchor="ctr" anchorCtr="0">
             <a:noAutofit/>
           </a:bodyPr>
           <a:lstStyle>
@@ -2950,7 +3056,7 @@
             </a:lvl9pPr>
           </a:lstStyle>
           <a:p>
-            <a:pPr indent="0" lvl="0" marL="0">
+            <a:pPr marL="0" lvl="0" indent="0">
               <a:spcBef>
                 <a:spcPts val="0"/>
               </a:spcBef>
@@ -2976,11 +3082,11 @@
 </file>
 
 <file path=ppt/slideLayouts/slideLayout4.xml><?xml version="1.0" encoding="utf-8"?>
-<p:sldLayout xmlns:a="http://schemas.openxmlformats.org/drawingml/2006/main" xmlns:r="http://schemas.openxmlformats.org/officeDocument/2006/relationships" xmlns:mc="http://schemas.openxmlformats.org/markup-compatibility/2006" xmlns:mv="urn:schemas-microsoft-com:mac:vml" xmlns:p="http://schemas.openxmlformats.org/presentationml/2006/main" xmlns:c="http://schemas.openxmlformats.org/drawingml/2006/chart" xmlns:dgm="http://schemas.openxmlformats.org/drawingml/2006/diagram" xmlns:o="urn:schemas-microsoft-com:office:office" xmlns:v="urn:schemas-microsoft-com:vml" xmlns:pvml="urn:schemas-microsoft-com:office:powerpoint" xmlns:com="http://schemas.openxmlformats.org/drawingml/2006/compatibility" xmlns:p14="http://schemas.microsoft.com/office/powerpoint/2010/main" xmlns:p15="http://schemas.microsoft.com/office/powerpoint/2012/main" matchingName="Title and two columns" type="twoColTx">
+<p:sldLayout xmlns:a="http://schemas.openxmlformats.org/drawingml/2006/main" xmlns:r="http://schemas.openxmlformats.org/officeDocument/2006/relationships" xmlns:p="http://schemas.openxmlformats.org/presentationml/2006/main" matchingName="Title and two columns" type="twoColTx">
   <p:cSld name="TITLE_AND_TWO_COLUMNS">
     <p:spTree>
       <p:nvGrpSpPr>
-        <p:cNvPr id="20" name="Shape 20"/>
+        <p:cNvPr id="1" name="Shape 20"/>
         <p:cNvGrpSpPr/>
         <p:nvPr/>
       </p:nvGrpSpPr>
@@ -2995,7 +3101,9 @@
       <p:sp>
         <p:nvSpPr>
           <p:cNvPr id="21" name="Shape 21"/>
-          <p:cNvSpPr txBox="1"/>
+          <p:cNvSpPr txBox="1">
+            <a:spLocks noGrp="1"/>
+          </p:cNvSpPr>
           <p:nvPr>
             <p:ph type="title"/>
           </p:nvPr>
@@ -3010,7 +3118,7 @@
           </a:prstGeom>
         </p:spPr>
         <p:txBody>
-          <a:bodyPr anchorCtr="0" anchor="t" bIns="91425" lIns="91425" spcFirstLastPara="1" rIns="91425" wrap="square" tIns="91425"/>
+          <a:bodyPr spcFirstLastPara="1" wrap="square" lIns="91425" tIns="91425" rIns="91425" bIns="91425" anchor="t" anchorCtr="0"/>
           <a:lstStyle>
             <a:lvl1pPr lvl="0">
               <a:spcBef>
@@ -3112,15 +3220,19 @@
               <a:defRPr/>
             </a:lvl9pPr>
           </a:lstStyle>
-          <a:p/>
+          <a:p>
+            <a:endParaRPr/>
+          </a:p>
         </p:txBody>
       </p:sp>
       <p:sp>
         <p:nvSpPr>
           <p:cNvPr id="22" name="Shape 22"/>
-          <p:cNvSpPr txBox="1"/>
+          <p:cNvSpPr txBox="1">
+            <a:spLocks noGrp="1"/>
+          </p:cNvSpPr>
           <p:nvPr>
-            <p:ph idx="1" type="body"/>
+            <p:ph type="body" idx="1"/>
           </p:nvPr>
         </p:nvSpPr>
         <p:spPr>
@@ -3133,9 +3245,9 @@
           </a:prstGeom>
         </p:spPr>
         <p:txBody>
-          <a:bodyPr anchorCtr="0" anchor="t" bIns="91425" lIns="91425" spcFirstLastPara="1" rIns="91425" wrap="square" tIns="91425"/>
+          <a:bodyPr spcFirstLastPara="1" wrap="square" lIns="91425" tIns="91425" rIns="91425" bIns="91425" anchor="t" anchorCtr="0"/>
           <a:lstStyle>
-            <a:lvl1pPr indent="-317500" lvl="0" marL="457200">
+            <a:lvl1pPr marL="457200" lvl="0" indent="-317500">
               <a:spcBef>
                 <a:spcPts val="0"/>
               </a:spcBef>
@@ -3146,7 +3258,7 @@
               <a:buChar char="●"/>
               <a:defRPr sz="1400"/>
             </a:lvl1pPr>
-            <a:lvl2pPr indent="-304800" lvl="1" marL="914400">
+            <a:lvl2pPr marL="914400" lvl="1" indent="-304800">
               <a:spcBef>
                 <a:spcPts val="1600"/>
               </a:spcBef>
@@ -3157,7 +3269,7 @@
               <a:buChar char="○"/>
               <a:defRPr sz="1200"/>
             </a:lvl2pPr>
-            <a:lvl3pPr indent="-304800" lvl="2" marL="1371600">
+            <a:lvl3pPr marL="1371600" lvl="2" indent="-304800">
               <a:spcBef>
                 <a:spcPts val="1600"/>
               </a:spcBef>
@@ -3168,7 +3280,7 @@
               <a:buChar char="■"/>
               <a:defRPr sz="1200"/>
             </a:lvl3pPr>
-            <a:lvl4pPr indent="-304800" lvl="3" marL="1828800">
+            <a:lvl4pPr marL="1828800" lvl="3" indent="-304800">
               <a:spcBef>
                 <a:spcPts val="1600"/>
               </a:spcBef>
@@ -3179,7 +3291,7 @@
               <a:buChar char="●"/>
               <a:defRPr sz="1200"/>
             </a:lvl4pPr>
-            <a:lvl5pPr indent="-304800" lvl="4" marL="2286000">
+            <a:lvl5pPr marL="2286000" lvl="4" indent="-304800">
               <a:spcBef>
                 <a:spcPts val="1600"/>
               </a:spcBef>
@@ -3190,7 +3302,7 @@
               <a:buChar char="○"/>
               <a:defRPr sz="1200"/>
             </a:lvl5pPr>
-            <a:lvl6pPr indent="-304800" lvl="5" marL="2743200">
+            <a:lvl6pPr marL="2743200" lvl="5" indent="-304800">
               <a:spcBef>
                 <a:spcPts val="1600"/>
               </a:spcBef>
@@ -3201,7 +3313,7 @@
               <a:buChar char="■"/>
               <a:defRPr sz="1200"/>
             </a:lvl6pPr>
-            <a:lvl7pPr indent="-304800" lvl="6" marL="3200400">
+            <a:lvl7pPr marL="3200400" lvl="6" indent="-304800">
               <a:spcBef>
                 <a:spcPts val="1600"/>
               </a:spcBef>
@@ -3212,7 +3324,7 @@
               <a:buChar char="●"/>
               <a:defRPr sz="1200"/>
             </a:lvl7pPr>
-            <a:lvl8pPr indent="-304800" lvl="7" marL="3657600">
+            <a:lvl8pPr marL="3657600" lvl="7" indent="-304800">
               <a:spcBef>
                 <a:spcPts val="1600"/>
               </a:spcBef>
@@ -3223,7 +3335,7 @@
               <a:buChar char="○"/>
               <a:defRPr sz="1200"/>
             </a:lvl8pPr>
-            <a:lvl9pPr indent="-304800" lvl="8" marL="4114800">
+            <a:lvl9pPr marL="4114800" lvl="8" indent="-304800">
               <a:spcBef>
                 <a:spcPts val="1600"/>
               </a:spcBef>
@@ -3235,15 +3347,19 @@
               <a:defRPr sz="1200"/>
             </a:lvl9pPr>
           </a:lstStyle>
-          <a:p/>
+          <a:p>
+            <a:endParaRPr/>
+          </a:p>
         </p:txBody>
       </p:sp>
       <p:sp>
         <p:nvSpPr>
           <p:cNvPr id="23" name="Shape 23"/>
-          <p:cNvSpPr txBox="1"/>
+          <p:cNvSpPr txBox="1">
+            <a:spLocks noGrp="1"/>
+          </p:cNvSpPr>
           <p:nvPr>
-            <p:ph idx="2" type="body"/>
+            <p:ph type="body" idx="2"/>
           </p:nvPr>
         </p:nvSpPr>
         <p:spPr>
@@ -3256,9 +3372,9 @@
           </a:prstGeom>
         </p:spPr>
         <p:txBody>
-          <a:bodyPr anchorCtr="0" anchor="t" bIns="91425" lIns="91425" spcFirstLastPara="1" rIns="91425" wrap="square" tIns="91425"/>
+          <a:bodyPr spcFirstLastPara="1" wrap="square" lIns="91425" tIns="91425" rIns="91425" bIns="91425" anchor="t" anchorCtr="0"/>
           <a:lstStyle>
-            <a:lvl1pPr indent="-317500" lvl="0" marL="457200">
+            <a:lvl1pPr marL="457200" lvl="0" indent="-317500">
               <a:spcBef>
                 <a:spcPts val="0"/>
               </a:spcBef>
@@ -3269,7 +3385,7 @@
               <a:buChar char="●"/>
               <a:defRPr sz="1400"/>
             </a:lvl1pPr>
-            <a:lvl2pPr indent="-304800" lvl="1" marL="914400">
+            <a:lvl2pPr marL="914400" lvl="1" indent="-304800">
               <a:spcBef>
                 <a:spcPts val="1600"/>
               </a:spcBef>
@@ -3280,7 +3396,7 @@
               <a:buChar char="○"/>
               <a:defRPr sz="1200"/>
             </a:lvl2pPr>
-            <a:lvl3pPr indent="-304800" lvl="2" marL="1371600">
+            <a:lvl3pPr marL="1371600" lvl="2" indent="-304800">
               <a:spcBef>
                 <a:spcPts val="1600"/>
               </a:spcBef>
@@ -3291,7 +3407,7 @@
               <a:buChar char="■"/>
               <a:defRPr sz="1200"/>
             </a:lvl3pPr>
-            <a:lvl4pPr indent="-304800" lvl="3" marL="1828800">
+            <a:lvl4pPr marL="1828800" lvl="3" indent="-304800">
               <a:spcBef>
                 <a:spcPts val="1600"/>
               </a:spcBef>
@@ -3302,7 +3418,7 @@
               <a:buChar char="●"/>
               <a:defRPr sz="1200"/>
             </a:lvl4pPr>
-            <a:lvl5pPr indent="-304800" lvl="4" marL="2286000">
+            <a:lvl5pPr marL="2286000" lvl="4" indent="-304800">
               <a:spcBef>
                 <a:spcPts val="1600"/>
               </a:spcBef>
@@ -3313,7 +3429,7 @@
               <a:buChar char="○"/>
               <a:defRPr sz="1200"/>
             </a:lvl5pPr>
-            <a:lvl6pPr indent="-304800" lvl="5" marL="2743200">
+            <a:lvl6pPr marL="2743200" lvl="5" indent="-304800">
               <a:spcBef>
                 <a:spcPts val="1600"/>
               </a:spcBef>
@@ -3324,7 +3440,7 @@
               <a:buChar char="■"/>
               <a:defRPr sz="1200"/>
             </a:lvl6pPr>
-            <a:lvl7pPr indent="-304800" lvl="6" marL="3200400">
+            <a:lvl7pPr marL="3200400" lvl="6" indent="-304800">
               <a:spcBef>
                 <a:spcPts val="1600"/>
               </a:spcBef>
@@ -3335,7 +3451,7 @@
               <a:buChar char="●"/>
               <a:defRPr sz="1200"/>
             </a:lvl7pPr>
-            <a:lvl8pPr indent="-304800" lvl="7" marL="3657600">
+            <a:lvl8pPr marL="3657600" lvl="7" indent="-304800">
               <a:spcBef>
                 <a:spcPts val="1600"/>
               </a:spcBef>
@@ -3346,7 +3462,7 @@
               <a:buChar char="○"/>
               <a:defRPr sz="1200"/>
             </a:lvl8pPr>
-            <a:lvl9pPr indent="-304800" lvl="8" marL="4114800">
+            <a:lvl9pPr marL="4114800" lvl="8" indent="-304800">
               <a:spcBef>
                 <a:spcPts val="1600"/>
               </a:spcBef>
@@ -3358,15 +3474,19 @@
               <a:defRPr sz="1200"/>
             </a:lvl9pPr>
           </a:lstStyle>
-          <a:p/>
+          <a:p>
+            <a:endParaRPr/>
+          </a:p>
         </p:txBody>
       </p:sp>
       <p:sp>
         <p:nvSpPr>
           <p:cNvPr id="24" name="Shape 24"/>
-          <p:cNvSpPr txBox="1"/>
+          <p:cNvSpPr txBox="1">
+            <a:spLocks noGrp="1"/>
+          </p:cNvSpPr>
           <p:nvPr>
-            <p:ph idx="12" type="sldNum"/>
+            <p:ph type="sldNum" idx="12"/>
           </p:nvPr>
         </p:nvSpPr>
         <p:spPr>
@@ -3379,7 +3499,7 @@
           </a:prstGeom>
         </p:spPr>
         <p:txBody>
-          <a:bodyPr anchorCtr="0" anchor="ctr" bIns="91425" lIns="91425" spcFirstLastPara="1" rIns="91425" wrap="square" tIns="91425">
+          <a:bodyPr spcFirstLastPara="1" wrap="square" lIns="91425" tIns="91425" rIns="91425" bIns="91425" anchor="ctr" anchorCtr="0">
             <a:noAutofit/>
           </a:bodyPr>
           <a:lstStyle>
@@ -3421,7 +3541,7 @@
             </a:lvl9pPr>
           </a:lstStyle>
           <a:p>
-            <a:pPr indent="0" lvl="0" marL="0">
+            <a:pPr marL="0" lvl="0" indent="0">
               <a:spcBef>
                 <a:spcPts val="0"/>
               </a:spcBef>
@@ -3447,11 +3567,11 @@
 </file>
 
 <file path=ppt/slideLayouts/slideLayout5.xml><?xml version="1.0" encoding="utf-8"?>
-<p:sldLayout xmlns:a="http://schemas.openxmlformats.org/drawingml/2006/main" xmlns:r="http://schemas.openxmlformats.org/officeDocument/2006/relationships" xmlns:mc="http://schemas.openxmlformats.org/markup-compatibility/2006" xmlns:mv="urn:schemas-microsoft-com:mac:vml" xmlns:p="http://schemas.openxmlformats.org/presentationml/2006/main" xmlns:c="http://schemas.openxmlformats.org/drawingml/2006/chart" xmlns:dgm="http://schemas.openxmlformats.org/drawingml/2006/diagram" xmlns:o="urn:schemas-microsoft-com:office:office" xmlns:v="urn:schemas-microsoft-com:vml" xmlns:pvml="urn:schemas-microsoft-com:office:powerpoint" xmlns:com="http://schemas.openxmlformats.org/drawingml/2006/compatibility" xmlns:p14="http://schemas.microsoft.com/office/powerpoint/2010/main" xmlns:p15="http://schemas.microsoft.com/office/powerpoint/2012/main" matchingName="Title only" type="titleOnly">
+<p:sldLayout xmlns:a="http://schemas.openxmlformats.org/drawingml/2006/main" xmlns:r="http://schemas.openxmlformats.org/officeDocument/2006/relationships" xmlns:p="http://schemas.openxmlformats.org/presentationml/2006/main" matchingName="Title only" type="titleOnly">
   <p:cSld name="TITLE_ONLY">
     <p:spTree>
       <p:nvGrpSpPr>
-        <p:cNvPr id="25" name="Shape 25"/>
+        <p:cNvPr id="1" name="Shape 25"/>
         <p:cNvGrpSpPr/>
         <p:nvPr/>
       </p:nvGrpSpPr>
@@ -3466,7 +3586,9 @@
       <p:sp>
         <p:nvSpPr>
           <p:cNvPr id="26" name="Shape 26"/>
-          <p:cNvSpPr txBox="1"/>
+          <p:cNvSpPr txBox="1">
+            <a:spLocks noGrp="1"/>
+          </p:cNvSpPr>
           <p:nvPr>
             <p:ph type="title"/>
           </p:nvPr>
@@ -3481,7 +3603,7 @@
           </a:prstGeom>
         </p:spPr>
         <p:txBody>
-          <a:bodyPr anchorCtr="0" anchor="t" bIns="91425" lIns="91425" spcFirstLastPara="1" rIns="91425" wrap="square" tIns="91425"/>
+          <a:bodyPr spcFirstLastPara="1" wrap="square" lIns="91425" tIns="91425" rIns="91425" bIns="91425" anchor="t" anchorCtr="0"/>
           <a:lstStyle>
             <a:lvl1pPr lvl="0">
               <a:spcBef>
@@ -3583,15 +3705,19 @@
               <a:defRPr/>
             </a:lvl9pPr>
           </a:lstStyle>
-          <a:p/>
+          <a:p>
+            <a:endParaRPr/>
+          </a:p>
         </p:txBody>
       </p:sp>
       <p:sp>
         <p:nvSpPr>
           <p:cNvPr id="27" name="Shape 27"/>
-          <p:cNvSpPr txBox="1"/>
+          <p:cNvSpPr txBox="1">
+            <a:spLocks noGrp="1"/>
+          </p:cNvSpPr>
           <p:nvPr>
-            <p:ph idx="12" type="sldNum"/>
+            <p:ph type="sldNum" idx="12"/>
           </p:nvPr>
         </p:nvSpPr>
         <p:spPr>
@@ -3604,7 +3730,7 @@
           </a:prstGeom>
         </p:spPr>
         <p:txBody>
-          <a:bodyPr anchorCtr="0" anchor="ctr" bIns="91425" lIns="91425" spcFirstLastPara="1" rIns="91425" wrap="square" tIns="91425">
+          <a:bodyPr spcFirstLastPara="1" wrap="square" lIns="91425" tIns="91425" rIns="91425" bIns="91425" anchor="ctr" anchorCtr="0">
             <a:noAutofit/>
           </a:bodyPr>
           <a:lstStyle>
@@ -3646,7 +3772,7 @@
             </a:lvl9pPr>
           </a:lstStyle>
           <a:p>
-            <a:pPr indent="0" lvl="0" marL="0">
+            <a:pPr marL="0" lvl="0" indent="0">
               <a:spcBef>
                 <a:spcPts val="0"/>
               </a:spcBef>
@@ -3672,11 +3798,11 @@
 </file>
 
 <file path=ppt/slideLayouts/slideLayout6.xml><?xml version="1.0" encoding="utf-8"?>
-<p:sldLayout xmlns:a="http://schemas.openxmlformats.org/drawingml/2006/main" xmlns:r="http://schemas.openxmlformats.org/officeDocument/2006/relationships" xmlns:mc="http://schemas.openxmlformats.org/markup-compatibility/2006" xmlns:mv="urn:schemas-microsoft-com:mac:vml" xmlns:p="http://schemas.openxmlformats.org/presentationml/2006/main" xmlns:c="http://schemas.openxmlformats.org/drawingml/2006/chart" xmlns:dgm="http://schemas.openxmlformats.org/drawingml/2006/diagram" xmlns:o="urn:schemas-microsoft-com:office:office" xmlns:v="urn:schemas-microsoft-com:vml" xmlns:pvml="urn:schemas-microsoft-com:office:powerpoint" xmlns:com="http://schemas.openxmlformats.org/drawingml/2006/compatibility" xmlns:p14="http://schemas.microsoft.com/office/powerpoint/2010/main" xmlns:p15="http://schemas.microsoft.com/office/powerpoint/2012/main" matchingName="One column text">
+<p:sldLayout xmlns:a="http://schemas.openxmlformats.org/drawingml/2006/main" xmlns:r="http://schemas.openxmlformats.org/officeDocument/2006/relationships" xmlns:p="http://schemas.openxmlformats.org/presentationml/2006/main" matchingName="One column text">
   <p:cSld name="ONE_COLUMN_TEXT">
     <p:spTree>
       <p:nvGrpSpPr>
-        <p:cNvPr id="28" name="Shape 28"/>
+        <p:cNvPr id="1" name="Shape 28"/>
         <p:cNvGrpSpPr/>
         <p:nvPr/>
       </p:nvGrpSpPr>
@@ -3691,7 +3817,9 @@
       <p:sp>
         <p:nvSpPr>
           <p:cNvPr id="29" name="Shape 29"/>
-          <p:cNvSpPr txBox="1"/>
+          <p:cNvSpPr txBox="1">
+            <a:spLocks noGrp="1"/>
+          </p:cNvSpPr>
           <p:nvPr>
             <p:ph type="title"/>
           </p:nvPr>
@@ -3706,7 +3834,7 @@
           </a:prstGeom>
         </p:spPr>
         <p:txBody>
-          <a:bodyPr anchorCtr="0" anchor="b" bIns="91425" lIns="91425" spcFirstLastPara="1" rIns="91425" wrap="square" tIns="91425"/>
+          <a:bodyPr spcFirstLastPara="1" wrap="square" lIns="91425" tIns="91425" rIns="91425" bIns="91425" anchor="b" anchorCtr="0"/>
           <a:lstStyle>
             <a:lvl1pPr lvl="0">
               <a:spcBef>
@@ -3808,15 +3936,19 @@
               <a:defRPr sz="2400"/>
             </a:lvl9pPr>
           </a:lstStyle>
-          <a:p/>
+          <a:p>
+            <a:endParaRPr/>
+          </a:p>
         </p:txBody>
       </p:sp>
       <p:sp>
         <p:nvSpPr>
           <p:cNvPr id="30" name="Shape 30"/>
-          <p:cNvSpPr txBox="1"/>
+          <p:cNvSpPr txBox="1">
+            <a:spLocks noGrp="1"/>
+          </p:cNvSpPr>
           <p:nvPr>
-            <p:ph idx="1" type="body"/>
+            <p:ph type="body" idx="1"/>
           </p:nvPr>
         </p:nvSpPr>
         <p:spPr>
@@ -3829,9 +3961,9 @@
           </a:prstGeom>
         </p:spPr>
         <p:txBody>
-          <a:bodyPr anchorCtr="0" anchor="t" bIns="91425" lIns="91425" spcFirstLastPara="1" rIns="91425" wrap="square" tIns="91425"/>
+          <a:bodyPr spcFirstLastPara="1" wrap="square" lIns="91425" tIns="91425" rIns="91425" bIns="91425" anchor="t" anchorCtr="0"/>
           <a:lstStyle>
-            <a:lvl1pPr indent="-304800" lvl="0" marL="457200">
+            <a:lvl1pPr marL="457200" lvl="0" indent="-304800">
               <a:spcBef>
                 <a:spcPts val="0"/>
               </a:spcBef>
@@ -3842,7 +3974,7 @@
               <a:buChar char="●"/>
               <a:defRPr sz="1200"/>
             </a:lvl1pPr>
-            <a:lvl2pPr indent="-304800" lvl="1" marL="914400">
+            <a:lvl2pPr marL="914400" lvl="1" indent="-304800">
               <a:spcBef>
                 <a:spcPts val="1600"/>
               </a:spcBef>
@@ -3853,7 +3985,7 @@
               <a:buChar char="○"/>
               <a:defRPr sz="1200"/>
             </a:lvl2pPr>
-            <a:lvl3pPr indent="-304800" lvl="2" marL="1371600">
+            <a:lvl3pPr marL="1371600" lvl="2" indent="-304800">
               <a:spcBef>
                 <a:spcPts val="1600"/>
               </a:spcBef>
@@ -3864,7 +3996,7 @@
               <a:buChar char="■"/>
               <a:defRPr sz="1200"/>
             </a:lvl3pPr>
-            <a:lvl4pPr indent="-304800" lvl="3" marL="1828800">
+            <a:lvl4pPr marL="1828800" lvl="3" indent="-304800">
               <a:spcBef>
                 <a:spcPts val="1600"/>
               </a:spcBef>
@@ -3875,7 +4007,7 @@
               <a:buChar char="●"/>
               <a:defRPr sz="1200"/>
             </a:lvl4pPr>
-            <a:lvl5pPr indent="-304800" lvl="4" marL="2286000">
+            <a:lvl5pPr marL="2286000" lvl="4" indent="-304800">
               <a:spcBef>
                 <a:spcPts val="1600"/>
               </a:spcBef>
@@ -3886,7 +4018,7 @@
               <a:buChar char="○"/>
               <a:defRPr sz="1200"/>
             </a:lvl5pPr>
-            <a:lvl6pPr indent="-304800" lvl="5" marL="2743200">
+            <a:lvl6pPr marL="2743200" lvl="5" indent="-304800">
               <a:spcBef>
                 <a:spcPts val="1600"/>
               </a:spcBef>
@@ -3897,7 +4029,7 @@
               <a:buChar char="■"/>
               <a:defRPr sz="1200"/>
             </a:lvl6pPr>
-            <a:lvl7pPr indent="-304800" lvl="6" marL="3200400">
+            <a:lvl7pPr marL="3200400" lvl="6" indent="-304800">
               <a:spcBef>
                 <a:spcPts val="1600"/>
               </a:spcBef>
@@ -3908,7 +4040,7 @@
               <a:buChar char="●"/>
               <a:defRPr sz="1200"/>
             </a:lvl7pPr>
-            <a:lvl8pPr indent="-304800" lvl="7" marL="3657600">
+            <a:lvl8pPr marL="3657600" lvl="7" indent="-304800">
               <a:spcBef>
                 <a:spcPts val="1600"/>
               </a:spcBef>
@@ -3919,7 +4051,7 @@
               <a:buChar char="○"/>
               <a:defRPr sz="1200"/>
             </a:lvl8pPr>
-            <a:lvl9pPr indent="-304800" lvl="8" marL="4114800">
+            <a:lvl9pPr marL="4114800" lvl="8" indent="-304800">
               <a:spcBef>
                 <a:spcPts val="1600"/>
               </a:spcBef>
@@ -3931,15 +4063,19 @@
               <a:defRPr sz="1200"/>
             </a:lvl9pPr>
           </a:lstStyle>
-          <a:p/>
+          <a:p>
+            <a:endParaRPr/>
+          </a:p>
         </p:txBody>
       </p:sp>
       <p:sp>
         <p:nvSpPr>
           <p:cNvPr id="31" name="Shape 31"/>
-          <p:cNvSpPr txBox="1"/>
+          <p:cNvSpPr txBox="1">
+            <a:spLocks noGrp="1"/>
+          </p:cNvSpPr>
           <p:nvPr>
-            <p:ph idx="12" type="sldNum"/>
+            <p:ph type="sldNum" idx="12"/>
           </p:nvPr>
         </p:nvSpPr>
         <p:spPr>
@@ -3952,7 +4088,7 @@
           </a:prstGeom>
         </p:spPr>
         <p:txBody>
-          <a:bodyPr anchorCtr="0" anchor="ctr" bIns="91425" lIns="91425" spcFirstLastPara="1" rIns="91425" wrap="square" tIns="91425">
+          <a:bodyPr spcFirstLastPara="1" wrap="square" lIns="91425" tIns="91425" rIns="91425" bIns="91425" anchor="ctr" anchorCtr="0">
             <a:noAutofit/>
           </a:bodyPr>
           <a:lstStyle>
@@ -3994,7 +4130,7 @@
             </a:lvl9pPr>
           </a:lstStyle>
           <a:p>
-            <a:pPr indent="0" lvl="0" marL="0">
+            <a:pPr marL="0" lvl="0" indent="0">
               <a:spcBef>
                 <a:spcPts val="0"/>
               </a:spcBef>
@@ -4020,11 +4156,11 @@
 </file>
 
 <file path=ppt/slideLayouts/slideLayout7.xml><?xml version="1.0" encoding="utf-8"?>
-<p:sldLayout xmlns:a="http://schemas.openxmlformats.org/drawingml/2006/main" xmlns:r="http://schemas.openxmlformats.org/officeDocument/2006/relationships" xmlns:mc="http://schemas.openxmlformats.org/markup-compatibility/2006" xmlns:mv="urn:schemas-microsoft-com:mac:vml" xmlns:p="http://schemas.openxmlformats.org/presentationml/2006/main" xmlns:c="http://schemas.openxmlformats.org/drawingml/2006/chart" xmlns:dgm="http://schemas.openxmlformats.org/drawingml/2006/diagram" xmlns:o="urn:schemas-microsoft-com:office:office" xmlns:v="urn:schemas-microsoft-com:vml" xmlns:pvml="urn:schemas-microsoft-com:office:powerpoint" xmlns:com="http://schemas.openxmlformats.org/drawingml/2006/compatibility" xmlns:p14="http://schemas.microsoft.com/office/powerpoint/2010/main" xmlns:p15="http://schemas.microsoft.com/office/powerpoint/2012/main" matchingName="Main point">
+<p:sldLayout xmlns:a="http://schemas.openxmlformats.org/drawingml/2006/main" xmlns:r="http://schemas.openxmlformats.org/officeDocument/2006/relationships" xmlns:p="http://schemas.openxmlformats.org/presentationml/2006/main" matchingName="Main point">
   <p:cSld name="MAIN_POINT">
     <p:spTree>
       <p:nvGrpSpPr>
-        <p:cNvPr id="32" name="Shape 32"/>
+        <p:cNvPr id="1" name="Shape 32"/>
         <p:cNvGrpSpPr/>
         <p:nvPr/>
       </p:nvGrpSpPr>
@@ -4039,7 +4175,9 @@
       <p:sp>
         <p:nvSpPr>
           <p:cNvPr id="33" name="Shape 33"/>
-          <p:cNvSpPr txBox="1"/>
+          <p:cNvSpPr txBox="1">
+            <a:spLocks noGrp="1"/>
+          </p:cNvSpPr>
           <p:nvPr>
             <p:ph type="title"/>
           </p:nvPr>
@@ -4054,7 +4192,7 @@
           </a:prstGeom>
         </p:spPr>
         <p:txBody>
-          <a:bodyPr anchorCtr="0" anchor="ctr" bIns="91425" lIns="91425" spcFirstLastPara="1" rIns="91425" wrap="square" tIns="91425"/>
+          <a:bodyPr spcFirstLastPara="1" wrap="square" lIns="91425" tIns="91425" rIns="91425" bIns="91425" anchor="ctr" anchorCtr="0"/>
           <a:lstStyle>
             <a:lvl1pPr lvl="0">
               <a:spcBef>
@@ -4156,15 +4294,19 @@
               <a:defRPr sz="4800"/>
             </a:lvl9pPr>
           </a:lstStyle>
-          <a:p/>
+          <a:p>
+            <a:endParaRPr/>
+          </a:p>
         </p:txBody>
       </p:sp>
       <p:sp>
         <p:nvSpPr>
           <p:cNvPr id="34" name="Shape 34"/>
-          <p:cNvSpPr txBox="1"/>
+          <p:cNvSpPr txBox="1">
+            <a:spLocks noGrp="1"/>
+          </p:cNvSpPr>
           <p:nvPr>
-            <p:ph idx="12" type="sldNum"/>
+            <p:ph type="sldNum" idx="12"/>
           </p:nvPr>
         </p:nvSpPr>
         <p:spPr>
@@ -4177,7 +4319,7 @@
           </a:prstGeom>
         </p:spPr>
         <p:txBody>
-          <a:bodyPr anchorCtr="0" anchor="ctr" bIns="91425" lIns="91425" spcFirstLastPara="1" rIns="91425" wrap="square" tIns="91425">
+          <a:bodyPr spcFirstLastPara="1" wrap="square" lIns="91425" tIns="91425" rIns="91425" bIns="91425" anchor="ctr" anchorCtr="0">
             <a:noAutofit/>
           </a:bodyPr>
           <a:lstStyle>
@@ -4219,7 +4361,7 @@
             </a:lvl9pPr>
           </a:lstStyle>
           <a:p>
-            <a:pPr indent="0" lvl="0" marL="0">
+            <a:pPr marL="0" lvl="0" indent="0">
               <a:spcBef>
                 <a:spcPts val="0"/>
               </a:spcBef>
@@ -4245,11 +4387,11 @@
 </file>
 
 <file path=ppt/slideLayouts/slideLayout8.xml><?xml version="1.0" encoding="utf-8"?>
-<p:sldLayout xmlns:a="http://schemas.openxmlformats.org/drawingml/2006/main" xmlns:r="http://schemas.openxmlformats.org/officeDocument/2006/relationships" xmlns:mc="http://schemas.openxmlformats.org/markup-compatibility/2006" xmlns:mv="urn:schemas-microsoft-com:mac:vml" xmlns:p="http://schemas.openxmlformats.org/presentationml/2006/main" xmlns:c="http://schemas.openxmlformats.org/drawingml/2006/chart" xmlns:dgm="http://schemas.openxmlformats.org/drawingml/2006/diagram" xmlns:o="urn:schemas-microsoft-com:office:office" xmlns:v="urn:schemas-microsoft-com:vml" xmlns:pvml="urn:schemas-microsoft-com:office:powerpoint" xmlns:com="http://schemas.openxmlformats.org/drawingml/2006/compatibility" xmlns:p14="http://schemas.microsoft.com/office/powerpoint/2010/main" xmlns:p15="http://schemas.microsoft.com/office/powerpoint/2012/main" matchingName="Section title and description">
+<p:sldLayout xmlns:a="http://schemas.openxmlformats.org/drawingml/2006/main" xmlns:r="http://schemas.openxmlformats.org/officeDocument/2006/relationships" xmlns:p="http://schemas.openxmlformats.org/presentationml/2006/main" matchingName="Section title and description">
   <p:cSld name="SECTION_TITLE_AND_DESCRIPTION">
     <p:spTree>
       <p:nvGrpSpPr>
-        <p:cNvPr id="35" name="Shape 35"/>
+        <p:cNvPr id="1" name="Shape 35"/>
         <p:cNvGrpSpPr/>
         <p:nvPr/>
       </p:nvGrpSpPr>
@@ -4283,12 +4425,12 @@
           </a:ln>
         </p:spPr>
         <p:txBody>
-          <a:bodyPr anchorCtr="0" anchor="ctr" bIns="91425" lIns="91425" spcFirstLastPara="1" rIns="91425" wrap="square" tIns="91425">
+          <a:bodyPr spcFirstLastPara="1" wrap="square" lIns="91425" tIns="91425" rIns="91425" bIns="91425" anchor="ctr" anchorCtr="0">
             <a:noAutofit/>
           </a:bodyPr>
           <a:lstStyle/>
           <a:p>
-            <a:pPr indent="0" lvl="0" marL="0">
+            <a:pPr marL="0" lvl="0" indent="0">
               <a:spcBef>
                 <a:spcPts val="0"/>
               </a:spcBef>
@@ -4297,9 +4439,6 @@
               </a:spcAft>
               <a:buNone/>
             </a:pPr>
-            <a:r>
-              <a:t/>
-            </a:r>
             <a:endParaRPr/>
           </a:p>
         </p:txBody>
@@ -4307,7 +4446,9 @@
       <p:sp>
         <p:nvSpPr>
           <p:cNvPr id="37" name="Shape 37"/>
-          <p:cNvSpPr txBox="1"/>
+          <p:cNvSpPr txBox="1">
+            <a:spLocks noGrp="1"/>
+          </p:cNvSpPr>
           <p:nvPr>
             <p:ph type="title"/>
           </p:nvPr>
@@ -4322,7 +4463,7 @@
           </a:prstGeom>
         </p:spPr>
         <p:txBody>
-          <a:bodyPr anchorCtr="0" anchor="b" bIns="91425" lIns="91425" spcFirstLastPara="1" rIns="91425" wrap="square" tIns="91425"/>
+          <a:bodyPr spcFirstLastPara="1" wrap="square" lIns="91425" tIns="91425" rIns="91425" bIns="91425" anchor="b" anchorCtr="0"/>
           <a:lstStyle>
             <a:lvl1pPr lvl="0" algn="ctr">
               <a:spcBef>
@@ -4424,15 +4565,19 @@
               <a:defRPr sz="4200"/>
             </a:lvl9pPr>
           </a:lstStyle>
-          <a:p/>
+          <a:p>
+            <a:endParaRPr/>
+          </a:p>
         </p:txBody>
       </p:sp>
       <p:sp>
         <p:nvSpPr>
           <p:cNvPr id="38" name="Shape 38"/>
-          <p:cNvSpPr txBox="1"/>
+          <p:cNvSpPr txBox="1">
+            <a:spLocks noGrp="1"/>
+          </p:cNvSpPr>
           <p:nvPr>
-            <p:ph idx="1" type="subTitle"/>
+            <p:ph type="subTitle" idx="1"/>
           </p:nvPr>
         </p:nvSpPr>
         <p:spPr>
@@ -4445,7 +4590,7 @@
           </a:prstGeom>
         </p:spPr>
         <p:txBody>
-          <a:bodyPr anchorCtr="0" anchor="t" bIns="91425" lIns="91425" spcFirstLastPara="1" rIns="91425" wrap="square" tIns="91425"/>
+          <a:bodyPr spcFirstLastPara="1" wrap="square" lIns="91425" tIns="91425" rIns="91425" bIns="91425" anchor="t" anchorCtr="0"/>
           <a:lstStyle>
             <a:lvl1pPr lvl="0" algn="ctr">
               <a:lnSpc>
@@ -4574,15 +4719,19 @@
               <a:defRPr sz="2100"/>
             </a:lvl9pPr>
           </a:lstStyle>
-          <a:p/>
+          <a:p>
+            <a:endParaRPr/>
+          </a:p>
         </p:txBody>
       </p:sp>
       <p:sp>
         <p:nvSpPr>
           <p:cNvPr id="39" name="Shape 39"/>
-          <p:cNvSpPr txBox="1"/>
+          <p:cNvSpPr txBox="1">
+            <a:spLocks noGrp="1"/>
+          </p:cNvSpPr>
           <p:nvPr>
-            <p:ph idx="2" type="body"/>
+            <p:ph type="body" idx="2"/>
           </p:nvPr>
         </p:nvSpPr>
         <p:spPr>
@@ -4595,9 +4744,9 @@
           </a:prstGeom>
         </p:spPr>
         <p:txBody>
-          <a:bodyPr anchorCtr="0" anchor="ctr" bIns="91425" lIns="91425" spcFirstLastPara="1" rIns="91425" wrap="square" tIns="91425"/>
+          <a:bodyPr spcFirstLastPara="1" wrap="square" lIns="91425" tIns="91425" rIns="91425" bIns="91425" anchor="ctr" anchorCtr="0"/>
           <a:lstStyle>
-            <a:lvl1pPr indent="-342900" lvl="0" marL="457200">
+            <a:lvl1pPr marL="457200" lvl="0" indent="-342900">
               <a:spcBef>
                 <a:spcPts val="0"/>
               </a:spcBef>
@@ -4608,7 +4757,7 @@
               <a:buChar char="●"/>
               <a:defRPr/>
             </a:lvl1pPr>
-            <a:lvl2pPr indent="-317500" lvl="1" marL="914400">
+            <a:lvl2pPr marL="914400" lvl="1" indent="-317500">
               <a:spcBef>
                 <a:spcPts val="1600"/>
               </a:spcBef>
@@ -4619,7 +4768,7 @@
               <a:buChar char="○"/>
               <a:defRPr/>
             </a:lvl2pPr>
-            <a:lvl3pPr indent="-317500" lvl="2" marL="1371600">
+            <a:lvl3pPr marL="1371600" lvl="2" indent="-317500">
               <a:spcBef>
                 <a:spcPts val="1600"/>
               </a:spcBef>
@@ -4630,7 +4779,7 @@
               <a:buChar char="■"/>
               <a:defRPr/>
             </a:lvl3pPr>
-            <a:lvl4pPr indent="-317500" lvl="3" marL="1828800">
+            <a:lvl4pPr marL="1828800" lvl="3" indent="-317500">
               <a:spcBef>
                 <a:spcPts val="1600"/>
               </a:spcBef>
@@ -4641,7 +4790,7 @@
               <a:buChar char="●"/>
               <a:defRPr/>
             </a:lvl4pPr>
-            <a:lvl5pPr indent="-317500" lvl="4" marL="2286000">
+            <a:lvl5pPr marL="2286000" lvl="4" indent="-317500">
               <a:spcBef>
                 <a:spcPts val="1600"/>
               </a:spcBef>
@@ -4652,7 +4801,7 @@
               <a:buChar char="○"/>
               <a:defRPr/>
             </a:lvl5pPr>
-            <a:lvl6pPr indent="-317500" lvl="5" marL="2743200">
+            <a:lvl6pPr marL="2743200" lvl="5" indent="-317500">
               <a:spcBef>
                 <a:spcPts val="1600"/>
               </a:spcBef>
@@ -4663,7 +4812,7 @@
               <a:buChar char="■"/>
               <a:defRPr/>
             </a:lvl6pPr>
-            <a:lvl7pPr indent="-317500" lvl="6" marL="3200400">
+            <a:lvl7pPr marL="3200400" lvl="6" indent="-317500">
               <a:spcBef>
                 <a:spcPts val="1600"/>
               </a:spcBef>
@@ -4674,7 +4823,7 @@
               <a:buChar char="●"/>
               <a:defRPr/>
             </a:lvl7pPr>
-            <a:lvl8pPr indent="-317500" lvl="7" marL="3657600">
+            <a:lvl8pPr marL="3657600" lvl="7" indent="-317500">
               <a:spcBef>
                 <a:spcPts val="1600"/>
               </a:spcBef>
@@ -4685,7 +4834,7 @@
               <a:buChar char="○"/>
               <a:defRPr/>
             </a:lvl8pPr>
-            <a:lvl9pPr indent="-317500" lvl="8" marL="4114800">
+            <a:lvl9pPr marL="4114800" lvl="8" indent="-317500">
               <a:spcBef>
                 <a:spcPts val="1600"/>
               </a:spcBef>
@@ -4697,15 +4846,19 @@
               <a:defRPr/>
             </a:lvl9pPr>
           </a:lstStyle>
-          <a:p/>
+          <a:p>
+            <a:endParaRPr/>
+          </a:p>
         </p:txBody>
       </p:sp>
       <p:sp>
         <p:nvSpPr>
           <p:cNvPr id="40" name="Shape 40"/>
-          <p:cNvSpPr txBox="1"/>
+          <p:cNvSpPr txBox="1">
+            <a:spLocks noGrp="1"/>
+          </p:cNvSpPr>
           <p:nvPr>
-            <p:ph idx="12" type="sldNum"/>
+            <p:ph type="sldNum" idx="12"/>
           </p:nvPr>
         </p:nvSpPr>
         <p:spPr>
@@ -4718,7 +4871,7 @@
           </a:prstGeom>
         </p:spPr>
         <p:txBody>
-          <a:bodyPr anchorCtr="0" anchor="ctr" bIns="91425" lIns="91425" spcFirstLastPara="1" rIns="91425" wrap="square" tIns="91425">
+          <a:bodyPr spcFirstLastPara="1" wrap="square" lIns="91425" tIns="91425" rIns="91425" bIns="91425" anchor="ctr" anchorCtr="0">
             <a:noAutofit/>
           </a:bodyPr>
           <a:lstStyle>
@@ -4760,7 +4913,7 @@
             </a:lvl9pPr>
           </a:lstStyle>
           <a:p>
-            <a:pPr indent="0" lvl="0" marL="0">
+            <a:pPr marL="0" lvl="0" indent="0">
               <a:spcBef>
                 <a:spcPts val="0"/>
               </a:spcBef>
@@ -4786,11 +4939,11 @@
 </file>
 
 <file path=ppt/slideLayouts/slideLayout9.xml><?xml version="1.0" encoding="utf-8"?>
-<p:sldLayout xmlns:a="http://schemas.openxmlformats.org/drawingml/2006/main" xmlns:r="http://schemas.openxmlformats.org/officeDocument/2006/relationships" xmlns:mc="http://schemas.openxmlformats.org/markup-compatibility/2006" xmlns:mv="urn:schemas-microsoft-com:mac:vml" xmlns:p="http://schemas.openxmlformats.org/presentationml/2006/main" xmlns:c="http://schemas.openxmlformats.org/drawingml/2006/chart" xmlns:dgm="http://schemas.openxmlformats.org/drawingml/2006/diagram" xmlns:o="urn:schemas-microsoft-com:office:office" xmlns:v="urn:schemas-microsoft-com:vml" xmlns:pvml="urn:schemas-microsoft-com:office:powerpoint" xmlns:com="http://schemas.openxmlformats.org/drawingml/2006/compatibility" xmlns:p14="http://schemas.microsoft.com/office/powerpoint/2010/main" xmlns:p15="http://schemas.microsoft.com/office/powerpoint/2012/main" matchingName="Caption">
+<p:sldLayout xmlns:a="http://schemas.openxmlformats.org/drawingml/2006/main" xmlns:r="http://schemas.openxmlformats.org/officeDocument/2006/relationships" xmlns:p="http://schemas.openxmlformats.org/presentationml/2006/main" matchingName="Caption">
   <p:cSld name="CAPTION_ONLY">
     <p:spTree>
       <p:nvGrpSpPr>
-        <p:cNvPr id="41" name="Shape 41"/>
+        <p:cNvPr id="1" name="Shape 41"/>
         <p:cNvGrpSpPr/>
         <p:nvPr/>
       </p:nvGrpSpPr>
@@ -4805,9 +4958,11 @@
       <p:sp>
         <p:nvSpPr>
           <p:cNvPr id="42" name="Shape 42"/>
-          <p:cNvSpPr txBox="1"/>
+          <p:cNvSpPr txBox="1">
+            <a:spLocks noGrp="1"/>
+          </p:cNvSpPr>
           <p:nvPr>
-            <p:ph idx="1" type="body"/>
+            <p:ph type="body" idx="1"/>
           </p:nvPr>
         </p:nvSpPr>
         <p:spPr>
@@ -4820,9 +4975,9 @@
           </a:prstGeom>
         </p:spPr>
         <p:txBody>
-          <a:bodyPr anchorCtr="0" anchor="ctr" bIns="91425" lIns="91425" spcFirstLastPara="1" rIns="91425" wrap="square" tIns="91425"/>
+          <a:bodyPr spcFirstLastPara="1" wrap="square" lIns="91425" tIns="91425" rIns="91425" bIns="91425" anchor="ctr" anchorCtr="0"/>
           <a:lstStyle>
-            <a:lvl1pPr indent="-228600" lvl="0" marL="457200">
+            <a:lvl1pPr marL="457200" lvl="0" indent="-228600">
               <a:lnSpc>
                 <a:spcPct val="100000"/>
               </a:lnSpc>
@@ -4837,15 +4992,19 @@
               <a:defRPr/>
             </a:lvl1pPr>
           </a:lstStyle>
-          <a:p/>
+          <a:p>
+            <a:endParaRPr/>
+          </a:p>
         </p:txBody>
       </p:sp>
       <p:sp>
         <p:nvSpPr>
           <p:cNvPr id="43" name="Shape 43"/>
-          <p:cNvSpPr txBox="1"/>
+          <p:cNvSpPr txBox="1">
+            <a:spLocks noGrp="1"/>
+          </p:cNvSpPr>
           <p:nvPr>
-            <p:ph idx="12" type="sldNum"/>
+            <p:ph type="sldNum" idx="12"/>
           </p:nvPr>
         </p:nvSpPr>
         <p:spPr>
@@ -4858,7 +5017,7 @@
           </a:prstGeom>
         </p:spPr>
         <p:txBody>
-          <a:bodyPr anchorCtr="0" anchor="ctr" bIns="91425" lIns="91425" spcFirstLastPara="1" rIns="91425" wrap="square" tIns="91425">
+          <a:bodyPr spcFirstLastPara="1" wrap="square" lIns="91425" tIns="91425" rIns="91425" bIns="91425" anchor="ctr" anchorCtr="0">
             <a:noAutofit/>
           </a:bodyPr>
           <a:lstStyle>
@@ -4900,7 +5059,7 @@
             </a:lvl9pPr>
           </a:lstStyle>
           <a:p>
-            <a:pPr indent="0" lvl="0" marL="0">
+            <a:pPr marL="0" lvl="0" indent="0">
               <a:spcBef>
                 <a:spcPts val="0"/>
               </a:spcBef>
@@ -4926,18 +5085,19 @@
 </file>
 
 <file path=ppt/slideMasters/slideMaster1.xml><?xml version="1.0" encoding="utf-8"?>
-<p:sldMaster xmlns:a="http://schemas.openxmlformats.org/drawingml/2006/main" xmlns:r="http://schemas.openxmlformats.org/officeDocument/2006/relationships" xmlns:mc="http://schemas.openxmlformats.org/markup-compatibility/2006" xmlns:mv="urn:schemas-microsoft-com:mac:vml" xmlns:p="http://schemas.openxmlformats.org/presentationml/2006/main" xmlns:c="http://schemas.openxmlformats.org/drawingml/2006/chart" xmlns:dgm="http://schemas.openxmlformats.org/drawingml/2006/diagram" xmlns:o="urn:schemas-microsoft-com:office:office" xmlns:v="urn:schemas-microsoft-com:vml" xmlns:pvml="urn:schemas-microsoft-com:office:powerpoint" xmlns:com="http://schemas.openxmlformats.org/drawingml/2006/compatibility" xmlns:p14="http://schemas.microsoft.com/office/powerpoint/2010/main" xmlns:p15="http://schemas.microsoft.com/office/powerpoint/2012/main">
+<p:sldMaster xmlns:a="http://schemas.openxmlformats.org/drawingml/2006/main" xmlns:r="http://schemas.openxmlformats.org/officeDocument/2006/relationships" xmlns:p="http://schemas.openxmlformats.org/presentationml/2006/main">
   <p:cSld name="simple-light-2">
     <p:bg>
       <p:bgPr>
         <a:solidFill>
           <a:schemeClr val="lt1"/>
         </a:solidFill>
+        <a:effectLst/>
       </p:bgPr>
     </p:bg>
     <p:spTree>
       <p:nvGrpSpPr>
-        <p:cNvPr id="5" name="Shape 5"/>
+        <p:cNvPr id="1" name="Shape 5"/>
         <p:cNvGrpSpPr/>
         <p:nvPr/>
       </p:nvGrpSpPr>
@@ -4952,7 +5112,9 @@
       <p:sp>
         <p:nvSpPr>
           <p:cNvPr id="6" name="Shape 6"/>
-          <p:cNvSpPr txBox="1"/>
+          <p:cNvSpPr txBox="1">
+            <a:spLocks noGrp="1"/>
+          </p:cNvSpPr>
           <p:nvPr>
             <p:ph type="title"/>
           </p:nvPr>
@@ -4971,7 +5133,7 @@
           </a:ln>
         </p:spPr>
         <p:txBody>
-          <a:bodyPr anchorCtr="0" anchor="t" bIns="91425" lIns="91425" spcFirstLastPara="1" rIns="91425" wrap="square" tIns="91425"/>
+          <a:bodyPr spcFirstLastPara="1" wrap="square" lIns="91425" tIns="91425" rIns="91425" bIns="91425" anchor="t" anchorCtr="0"/>
           <a:lstStyle>
             <a:lvl1pPr lvl="0">
               <a:spcBef>
@@ -5136,15 +5298,19 @@
               </a:defRPr>
             </a:lvl9pPr>
           </a:lstStyle>
-          <a:p/>
+          <a:p>
+            <a:endParaRPr/>
+          </a:p>
         </p:txBody>
       </p:sp>
       <p:sp>
         <p:nvSpPr>
           <p:cNvPr id="7" name="Shape 7"/>
-          <p:cNvSpPr txBox="1"/>
+          <p:cNvSpPr txBox="1">
+            <a:spLocks noGrp="1"/>
+          </p:cNvSpPr>
           <p:nvPr>
-            <p:ph idx="1" type="body"/>
+            <p:ph type="body" idx="1"/>
           </p:nvPr>
         </p:nvSpPr>
         <p:spPr>
@@ -5161,9 +5327,9 @@
           </a:ln>
         </p:spPr>
         <p:txBody>
-          <a:bodyPr anchorCtr="0" anchor="t" bIns="91425" lIns="91425" spcFirstLastPara="1" rIns="91425" wrap="square" tIns="91425"/>
+          <a:bodyPr spcFirstLastPara="1" wrap="square" lIns="91425" tIns="91425" rIns="91425" bIns="91425" anchor="t" anchorCtr="0"/>
           <a:lstStyle>
-            <a:lvl1pPr indent="-342900" lvl="0" marL="457200">
+            <a:lvl1pPr marL="457200" lvl="0" indent="-342900">
               <a:lnSpc>
                 <a:spcPct val="115000"/>
               </a:lnSpc>
@@ -5184,7 +5350,7 @@
                 </a:solidFill>
               </a:defRPr>
             </a:lvl1pPr>
-            <a:lvl2pPr indent="-317500" lvl="1" marL="914400">
+            <a:lvl2pPr marL="914400" lvl="1" indent="-317500">
               <a:lnSpc>
                 <a:spcPct val="115000"/>
               </a:lnSpc>
@@ -5205,7 +5371,7 @@
                 </a:solidFill>
               </a:defRPr>
             </a:lvl2pPr>
-            <a:lvl3pPr indent="-317500" lvl="2" marL="1371600">
+            <a:lvl3pPr marL="1371600" lvl="2" indent="-317500">
               <a:lnSpc>
                 <a:spcPct val="115000"/>
               </a:lnSpc>
@@ -5226,7 +5392,7 @@
                 </a:solidFill>
               </a:defRPr>
             </a:lvl3pPr>
-            <a:lvl4pPr indent="-317500" lvl="3" marL="1828800">
+            <a:lvl4pPr marL="1828800" lvl="3" indent="-317500">
               <a:lnSpc>
                 <a:spcPct val="115000"/>
               </a:lnSpc>
@@ -5247,7 +5413,7 @@
                 </a:solidFill>
               </a:defRPr>
             </a:lvl4pPr>
-            <a:lvl5pPr indent="-317500" lvl="4" marL="2286000">
+            <a:lvl5pPr marL="2286000" lvl="4" indent="-317500">
               <a:lnSpc>
                 <a:spcPct val="115000"/>
               </a:lnSpc>
@@ -5268,7 +5434,7 @@
                 </a:solidFill>
               </a:defRPr>
             </a:lvl5pPr>
-            <a:lvl6pPr indent="-317500" lvl="5" marL="2743200">
+            <a:lvl6pPr marL="2743200" lvl="5" indent="-317500">
               <a:lnSpc>
                 <a:spcPct val="115000"/>
               </a:lnSpc>
@@ -5289,7 +5455,7 @@
                 </a:solidFill>
               </a:defRPr>
             </a:lvl6pPr>
-            <a:lvl7pPr indent="-317500" lvl="6" marL="3200400">
+            <a:lvl7pPr marL="3200400" lvl="6" indent="-317500">
               <a:lnSpc>
                 <a:spcPct val="115000"/>
               </a:lnSpc>
@@ -5310,7 +5476,7 @@
                 </a:solidFill>
               </a:defRPr>
             </a:lvl7pPr>
-            <a:lvl8pPr indent="-317500" lvl="7" marL="3657600">
+            <a:lvl8pPr marL="3657600" lvl="7" indent="-317500">
               <a:lnSpc>
                 <a:spcPct val="115000"/>
               </a:lnSpc>
@@ -5331,7 +5497,7 @@
                 </a:solidFill>
               </a:defRPr>
             </a:lvl8pPr>
-            <a:lvl9pPr indent="-317500" lvl="8" marL="4114800">
+            <a:lvl9pPr marL="4114800" lvl="8" indent="-317500">
               <a:lnSpc>
                 <a:spcPct val="115000"/>
               </a:lnSpc>
@@ -5353,15 +5519,19 @@
               </a:defRPr>
             </a:lvl9pPr>
           </a:lstStyle>
-          <a:p/>
+          <a:p>
+            <a:endParaRPr/>
+          </a:p>
         </p:txBody>
       </p:sp>
       <p:sp>
         <p:nvSpPr>
           <p:cNvPr id="8" name="Shape 8"/>
-          <p:cNvSpPr txBox="1"/>
+          <p:cNvSpPr txBox="1">
+            <a:spLocks noGrp="1"/>
+          </p:cNvSpPr>
           <p:nvPr>
-            <p:ph idx="12" type="sldNum"/>
+            <p:ph type="sldNum" idx="12"/>
           </p:nvPr>
         </p:nvSpPr>
         <p:spPr>
@@ -5378,7 +5548,7 @@
           </a:ln>
         </p:spPr>
         <p:txBody>
-          <a:bodyPr anchorCtr="0" anchor="ctr" bIns="91425" lIns="91425" spcFirstLastPara="1" rIns="91425" wrap="square" tIns="91425">
+          <a:bodyPr spcFirstLastPara="1" wrap="square" lIns="91425" tIns="91425" rIns="91425" bIns="91425" anchor="ctr" anchorCtr="0">
             <a:noAutofit/>
           </a:bodyPr>
           <a:lstStyle>
@@ -5456,7 +5626,7 @@
             </a:lvl9pPr>
           </a:lstStyle>
           <a:p>
-            <a:pPr indent="0" lvl="0" marL="0">
+            <a:pPr marL="0" lvl="0" indent="0">
               <a:spcBef>
                 <a:spcPts val="0"/>
               </a:spcBef>
@@ -5475,7 +5645,7 @@
       </p:sp>
     </p:spTree>
   </p:cSld>
-  <p:clrMap accent1="accent1" accent2="accent2" accent3="accent3" accent4="accent4" accent5="accent5" accent6="accent6" bg1="lt1" bg2="dk2" tx1="dk1" tx2="lt2" folHlink="folHlink" hlink="hlink"/>
+  <p:clrMap bg1="lt1" tx1="dk1" bg2="dk2" tx2="lt2" accent1="accent1" accent2="accent2" accent3="accent3" accent4="accent4" accent5="accent5" accent6="accent6" hlink="hlink" folHlink="folHlink"/>
   <p:sldLayoutIdLst>
     <p:sldLayoutId id="2147483648" r:id="rId1"/>
     <p:sldLayoutId id="2147483649" r:id="rId2"/>
@@ -5489,10 +5659,10 @@
     <p:sldLayoutId id="2147483657" r:id="rId10"/>
     <p:sldLayoutId id="2147483658" r:id="rId11"/>
   </p:sldLayoutIdLst>
-  <p:hf dt="0" ftr="0" hdr="0" sldNum="0"/>
+  <p:hf sldNum="0" hdr="0" ftr="0" dt="0"/>
   <p:txStyles>
     <p:titleStyle>
-      <a:defPPr lvl="0" marR="0" rtl="0" algn="l">
+      <a:defPPr marR="0" lvl="0" algn="l" rtl="0">
         <a:lnSpc>
           <a:spcPct val="100000"/>
         </a:lnSpc>
@@ -5503,7 +5673,7 @@
           <a:spcPts val="0"/>
         </a:spcAft>
       </a:defPPr>
-      <a:lvl1pPr lvl="0" marR="0" rtl="0" algn="l">
+      <a:lvl1pPr marR="0" lvl="0" algn="l" rtl="0">
         <a:lnSpc>
           <a:spcPct val="100000"/>
         </a:lnSpc>
@@ -5517,7 +5687,7 @@
           <a:srgbClr val="000000"/>
         </a:buClr>
         <a:buFont typeface="Arial"/>
-        <a:defRPr b="0" i="0" sz="1400" u="none" cap="none" strike="noStrike">
+        <a:defRPr sz="1400" b="0" i="0" u="none" strike="noStrike" cap="none">
           <a:solidFill>
             <a:srgbClr val="000000"/>
           </a:solidFill>
@@ -5527,7 +5697,7 @@
           <a:sym typeface="Arial"/>
         </a:defRPr>
       </a:lvl1pPr>
-      <a:lvl2pPr lvl="1" marR="0" rtl="0" algn="l">
+      <a:lvl2pPr marR="0" lvl="1" algn="l" rtl="0">
         <a:lnSpc>
           <a:spcPct val="100000"/>
         </a:lnSpc>
@@ -5541,7 +5711,7 @@
           <a:srgbClr val="000000"/>
         </a:buClr>
         <a:buFont typeface="Arial"/>
-        <a:defRPr b="0" i="0" sz="1400" u="none" cap="none" strike="noStrike">
+        <a:defRPr sz="1400" b="0" i="0" u="none" strike="noStrike" cap="none">
           <a:solidFill>
             <a:srgbClr val="000000"/>
           </a:solidFill>
@@ -5551,7 +5721,7 @@
           <a:sym typeface="Arial"/>
         </a:defRPr>
       </a:lvl2pPr>
-      <a:lvl3pPr lvl="2" marR="0" rtl="0" algn="l">
+      <a:lvl3pPr marR="0" lvl="2" algn="l" rtl="0">
         <a:lnSpc>
           <a:spcPct val="100000"/>
         </a:lnSpc>
@@ -5565,7 +5735,7 @@
           <a:srgbClr val="000000"/>
         </a:buClr>
         <a:buFont typeface="Arial"/>
-        <a:defRPr b="0" i="0" sz="1400" u="none" cap="none" strike="noStrike">
+        <a:defRPr sz="1400" b="0" i="0" u="none" strike="noStrike" cap="none">
           <a:solidFill>
             <a:srgbClr val="000000"/>
           </a:solidFill>
@@ -5575,7 +5745,7 @@
           <a:sym typeface="Arial"/>
         </a:defRPr>
       </a:lvl3pPr>
-      <a:lvl4pPr lvl="3" marR="0" rtl="0" algn="l">
+      <a:lvl4pPr marR="0" lvl="3" algn="l" rtl="0">
         <a:lnSpc>
           <a:spcPct val="100000"/>
         </a:lnSpc>
@@ -5589,7 +5759,7 @@
           <a:srgbClr val="000000"/>
         </a:buClr>
         <a:buFont typeface="Arial"/>
-        <a:defRPr b="0" i="0" sz="1400" u="none" cap="none" strike="noStrike">
+        <a:defRPr sz="1400" b="0" i="0" u="none" strike="noStrike" cap="none">
           <a:solidFill>
             <a:srgbClr val="000000"/>
           </a:solidFill>
@@ -5599,7 +5769,7 @@
           <a:sym typeface="Arial"/>
         </a:defRPr>
       </a:lvl4pPr>
-      <a:lvl5pPr lvl="4" marR="0" rtl="0" algn="l">
+      <a:lvl5pPr marR="0" lvl="4" algn="l" rtl="0">
         <a:lnSpc>
           <a:spcPct val="100000"/>
         </a:lnSpc>
@@ -5613,7 +5783,7 @@
           <a:srgbClr val="000000"/>
         </a:buClr>
         <a:buFont typeface="Arial"/>
-        <a:defRPr b="0" i="0" sz="1400" u="none" cap="none" strike="noStrike">
+        <a:defRPr sz="1400" b="0" i="0" u="none" strike="noStrike" cap="none">
           <a:solidFill>
             <a:srgbClr val="000000"/>
           </a:solidFill>
@@ -5623,7 +5793,7 @@
           <a:sym typeface="Arial"/>
         </a:defRPr>
       </a:lvl5pPr>
-      <a:lvl6pPr lvl="5" marR="0" rtl="0" algn="l">
+      <a:lvl6pPr marR="0" lvl="5" algn="l" rtl="0">
         <a:lnSpc>
           <a:spcPct val="100000"/>
         </a:lnSpc>
@@ -5637,7 +5807,7 @@
           <a:srgbClr val="000000"/>
         </a:buClr>
         <a:buFont typeface="Arial"/>
-        <a:defRPr b="0" i="0" sz="1400" u="none" cap="none" strike="noStrike">
+        <a:defRPr sz="1400" b="0" i="0" u="none" strike="noStrike" cap="none">
           <a:solidFill>
             <a:srgbClr val="000000"/>
           </a:solidFill>
@@ -5647,7 +5817,7 @@
           <a:sym typeface="Arial"/>
         </a:defRPr>
       </a:lvl6pPr>
-      <a:lvl7pPr lvl="6" marR="0" rtl="0" algn="l">
+      <a:lvl7pPr marR="0" lvl="6" algn="l" rtl="0">
         <a:lnSpc>
           <a:spcPct val="100000"/>
         </a:lnSpc>
@@ -5661,7 +5831,7 @@
           <a:srgbClr val="000000"/>
         </a:buClr>
         <a:buFont typeface="Arial"/>
-        <a:defRPr b="0" i="0" sz="1400" u="none" cap="none" strike="noStrike">
+        <a:defRPr sz="1400" b="0" i="0" u="none" strike="noStrike" cap="none">
           <a:solidFill>
             <a:srgbClr val="000000"/>
           </a:solidFill>
@@ -5671,7 +5841,7 @@
           <a:sym typeface="Arial"/>
         </a:defRPr>
       </a:lvl7pPr>
-      <a:lvl8pPr lvl="7" marR="0" rtl="0" algn="l">
+      <a:lvl8pPr marR="0" lvl="7" algn="l" rtl="0">
         <a:lnSpc>
           <a:spcPct val="100000"/>
         </a:lnSpc>
@@ -5685,7 +5855,7 @@
           <a:srgbClr val="000000"/>
         </a:buClr>
         <a:buFont typeface="Arial"/>
-        <a:defRPr b="0" i="0" sz="1400" u="none" cap="none" strike="noStrike">
+        <a:defRPr sz="1400" b="0" i="0" u="none" strike="noStrike" cap="none">
           <a:solidFill>
             <a:srgbClr val="000000"/>
           </a:solidFill>
@@ -5695,7 +5865,7 @@
           <a:sym typeface="Arial"/>
         </a:defRPr>
       </a:lvl8pPr>
-      <a:lvl9pPr lvl="8" marR="0" rtl="0" algn="l">
+      <a:lvl9pPr marR="0" lvl="8" algn="l" rtl="0">
         <a:lnSpc>
           <a:spcPct val="100000"/>
         </a:lnSpc>
@@ -5709,7 +5879,7 @@
           <a:srgbClr val="000000"/>
         </a:buClr>
         <a:buFont typeface="Arial"/>
-        <a:defRPr b="0" i="0" sz="1400" u="none" cap="none" strike="noStrike">
+        <a:defRPr sz="1400" b="0" i="0" u="none" strike="noStrike" cap="none">
           <a:solidFill>
             <a:srgbClr val="000000"/>
           </a:solidFill>
@@ -5721,7 +5891,7 @@
       </a:lvl9pPr>
     </p:titleStyle>
     <p:bodyStyle>
-      <a:defPPr lvl="0" marR="0" rtl="0" algn="l">
+      <a:defPPr marR="0" lvl="0" algn="l" rtl="0">
         <a:lnSpc>
           <a:spcPct val="100000"/>
         </a:lnSpc>
@@ -5732,7 +5902,7 @@
           <a:spcPts val="0"/>
         </a:spcAft>
       </a:defPPr>
-      <a:lvl1pPr lvl="0" marR="0" rtl="0" algn="l">
+      <a:lvl1pPr marR="0" lvl="0" algn="l" rtl="0">
         <a:lnSpc>
           <a:spcPct val="100000"/>
         </a:lnSpc>
@@ -5746,7 +5916,7 @@
           <a:srgbClr val="000000"/>
         </a:buClr>
         <a:buFont typeface="Arial"/>
-        <a:defRPr b="0" i="0" sz="1400" u="none" cap="none" strike="noStrike">
+        <a:defRPr sz="1400" b="0" i="0" u="none" strike="noStrike" cap="none">
           <a:solidFill>
             <a:srgbClr val="000000"/>
           </a:solidFill>
@@ -5756,7 +5926,7 @@
           <a:sym typeface="Arial"/>
         </a:defRPr>
       </a:lvl1pPr>
-      <a:lvl2pPr lvl="1" marR="0" rtl="0" algn="l">
+      <a:lvl2pPr marR="0" lvl="1" algn="l" rtl="0">
         <a:lnSpc>
           <a:spcPct val="100000"/>
         </a:lnSpc>
@@ -5770,7 +5940,7 @@
           <a:srgbClr val="000000"/>
         </a:buClr>
         <a:buFont typeface="Arial"/>
-        <a:defRPr b="0" i="0" sz="1400" u="none" cap="none" strike="noStrike">
+        <a:defRPr sz="1400" b="0" i="0" u="none" strike="noStrike" cap="none">
           <a:solidFill>
             <a:srgbClr val="000000"/>
           </a:solidFill>
@@ -5780,7 +5950,7 @@
           <a:sym typeface="Arial"/>
         </a:defRPr>
       </a:lvl2pPr>
-      <a:lvl3pPr lvl="2" marR="0" rtl="0" algn="l">
+      <a:lvl3pPr marR="0" lvl="2" algn="l" rtl="0">
         <a:lnSpc>
           <a:spcPct val="100000"/>
         </a:lnSpc>
@@ -5794,7 +5964,7 @@
           <a:srgbClr val="000000"/>
         </a:buClr>
         <a:buFont typeface="Arial"/>
-        <a:defRPr b="0" i="0" sz="1400" u="none" cap="none" strike="noStrike">
+        <a:defRPr sz="1400" b="0" i="0" u="none" strike="noStrike" cap="none">
           <a:solidFill>
             <a:srgbClr val="000000"/>
           </a:solidFill>
@@ -5804,7 +5974,7 @@
           <a:sym typeface="Arial"/>
         </a:defRPr>
       </a:lvl3pPr>
-      <a:lvl4pPr lvl="3" marR="0" rtl="0" algn="l">
+      <a:lvl4pPr marR="0" lvl="3" algn="l" rtl="0">
         <a:lnSpc>
           <a:spcPct val="100000"/>
         </a:lnSpc>
@@ -5818,7 +5988,7 @@
           <a:srgbClr val="000000"/>
         </a:buClr>
         <a:buFont typeface="Arial"/>
-        <a:defRPr b="0" i="0" sz="1400" u="none" cap="none" strike="noStrike">
+        <a:defRPr sz="1400" b="0" i="0" u="none" strike="noStrike" cap="none">
           <a:solidFill>
             <a:srgbClr val="000000"/>
           </a:solidFill>
@@ -5828,7 +5998,7 @@
           <a:sym typeface="Arial"/>
         </a:defRPr>
       </a:lvl4pPr>
-      <a:lvl5pPr lvl="4" marR="0" rtl="0" algn="l">
+      <a:lvl5pPr marR="0" lvl="4" algn="l" rtl="0">
         <a:lnSpc>
           <a:spcPct val="100000"/>
         </a:lnSpc>
@@ -5842,7 +6012,7 @@
           <a:srgbClr val="000000"/>
         </a:buClr>
         <a:buFont typeface="Arial"/>
-        <a:defRPr b="0" i="0" sz="1400" u="none" cap="none" strike="noStrike">
+        <a:defRPr sz="1400" b="0" i="0" u="none" strike="noStrike" cap="none">
           <a:solidFill>
             <a:srgbClr val="000000"/>
           </a:solidFill>
@@ -5852,7 +6022,7 @@
           <a:sym typeface="Arial"/>
         </a:defRPr>
       </a:lvl5pPr>
-      <a:lvl6pPr lvl="5" marR="0" rtl="0" algn="l">
+      <a:lvl6pPr marR="0" lvl="5" algn="l" rtl="0">
         <a:lnSpc>
           <a:spcPct val="100000"/>
         </a:lnSpc>
@@ -5866,7 +6036,7 @@
           <a:srgbClr val="000000"/>
         </a:buClr>
         <a:buFont typeface="Arial"/>
-        <a:defRPr b="0" i="0" sz="1400" u="none" cap="none" strike="noStrike">
+        <a:defRPr sz="1400" b="0" i="0" u="none" strike="noStrike" cap="none">
           <a:solidFill>
             <a:srgbClr val="000000"/>
           </a:solidFill>
@@ -5876,7 +6046,7 @@
           <a:sym typeface="Arial"/>
         </a:defRPr>
       </a:lvl6pPr>
-      <a:lvl7pPr lvl="6" marR="0" rtl="0" algn="l">
+      <a:lvl7pPr marR="0" lvl="6" algn="l" rtl="0">
         <a:lnSpc>
           <a:spcPct val="100000"/>
         </a:lnSpc>
@@ -5890,7 +6060,7 @@
           <a:srgbClr val="000000"/>
         </a:buClr>
         <a:buFont typeface="Arial"/>
-        <a:defRPr b="0" i="0" sz="1400" u="none" cap="none" strike="noStrike">
+        <a:defRPr sz="1400" b="0" i="0" u="none" strike="noStrike" cap="none">
           <a:solidFill>
             <a:srgbClr val="000000"/>
           </a:solidFill>
@@ -5900,7 +6070,7 @@
           <a:sym typeface="Arial"/>
         </a:defRPr>
       </a:lvl7pPr>
-      <a:lvl8pPr lvl="7" marR="0" rtl="0" algn="l">
+      <a:lvl8pPr marR="0" lvl="7" algn="l" rtl="0">
         <a:lnSpc>
           <a:spcPct val="100000"/>
         </a:lnSpc>
@@ -5914,7 +6084,7 @@
           <a:srgbClr val="000000"/>
         </a:buClr>
         <a:buFont typeface="Arial"/>
-        <a:defRPr b="0" i="0" sz="1400" u="none" cap="none" strike="noStrike">
+        <a:defRPr sz="1400" b="0" i="0" u="none" strike="noStrike" cap="none">
           <a:solidFill>
             <a:srgbClr val="000000"/>
           </a:solidFill>
@@ -5924,7 +6094,7 @@
           <a:sym typeface="Arial"/>
         </a:defRPr>
       </a:lvl8pPr>
-      <a:lvl9pPr lvl="8" marR="0" rtl="0" algn="l">
+      <a:lvl9pPr marR="0" lvl="8" algn="l" rtl="0">
         <a:lnSpc>
           <a:spcPct val="100000"/>
         </a:lnSpc>
@@ -5938,7 +6108,7 @@
           <a:srgbClr val="000000"/>
         </a:buClr>
         <a:buFont typeface="Arial"/>
-        <a:defRPr b="0" i="0" sz="1400" u="none" cap="none" strike="noStrike">
+        <a:defRPr sz="1400" b="0" i="0" u="none" strike="noStrike" cap="none">
           <a:solidFill>
             <a:srgbClr val="000000"/>
           </a:solidFill>
@@ -5950,7 +6120,7 @@
       </a:lvl9pPr>
     </p:bodyStyle>
     <p:otherStyle>
-      <a:defPPr lvl="0" marR="0" rtl="0" algn="l">
+      <a:defPPr marR="0" lvl="0" algn="l" rtl="0">
         <a:lnSpc>
           <a:spcPct val="100000"/>
         </a:lnSpc>
@@ -5961,7 +6131,7 @@
           <a:spcPts val="0"/>
         </a:spcAft>
       </a:defPPr>
-      <a:lvl1pPr lvl="0" marR="0" rtl="0" algn="l">
+      <a:lvl1pPr marR="0" lvl="0" algn="l" rtl="0">
         <a:lnSpc>
           <a:spcPct val="100000"/>
         </a:lnSpc>
@@ -5975,7 +6145,7 @@
           <a:srgbClr val="000000"/>
         </a:buClr>
         <a:buFont typeface="Arial"/>
-        <a:defRPr b="0" i="0" sz="1400" u="none" cap="none" strike="noStrike">
+        <a:defRPr sz="1400" b="0" i="0" u="none" strike="noStrike" cap="none">
           <a:solidFill>
             <a:srgbClr val="000000"/>
           </a:solidFill>
@@ -5985,7 +6155,7 @@
           <a:sym typeface="Arial"/>
         </a:defRPr>
       </a:lvl1pPr>
-      <a:lvl2pPr lvl="1" marR="0" rtl="0" algn="l">
+      <a:lvl2pPr marR="0" lvl="1" algn="l" rtl="0">
         <a:lnSpc>
           <a:spcPct val="100000"/>
         </a:lnSpc>
@@ -5999,7 +6169,7 @@
           <a:srgbClr val="000000"/>
         </a:buClr>
         <a:buFont typeface="Arial"/>
-        <a:defRPr b="0" i="0" sz="1400" u="none" cap="none" strike="noStrike">
+        <a:defRPr sz="1400" b="0" i="0" u="none" strike="noStrike" cap="none">
           <a:solidFill>
             <a:srgbClr val="000000"/>
           </a:solidFill>
@@ -6009,7 +6179,7 @@
           <a:sym typeface="Arial"/>
         </a:defRPr>
       </a:lvl2pPr>
-      <a:lvl3pPr lvl="2" marR="0" rtl="0" algn="l">
+      <a:lvl3pPr marR="0" lvl="2" algn="l" rtl="0">
         <a:lnSpc>
           <a:spcPct val="100000"/>
         </a:lnSpc>
@@ -6023,7 +6193,7 @@
           <a:srgbClr val="000000"/>
         </a:buClr>
         <a:buFont typeface="Arial"/>
-        <a:defRPr b="0" i="0" sz="1400" u="none" cap="none" strike="noStrike">
+        <a:defRPr sz="1400" b="0" i="0" u="none" strike="noStrike" cap="none">
           <a:solidFill>
             <a:srgbClr val="000000"/>
           </a:solidFill>
@@ -6033,7 +6203,7 @@
           <a:sym typeface="Arial"/>
         </a:defRPr>
       </a:lvl3pPr>
-      <a:lvl4pPr lvl="3" marR="0" rtl="0" algn="l">
+      <a:lvl4pPr marR="0" lvl="3" algn="l" rtl="0">
         <a:lnSpc>
           <a:spcPct val="100000"/>
         </a:lnSpc>
@@ -6047,7 +6217,7 @@
           <a:srgbClr val="000000"/>
         </a:buClr>
         <a:buFont typeface="Arial"/>
-        <a:defRPr b="0" i="0" sz="1400" u="none" cap="none" strike="noStrike">
+        <a:defRPr sz="1400" b="0" i="0" u="none" strike="noStrike" cap="none">
           <a:solidFill>
             <a:srgbClr val="000000"/>
           </a:solidFill>
@@ -6057,7 +6227,7 @@
           <a:sym typeface="Arial"/>
         </a:defRPr>
       </a:lvl4pPr>
-      <a:lvl5pPr lvl="4" marR="0" rtl="0" algn="l">
+      <a:lvl5pPr marR="0" lvl="4" algn="l" rtl="0">
         <a:lnSpc>
           <a:spcPct val="100000"/>
         </a:lnSpc>
@@ -6071,7 +6241,7 @@
           <a:srgbClr val="000000"/>
         </a:buClr>
         <a:buFont typeface="Arial"/>
-        <a:defRPr b="0" i="0" sz="1400" u="none" cap="none" strike="noStrike">
+        <a:defRPr sz="1400" b="0" i="0" u="none" strike="noStrike" cap="none">
           <a:solidFill>
             <a:srgbClr val="000000"/>
           </a:solidFill>
@@ -6081,7 +6251,7 @@
           <a:sym typeface="Arial"/>
         </a:defRPr>
       </a:lvl5pPr>
-      <a:lvl6pPr lvl="5" marR="0" rtl="0" algn="l">
+      <a:lvl6pPr marR="0" lvl="5" algn="l" rtl="0">
         <a:lnSpc>
           <a:spcPct val="100000"/>
         </a:lnSpc>
@@ -6095,7 +6265,7 @@
           <a:srgbClr val="000000"/>
         </a:buClr>
         <a:buFont typeface="Arial"/>
-        <a:defRPr b="0" i="0" sz="1400" u="none" cap="none" strike="noStrike">
+        <a:defRPr sz="1400" b="0" i="0" u="none" strike="noStrike" cap="none">
           <a:solidFill>
             <a:srgbClr val="000000"/>
           </a:solidFill>
@@ -6105,7 +6275,7 @@
           <a:sym typeface="Arial"/>
         </a:defRPr>
       </a:lvl6pPr>
-      <a:lvl7pPr lvl="6" marR="0" rtl="0" algn="l">
+      <a:lvl7pPr marR="0" lvl="6" algn="l" rtl="0">
         <a:lnSpc>
           <a:spcPct val="100000"/>
         </a:lnSpc>
@@ -6119,7 +6289,7 @@
           <a:srgbClr val="000000"/>
         </a:buClr>
         <a:buFont typeface="Arial"/>
-        <a:defRPr b="0" i="0" sz="1400" u="none" cap="none" strike="noStrike">
+        <a:defRPr sz="1400" b="0" i="0" u="none" strike="noStrike" cap="none">
           <a:solidFill>
             <a:srgbClr val="000000"/>
           </a:solidFill>
@@ -6129,7 +6299,7 @@
           <a:sym typeface="Arial"/>
         </a:defRPr>
       </a:lvl7pPr>
-      <a:lvl8pPr lvl="7" marR="0" rtl="0" algn="l">
+      <a:lvl8pPr marR="0" lvl="7" algn="l" rtl="0">
         <a:lnSpc>
           <a:spcPct val="100000"/>
         </a:lnSpc>
@@ -6143,7 +6313,7 @@
           <a:srgbClr val="000000"/>
         </a:buClr>
         <a:buFont typeface="Arial"/>
-        <a:defRPr b="0" i="0" sz="1400" u="none" cap="none" strike="noStrike">
+        <a:defRPr sz="1400" b="0" i="0" u="none" strike="noStrike" cap="none">
           <a:solidFill>
             <a:srgbClr val="000000"/>
           </a:solidFill>
@@ -6153,7 +6323,7 @@
           <a:sym typeface="Arial"/>
         </a:defRPr>
       </a:lvl8pPr>
-      <a:lvl9pPr lvl="8" marR="0" rtl="0" algn="l">
+      <a:lvl9pPr marR="0" lvl="8" algn="l" rtl="0">
         <a:lnSpc>
           <a:spcPct val="100000"/>
         </a:lnSpc>
@@ -6167,7 +6337,7 @@
           <a:srgbClr val="000000"/>
         </a:buClr>
         <a:buFont typeface="Arial"/>
-        <a:defRPr b="0" i="0" sz="1400" u="none" cap="none" strike="noStrike">
+        <a:defRPr sz="1400" b="0" i="0" u="none" strike="noStrike" cap="none">
           <a:solidFill>
             <a:srgbClr val="000000"/>
           </a:solidFill>
@@ -6183,11 +6353,11 @@
 </file>
 
 <file path=ppt/slides/slide1.xml><?xml version="1.0" encoding="utf-8"?>
-<p:sld xmlns:a="http://schemas.openxmlformats.org/drawingml/2006/main" xmlns:r="http://schemas.openxmlformats.org/officeDocument/2006/relationships" xmlns:mc="http://schemas.openxmlformats.org/markup-compatibility/2006" xmlns:mv="urn:schemas-microsoft-com:mac:vml" xmlns:p="http://schemas.openxmlformats.org/presentationml/2006/main" xmlns:c="http://schemas.openxmlformats.org/drawingml/2006/chart" xmlns:dgm="http://schemas.openxmlformats.org/drawingml/2006/diagram" xmlns:o="urn:schemas-microsoft-com:office:office" xmlns:v="urn:schemas-microsoft-com:vml" xmlns:pvml="urn:schemas-microsoft-com:office:powerpoint" xmlns:com="http://schemas.openxmlformats.org/drawingml/2006/compatibility" xmlns:p14="http://schemas.microsoft.com/office/powerpoint/2010/main" xmlns:p15="http://schemas.microsoft.com/office/powerpoint/2012/main">
+<p:sld xmlns:a="http://schemas.openxmlformats.org/drawingml/2006/main" xmlns:r="http://schemas.openxmlformats.org/officeDocument/2006/relationships" xmlns:p="http://schemas.openxmlformats.org/presentationml/2006/main">
   <p:cSld>
     <p:spTree>
       <p:nvGrpSpPr>
-        <p:cNvPr id="53" name="Shape 53"/>
+        <p:cNvPr id="1" name="Shape 53"/>
         <p:cNvGrpSpPr/>
         <p:nvPr/>
       </p:nvGrpSpPr>
@@ -6202,7 +6372,9 @@
       <p:sp>
         <p:nvSpPr>
           <p:cNvPr id="54" name="Shape 54"/>
-          <p:cNvSpPr txBox="1"/>
+          <p:cNvSpPr txBox="1">
+            <a:spLocks noGrp="1"/>
+          </p:cNvSpPr>
           <p:nvPr>
             <p:ph type="ctrTitle"/>
           </p:nvPr>
@@ -6217,12 +6389,12 @@
           </a:prstGeom>
         </p:spPr>
         <p:txBody>
-          <a:bodyPr anchorCtr="0" anchor="b" bIns="91425" lIns="91425" spcFirstLastPara="1" rIns="91425" wrap="square" tIns="91425">
+          <a:bodyPr spcFirstLastPara="1" wrap="square" lIns="91425" tIns="91425" rIns="91425" bIns="91425" anchor="b" anchorCtr="0">
             <a:noAutofit/>
           </a:bodyPr>
           <a:lstStyle/>
           <a:p>
-            <a:pPr indent="0" lvl="0" marL="0">
+            <a:pPr marL="0" lvl="0" indent="0">
               <a:spcBef>
                 <a:spcPts val="0"/>
               </a:spcBef>
@@ -6242,27 +6414,29 @@
       <p:sp>
         <p:nvSpPr>
           <p:cNvPr id="55" name="Shape 55"/>
-          <p:cNvSpPr txBox="1"/>
+          <p:cNvSpPr txBox="1">
+            <a:spLocks noGrp="1"/>
+          </p:cNvSpPr>
           <p:nvPr>
-            <p:ph idx="1" type="subTitle"/>
+            <p:ph type="subTitle" idx="1"/>
           </p:nvPr>
         </p:nvSpPr>
         <p:spPr>
           <a:xfrm>
-            <a:off x="311700" y="2834125"/>
-            <a:ext cx="8520600" cy="792600"/>
+            <a:off x="311700" y="2834124"/>
+            <a:ext cx="8520600" cy="1259703"/>
           </a:xfrm>
           <a:prstGeom prst="rect">
             <a:avLst/>
           </a:prstGeom>
         </p:spPr>
         <p:txBody>
-          <a:bodyPr anchorCtr="0" anchor="t" bIns="91425" lIns="91425" spcFirstLastPara="1" rIns="91425" wrap="square" tIns="91425">
+          <a:bodyPr spcFirstLastPara="1" wrap="square" lIns="91425" tIns="91425" rIns="91425" bIns="91425" anchor="t" anchorCtr="0">
             <a:noAutofit/>
           </a:bodyPr>
           <a:lstStyle/>
           <a:p>
-            <a:pPr indent="0" lvl="0" marL="0">
+            <a:pPr marL="0" lvl="0" indent="0">
               <a:spcBef>
                 <a:spcPts val="0"/>
               </a:spcBef>
@@ -6272,10 +6446,25 @@
               <a:buNone/>
             </a:pPr>
             <a:r>
-              <a:rPr lang="en"/>
+              <a:rPr lang="en" dirty="0"/>
               <a:t>The League of Amazing Programmers</a:t>
             </a:r>
-            <a:endParaRPr/>
+          </a:p>
+          <a:p>
+            <a:pPr marL="0" lvl="0" indent="0">
+              <a:spcBef>
+                <a:spcPts val="0"/>
+              </a:spcBef>
+              <a:spcAft>
+                <a:spcPts val="0"/>
+              </a:spcAft>
+              <a:buNone/>
+            </a:pPr>
+            <a:r>
+              <a:rPr lang="en" dirty="0"/>
+              <a:t>EE Class – Level 1</a:t>
+            </a:r>
+            <a:endParaRPr dirty="0"/>
           </a:p>
         </p:txBody>
       </p:sp>
@@ -6316,11 +6505,11 @@
 </file>
 
 <file path=ppt/slides/slide2.xml><?xml version="1.0" encoding="utf-8"?>
-<p:sld xmlns:a="http://schemas.openxmlformats.org/drawingml/2006/main" xmlns:r="http://schemas.openxmlformats.org/officeDocument/2006/relationships" xmlns:mc="http://schemas.openxmlformats.org/markup-compatibility/2006" xmlns:mv="urn:schemas-microsoft-com:mac:vml" xmlns:p="http://schemas.openxmlformats.org/presentationml/2006/main" xmlns:c="http://schemas.openxmlformats.org/drawingml/2006/chart" xmlns:dgm="http://schemas.openxmlformats.org/drawingml/2006/diagram" xmlns:o="urn:schemas-microsoft-com:office:office" xmlns:v="urn:schemas-microsoft-com:vml" xmlns:pvml="urn:schemas-microsoft-com:office:powerpoint" xmlns:com="http://schemas.openxmlformats.org/drawingml/2006/compatibility" xmlns:p14="http://schemas.microsoft.com/office/powerpoint/2010/main" xmlns:p15="http://schemas.microsoft.com/office/powerpoint/2012/main">
+<p:sld xmlns:a="http://schemas.openxmlformats.org/drawingml/2006/main" xmlns:r="http://schemas.openxmlformats.org/officeDocument/2006/relationships" xmlns:p="http://schemas.openxmlformats.org/presentationml/2006/main">
   <p:cSld>
     <p:spTree>
       <p:nvGrpSpPr>
-        <p:cNvPr id="60" name="Shape 60"/>
+        <p:cNvPr id="1" name="Shape 60"/>
         <p:cNvGrpSpPr/>
         <p:nvPr/>
       </p:nvGrpSpPr>
@@ -6363,7 +6552,9 @@
       <p:sp>
         <p:nvSpPr>
           <p:cNvPr id="62" name="Shape 62"/>
-          <p:cNvSpPr txBox="1"/>
+          <p:cNvSpPr txBox="1">
+            <a:spLocks noGrp="1"/>
+          </p:cNvSpPr>
           <p:nvPr>
             <p:ph type="title"/>
           </p:nvPr>
@@ -6378,12 +6569,12 @@
           </a:prstGeom>
         </p:spPr>
         <p:txBody>
-          <a:bodyPr anchorCtr="0" anchor="t" bIns="91425" lIns="91425" spcFirstLastPara="1" rIns="91425" wrap="square" tIns="91425">
+          <a:bodyPr spcFirstLastPara="1" wrap="square" lIns="91425" tIns="91425" rIns="91425" bIns="91425" anchor="t" anchorCtr="0">
             <a:noAutofit/>
           </a:bodyPr>
           <a:lstStyle/>
           <a:p>
-            <a:pPr indent="0" lvl="0" marL="0">
+            <a:pPr marL="0" lvl="0" indent="0">
               <a:spcBef>
                 <a:spcPts val="0"/>
               </a:spcBef>
@@ -6403,9 +6594,11 @@
       <p:sp>
         <p:nvSpPr>
           <p:cNvPr id="63" name="Shape 63"/>
-          <p:cNvSpPr txBox="1"/>
+          <p:cNvSpPr txBox="1">
+            <a:spLocks noGrp="1"/>
+          </p:cNvSpPr>
           <p:nvPr>
-            <p:ph idx="1" type="body"/>
+            <p:ph type="body" idx="1"/>
           </p:nvPr>
         </p:nvSpPr>
         <p:spPr>
@@ -6418,12 +6611,12 @@
           </a:prstGeom>
         </p:spPr>
         <p:txBody>
-          <a:bodyPr anchorCtr="0" anchor="t" bIns="91425" lIns="91425" spcFirstLastPara="1" rIns="91425" wrap="square" tIns="91425">
+          <a:bodyPr spcFirstLastPara="1" wrap="square" lIns="91425" tIns="91425" rIns="91425" bIns="91425" anchor="t" anchorCtr="0">
             <a:noAutofit/>
           </a:bodyPr>
           <a:lstStyle/>
           <a:p>
-            <a:pPr indent="-342900" lvl="0" marL="457200" rtl="0">
+            <a:pPr marL="457200" lvl="0" indent="-342900" rtl="0">
               <a:spcBef>
                 <a:spcPts val="0"/>
               </a:spcBef>
@@ -6440,7 +6633,7 @@
             <a:endParaRPr/>
           </a:p>
           <a:p>
-            <a:pPr indent="-342900" lvl="0" marL="457200" rtl="0">
+            <a:pPr marL="457200" lvl="0" indent="-342900" rtl="0">
               <a:spcBef>
                 <a:spcPts val="0"/>
               </a:spcBef>
@@ -6457,7 +6650,7 @@
             <a:endParaRPr/>
           </a:p>
           <a:p>
-            <a:pPr indent="-342900" lvl="0" marL="457200" rtl="0">
+            <a:pPr marL="457200" lvl="0" indent="-342900" rtl="0">
               <a:spcBef>
                 <a:spcPts val="0"/>
               </a:spcBef>
@@ -6474,7 +6667,7 @@
             <a:endParaRPr/>
           </a:p>
           <a:p>
-            <a:pPr indent="-342900" lvl="0" marL="457200" rtl="0">
+            <a:pPr marL="457200" lvl="0" indent="-342900" rtl="0">
               <a:spcBef>
                 <a:spcPts val="0"/>
               </a:spcBef>
@@ -6491,7 +6684,7 @@
             <a:endParaRPr/>
           </a:p>
           <a:p>
-            <a:pPr indent="-342900" lvl="0" marL="457200" rtl="0">
+            <a:pPr marL="457200" lvl="0" indent="-342900" rtl="0">
               <a:spcBef>
                 <a:spcPts val="0"/>
               </a:spcBef>
@@ -6508,7 +6701,7 @@
             <a:endParaRPr/>
           </a:p>
           <a:p>
-            <a:pPr indent="-342900" lvl="0" marL="457200" rtl="0">
+            <a:pPr marL="457200" lvl="0" indent="-342900" rtl="0">
               <a:spcBef>
                 <a:spcPts val="0"/>
               </a:spcBef>
@@ -6525,7 +6718,7 @@
             <a:endParaRPr/>
           </a:p>
           <a:p>
-            <a:pPr indent="-342900" lvl="0" marL="457200" rtl="0">
+            <a:pPr marL="457200" lvl="0" indent="-342900" rtl="0">
               <a:spcBef>
                 <a:spcPts val="0"/>
               </a:spcBef>
@@ -6542,7 +6735,7 @@
             <a:endParaRPr/>
           </a:p>
           <a:p>
-            <a:pPr indent="-342900" lvl="0" marL="457200" rtl="0">
+            <a:pPr marL="457200" lvl="0" indent="-342900" rtl="0">
               <a:spcBef>
                 <a:spcPts val="0"/>
               </a:spcBef>
@@ -6559,7 +6752,7 @@
             <a:endParaRPr/>
           </a:p>
           <a:p>
-            <a:pPr indent="-342900" lvl="0" marL="457200">
+            <a:pPr marL="457200" lvl="0" indent="-342900">
               <a:spcBef>
                 <a:spcPts val="0"/>
               </a:spcBef>
@@ -6586,11 +6779,11 @@
 </file>
 
 <file path=ppt/slides/slide3.xml><?xml version="1.0" encoding="utf-8"?>
-<p:sld xmlns:a="http://schemas.openxmlformats.org/drawingml/2006/main" xmlns:r="http://schemas.openxmlformats.org/officeDocument/2006/relationships" xmlns:mc="http://schemas.openxmlformats.org/markup-compatibility/2006" xmlns:mv="urn:schemas-microsoft-com:mac:vml" xmlns:p="http://schemas.openxmlformats.org/presentationml/2006/main" xmlns:c="http://schemas.openxmlformats.org/drawingml/2006/chart" xmlns:dgm="http://schemas.openxmlformats.org/drawingml/2006/diagram" xmlns:o="urn:schemas-microsoft-com:office:office" xmlns:v="urn:schemas-microsoft-com:vml" xmlns:pvml="urn:schemas-microsoft-com:office:powerpoint" xmlns:com="http://schemas.openxmlformats.org/drawingml/2006/compatibility" xmlns:p14="http://schemas.microsoft.com/office/powerpoint/2010/main" xmlns:p15="http://schemas.microsoft.com/office/powerpoint/2012/main">
+<p:sld xmlns:a="http://schemas.openxmlformats.org/drawingml/2006/main" xmlns:r="http://schemas.openxmlformats.org/officeDocument/2006/relationships" xmlns:p="http://schemas.openxmlformats.org/presentationml/2006/main">
   <p:cSld>
     <p:spTree>
       <p:nvGrpSpPr>
-        <p:cNvPr id="67" name="Shape 67"/>
+        <p:cNvPr id="1" name="Shape 67"/>
         <p:cNvGrpSpPr/>
         <p:nvPr/>
       </p:nvGrpSpPr>
@@ -6605,7 +6798,9 @@
       <p:sp>
         <p:nvSpPr>
           <p:cNvPr id="68" name="Shape 68"/>
-          <p:cNvSpPr txBox="1"/>
+          <p:cNvSpPr txBox="1">
+            <a:spLocks noGrp="1"/>
+          </p:cNvSpPr>
           <p:nvPr>
             <p:ph type="title"/>
           </p:nvPr>
@@ -6620,12 +6815,12 @@
           </a:prstGeom>
         </p:spPr>
         <p:txBody>
-          <a:bodyPr anchorCtr="0" anchor="t" bIns="91425" lIns="91425" spcFirstLastPara="1" rIns="91425" wrap="square" tIns="91425">
+          <a:bodyPr spcFirstLastPara="1" wrap="square" lIns="91425" tIns="91425" rIns="91425" bIns="91425" anchor="t" anchorCtr="0">
             <a:noAutofit/>
           </a:bodyPr>
           <a:lstStyle/>
           <a:p>
-            <a:pPr indent="0" lvl="0" marL="0">
+            <a:pPr marL="0" lvl="0" indent="0">
               <a:spcBef>
                 <a:spcPts val="0"/>
               </a:spcBef>
@@ -6645,9 +6840,11 @@
       <p:sp>
         <p:nvSpPr>
           <p:cNvPr id="69" name="Shape 69"/>
-          <p:cNvSpPr txBox="1"/>
+          <p:cNvSpPr txBox="1">
+            <a:spLocks noGrp="1"/>
+          </p:cNvSpPr>
           <p:nvPr>
-            <p:ph idx="1" type="body"/>
+            <p:ph type="body" idx="1"/>
           </p:nvPr>
         </p:nvSpPr>
         <p:spPr>
@@ -6660,12 +6857,12 @@
           </a:prstGeom>
         </p:spPr>
         <p:txBody>
-          <a:bodyPr anchorCtr="0" anchor="t" bIns="91425" lIns="91425" spcFirstLastPara="1" rIns="91425" wrap="square" tIns="91425">
+          <a:bodyPr spcFirstLastPara="1" wrap="square" lIns="91425" tIns="91425" rIns="91425" bIns="91425" anchor="t" anchorCtr="0">
             <a:noAutofit/>
           </a:bodyPr>
           <a:lstStyle/>
           <a:p>
-            <a:pPr indent="0" lvl="0" marL="0">
+            <a:pPr marL="0" lvl="0" indent="0">
               <a:spcBef>
                 <a:spcPts val="0"/>
               </a:spcBef>
@@ -6681,7 +6878,7 @@
             <a:endParaRPr b="1" i="1"/>
           </a:p>
           <a:p>
-            <a:pPr indent="-342900" lvl="0" marL="457200" rtl="0">
+            <a:pPr marL="457200" lvl="0" indent="-342900" rtl="0">
               <a:spcBef>
                 <a:spcPts val="1600"/>
               </a:spcBef>
@@ -6698,7 +6895,7 @@
             <a:endParaRPr/>
           </a:p>
           <a:p>
-            <a:pPr indent="-342900" lvl="0" marL="457200" rtl="0">
+            <a:pPr marL="457200" lvl="0" indent="-342900" rtl="0">
               <a:spcBef>
                 <a:spcPts val="0"/>
               </a:spcBef>
@@ -6715,7 +6912,7 @@
             <a:endParaRPr/>
           </a:p>
           <a:p>
-            <a:pPr indent="-342900" lvl="0" marL="457200" rtl="0">
+            <a:pPr marL="457200" lvl="0" indent="-342900" rtl="0">
               <a:spcBef>
                 <a:spcPts val="0"/>
               </a:spcBef>
@@ -6732,7 +6929,7 @@
             <a:endParaRPr/>
           </a:p>
           <a:p>
-            <a:pPr indent="-342900" lvl="0" marL="457200" rtl="0">
+            <a:pPr marL="457200" lvl="0" indent="-342900" rtl="0">
               <a:spcBef>
                 <a:spcPts val="0"/>
               </a:spcBef>
@@ -6749,7 +6946,7 @@
             <a:endParaRPr/>
           </a:p>
           <a:p>
-            <a:pPr indent="-342900" lvl="0" marL="457200" rtl="0">
+            <a:pPr marL="457200" lvl="0" indent="-342900" rtl="0">
               <a:spcBef>
                 <a:spcPts val="0"/>
               </a:spcBef>
@@ -6766,7 +6963,7 @@
             <a:endParaRPr/>
           </a:p>
           <a:p>
-            <a:pPr indent="-342900" lvl="0" marL="457200" rtl="0">
+            <a:pPr marL="457200" lvl="0" indent="-342900" rtl="0">
               <a:spcBef>
                 <a:spcPts val="0"/>
               </a:spcBef>
@@ -6783,7 +6980,7 @@
             <a:endParaRPr/>
           </a:p>
           <a:p>
-            <a:pPr indent="-342900" lvl="0" marL="457200">
+            <a:pPr marL="457200" lvl="0" indent="-342900">
               <a:spcBef>
                 <a:spcPts val="0"/>
               </a:spcBef>
@@ -6810,11 +7007,11 @@
 </file>
 
 <file path=ppt/slides/slide4.xml><?xml version="1.0" encoding="utf-8"?>
-<p:sld xmlns:a="http://schemas.openxmlformats.org/drawingml/2006/main" xmlns:r="http://schemas.openxmlformats.org/officeDocument/2006/relationships" xmlns:mc="http://schemas.openxmlformats.org/markup-compatibility/2006" xmlns:mv="urn:schemas-microsoft-com:mac:vml" xmlns:p="http://schemas.openxmlformats.org/presentationml/2006/main" xmlns:c="http://schemas.openxmlformats.org/drawingml/2006/chart" xmlns:dgm="http://schemas.openxmlformats.org/drawingml/2006/diagram" xmlns:o="urn:schemas-microsoft-com:office:office" xmlns:v="urn:schemas-microsoft-com:vml" xmlns:pvml="urn:schemas-microsoft-com:office:powerpoint" xmlns:com="http://schemas.openxmlformats.org/drawingml/2006/compatibility" xmlns:p14="http://schemas.microsoft.com/office/powerpoint/2010/main" xmlns:p15="http://schemas.microsoft.com/office/powerpoint/2012/main">
+<p:sld xmlns:a="http://schemas.openxmlformats.org/drawingml/2006/main" xmlns:r="http://schemas.openxmlformats.org/officeDocument/2006/relationships" xmlns:p="http://schemas.openxmlformats.org/presentationml/2006/main">
   <p:cSld>
     <p:spTree>
       <p:nvGrpSpPr>
-        <p:cNvPr id="73" name="Shape 73"/>
+        <p:cNvPr id="1" name="Shape 73"/>
         <p:cNvGrpSpPr/>
         <p:nvPr/>
       </p:nvGrpSpPr>
@@ -6838,8 +7035,13 @@
             <a:ext cx="1601475" cy="763350"/>
           </a:xfrm>
           <a:custGeom>
+            <a:avLst/>
+            <a:gdLst/>
+            <a:ahLst/>
+            <a:cxnLst/>
+            <a:rect l="0" t="0" r="0" b="0"/>
             <a:pathLst>
-              <a:path extrusionOk="0" h="30534" w="64059">
+              <a:path w="64059" h="30534" extrusionOk="0">
                 <a:moveTo>
                   <a:pt x="0" y="0"/>
                 </a:moveTo>
@@ -6861,21 +7063,23 @@
           <a:solidFill>
             <a:srgbClr val="A4C2F4"/>
           </a:solidFill>
-          <a:ln cap="flat" cmpd="sng" w="9525">
+          <a:ln w="9525" cap="flat" cmpd="sng">
             <a:solidFill>
               <a:schemeClr val="dk2"/>
             </a:solidFill>
             <a:prstDash val="solid"/>
             <a:round/>
-            <a:headEnd len="med" w="med" type="none"/>
-            <a:tailEnd len="med" w="med" type="none"/>
+            <a:headEnd type="none" w="med" len="med"/>
+            <a:tailEnd type="none" w="med" len="med"/>
           </a:ln>
         </p:spPr>
       </p:sp>
       <p:sp>
         <p:nvSpPr>
           <p:cNvPr id="75" name="Shape 75"/>
-          <p:cNvSpPr txBox="1"/>
+          <p:cNvSpPr txBox="1">
+            <a:spLocks noGrp="1"/>
+          </p:cNvSpPr>
           <p:nvPr>
             <p:ph type="title"/>
           </p:nvPr>
@@ -6890,12 +7094,12 @@
           </a:prstGeom>
         </p:spPr>
         <p:txBody>
-          <a:bodyPr anchorCtr="0" anchor="t" bIns="91425" lIns="91425" spcFirstLastPara="1" rIns="91425" wrap="square" tIns="91425">
+          <a:bodyPr spcFirstLastPara="1" wrap="square" lIns="91425" tIns="91425" rIns="91425" bIns="91425" anchor="t" anchorCtr="0">
             <a:noAutofit/>
           </a:bodyPr>
           <a:lstStyle/>
           <a:p>
-            <a:pPr indent="0" lvl="0" marL="0">
+            <a:pPr marL="0" lvl="0" indent="0">
               <a:spcBef>
                 <a:spcPts val="0"/>
               </a:spcBef>
@@ -6924,8 +7128,13 @@
             <a:ext cx="1887850" cy="1162475"/>
           </a:xfrm>
           <a:custGeom>
+            <a:avLst/>
+            <a:gdLst/>
+            <a:ahLst/>
+            <a:cxnLst/>
+            <a:rect l="0" t="0" r="0" b="0"/>
             <a:pathLst>
-              <a:path extrusionOk="0" h="46499" w="75514">
+              <a:path w="75514" h="46499" extrusionOk="0">
                 <a:moveTo>
                   <a:pt x="0" y="1350"/>
                 </a:moveTo>
@@ -6942,14 +7151,14 @@
             </a:pathLst>
           </a:custGeom>
           <a:noFill/>
-          <a:ln cap="flat" cmpd="sng" w="76200">
+          <a:ln w="76200" cap="flat" cmpd="sng">
             <a:solidFill>
               <a:srgbClr val="000000"/>
             </a:solidFill>
             <a:prstDash val="solid"/>
             <a:round/>
-            <a:headEnd len="med" w="med" type="none"/>
-            <a:tailEnd len="med" w="med" type="none"/>
+            <a:headEnd type="none" w="med" len="med"/>
+            <a:tailEnd type="none" w="med" len="med"/>
           </a:ln>
         </p:spPr>
       </p:sp>
@@ -6965,8 +7174,13 @@
             <a:ext cx="461200" cy="1089800"/>
           </a:xfrm>
           <a:custGeom>
+            <a:avLst/>
+            <a:gdLst/>
+            <a:ahLst/>
+            <a:cxnLst/>
+            <a:rect l="0" t="0" r="0" b="0"/>
             <a:pathLst>
-              <a:path extrusionOk="0" h="43592" w="18448">
+              <a:path w="18448" h="43592" extrusionOk="0">
                 <a:moveTo>
                   <a:pt x="2595" y="11497"/>
                 </a:moveTo>
@@ -6983,14 +7197,14 @@
             </a:pathLst>
           </a:custGeom>
           <a:noFill/>
-          <a:ln cap="flat" cmpd="sng" w="28575">
+          <a:ln w="28575" cap="flat" cmpd="sng">
             <a:solidFill>
               <a:srgbClr val="FF0000"/>
             </a:solidFill>
             <a:prstDash val="solid"/>
             <a:round/>
-            <a:headEnd len="med" w="med" type="none"/>
-            <a:tailEnd len="med" w="med" type="none"/>
+            <a:headEnd type="none" w="med" len="med"/>
+            <a:tailEnd type="none" w="med" len="med"/>
           </a:ln>
         </p:spPr>
       </p:sp>
@@ -7006,8 +7220,13 @@
             <a:ext cx="463875" cy="1143125"/>
           </a:xfrm>
           <a:custGeom>
+            <a:avLst/>
+            <a:gdLst/>
+            <a:ahLst/>
+            <a:cxnLst/>
+            <a:rect l="0" t="0" r="0" b="0"/>
             <a:pathLst>
-              <a:path extrusionOk="0" h="45725" w="18555">
+              <a:path w="18555" h="45725" extrusionOk="0">
                 <a:moveTo>
                   <a:pt x="16078" y="10935"/>
                 </a:moveTo>
@@ -7024,14 +7243,14 @@
             </a:pathLst>
           </a:custGeom>
           <a:noFill/>
-          <a:ln cap="flat" cmpd="sng" w="28575">
+          <a:ln w="28575" cap="flat" cmpd="sng">
             <a:solidFill>
               <a:srgbClr val="999999"/>
             </a:solidFill>
             <a:prstDash val="solid"/>
             <a:round/>
-            <a:headEnd len="med" w="med" type="none"/>
-            <a:tailEnd len="med" w="med" type="none"/>
+            <a:headEnd type="none" w="med" len="med"/>
+            <a:tailEnd type="none" w="med" len="med"/>
           </a:ln>
         </p:spPr>
       </p:sp>
@@ -7080,23 +7299,23 @@
           <a:solidFill>
             <a:schemeClr val="lt2"/>
           </a:solidFill>
-          <a:ln cap="flat" cmpd="sng" w="28575">
+          <a:ln w="28575" cap="flat" cmpd="sng">
             <a:solidFill>
               <a:schemeClr val="dk2"/>
             </a:solidFill>
             <a:prstDash val="solid"/>
             <a:round/>
-            <a:headEnd len="sm" w="sm" type="none"/>
-            <a:tailEnd len="sm" w="sm" type="none"/>
+            <a:headEnd type="none" w="sm" len="sm"/>
+            <a:tailEnd type="none" w="sm" len="sm"/>
           </a:ln>
         </p:spPr>
         <p:txBody>
-          <a:bodyPr anchorCtr="0" anchor="ctr" bIns="91425" lIns="91425" spcFirstLastPara="1" rIns="91425" wrap="square" tIns="91425">
+          <a:bodyPr spcFirstLastPara="1" wrap="square" lIns="91425" tIns="91425" rIns="91425" bIns="91425" anchor="ctr" anchorCtr="0">
             <a:noAutofit/>
           </a:bodyPr>
           <a:lstStyle/>
           <a:p>
-            <a:pPr indent="0" lvl="0" marL="0" algn="ctr">
+            <a:pPr marL="0" lvl="0" indent="0" algn="ctr">
               <a:spcBef>
                 <a:spcPts val="0"/>
               </a:spcBef>
@@ -7133,12 +7352,12 @@
           </a:ln>
         </p:spPr>
         <p:txBody>
-          <a:bodyPr anchorCtr="0" anchor="t" bIns="91425" lIns="91425" spcFirstLastPara="1" rIns="91425" wrap="square" tIns="91425">
+          <a:bodyPr spcFirstLastPara="1" wrap="square" lIns="91425" tIns="91425" rIns="91425" bIns="91425" anchor="t" anchorCtr="0">
             <a:noAutofit/>
           </a:bodyPr>
           <a:lstStyle/>
           <a:p>
-            <a:pPr indent="0" lvl="0" marL="0" rtl="0" algn="ctr">
+            <a:pPr marL="0" lvl="0" indent="0" algn="ctr" rtl="0">
               <a:spcBef>
                 <a:spcPts val="0"/>
               </a:spcBef>
@@ -7154,7 +7373,7 @@
             <a:endParaRPr/>
           </a:p>
           <a:p>
-            <a:pPr indent="0" lvl="0" marL="0" algn="ctr">
+            <a:pPr marL="0" lvl="0" indent="0" algn="ctr">
               <a:spcBef>
                 <a:spcPts val="0"/>
               </a:spcBef>
@@ -7191,12 +7410,12 @@
           </a:ln>
         </p:spPr>
         <p:txBody>
-          <a:bodyPr anchorCtr="0" anchor="t" bIns="91425" lIns="91425" spcFirstLastPara="1" rIns="91425" wrap="square" tIns="91425">
+          <a:bodyPr spcFirstLastPara="1" wrap="square" lIns="91425" tIns="91425" rIns="91425" bIns="91425" anchor="t" anchorCtr="0">
             <a:noAutofit/>
           </a:bodyPr>
           <a:lstStyle/>
           <a:p>
-            <a:pPr indent="0" lvl="0" marL="0" rtl="0" algn="ctr">
+            <a:pPr marL="0" lvl="0" indent="0" algn="ctr" rtl="0">
               <a:spcBef>
                 <a:spcPts val="0"/>
               </a:spcBef>
@@ -7212,7 +7431,7 @@
             <a:endParaRPr/>
           </a:p>
           <a:p>
-            <a:pPr indent="0" lvl="0" marL="0" rtl="0" algn="ctr">
+            <a:pPr marL="0" lvl="0" indent="0" algn="ctr" rtl="0">
               <a:spcBef>
                 <a:spcPts val="0"/>
               </a:spcBef>
@@ -7249,12 +7468,12 @@
           </a:ln>
         </p:spPr>
         <p:txBody>
-          <a:bodyPr anchorCtr="0" anchor="t" bIns="91425" lIns="91425" spcFirstLastPara="1" rIns="91425" wrap="square" tIns="91425">
+          <a:bodyPr spcFirstLastPara="1" wrap="square" lIns="91425" tIns="91425" rIns="91425" bIns="91425" anchor="t" anchorCtr="0">
             <a:noAutofit/>
           </a:bodyPr>
           <a:lstStyle/>
           <a:p>
-            <a:pPr indent="0" lvl="0" marL="0" algn="ctr">
+            <a:pPr marL="0" lvl="0" indent="0" algn="ctr">
               <a:spcBef>
                 <a:spcPts val="0"/>
               </a:spcBef>
@@ -7291,12 +7510,12 @@
           </a:ln>
         </p:spPr>
         <p:txBody>
-          <a:bodyPr anchorCtr="0" anchor="t" bIns="91425" lIns="91425" spcFirstLastPara="1" rIns="91425" wrap="square" tIns="91425">
+          <a:bodyPr spcFirstLastPara="1" wrap="square" lIns="91425" tIns="91425" rIns="91425" bIns="91425" anchor="t" anchorCtr="0">
             <a:noAutofit/>
           </a:bodyPr>
           <a:lstStyle/>
           <a:p>
-            <a:pPr indent="0" lvl="0" marL="0" rtl="0" algn="ctr">
+            <a:pPr marL="0" lvl="0" indent="0" algn="ctr" rtl="0">
               <a:spcBef>
                 <a:spcPts val="0"/>
               </a:spcBef>
@@ -7333,12 +7552,12 @@
           </a:ln>
         </p:spPr>
         <p:txBody>
-          <a:bodyPr anchorCtr="0" anchor="t" bIns="91425" lIns="91425" spcFirstLastPara="1" rIns="91425" wrap="square" tIns="91425">
+          <a:bodyPr spcFirstLastPara="1" wrap="square" lIns="91425" tIns="91425" rIns="91425" bIns="91425" anchor="t" anchorCtr="0">
             <a:noAutofit/>
           </a:bodyPr>
           <a:lstStyle/>
           <a:p>
-            <a:pPr indent="0" lvl="0" marL="0" rtl="0" algn="ctr">
+            <a:pPr marL="0" lvl="0" indent="0" algn="ctr" rtl="0">
               <a:spcBef>
                 <a:spcPts val="0"/>
               </a:spcBef>
@@ -7364,11 +7583,11 @@
 </file>
 
 <file path=ppt/slides/slide5.xml><?xml version="1.0" encoding="utf-8"?>
-<p:sld xmlns:a="http://schemas.openxmlformats.org/drawingml/2006/main" xmlns:r="http://schemas.openxmlformats.org/officeDocument/2006/relationships" xmlns:mc="http://schemas.openxmlformats.org/markup-compatibility/2006" xmlns:mv="urn:schemas-microsoft-com:mac:vml" xmlns:p="http://schemas.openxmlformats.org/presentationml/2006/main" xmlns:c="http://schemas.openxmlformats.org/drawingml/2006/chart" xmlns:dgm="http://schemas.openxmlformats.org/drawingml/2006/diagram" xmlns:o="urn:schemas-microsoft-com:office:office" xmlns:v="urn:schemas-microsoft-com:vml" xmlns:pvml="urn:schemas-microsoft-com:office:powerpoint" xmlns:com="http://schemas.openxmlformats.org/drawingml/2006/compatibility" xmlns:p14="http://schemas.microsoft.com/office/powerpoint/2010/main" xmlns:p15="http://schemas.microsoft.com/office/powerpoint/2012/main">
+<p:sld xmlns:a="http://schemas.openxmlformats.org/drawingml/2006/main" xmlns:r="http://schemas.openxmlformats.org/officeDocument/2006/relationships" xmlns:p="http://schemas.openxmlformats.org/presentationml/2006/main">
   <p:cSld>
     <p:spTree>
       <p:nvGrpSpPr>
-        <p:cNvPr id="89" name="Shape 89"/>
+        <p:cNvPr id="1" name="Shape 89"/>
         <p:cNvGrpSpPr/>
         <p:nvPr/>
       </p:nvGrpSpPr>
@@ -7383,7 +7602,9 @@
       <p:sp>
         <p:nvSpPr>
           <p:cNvPr id="90" name="Shape 90"/>
-          <p:cNvSpPr txBox="1"/>
+          <p:cNvSpPr txBox="1">
+            <a:spLocks noGrp="1"/>
+          </p:cNvSpPr>
           <p:nvPr>
             <p:ph type="title"/>
           </p:nvPr>
@@ -7398,12 +7619,12 @@
           </a:prstGeom>
         </p:spPr>
         <p:txBody>
-          <a:bodyPr anchorCtr="0" anchor="t" bIns="91425" lIns="91425" spcFirstLastPara="1" rIns="91425" wrap="square" tIns="91425">
+          <a:bodyPr spcFirstLastPara="1" wrap="square" lIns="91425" tIns="91425" rIns="91425" bIns="91425" anchor="t" anchorCtr="0">
             <a:noAutofit/>
           </a:bodyPr>
           <a:lstStyle/>
           <a:p>
-            <a:pPr indent="0" lvl="0" marL="0">
+            <a:pPr marL="0" lvl="0" indent="0">
               <a:spcBef>
                 <a:spcPts val="0"/>
               </a:spcBef>
@@ -7446,8 +7667,13 @@
               <a:ext cx="759900" cy="362210"/>
             </a:xfrm>
             <a:custGeom>
+              <a:avLst/>
+              <a:gdLst/>
+              <a:ahLst/>
+              <a:cxnLst/>
+              <a:rect l="0" t="0" r="0" b="0"/>
               <a:pathLst>
-                <a:path extrusionOk="0" h="30534" w="64059">
+                <a:path w="64059" h="30534" extrusionOk="0">
                   <a:moveTo>
                     <a:pt x="0" y="0"/>
                   </a:moveTo>
@@ -7469,14 +7695,14 @@
             <a:solidFill>
               <a:srgbClr val="A4C2F4"/>
             </a:solidFill>
-            <a:ln cap="flat" cmpd="sng" w="9525">
+            <a:ln w="9525" cap="flat" cmpd="sng">
               <a:solidFill>
                 <a:schemeClr val="dk2"/>
               </a:solidFill>
               <a:prstDash val="solid"/>
               <a:round/>
-              <a:headEnd len="med" w="med" type="none"/>
-              <a:tailEnd len="med" w="med" type="none"/>
+              <a:headEnd type="none" w="med" len="med"/>
+              <a:tailEnd type="none" w="med" len="med"/>
             </a:ln>
           </p:spPr>
         </p:sp>
@@ -7492,8 +7718,13 @@
               <a:ext cx="895785" cy="551594"/>
             </a:xfrm>
             <a:custGeom>
+              <a:avLst/>
+              <a:gdLst/>
+              <a:ahLst/>
+              <a:cxnLst/>
+              <a:rect l="0" t="0" r="0" b="0"/>
               <a:pathLst>
-                <a:path extrusionOk="0" h="46499" w="75514">
+                <a:path w="75514" h="46499" extrusionOk="0">
                   <a:moveTo>
                     <a:pt x="0" y="1350"/>
                   </a:moveTo>
@@ -7510,14 +7741,14 @@
               </a:pathLst>
             </a:custGeom>
             <a:noFill/>
-            <a:ln cap="flat" cmpd="sng" w="38100">
+            <a:ln w="38100" cap="flat" cmpd="sng">
               <a:solidFill>
                 <a:srgbClr val="000000"/>
               </a:solidFill>
               <a:prstDash val="solid"/>
               <a:round/>
-              <a:headEnd len="med" w="med" type="none"/>
-              <a:tailEnd len="med" w="med" type="none"/>
+              <a:headEnd type="none" w="med" len="med"/>
+              <a:tailEnd type="none" w="med" len="med"/>
             </a:ln>
           </p:spPr>
         </p:sp>
@@ -7533,8 +7764,13 @@
               <a:ext cx="218839" cy="517110"/>
             </a:xfrm>
             <a:custGeom>
+              <a:avLst/>
+              <a:gdLst/>
+              <a:ahLst/>
+              <a:cxnLst/>
+              <a:rect l="0" t="0" r="0" b="0"/>
               <a:pathLst>
-                <a:path extrusionOk="0" h="43592" w="18448">
+                <a:path w="18448" h="43592" extrusionOk="0">
                   <a:moveTo>
                     <a:pt x="2595" y="11497"/>
                   </a:moveTo>
@@ -7551,14 +7787,14 @@
               </a:pathLst>
             </a:custGeom>
             <a:noFill/>
-            <a:ln cap="flat" cmpd="sng" w="19050">
+            <a:ln w="19050" cap="flat" cmpd="sng">
               <a:solidFill>
                 <a:srgbClr val="FF0000"/>
               </a:solidFill>
               <a:prstDash val="solid"/>
               <a:round/>
-              <a:headEnd len="med" w="med" type="none"/>
-              <a:tailEnd len="med" w="med" type="none"/>
+              <a:headEnd type="none" w="med" len="med"/>
+              <a:tailEnd type="none" w="med" len="med"/>
             </a:ln>
           </p:spPr>
         </p:sp>
@@ -7574,8 +7810,13 @@
               <a:ext cx="220109" cy="542413"/>
             </a:xfrm>
             <a:custGeom>
+              <a:avLst/>
+              <a:gdLst/>
+              <a:ahLst/>
+              <a:cxnLst/>
+              <a:rect l="0" t="0" r="0" b="0"/>
               <a:pathLst>
-                <a:path extrusionOk="0" h="45725" w="18555">
+                <a:path w="18555" h="45725" extrusionOk="0">
                   <a:moveTo>
                     <a:pt x="16078" y="10935"/>
                   </a:moveTo>
@@ -7592,14 +7833,14 @@
               </a:pathLst>
             </a:custGeom>
             <a:noFill/>
-            <a:ln cap="flat" cmpd="sng" w="19050">
+            <a:ln w="19050" cap="flat" cmpd="sng">
               <a:solidFill>
                 <a:srgbClr val="999999"/>
               </a:solidFill>
               <a:prstDash val="solid"/>
               <a:round/>
-              <a:headEnd len="med" w="med" type="none"/>
-              <a:tailEnd len="med" w="med" type="none"/>
+              <a:headEnd type="none" w="med" len="med"/>
+              <a:tailEnd type="none" w="med" len="med"/>
             </a:ln>
           </p:spPr>
         </p:sp>
@@ -7615,8 +7856,13 @@
               <a:ext cx="139575" cy="186450"/>
             </a:xfrm>
             <a:custGeom>
+              <a:avLst/>
+              <a:gdLst/>
+              <a:ahLst/>
+              <a:cxnLst/>
+              <a:rect l="0" t="0" r="0" b="0"/>
               <a:pathLst>
-                <a:path extrusionOk="0" h="7458" w="5583">
+                <a:path w="5583" h="7458" extrusionOk="0">
                   <a:moveTo>
                     <a:pt x="0" y="7239"/>
                   </a:moveTo>
@@ -7636,14 +7882,14 @@
               </a:pathLst>
             </a:custGeom>
             <a:noFill/>
-            <a:ln cap="flat" cmpd="sng" w="19050">
+            <a:ln w="19050" cap="flat" cmpd="sng">
               <a:solidFill>
                 <a:srgbClr val="783F04"/>
               </a:solidFill>
               <a:prstDash val="solid"/>
               <a:round/>
-              <a:headEnd len="med" w="med" type="none"/>
-              <a:tailEnd len="med" w="med" type="none"/>
+              <a:headEnd type="none" w="med" len="med"/>
+              <a:tailEnd type="none" w="med" len="med"/>
             </a:ln>
           </p:spPr>
         </p:sp>
@@ -7659,8 +7905,13 @@
               <a:ext cx="185175" cy="241350"/>
             </a:xfrm>
             <a:custGeom>
+              <a:avLst/>
+              <a:gdLst/>
+              <a:ahLst/>
+              <a:cxnLst/>
+              <a:rect l="0" t="0" r="0" b="0"/>
               <a:pathLst>
-                <a:path extrusionOk="0" h="9654" w="7407">
+                <a:path w="7407" h="9654" extrusionOk="0">
                   <a:moveTo>
                     <a:pt x="6486" y="8656"/>
                   </a:moveTo>
@@ -7680,14 +7931,14 @@
               </a:pathLst>
             </a:custGeom>
             <a:noFill/>
-            <a:ln cap="flat" cmpd="sng" w="19050">
+            <a:ln w="19050" cap="flat" cmpd="sng">
               <a:solidFill>
                 <a:srgbClr val="783F04"/>
               </a:solidFill>
               <a:prstDash val="solid"/>
               <a:round/>
-              <a:headEnd len="med" w="med" type="none"/>
-              <a:tailEnd len="med" w="med" type="none"/>
+              <a:headEnd type="none" w="med" len="med"/>
+              <a:tailEnd type="none" w="med" len="med"/>
             </a:ln>
           </p:spPr>
         </p:sp>
@@ -7718,8 +7969,13 @@
               <a:ext cx="759900" cy="362210"/>
             </a:xfrm>
             <a:custGeom>
+              <a:avLst/>
+              <a:gdLst/>
+              <a:ahLst/>
+              <a:cxnLst/>
+              <a:rect l="0" t="0" r="0" b="0"/>
               <a:pathLst>
-                <a:path extrusionOk="0" h="30534" w="64059">
+                <a:path w="64059" h="30534" extrusionOk="0">
                   <a:moveTo>
                     <a:pt x="0" y="0"/>
                   </a:moveTo>
@@ -7741,14 +7997,14 @@
             <a:solidFill>
               <a:srgbClr val="A4C2F4"/>
             </a:solidFill>
-            <a:ln cap="flat" cmpd="sng" w="9525">
+            <a:ln w="9525" cap="flat" cmpd="sng">
               <a:solidFill>
                 <a:schemeClr val="dk2"/>
               </a:solidFill>
               <a:prstDash val="solid"/>
               <a:round/>
-              <a:headEnd len="med" w="med" type="none"/>
-              <a:tailEnd len="med" w="med" type="none"/>
+              <a:headEnd type="none" w="med" len="med"/>
+              <a:tailEnd type="none" w="med" len="med"/>
             </a:ln>
           </p:spPr>
         </p:sp>
@@ -7764,8 +8020,13 @@
               <a:ext cx="895785" cy="551594"/>
             </a:xfrm>
             <a:custGeom>
+              <a:avLst/>
+              <a:gdLst/>
+              <a:ahLst/>
+              <a:cxnLst/>
+              <a:rect l="0" t="0" r="0" b="0"/>
               <a:pathLst>
-                <a:path extrusionOk="0" h="46499" w="75514">
+                <a:path w="75514" h="46499" extrusionOk="0">
                   <a:moveTo>
                     <a:pt x="0" y="1350"/>
                   </a:moveTo>
@@ -7782,14 +8043,14 @@
               </a:pathLst>
             </a:custGeom>
             <a:noFill/>
-            <a:ln cap="flat" cmpd="sng" w="38100">
+            <a:ln w="38100" cap="flat" cmpd="sng">
               <a:solidFill>
                 <a:srgbClr val="000000"/>
               </a:solidFill>
               <a:prstDash val="solid"/>
               <a:round/>
-              <a:headEnd len="med" w="med" type="none"/>
-              <a:tailEnd len="med" w="med" type="none"/>
+              <a:headEnd type="none" w="med" len="med"/>
+              <a:tailEnd type="none" w="med" len="med"/>
             </a:ln>
           </p:spPr>
         </p:sp>
@@ -7805,8 +8066,13 @@
               <a:ext cx="218839" cy="517110"/>
             </a:xfrm>
             <a:custGeom>
+              <a:avLst/>
+              <a:gdLst/>
+              <a:ahLst/>
+              <a:cxnLst/>
+              <a:rect l="0" t="0" r="0" b="0"/>
               <a:pathLst>
-                <a:path extrusionOk="0" h="43592" w="18448">
+                <a:path w="18448" h="43592" extrusionOk="0">
                   <a:moveTo>
                     <a:pt x="2595" y="11497"/>
                   </a:moveTo>
@@ -7823,14 +8089,14 @@
               </a:pathLst>
             </a:custGeom>
             <a:noFill/>
-            <a:ln cap="flat" cmpd="sng" w="19050">
+            <a:ln w="19050" cap="flat" cmpd="sng">
               <a:solidFill>
                 <a:srgbClr val="FF0000"/>
               </a:solidFill>
               <a:prstDash val="solid"/>
               <a:round/>
-              <a:headEnd len="med" w="med" type="none"/>
-              <a:tailEnd len="med" w="med" type="none"/>
+              <a:headEnd type="none" w="med" len="med"/>
+              <a:tailEnd type="none" w="med" len="med"/>
             </a:ln>
           </p:spPr>
         </p:sp>
@@ -7846,8 +8112,13 @@
               <a:ext cx="220109" cy="542413"/>
             </a:xfrm>
             <a:custGeom>
+              <a:avLst/>
+              <a:gdLst/>
+              <a:ahLst/>
+              <a:cxnLst/>
+              <a:rect l="0" t="0" r="0" b="0"/>
               <a:pathLst>
-                <a:path extrusionOk="0" h="45725" w="18555">
+                <a:path w="18555" h="45725" extrusionOk="0">
                   <a:moveTo>
                     <a:pt x="16078" y="10935"/>
                   </a:moveTo>
@@ -7864,14 +8135,14 @@
               </a:pathLst>
             </a:custGeom>
             <a:noFill/>
-            <a:ln cap="flat" cmpd="sng" w="19050">
+            <a:ln w="19050" cap="flat" cmpd="sng">
               <a:solidFill>
                 <a:srgbClr val="999999"/>
               </a:solidFill>
               <a:prstDash val="solid"/>
               <a:round/>
-              <a:headEnd len="med" w="med" type="none"/>
-              <a:tailEnd len="med" w="med" type="none"/>
+              <a:headEnd type="none" w="med" len="med"/>
+              <a:tailEnd type="none" w="med" len="med"/>
             </a:ln>
           </p:spPr>
         </p:sp>
@@ -7887,8 +8158,13 @@
               <a:ext cx="139575" cy="186450"/>
             </a:xfrm>
             <a:custGeom>
+              <a:avLst/>
+              <a:gdLst/>
+              <a:ahLst/>
+              <a:cxnLst/>
+              <a:rect l="0" t="0" r="0" b="0"/>
               <a:pathLst>
-                <a:path extrusionOk="0" h="7458" w="5583">
+                <a:path w="5583" h="7458" extrusionOk="0">
                   <a:moveTo>
                     <a:pt x="0" y="7239"/>
                   </a:moveTo>
@@ -7908,14 +8184,14 @@
               </a:pathLst>
             </a:custGeom>
             <a:noFill/>
-            <a:ln cap="flat" cmpd="sng" w="19050">
+            <a:ln w="19050" cap="flat" cmpd="sng">
               <a:solidFill>
                 <a:srgbClr val="783F04"/>
               </a:solidFill>
               <a:prstDash val="solid"/>
               <a:round/>
-              <a:headEnd len="med" w="med" type="none"/>
-              <a:tailEnd len="med" w="med" type="none"/>
+              <a:headEnd type="none" w="med" len="med"/>
+              <a:tailEnd type="none" w="med" len="med"/>
             </a:ln>
           </p:spPr>
         </p:sp>
@@ -7931,8 +8207,13 @@
               <a:ext cx="185175" cy="241350"/>
             </a:xfrm>
             <a:custGeom>
+              <a:avLst/>
+              <a:gdLst/>
+              <a:ahLst/>
+              <a:cxnLst/>
+              <a:rect l="0" t="0" r="0" b="0"/>
               <a:pathLst>
-                <a:path extrusionOk="0" h="9654" w="7407">
+                <a:path w="7407" h="9654" extrusionOk="0">
                   <a:moveTo>
                     <a:pt x="6486" y="8656"/>
                   </a:moveTo>
@@ -7952,14 +8233,14 @@
               </a:pathLst>
             </a:custGeom>
             <a:noFill/>
-            <a:ln cap="flat" cmpd="sng" w="19050">
+            <a:ln w="19050" cap="flat" cmpd="sng">
               <a:solidFill>
                 <a:srgbClr val="783F04"/>
               </a:solidFill>
               <a:prstDash val="solid"/>
               <a:round/>
-              <a:headEnd len="med" w="med" type="none"/>
-              <a:tailEnd len="med" w="med" type="none"/>
+              <a:headEnd type="none" w="med" len="med"/>
+              <a:tailEnd type="none" w="med" len="med"/>
             </a:ln>
           </p:spPr>
         </p:sp>
@@ -7990,8 +8271,13 @@
               <a:ext cx="759900" cy="362210"/>
             </a:xfrm>
             <a:custGeom>
+              <a:avLst/>
+              <a:gdLst/>
+              <a:ahLst/>
+              <a:cxnLst/>
+              <a:rect l="0" t="0" r="0" b="0"/>
               <a:pathLst>
-                <a:path extrusionOk="0" h="30534" w="64059">
+                <a:path w="64059" h="30534" extrusionOk="0">
                   <a:moveTo>
                     <a:pt x="0" y="0"/>
                   </a:moveTo>
@@ -8013,14 +8299,14 @@
             <a:solidFill>
               <a:srgbClr val="A4C2F4"/>
             </a:solidFill>
-            <a:ln cap="flat" cmpd="sng" w="9525">
+            <a:ln w="9525" cap="flat" cmpd="sng">
               <a:solidFill>
                 <a:schemeClr val="dk2"/>
               </a:solidFill>
               <a:prstDash val="solid"/>
               <a:round/>
-              <a:headEnd len="med" w="med" type="none"/>
-              <a:tailEnd len="med" w="med" type="none"/>
+              <a:headEnd type="none" w="med" len="med"/>
+              <a:tailEnd type="none" w="med" len="med"/>
             </a:ln>
           </p:spPr>
         </p:sp>
@@ -8036,8 +8322,13 @@
               <a:ext cx="895785" cy="551594"/>
             </a:xfrm>
             <a:custGeom>
+              <a:avLst/>
+              <a:gdLst/>
+              <a:ahLst/>
+              <a:cxnLst/>
+              <a:rect l="0" t="0" r="0" b="0"/>
               <a:pathLst>
-                <a:path extrusionOk="0" h="46499" w="75514">
+                <a:path w="75514" h="46499" extrusionOk="0">
                   <a:moveTo>
                     <a:pt x="0" y="1350"/>
                   </a:moveTo>
@@ -8054,14 +8345,14 @@
               </a:pathLst>
             </a:custGeom>
             <a:noFill/>
-            <a:ln cap="flat" cmpd="sng" w="38100">
+            <a:ln w="38100" cap="flat" cmpd="sng">
               <a:solidFill>
                 <a:srgbClr val="000000"/>
               </a:solidFill>
               <a:prstDash val="solid"/>
               <a:round/>
-              <a:headEnd len="med" w="med" type="none"/>
-              <a:tailEnd len="med" w="med" type="none"/>
+              <a:headEnd type="none" w="med" len="med"/>
+              <a:tailEnd type="none" w="med" len="med"/>
             </a:ln>
           </p:spPr>
         </p:sp>
@@ -8077,8 +8368,13 @@
               <a:ext cx="218839" cy="517110"/>
             </a:xfrm>
             <a:custGeom>
+              <a:avLst/>
+              <a:gdLst/>
+              <a:ahLst/>
+              <a:cxnLst/>
+              <a:rect l="0" t="0" r="0" b="0"/>
               <a:pathLst>
-                <a:path extrusionOk="0" h="43592" w="18448">
+                <a:path w="18448" h="43592" extrusionOk="0">
                   <a:moveTo>
                     <a:pt x="2595" y="11497"/>
                   </a:moveTo>
@@ -8095,14 +8391,14 @@
               </a:pathLst>
             </a:custGeom>
             <a:noFill/>
-            <a:ln cap="flat" cmpd="sng" w="19050">
+            <a:ln w="19050" cap="flat" cmpd="sng">
               <a:solidFill>
                 <a:srgbClr val="FF0000"/>
               </a:solidFill>
               <a:prstDash val="solid"/>
               <a:round/>
-              <a:headEnd len="med" w="med" type="none"/>
-              <a:tailEnd len="med" w="med" type="none"/>
+              <a:headEnd type="none" w="med" len="med"/>
+              <a:tailEnd type="none" w="med" len="med"/>
             </a:ln>
           </p:spPr>
         </p:sp>
@@ -8118,8 +8414,13 @@
               <a:ext cx="220109" cy="542413"/>
             </a:xfrm>
             <a:custGeom>
+              <a:avLst/>
+              <a:gdLst/>
+              <a:ahLst/>
+              <a:cxnLst/>
+              <a:rect l="0" t="0" r="0" b="0"/>
               <a:pathLst>
-                <a:path extrusionOk="0" h="45725" w="18555">
+                <a:path w="18555" h="45725" extrusionOk="0">
                   <a:moveTo>
                     <a:pt x="16078" y="10935"/>
                   </a:moveTo>
@@ -8136,14 +8437,14 @@
               </a:pathLst>
             </a:custGeom>
             <a:noFill/>
-            <a:ln cap="flat" cmpd="sng" w="19050">
+            <a:ln w="19050" cap="flat" cmpd="sng">
               <a:solidFill>
                 <a:srgbClr val="999999"/>
               </a:solidFill>
               <a:prstDash val="solid"/>
               <a:round/>
-              <a:headEnd len="med" w="med" type="none"/>
-              <a:tailEnd len="med" w="med" type="none"/>
+              <a:headEnd type="none" w="med" len="med"/>
+              <a:tailEnd type="none" w="med" len="med"/>
             </a:ln>
           </p:spPr>
         </p:sp>
@@ -8159,8 +8460,13 @@
               <a:ext cx="139575" cy="186450"/>
             </a:xfrm>
             <a:custGeom>
+              <a:avLst/>
+              <a:gdLst/>
+              <a:ahLst/>
+              <a:cxnLst/>
+              <a:rect l="0" t="0" r="0" b="0"/>
               <a:pathLst>
-                <a:path extrusionOk="0" h="7458" w="5583">
+                <a:path w="5583" h="7458" extrusionOk="0">
                   <a:moveTo>
                     <a:pt x="0" y="7239"/>
                   </a:moveTo>
@@ -8180,14 +8486,14 @@
               </a:pathLst>
             </a:custGeom>
             <a:noFill/>
-            <a:ln cap="flat" cmpd="sng" w="19050">
+            <a:ln w="19050" cap="flat" cmpd="sng">
               <a:solidFill>
                 <a:srgbClr val="783F04"/>
               </a:solidFill>
               <a:prstDash val="solid"/>
               <a:round/>
-              <a:headEnd len="med" w="med" type="none"/>
-              <a:tailEnd len="med" w="med" type="none"/>
+              <a:headEnd type="none" w="med" len="med"/>
+              <a:tailEnd type="none" w="med" len="med"/>
             </a:ln>
           </p:spPr>
         </p:sp>
@@ -8203,8 +8509,13 @@
               <a:ext cx="185175" cy="241350"/>
             </a:xfrm>
             <a:custGeom>
+              <a:avLst/>
+              <a:gdLst/>
+              <a:ahLst/>
+              <a:cxnLst/>
+              <a:rect l="0" t="0" r="0" b="0"/>
               <a:pathLst>
-                <a:path extrusionOk="0" h="9654" w="7407">
+                <a:path w="7407" h="9654" extrusionOk="0">
                   <a:moveTo>
                     <a:pt x="6486" y="8656"/>
                   </a:moveTo>
@@ -8224,14 +8535,14 @@
               </a:pathLst>
             </a:custGeom>
             <a:noFill/>
-            <a:ln cap="flat" cmpd="sng" w="19050">
+            <a:ln w="19050" cap="flat" cmpd="sng">
               <a:solidFill>
                 <a:srgbClr val="783F04"/>
               </a:solidFill>
               <a:prstDash val="solid"/>
               <a:round/>
-              <a:headEnd len="med" w="med" type="none"/>
-              <a:tailEnd len="med" w="med" type="none"/>
+              <a:headEnd type="none" w="med" len="med"/>
+              <a:tailEnd type="none" w="med" len="med"/>
             </a:ln>
           </p:spPr>
         </p:sp>
@@ -8248,8 +8559,13 @@
             <a:ext cx="719375" cy="400275"/>
           </a:xfrm>
           <a:custGeom>
+            <a:avLst/>
+            <a:gdLst/>
+            <a:ahLst/>
+            <a:cxnLst/>
+            <a:rect l="0" t="0" r="0" b="0"/>
             <a:pathLst>
-              <a:path extrusionOk="0" h="16011" w="28775">
+              <a:path w="28775" h="16011" extrusionOk="0">
                 <a:moveTo>
                   <a:pt x="0" y="16011"/>
                 </a:moveTo>
@@ -8272,14 +8588,14 @@
             </a:pathLst>
           </a:custGeom>
           <a:noFill/>
-          <a:ln cap="flat" cmpd="sng" w="19050">
+          <a:ln w="19050" cap="flat" cmpd="sng">
             <a:solidFill>
               <a:srgbClr val="38761D"/>
             </a:solidFill>
             <a:prstDash val="solid"/>
             <a:round/>
-            <a:headEnd len="med" w="med" type="none"/>
-            <a:tailEnd len="med" w="med" type="none"/>
+            <a:headEnd type="none" w="med" len="med"/>
+            <a:tailEnd type="none" w="med" len="med"/>
           </a:ln>
         </p:spPr>
       </p:sp>
@@ -8295,8 +8611,13 @@
             <a:ext cx="719375" cy="400275"/>
           </a:xfrm>
           <a:custGeom>
+            <a:avLst/>
+            <a:gdLst/>
+            <a:ahLst/>
+            <a:cxnLst/>
+            <a:rect l="0" t="0" r="0" b="0"/>
             <a:pathLst>
-              <a:path extrusionOk="0" h="16011" w="28775">
+              <a:path w="28775" h="16011" extrusionOk="0">
                 <a:moveTo>
                   <a:pt x="0" y="16011"/>
                 </a:moveTo>
@@ -8319,14 +8640,14 @@
             </a:pathLst>
           </a:custGeom>
           <a:noFill/>
-          <a:ln cap="flat" cmpd="sng" w="19050">
+          <a:ln w="19050" cap="flat" cmpd="sng">
             <a:solidFill>
               <a:srgbClr val="38761D"/>
             </a:solidFill>
             <a:prstDash val="solid"/>
             <a:round/>
-            <a:headEnd len="med" w="med" type="none"/>
-            <a:tailEnd len="med" w="med" type="none"/>
+            <a:headEnd type="none" w="med" len="med"/>
+            <a:tailEnd type="none" w="med" len="med"/>
           </a:ln>
         </p:spPr>
       </p:sp>
@@ -8343,29 +8664,29 @@
           </a:xfrm>
           <a:prstGeom prst="roundRect">
             <a:avLst>
-              <a:gd fmla="val 16667" name="adj"/>
+              <a:gd name="adj" fmla="val 16667"/>
             </a:avLst>
           </a:prstGeom>
           <a:solidFill>
             <a:schemeClr val="lt2"/>
           </a:solidFill>
-          <a:ln cap="flat" cmpd="sng" w="28575">
+          <a:ln w="28575" cap="flat" cmpd="sng">
             <a:solidFill>
               <a:schemeClr val="dk2"/>
             </a:solidFill>
             <a:prstDash val="solid"/>
             <a:round/>
-            <a:headEnd len="sm" w="sm" type="none"/>
-            <a:tailEnd len="sm" w="sm" type="none"/>
+            <a:headEnd type="none" w="sm" len="sm"/>
+            <a:tailEnd type="none" w="sm" len="sm"/>
           </a:ln>
         </p:spPr>
         <p:txBody>
-          <a:bodyPr anchorCtr="0" anchor="ctr" bIns="91425" lIns="91425" spcFirstLastPara="1" rIns="91425" wrap="square" tIns="91425">
+          <a:bodyPr spcFirstLastPara="1" wrap="square" lIns="91425" tIns="91425" rIns="91425" bIns="91425" anchor="ctr" anchorCtr="0">
             <a:noAutofit/>
           </a:bodyPr>
           <a:lstStyle/>
           <a:p>
-            <a:pPr indent="0" lvl="0" marL="0" algn="ctr">
+            <a:pPr marL="0" lvl="0" indent="0" algn="ctr">
               <a:spcBef>
                 <a:spcPts val="0"/>
               </a:spcBef>
@@ -8375,10 +8696,10 @@
               <a:buNone/>
             </a:pPr>
             <a:r>
-              <a:rPr i="1" lang="en" sz="3000"/>
+              <a:rPr lang="en" sz="3000" i="1"/>
               <a:t>12:00</a:t>
             </a:r>
-            <a:endParaRPr i="1" sz="3000"/>
+            <a:endParaRPr sz="3000" i="1"/>
           </a:p>
         </p:txBody>
       </p:sp>
@@ -8394,8 +8715,13 @@
             <a:ext cx="4960025" cy="1477200"/>
           </a:xfrm>
           <a:custGeom>
+            <a:avLst/>
+            <a:gdLst/>
+            <a:ahLst/>
+            <a:cxnLst/>
+            <a:rect l="0" t="0" r="0" b="0"/>
             <a:pathLst>
-              <a:path extrusionOk="0" h="59088" w="198401">
+              <a:path w="198401" h="59088" extrusionOk="0">
                 <a:moveTo>
                   <a:pt x="198401" y="10650"/>
                 </a:moveTo>
@@ -8423,14 +8749,14 @@
             </a:pathLst>
           </a:custGeom>
           <a:noFill/>
-          <a:ln cap="flat" cmpd="sng" w="28575">
+          <a:ln w="28575" cap="flat" cmpd="sng">
             <a:solidFill>
               <a:srgbClr val="FF0000"/>
             </a:solidFill>
             <a:prstDash val="solid"/>
             <a:round/>
-            <a:headEnd len="med" w="med" type="none"/>
-            <a:tailEnd len="med" w="med" type="none"/>
+            <a:headEnd type="none" w="med" len="med"/>
+            <a:tailEnd type="none" w="med" len="med"/>
           </a:ln>
         </p:spPr>
       </p:sp>
@@ -8446,8 +8772,13 @@
             <a:ext cx="659425" cy="1055075"/>
           </a:xfrm>
           <a:custGeom>
+            <a:avLst/>
+            <a:gdLst/>
+            <a:ahLst/>
+            <a:cxnLst/>
+            <a:rect l="0" t="0" r="0" b="0"/>
             <a:pathLst>
-              <a:path extrusionOk="0" h="42203" w="26377">
+              <a:path w="26377" h="42203" extrusionOk="0">
                 <a:moveTo>
                   <a:pt x="26377" y="0"/>
                 </a:moveTo>
@@ -8475,14 +8806,14 @@
             </a:pathLst>
           </a:custGeom>
           <a:noFill/>
-          <a:ln cap="flat" cmpd="sng" w="28575">
+          <a:ln w="28575" cap="flat" cmpd="sng">
             <a:solidFill>
               <a:srgbClr val="000000"/>
             </a:solidFill>
             <a:prstDash val="solid"/>
             <a:round/>
-            <a:headEnd len="med" w="med" type="none"/>
-            <a:tailEnd len="med" w="med" type="none"/>
+            <a:headEnd type="none" w="med" len="med"/>
+            <a:tailEnd type="none" w="med" len="med"/>
           </a:ln>
         </p:spPr>
       </p:sp>
@@ -8506,12 +8837,12 @@
           </a:ln>
         </p:spPr>
         <p:txBody>
-          <a:bodyPr anchorCtr="0" anchor="t" bIns="91425" lIns="91425" spcFirstLastPara="1" rIns="91425" wrap="square" tIns="91425">
+          <a:bodyPr spcFirstLastPara="1" wrap="square" lIns="91425" tIns="91425" rIns="91425" bIns="91425" anchor="t" anchorCtr="0">
             <a:noAutofit/>
           </a:bodyPr>
           <a:lstStyle/>
           <a:p>
-            <a:pPr indent="0" lvl="0" marL="0" rtl="0" algn="ctr">
+            <a:pPr marL="0" lvl="0" indent="0" algn="ctr" rtl="0">
               <a:spcBef>
                 <a:spcPts val="0"/>
               </a:spcBef>
@@ -8548,12 +8879,12 @@
           </a:ln>
         </p:spPr>
         <p:txBody>
-          <a:bodyPr anchorCtr="0" anchor="t" bIns="91425" lIns="91425" spcFirstLastPara="1" rIns="91425" wrap="square" tIns="91425">
+          <a:bodyPr spcFirstLastPara="1" wrap="square" lIns="91425" tIns="91425" rIns="91425" bIns="91425" anchor="t" anchorCtr="0">
             <a:noAutofit/>
           </a:bodyPr>
           <a:lstStyle/>
           <a:p>
-            <a:pPr indent="0" lvl="0" marL="0" rtl="0" algn="ctr">
+            <a:pPr marL="0" lvl="0" indent="0" algn="ctr" rtl="0">
               <a:spcBef>
                 <a:spcPts val="0"/>
               </a:spcBef>
@@ -8590,12 +8921,12 @@
           </a:ln>
         </p:spPr>
         <p:txBody>
-          <a:bodyPr anchorCtr="0" anchor="t" bIns="91425" lIns="91425" spcFirstLastPara="1" rIns="91425" wrap="square" tIns="91425">
+          <a:bodyPr spcFirstLastPara="1" wrap="square" lIns="91425" tIns="91425" rIns="91425" bIns="91425" anchor="t" anchorCtr="0">
             <a:noAutofit/>
           </a:bodyPr>
           <a:lstStyle/>
           <a:p>
-            <a:pPr indent="0" lvl="0" marL="0" rtl="0" algn="ctr">
+            <a:pPr marL="0" lvl="0" indent="0" algn="ctr" rtl="0">
               <a:spcBef>
                 <a:spcPts val="0"/>
               </a:spcBef>
@@ -8632,12 +8963,12 @@
           </a:ln>
         </p:spPr>
         <p:txBody>
-          <a:bodyPr anchorCtr="0" anchor="t" bIns="91425" lIns="91425" spcFirstLastPara="1" rIns="91425" wrap="square" tIns="91425">
+          <a:bodyPr spcFirstLastPara="1" wrap="square" lIns="91425" tIns="91425" rIns="91425" bIns="91425" anchor="t" anchorCtr="0">
             <a:noAutofit/>
           </a:bodyPr>
           <a:lstStyle/>
           <a:p>
-            <a:pPr indent="0" lvl="0" marL="0" rtl="0" algn="ctr">
+            <a:pPr marL="0" lvl="0" indent="0" algn="ctr" rtl="0">
               <a:spcBef>
                 <a:spcPts val="0"/>
               </a:spcBef>
@@ -8663,11 +8994,11 @@
 </file>
 
 <file path=ppt/slides/slide6.xml><?xml version="1.0" encoding="utf-8"?>
-<p:sld xmlns:a="http://schemas.openxmlformats.org/drawingml/2006/main" xmlns:r="http://schemas.openxmlformats.org/officeDocument/2006/relationships" xmlns:mc="http://schemas.openxmlformats.org/markup-compatibility/2006" xmlns:mv="urn:schemas-microsoft-com:mac:vml" xmlns:p="http://schemas.openxmlformats.org/presentationml/2006/main" xmlns:c="http://schemas.openxmlformats.org/drawingml/2006/chart" xmlns:dgm="http://schemas.openxmlformats.org/drawingml/2006/diagram" xmlns:o="urn:schemas-microsoft-com:office:office" xmlns:v="urn:schemas-microsoft-com:vml" xmlns:pvml="urn:schemas-microsoft-com:office:powerpoint" xmlns:com="http://schemas.openxmlformats.org/drawingml/2006/compatibility" xmlns:p14="http://schemas.microsoft.com/office/powerpoint/2010/main" xmlns:p15="http://schemas.microsoft.com/office/powerpoint/2012/main">
+<p:sld xmlns:a="http://schemas.openxmlformats.org/drawingml/2006/main" xmlns:r="http://schemas.openxmlformats.org/officeDocument/2006/relationships" xmlns:p="http://schemas.openxmlformats.org/presentationml/2006/main">
   <p:cSld>
     <p:spTree>
       <p:nvGrpSpPr>
-        <p:cNvPr id="124" name="Shape 124"/>
+        <p:cNvPr id="1" name="Shape 124"/>
         <p:cNvGrpSpPr/>
         <p:nvPr/>
       </p:nvGrpSpPr>
@@ -8682,7 +9013,9 @@
       <p:sp>
         <p:nvSpPr>
           <p:cNvPr id="125" name="Shape 125"/>
-          <p:cNvSpPr txBox="1"/>
+          <p:cNvSpPr txBox="1">
+            <a:spLocks noGrp="1"/>
+          </p:cNvSpPr>
           <p:nvPr>
             <p:ph type="title"/>
           </p:nvPr>
@@ -8697,12 +9030,12 @@
           </a:prstGeom>
         </p:spPr>
         <p:txBody>
-          <a:bodyPr anchorCtr="0" anchor="t" bIns="91425" lIns="91425" spcFirstLastPara="1" rIns="91425" wrap="square" tIns="91425">
+          <a:bodyPr spcFirstLastPara="1" wrap="square" lIns="91425" tIns="91425" rIns="91425" bIns="91425" anchor="t" anchorCtr="0">
             <a:noAutofit/>
           </a:bodyPr>
           <a:lstStyle/>
           <a:p>
-            <a:pPr indent="0" lvl="0" marL="0">
+            <a:pPr marL="0" lvl="0" indent="0">
               <a:spcBef>
                 <a:spcPts val="0"/>
               </a:spcBef>
@@ -8756,11 +9089,11 @@
 </file>
 
 <file path=ppt/slides/slide7.xml><?xml version="1.0" encoding="utf-8"?>
-<p:sld xmlns:a="http://schemas.openxmlformats.org/drawingml/2006/main" xmlns:r="http://schemas.openxmlformats.org/officeDocument/2006/relationships" xmlns:mc="http://schemas.openxmlformats.org/markup-compatibility/2006" xmlns:mv="urn:schemas-microsoft-com:mac:vml" xmlns:p="http://schemas.openxmlformats.org/presentationml/2006/main" xmlns:c="http://schemas.openxmlformats.org/drawingml/2006/chart" xmlns:dgm="http://schemas.openxmlformats.org/drawingml/2006/diagram" xmlns:o="urn:schemas-microsoft-com:office:office" xmlns:v="urn:schemas-microsoft-com:vml" xmlns:pvml="urn:schemas-microsoft-com:office:powerpoint" xmlns:com="http://schemas.openxmlformats.org/drawingml/2006/compatibility" xmlns:p14="http://schemas.microsoft.com/office/powerpoint/2010/main" xmlns:p15="http://schemas.microsoft.com/office/powerpoint/2012/main">
+<p:sld xmlns:a="http://schemas.openxmlformats.org/drawingml/2006/main" xmlns:r="http://schemas.openxmlformats.org/officeDocument/2006/relationships" xmlns:p="http://schemas.openxmlformats.org/presentationml/2006/main">
   <p:cSld>
     <p:spTree>
       <p:nvGrpSpPr>
-        <p:cNvPr id="130" name="Shape 130"/>
+        <p:cNvPr id="1" name="Shape 130"/>
         <p:cNvGrpSpPr/>
         <p:nvPr/>
       </p:nvGrpSpPr>
@@ -8775,7 +9108,9 @@
       <p:sp>
         <p:nvSpPr>
           <p:cNvPr id="131" name="Shape 131"/>
-          <p:cNvSpPr txBox="1"/>
+          <p:cNvSpPr txBox="1">
+            <a:spLocks noGrp="1"/>
+          </p:cNvSpPr>
           <p:nvPr>
             <p:ph type="title"/>
           </p:nvPr>
@@ -8790,12 +9125,12 @@
           </a:prstGeom>
         </p:spPr>
         <p:txBody>
-          <a:bodyPr anchorCtr="0" anchor="ctr" bIns="91425" lIns="91425" spcFirstLastPara="1" rIns="91425" wrap="square" tIns="91425">
+          <a:bodyPr spcFirstLastPara="1" wrap="square" lIns="91425" tIns="91425" rIns="91425" bIns="91425" anchor="ctr" anchorCtr="0">
             <a:noAutofit/>
           </a:bodyPr>
           <a:lstStyle/>
           <a:p>
-            <a:pPr indent="0" lvl="0" marL="0">
+            <a:pPr marL="0" lvl="0" indent="0">
               <a:spcBef>
                 <a:spcPts val="0"/>
               </a:spcBef>
@@ -8821,11 +9156,11 @@
 </file>
 
 <file path=ppt/slides/slide8.xml><?xml version="1.0" encoding="utf-8"?>
-<p:sld xmlns:a="http://schemas.openxmlformats.org/drawingml/2006/main" xmlns:r="http://schemas.openxmlformats.org/officeDocument/2006/relationships" xmlns:mc="http://schemas.openxmlformats.org/markup-compatibility/2006" xmlns:mv="urn:schemas-microsoft-com:mac:vml" xmlns:p="http://schemas.openxmlformats.org/presentationml/2006/main" xmlns:c="http://schemas.openxmlformats.org/drawingml/2006/chart" xmlns:dgm="http://schemas.openxmlformats.org/drawingml/2006/diagram" xmlns:o="urn:schemas-microsoft-com:office:office" xmlns:v="urn:schemas-microsoft-com:vml" xmlns:pvml="urn:schemas-microsoft-com:office:powerpoint" xmlns:com="http://schemas.openxmlformats.org/drawingml/2006/compatibility" xmlns:p14="http://schemas.microsoft.com/office/powerpoint/2010/main" xmlns:p15="http://schemas.microsoft.com/office/powerpoint/2012/main">
+<p:sld xmlns:a="http://schemas.openxmlformats.org/drawingml/2006/main" xmlns:r="http://schemas.openxmlformats.org/officeDocument/2006/relationships" xmlns:p="http://schemas.openxmlformats.org/presentationml/2006/main">
   <p:cSld>
     <p:spTree>
       <p:nvGrpSpPr>
-        <p:cNvPr id="135" name="Shape 135"/>
+        <p:cNvPr id="1" name="Shape 135"/>
         <p:cNvGrpSpPr/>
         <p:nvPr/>
       </p:nvGrpSpPr>
@@ -8840,7 +9175,9 @@
       <p:sp>
         <p:nvSpPr>
           <p:cNvPr id="136" name="Shape 136"/>
-          <p:cNvSpPr txBox="1"/>
+          <p:cNvSpPr txBox="1">
+            <a:spLocks noGrp="1"/>
+          </p:cNvSpPr>
           <p:nvPr>
             <p:ph type="title"/>
           </p:nvPr>
@@ -8855,12 +9192,12 @@
           </a:prstGeom>
         </p:spPr>
         <p:txBody>
-          <a:bodyPr anchorCtr="0" anchor="t" bIns="91425" lIns="91425" spcFirstLastPara="1" rIns="91425" wrap="square" tIns="91425">
+          <a:bodyPr spcFirstLastPara="1" wrap="square" lIns="91425" tIns="91425" rIns="91425" bIns="91425" anchor="t" anchorCtr="0">
             <a:noAutofit/>
           </a:bodyPr>
           <a:lstStyle/>
           <a:p>
-            <a:pPr indent="0" lvl="0" marL="0">
+            <a:pPr marL="0" lvl="0" indent="0">
               <a:spcBef>
                 <a:spcPts val="0"/>
               </a:spcBef>
@@ -8880,9 +9217,11 @@
       <p:sp>
         <p:nvSpPr>
           <p:cNvPr id="137" name="Shape 137"/>
-          <p:cNvSpPr txBox="1"/>
+          <p:cNvSpPr txBox="1">
+            <a:spLocks noGrp="1"/>
+          </p:cNvSpPr>
           <p:nvPr>
-            <p:ph idx="1" type="body"/>
+            <p:ph type="body" idx="1"/>
           </p:nvPr>
         </p:nvSpPr>
         <p:spPr>
@@ -8895,12 +9234,12 @@
           </a:prstGeom>
         </p:spPr>
         <p:txBody>
-          <a:bodyPr anchorCtr="0" anchor="t" bIns="91425" lIns="91425" spcFirstLastPara="1" rIns="91425" wrap="square" tIns="91425">
+          <a:bodyPr spcFirstLastPara="1" wrap="square" lIns="91425" tIns="91425" rIns="91425" bIns="91425" anchor="t" anchorCtr="0">
             <a:noAutofit/>
           </a:bodyPr>
           <a:lstStyle/>
           <a:p>
-            <a:pPr indent="0" lvl="0" marL="0">
+            <a:pPr marL="0" lvl="0" indent="0">
               <a:spcBef>
                 <a:spcPts val="0"/>
               </a:spcBef>
@@ -8954,11 +9293,11 @@
 </file>
 
 <file path=ppt/slides/slide9.xml><?xml version="1.0" encoding="utf-8"?>
-<p:sld xmlns:a="http://schemas.openxmlformats.org/drawingml/2006/main" xmlns:r="http://schemas.openxmlformats.org/officeDocument/2006/relationships" xmlns:mc="http://schemas.openxmlformats.org/markup-compatibility/2006" xmlns:mv="urn:schemas-microsoft-com:mac:vml" xmlns:p="http://schemas.openxmlformats.org/presentationml/2006/main" xmlns:c="http://schemas.openxmlformats.org/drawingml/2006/chart" xmlns:dgm="http://schemas.openxmlformats.org/drawingml/2006/diagram" xmlns:o="urn:schemas-microsoft-com:office:office" xmlns:v="urn:schemas-microsoft-com:vml" xmlns:pvml="urn:schemas-microsoft-com:office:powerpoint" xmlns:com="http://schemas.openxmlformats.org/drawingml/2006/compatibility" xmlns:p14="http://schemas.microsoft.com/office/powerpoint/2010/main" xmlns:p15="http://schemas.microsoft.com/office/powerpoint/2012/main">
+<p:sld xmlns:a="http://schemas.openxmlformats.org/drawingml/2006/main" xmlns:r="http://schemas.openxmlformats.org/officeDocument/2006/relationships" xmlns:p="http://schemas.openxmlformats.org/presentationml/2006/main">
   <p:cSld>
     <p:spTree>
       <p:nvGrpSpPr>
-        <p:cNvPr id="142" name="Shape 142"/>
+        <p:cNvPr id="1" name="Shape 142"/>
         <p:cNvGrpSpPr/>
         <p:nvPr/>
       </p:nvGrpSpPr>
@@ -8973,7 +9312,9 @@
       <p:sp>
         <p:nvSpPr>
           <p:cNvPr id="143" name="Shape 143"/>
-          <p:cNvSpPr txBox="1"/>
+          <p:cNvSpPr txBox="1">
+            <a:spLocks noGrp="1"/>
+          </p:cNvSpPr>
           <p:nvPr>
             <p:ph type="title"/>
           </p:nvPr>
@@ -8988,12 +9329,12 @@
           </a:prstGeom>
         </p:spPr>
         <p:txBody>
-          <a:bodyPr anchorCtr="0" anchor="t" bIns="91425" lIns="91425" spcFirstLastPara="1" rIns="91425" wrap="square" tIns="91425">
+          <a:bodyPr spcFirstLastPara="1" wrap="square" lIns="91425" tIns="91425" rIns="91425" bIns="91425" anchor="t" anchorCtr="0">
             <a:noAutofit/>
           </a:bodyPr>
           <a:lstStyle/>
           <a:p>
-            <a:pPr indent="0" lvl="0" marL="0">
+            <a:pPr marL="0" lvl="0" indent="0">
               <a:spcBef>
                 <a:spcPts val="0"/>
               </a:spcBef>
@@ -9013,9 +9354,11 @@
       <p:sp>
         <p:nvSpPr>
           <p:cNvPr id="144" name="Shape 144"/>
-          <p:cNvSpPr txBox="1"/>
+          <p:cNvSpPr txBox="1">
+            <a:spLocks noGrp="1"/>
+          </p:cNvSpPr>
           <p:nvPr>
-            <p:ph idx="1" type="body"/>
+            <p:ph type="body" idx="1"/>
           </p:nvPr>
         </p:nvSpPr>
         <p:spPr>
@@ -9028,12 +9371,12 @@
           </a:prstGeom>
         </p:spPr>
         <p:txBody>
-          <a:bodyPr anchorCtr="0" anchor="t" bIns="91425" lIns="91425" spcFirstLastPara="1" rIns="91425" wrap="square" tIns="91425">
+          <a:bodyPr spcFirstLastPara="1" wrap="square" lIns="91425" tIns="91425" rIns="91425" bIns="91425" anchor="t" anchorCtr="0">
             <a:noAutofit/>
           </a:bodyPr>
           <a:lstStyle/>
           <a:p>
-            <a:pPr indent="-342900" lvl="0" marL="457200" rtl="0">
+            <a:pPr marL="457200" lvl="0" indent="-342900" rtl="0">
               <a:spcBef>
                 <a:spcPts val="0"/>
               </a:spcBef>
@@ -9059,7 +9402,7 @@
             <a:endParaRPr/>
           </a:p>
           <a:p>
-            <a:pPr indent="-342900" lvl="0" marL="457200" rtl="0">
+            <a:pPr marL="457200" lvl="0" indent="-342900" rtl="0">
               <a:spcBef>
                 <a:spcPts val="0"/>
               </a:spcBef>
@@ -9076,7 +9419,7 @@
             <a:endParaRPr/>
           </a:p>
           <a:p>
-            <a:pPr indent="-317500" lvl="1" marL="914400" rtl="0">
+            <a:pPr marL="914400" lvl="1" indent="-317500" rtl="0">
               <a:spcBef>
                 <a:spcPts val="0"/>
               </a:spcBef>
@@ -9098,7 +9441,7 @@
             <a:endParaRPr/>
           </a:p>
           <a:p>
-            <a:pPr indent="-317500" lvl="1" marL="914400" rtl="0">
+            <a:pPr marL="914400" lvl="1" indent="-317500" rtl="0">
               <a:spcBef>
                 <a:spcPts val="0"/>
               </a:spcBef>
@@ -9120,7 +9463,7 @@
             <a:endParaRPr/>
           </a:p>
           <a:p>
-            <a:pPr indent="-317500" lvl="1" marL="914400" rtl="0">
+            <a:pPr marL="914400" lvl="1" indent="-317500" rtl="0">
               <a:spcBef>
                 <a:spcPts val="0"/>
               </a:spcBef>
@@ -9142,7 +9485,7 @@
             <a:endParaRPr/>
           </a:p>
           <a:p>
-            <a:pPr indent="-317500" lvl="1" marL="914400" rtl="0">
+            <a:pPr marL="914400" lvl="1" indent="-317500" rtl="0">
               <a:spcBef>
                 <a:spcPts val="0"/>
               </a:spcBef>
@@ -9164,7 +9507,7 @@
             <a:endParaRPr/>
           </a:p>
           <a:p>
-            <a:pPr indent="0" lvl="0" marL="0">
+            <a:pPr marL="0" lvl="0" indent="0">
               <a:spcBef>
                 <a:spcPts val="1600"/>
               </a:spcBef>
@@ -9173,9 +9516,6 @@
               </a:spcAft>
               <a:buNone/>
             </a:pPr>
-            <a:r>
-              <a:t/>
-            </a:r>
             <a:endParaRPr/>
           </a:p>
         </p:txBody>
@@ -9189,7 +9529,7 @@
 </file>
 
 <file path=ppt/theme/theme1.xml><?xml version="1.0" encoding="utf-8"?>
-<a:theme xmlns:a="http://schemas.openxmlformats.org/drawingml/2006/main" xmlns:r="http://schemas.openxmlformats.org/officeDocument/2006/relationships" name="Simple Light">
+<a:theme xmlns:a="http://schemas.openxmlformats.org/drawingml/2006/main" name="Simple Light">
   <a:themeElements>
     <a:clrScheme name="Simple Light">
       <a:dk1>
@@ -9464,11 +9804,13 @@
       </a:bgFillStyleLst>
     </a:fmtScheme>
   </a:themeElements>
+  <a:objectDefaults/>
+  <a:extraClrSchemeLst/>
 </a:theme>
 </file>
 
 <file path=ppt/theme/theme2.xml><?xml version="1.0" encoding="utf-8"?>
-<a:theme xmlns:a="http://schemas.openxmlformats.org/drawingml/2006/main" xmlns:r="http://schemas.openxmlformats.org/officeDocument/2006/relationships">
+<a:theme xmlns:a="http://schemas.openxmlformats.org/drawingml/2006/main">
   <a:themeElements>
     <a:clrScheme name="Default">
       <a:dk1>
@@ -9743,5 +10085,7 @@
       </a:bgFillStyleLst>
     </a:fmtScheme>
   </a:themeElements>
+  <a:objectDefaults/>
+  <a:extraClrSchemeLst/>
 </a:theme>
 </file>
--- a/Lesson 1/DIY Battery.pptx
+++ b/Lesson 1/DIY Battery.pptx
@@ -18,8 +18,8 @@
     <p:sldId id="263" r:id="rId9"/>
     <p:sldId id="264" r:id="rId10"/>
   </p:sldIdLst>
-  <p:sldSz cx="9144000" cy="5143500" type="screen16x9"/>
-  <p:notesSz cx="6858000" cy="9144000"/>
+  <p:sldSz cx="9601200" cy="7315200"/>
+  <p:notesSz cx="7010400" cy="9296400"/>
   <p:defaultTextStyle>
     <a:defPPr marR="0" lvl="0" algn="l" rtl="0">
       <a:lnSpc>
@@ -46,7 +46,7 @@
         <a:srgbClr val="000000"/>
       </a:buClr>
       <a:buFont typeface="Arial"/>
-      <a:defRPr sz="1400" b="0" i="0" u="none" strike="noStrike" cap="none">
+      <a:defRPr sz="1500" b="0" i="0" u="none" strike="noStrike" cap="none">
         <a:solidFill>
           <a:srgbClr val="000000"/>
         </a:solidFill>
@@ -70,7 +70,7 @@
         <a:srgbClr val="000000"/>
       </a:buClr>
       <a:buFont typeface="Arial"/>
-      <a:defRPr sz="1400" b="0" i="0" u="none" strike="noStrike" cap="none">
+      <a:defRPr sz="1500" b="0" i="0" u="none" strike="noStrike" cap="none">
         <a:solidFill>
           <a:srgbClr val="000000"/>
         </a:solidFill>
@@ -94,7 +94,7 @@
         <a:srgbClr val="000000"/>
       </a:buClr>
       <a:buFont typeface="Arial"/>
-      <a:defRPr sz="1400" b="0" i="0" u="none" strike="noStrike" cap="none">
+      <a:defRPr sz="1500" b="0" i="0" u="none" strike="noStrike" cap="none">
         <a:solidFill>
           <a:srgbClr val="000000"/>
         </a:solidFill>
@@ -118,7 +118,7 @@
         <a:srgbClr val="000000"/>
       </a:buClr>
       <a:buFont typeface="Arial"/>
-      <a:defRPr sz="1400" b="0" i="0" u="none" strike="noStrike" cap="none">
+      <a:defRPr sz="1500" b="0" i="0" u="none" strike="noStrike" cap="none">
         <a:solidFill>
           <a:srgbClr val="000000"/>
         </a:solidFill>
@@ -142,7 +142,7 @@
         <a:srgbClr val="000000"/>
       </a:buClr>
       <a:buFont typeface="Arial"/>
-      <a:defRPr sz="1400" b="0" i="0" u="none" strike="noStrike" cap="none">
+      <a:defRPr sz="1500" b="0" i="0" u="none" strike="noStrike" cap="none">
         <a:solidFill>
           <a:srgbClr val="000000"/>
         </a:solidFill>
@@ -166,7 +166,7 @@
         <a:srgbClr val="000000"/>
       </a:buClr>
       <a:buFont typeface="Arial"/>
-      <a:defRPr sz="1400" b="0" i="0" u="none" strike="noStrike" cap="none">
+      <a:defRPr sz="1500" b="0" i="0" u="none" strike="noStrike" cap="none">
         <a:solidFill>
           <a:srgbClr val="000000"/>
         </a:solidFill>
@@ -190,7 +190,7 @@
         <a:srgbClr val="000000"/>
       </a:buClr>
       <a:buFont typeface="Arial"/>
-      <a:defRPr sz="1400" b="0" i="0" u="none" strike="noStrike" cap="none">
+      <a:defRPr sz="1500" b="0" i="0" u="none" strike="noStrike" cap="none">
         <a:solidFill>
           <a:srgbClr val="000000"/>
         </a:solidFill>
@@ -214,7 +214,7 @@
         <a:srgbClr val="000000"/>
       </a:buClr>
       <a:buFont typeface="Arial"/>
-      <a:defRPr sz="1400" b="0" i="0" u="none" strike="noStrike" cap="none">
+      <a:defRPr sz="1500" b="0" i="0" u="none" strike="noStrike" cap="none">
         <a:solidFill>
           <a:srgbClr val="000000"/>
         </a:solidFill>
@@ -238,7 +238,7 @@
         <a:srgbClr val="000000"/>
       </a:buClr>
       <a:buFont typeface="Arial"/>
-      <a:defRPr sz="1400" b="0" i="0" u="none" strike="noStrike" cap="none">
+      <a:defRPr sz="1500" b="0" i="0" u="none" strike="noStrike" cap="none">
         <a:solidFill>
           <a:srgbClr val="000000"/>
         </a:solidFill>
@@ -251,7 +251,7 @@
   </p:defaultTextStyle>
   <p:extLst>
     <p:ext uri="{EFAFB233-063F-42B5-8137-9DF3F51BA10A}">
-      <p15:sldGuideLst xmlns:p15="http://schemas.microsoft.com/office/powerpoint/2012/main">
+      <p15:sldGuideLst xmlns:p15="http://schemas.microsoft.com/office/powerpoint/2012/main" xmlns="">
         <p15:guide id="1" orient="horz" pos="1620">
           <p15:clr>
             <a:srgbClr val="A4A3A4"/>
@@ -302,8 +302,8 @@
         </p:nvSpPr>
         <p:spPr>
           <a:xfrm>
-            <a:off x="381300" y="685800"/>
-            <a:ext cx="6096075" cy="3429000"/>
+            <a:off x="1217613" y="696913"/>
+            <a:ext cx="4575175" cy="3487737"/>
           </a:xfrm>
           <a:custGeom>
             <a:avLst/>
@@ -353,8 +353,8 @@
         </p:nvSpPr>
         <p:spPr>
           <a:xfrm>
-            <a:off x="685800" y="4343400"/>
-            <a:ext cx="5486400" cy="4114800"/>
+            <a:off x="701041" y="4415790"/>
+            <a:ext cx="5608320" cy="4183380"/>
           </a:xfrm>
           <a:prstGeom prst="rect">
             <a:avLst/>
@@ -365,7 +365,7 @@
           </a:ln>
         </p:spPr>
         <p:txBody>
-          <a:bodyPr spcFirstLastPara="1" wrap="square" lIns="91425" tIns="91425" rIns="91425" bIns="91425" anchor="t" anchorCtr="0"/>
+          <a:bodyPr spcFirstLastPara="1" wrap="square" lIns="93152" tIns="93152" rIns="93152" bIns="93152" anchor="t" anchorCtr="0"/>
           <a:lstStyle>
             <a:lvl1pPr marL="457200" lvl="0" indent="-298450">
               <a:spcBef>
@@ -473,6 +473,11 @@
         </p:txBody>
       </p:sp>
     </p:spTree>
+    <p:extLst>
+      <p:ext uri="{BB962C8B-B14F-4D97-AF65-F5344CB8AC3E}">
+        <p14:creationId xmlns:p14="http://schemas.microsoft.com/office/powerpoint/2010/main" val="309246623"/>
+      </p:ext>
+    </p:extLst>
   </p:cSld>
   <p:clrMap bg1="lt1" tx1="dk1" bg2="dk2" tx2="lt2" accent1="accent1" accent2="accent2" accent3="accent3" accent4="accent4" accent5="accent5" accent6="accent6" hlink="hlink" folHlink="folHlink"/>
   <p:notesStyle>
@@ -501,7 +506,7 @@
         <a:srgbClr val="000000"/>
       </a:buClr>
       <a:buFont typeface="Arial"/>
-      <a:defRPr sz="1400" b="0" i="0" u="none" strike="noStrike" cap="none">
+      <a:defRPr sz="1500" b="0" i="0" u="none" strike="noStrike" cap="none">
         <a:solidFill>
           <a:srgbClr val="000000"/>
         </a:solidFill>
@@ -525,7 +530,7 @@
         <a:srgbClr val="000000"/>
       </a:buClr>
       <a:buFont typeface="Arial"/>
-      <a:defRPr sz="1400" b="0" i="0" u="none" strike="noStrike" cap="none">
+      <a:defRPr sz="1500" b="0" i="0" u="none" strike="noStrike" cap="none">
         <a:solidFill>
           <a:srgbClr val="000000"/>
         </a:solidFill>
@@ -549,7 +554,7 @@
         <a:srgbClr val="000000"/>
       </a:buClr>
       <a:buFont typeface="Arial"/>
-      <a:defRPr sz="1400" b="0" i="0" u="none" strike="noStrike" cap="none">
+      <a:defRPr sz="1500" b="0" i="0" u="none" strike="noStrike" cap="none">
         <a:solidFill>
           <a:srgbClr val="000000"/>
         </a:solidFill>
@@ -573,7 +578,7 @@
         <a:srgbClr val="000000"/>
       </a:buClr>
       <a:buFont typeface="Arial"/>
-      <a:defRPr sz="1400" b="0" i="0" u="none" strike="noStrike" cap="none">
+      <a:defRPr sz="1500" b="0" i="0" u="none" strike="noStrike" cap="none">
         <a:solidFill>
           <a:srgbClr val="000000"/>
         </a:solidFill>
@@ -597,7 +602,7 @@
         <a:srgbClr val="000000"/>
       </a:buClr>
       <a:buFont typeface="Arial"/>
-      <a:defRPr sz="1400" b="0" i="0" u="none" strike="noStrike" cap="none">
+      <a:defRPr sz="1500" b="0" i="0" u="none" strike="noStrike" cap="none">
         <a:solidFill>
           <a:srgbClr val="000000"/>
         </a:solidFill>
@@ -621,7 +626,7 @@
         <a:srgbClr val="000000"/>
       </a:buClr>
       <a:buFont typeface="Arial"/>
-      <a:defRPr sz="1400" b="0" i="0" u="none" strike="noStrike" cap="none">
+      <a:defRPr sz="1500" b="0" i="0" u="none" strike="noStrike" cap="none">
         <a:solidFill>
           <a:srgbClr val="000000"/>
         </a:solidFill>
@@ -645,7 +650,7 @@
         <a:srgbClr val="000000"/>
       </a:buClr>
       <a:buFont typeface="Arial"/>
-      <a:defRPr sz="1400" b="0" i="0" u="none" strike="noStrike" cap="none">
+      <a:defRPr sz="1500" b="0" i="0" u="none" strike="noStrike" cap="none">
         <a:solidFill>
           <a:srgbClr val="000000"/>
         </a:solidFill>
@@ -669,7 +674,7 @@
         <a:srgbClr val="000000"/>
       </a:buClr>
       <a:buFont typeface="Arial"/>
-      <a:defRPr sz="1400" b="0" i="0" u="none" strike="noStrike" cap="none">
+      <a:defRPr sz="1500" b="0" i="0" u="none" strike="noStrike" cap="none">
         <a:solidFill>
           <a:srgbClr val="000000"/>
         </a:solidFill>
@@ -693,7 +698,7 @@
         <a:srgbClr val="000000"/>
       </a:buClr>
       <a:buFont typeface="Arial"/>
-      <a:defRPr sz="1400" b="0" i="0" u="none" strike="noStrike" cap="none">
+      <a:defRPr sz="1500" b="0" i="0" u="none" strike="noStrike" cap="none">
         <a:solidFill>
           <a:srgbClr val="000000"/>
         </a:solidFill>
@@ -736,8 +741,8 @@
         </p:nvSpPr>
         <p:spPr>
           <a:xfrm>
-            <a:off x="381000" y="685800"/>
-            <a:ext cx="6096000" cy="3429000"/>
+            <a:off x="1217613" y="696913"/>
+            <a:ext cx="4575175" cy="3487737"/>
           </a:xfrm>
           <a:custGeom>
             <a:avLst/>
@@ -777,26 +782,20 @@
         </p:nvSpPr>
         <p:spPr>
           <a:xfrm>
-            <a:off x="685800" y="4343400"/>
-            <a:ext cx="5486400" cy="4114800"/>
+            <a:off x="701041" y="4415790"/>
+            <a:ext cx="5608320" cy="4183380"/>
           </a:xfrm>
           <a:prstGeom prst="rect">
             <a:avLst/>
           </a:prstGeom>
         </p:spPr>
         <p:txBody>
-          <a:bodyPr spcFirstLastPara="1" wrap="square" lIns="91425" tIns="91425" rIns="91425" bIns="91425" anchor="t" anchorCtr="0">
+          <a:bodyPr spcFirstLastPara="1" wrap="square" lIns="93152" tIns="93152" rIns="93152" bIns="93152" anchor="t" anchorCtr="0">
             <a:noAutofit/>
           </a:bodyPr>
           <a:lstStyle/>
           <a:p>
-            <a:pPr marL="0" lvl="0" indent="0">
-              <a:spcBef>
-                <a:spcPts val="0"/>
-              </a:spcBef>
-              <a:spcAft>
-                <a:spcPts val="0"/>
-              </a:spcAft>
+            <a:pPr marL="0" indent="0">
               <a:buNone/>
             </a:pPr>
             <a:endParaRPr/>
@@ -840,8 +839,8 @@
         </p:nvSpPr>
         <p:spPr>
           <a:xfrm>
-            <a:off x="381000" y="685800"/>
-            <a:ext cx="6096000" cy="3429000"/>
+            <a:off x="1217613" y="696913"/>
+            <a:ext cx="4575175" cy="3487737"/>
           </a:xfrm>
           <a:custGeom>
             <a:avLst/>
@@ -881,26 +880,20 @@
         </p:nvSpPr>
         <p:spPr>
           <a:xfrm>
-            <a:off x="685800" y="4343400"/>
-            <a:ext cx="5486400" cy="4114800"/>
+            <a:off x="701041" y="4415790"/>
+            <a:ext cx="5608320" cy="4183380"/>
           </a:xfrm>
           <a:prstGeom prst="rect">
             <a:avLst/>
           </a:prstGeom>
         </p:spPr>
         <p:txBody>
-          <a:bodyPr spcFirstLastPara="1" wrap="square" lIns="91425" tIns="91425" rIns="91425" bIns="91425" anchor="t" anchorCtr="0">
+          <a:bodyPr spcFirstLastPara="1" wrap="square" lIns="93152" tIns="93152" rIns="93152" bIns="93152" anchor="t" anchorCtr="0">
             <a:noAutofit/>
           </a:bodyPr>
           <a:lstStyle/>
           <a:p>
-            <a:pPr marL="0" lvl="0" indent="0">
-              <a:spcBef>
-                <a:spcPts val="0"/>
-              </a:spcBef>
-              <a:spcAft>
-                <a:spcPts val="0"/>
-              </a:spcAft>
+            <a:pPr marL="0" indent="0">
               <a:buNone/>
             </a:pPr>
             <a:endParaRPr/>
@@ -944,8 +937,8 @@
         </p:nvSpPr>
         <p:spPr>
           <a:xfrm>
-            <a:off x="381000" y="685800"/>
-            <a:ext cx="6096000" cy="3429000"/>
+            <a:off x="1217613" y="696913"/>
+            <a:ext cx="4575175" cy="3487737"/>
           </a:xfrm>
           <a:custGeom>
             <a:avLst/>
@@ -985,26 +978,20 @@
         </p:nvSpPr>
         <p:spPr>
           <a:xfrm>
-            <a:off x="685800" y="4343400"/>
-            <a:ext cx="5486400" cy="4114800"/>
+            <a:off x="701041" y="4415790"/>
+            <a:ext cx="5608320" cy="4183380"/>
           </a:xfrm>
           <a:prstGeom prst="rect">
             <a:avLst/>
           </a:prstGeom>
         </p:spPr>
         <p:txBody>
-          <a:bodyPr spcFirstLastPara="1" wrap="square" lIns="91425" tIns="91425" rIns="91425" bIns="91425" anchor="t" anchorCtr="0">
+          <a:bodyPr spcFirstLastPara="1" wrap="square" lIns="93152" tIns="93152" rIns="93152" bIns="93152" anchor="t" anchorCtr="0">
             <a:noAutofit/>
           </a:bodyPr>
           <a:lstStyle/>
           <a:p>
-            <a:pPr marL="0" lvl="0" indent="0">
-              <a:spcBef>
-                <a:spcPts val="0"/>
-              </a:spcBef>
-              <a:spcAft>
-                <a:spcPts val="0"/>
-              </a:spcAft>
+            <a:pPr marL="0" indent="0">
               <a:buNone/>
             </a:pPr>
             <a:endParaRPr/>
@@ -1048,8 +1035,8 @@
         </p:nvSpPr>
         <p:spPr>
           <a:xfrm>
-            <a:off x="381000" y="685800"/>
-            <a:ext cx="6096000" cy="3429000"/>
+            <a:off x="1217613" y="696913"/>
+            <a:ext cx="4575175" cy="3487737"/>
           </a:xfrm>
           <a:custGeom>
             <a:avLst/>
@@ -1089,26 +1076,20 @@
         </p:nvSpPr>
         <p:spPr>
           <a:xfrm>
-            <a:off x="685800" y="4343400"/>
-            <a:ext cx="5486400" cy="4114800"/>
+            <a:off x="701041" y="4415790"/>
+            <a:ext cx="5608320" cy="4183380"/>
           </a:xfrm>
           <a:prstGeom prst="rect">
             <a:avLst/>
           </a:prstGeom>
         </p:spPr>
         <p:txBody>
-          <a:bodyPr spcFirstLastPara="1" wrap="square" lIns="91425" tIns="91425" rIns="91425" bIns="91425" anchor="t" anchorCtr="0">
+          <a:bodyPr spcFirstLastPara="1" wrap="square" lIns="93152" tIns="93152" rIns="93152" bIns="93152" anchor="t" anchorCtr="0">
             <a:noAutofit/>
           </a:bodyPr>
           <a:lstStyle/>
           <a:p>
-            <a:pPr marL="0" lvl="0" indent="0">
-              <a:spcBef>
-                <a:spcPts val="0"/>
-              </a:spcBef>
-              <a:spcAft>
-                <a:spcPts val="0"/>
-              </a:spcAft>
+            <a:pPr marL="0" indent="0">
               <a:buNone/>
             </a:pPr>
             <a:endParaRPr/>
@@ -1152,8 +1133,8 @@
         </p:nvSpPr>
         <p:spPr>
           <a:xfrm>
-            <a:off x="381000" y="685800"/>
-            <a:ext cx="6096000" cy="3429000"/>
+            <a:off x="1217613" y="696913"/>
+            <a:ext cx="4575175" cy="3487737"/>
           </a:xfrm>
           <a:custGeom>
             <a:avLst/>
@@ -1193,26 +1174,20 @@
         </p:nvSpPr>
         <p:spPr>
           <a:xfrm>
-            <a:off x="685800" y="4343400"/>
-            <a:ext cx="5486400" cy="4114800"/>
+            <a:off x="701041" y="4415790"/>
+            <a:ext cx="5608320" cy="4183380"/>
           </a:xfrm>
           <a:prstGeom prst="rect">
             <a:avLst/>
           </a:prstGeom>
         </p:spPr>
         <p:txBody>
-          <a:bodyPr spcFirstLastPara="1" wrap="square" lIns="91425" tIns="91425" rIns="91425" bIns="91425" anchor="t" anchorCtr="0">
+          <a:bodyPr spcFirstLastPara="1" wrap="square" lIns="93152" tIns="93152" rIns="93152" bIns="93152" anchor="t" anchorCtr="0">
             <a:noAutofit/>
           </a:bodyPr>
           <a:lstStyle/>
           <a:p>
-            <a:pPr marL="0" lvl="0" indent="0">
-              <a:spcBef>
-                <a:spcPts val="0"/>
-              </a:spcBef>
-              <a:spcAft>
-                <a:spcPts val="0"/>
-              </a:spcAft>
+            <a:pPr marL="0" indent="0">
               <a:buNone/>
             </a:pPr>
             <a:endParaRPr/>
@@ -1256,8 +1231,8 @@
         </p:nvSpPr>
         <p:spPr>
           <a:xfrm>
-            <a:off x="381000" y="685800"/>
-            <a:ext cx="6096000" cy="3429000"/>
+            <a:off x="1217613" y="696913"/>
+            <a:ext cx="4575175" cy="3487737"/>
           </a:xfrm>
           <a:custGeom>
             <a:avLst/>
@@ -1297,26 +1272,20 @@
         </p:nvSpPr>
         <p:spPr>
           <a:xfrm>
-            <a:off x="685800" y="4343400"/>
-            <a:ext cx="5486400" cy="4114800"/>
+            <a:off x="701041" y="4415790"/>
+            <a:ext cx="5608320" cy="4183380"/>
           </a:xfrm>
           <a:prstGeom prst="rect">
             <a:avLst/>
           </a:prstGeom>
         </p:spPr>
         <p:txBody>
-          <a:bodyPr spcFirstLastPara="1" wrap="square" lIns="91425" tIns="91425" rIns="91425" bIns="91425" anchor="t" anchorCtr="0">
+          <a:bodyPr spcFirstLastPara="1" wrap="square" lIns="93152" tIns="93152" rIns="93152" bIns="93152" anchor="t" anchorCtr="0">
             <a:noAutofit/>
           </a:bodyPr>
           <a:lstStyle/>
           <a:p>
-            <a:pPr marL="0" lvl="0" indent="0">
-              <a:spcBef>
-                <a:spcPts val="0"/>
-              </a:spcBef>
-              <a:spcAft>
-                <a:spcPts val="0"/>
-              </a:spcAft>
+            <a:pPr marL="0" indent="0">
               <a:buNone/>
             </a:pPr>
             <a:endParaRPr/>
@@ -1360,8 +1329,8 @@
         </p:nvSpPr>
         <p:spPr>
           <a:xfrm>
-            <a:off x="381000" y="685800"/>
-            <a:ext cx="6096000" cy="3429000"/>
+            <a:off x="1217613" y="696913"/>
+            <a:ext cx="4575175" cy="3487737"/>
           </a:xfrm>
           <a:custGeom>
             <a:avLst/>
@@ -1401,26 +1370,20 @@
         </p:nvSpPr>
         <p:spPr>
           <a:xfrm>
-            <a:off x="685800" y="4343400"/>
-            <a:ext cx="5486400" cy="4114800"/>
+            <a:off x="701041" y="4415790"/>
+            <a:ext cx="5608320" cy="4183380"/>
           </a:xfrm>
           <a:prstGeom prst="rect">
             <a:avLst/>
           </a:prstGeom>
         </p:spPr>
         <p:txBody>
-          <a:bodyPr spcFirstLastPara="1" wrap="square" lIns="91425" tIns="91425" rIns="91425" bIns="91425" anchor="t" anchorCtr="0">
+          <a:bodyPr spcFirstLastPara="1" wrap="square" lIns="93152" tIns="93152" rIns="93152" bIns="93152" anchor="t" anchorCtr="0">
             <a:noAutofit/>
           </a:bodyPr>
           <a:lstStyle/>
           <a:p>
-            <a:pPr marL="0" lvl="0" indent="0">
-              <a:spcBef>
-                <a:spcPts val="0"/>
-              </a:spcBef>
-              <a:spcAft>
-                <a:spcPts val="0"/>
-              </a:spcAft>
+            <a:pPr marL="0" indent="0">
               <a:buNone/>
             </a:pPr>
             <a:endParaRPr/>
@@ -1464,8 +1427,8 @@
         </p:nvSpPr>
         <p:spPr>
           <a:xfrm>
-            <a:off x="381000" y="685800"/>
-            <a:ext cx="6096000" cy="3429000"/>
+            <a:off x="1217613" y="696913"/>
+            <a:ext cx="4575175" cy="3487737"/>
           </a:xfrm>
           <a:custGeom>
             <a:avLst/>
@@ -1505,26 +1468,20 @@
         </p:nvSpPr>
         <p:spPr>
           <a:xfrm>
-            <a:off x="685800" y="4343400"/>
-            <a:ext cx="5486400" cy="4114800"/>
+            <a:off x="701041" y="4415790"/>
+            <a:ext cx="5608320" cy="4183380"/>
           </a:xfrm>
           <a:prstGeom prst="rect">
             <a:avLst/>
           </a:prstGeom>
         </p:spPr>
         <p:txBody>
-          <a:bodyPr spcFirstLastPara="1" wrap="square" lIns="91425" tIns="91425" rIns="91425" bIns="91425" anchor="t" anchorCtr="0">
+          <a:bodyPr spcFirstLastPara="1" wrap="square" lIns="93152" tIns="93152" rIns="93152" bIns="93152" anchor="t" anchorCtr="0">
             <a:noAutofit/>
           </a:bodyPr>
           <a:lstStyle/>
           <a:p>
-            <a:pPr marL="0" lvl="0" indent="0">
-              <a:spcBef>
-                <a:spcPts val="0"/>
-              </a:spcBef>
-              <a:spcAft>
-                <a:spcPts val="0"/>
-              </a:spcAft>
+            <a:pPr marL="0" indent="0">
               <a:buNone/>
             </a:pPr>
             <a:endParaRPr/>
@@ -1568,8 +1525,8 @@
         </p:nvSpPr>
         <p:spPr>
           <a:xfrm>
-            <a:off x="381000" y="685800"/>
-            <a:ext cx="6096000" cy="3429000"/>
+            <a:off x="1217613" y="696913"/>
+            <a:ext cx="4575175" cy="3487737"/>
           </a:xfrm>
           <a:custGeom>
             <a:avLst/>
@@ -1609,26 +1566,20 @@
         </p:nvSpPr>
         <p:spPr>
           <a:xfrm>
-            <a:off x="685800" y="4343400"/>
-            <a:ext cx="5486400" cy="4114800"/>
+            <a:off x="701041" y="4415790"/>
+            <a:ext cx="5608320" cy="4183380"/>
           </a:xfrm>
           <a:prstGeom prst="rect">
             <a:avLst/>
           </a:prstGeom>
         </p:spPr>
         <p:txBody>
-          <a:bodyPr spcFirstLastPara="1" wrap="square" lIns="91425" tIns="91425" rIns="91425" bIns="91425" anchor="t" anchorCtr="0">
+          <a:bodyPr spcFirstLastPara="1" wrap="square" lIns="93152" tIns="93152" rIns="93152" bIns="93152" anchor="t" anchorCtr="0">
             <a:noAutofit/>
           </a:bodyPr>
           <a:lstStyle/>
           <a:p>
-            <a:pPr marL="0" lvl="0" indent="0">
-              <a:spcBef>
-                <a:spcPts val="0"/>
-              </a:spcBef>
-              <a:spcAft>
-                <a:spcPts val="0"/>
-              </a:spcAft>
+            <a:pPr marL="0" indent="0">
               <a:buNone/>
             </a:pPr>
             <a:endParaRPr/>
@@ -1672,15 +1623,15 @@
         </p:nvSpPr>
         <p:spPr>
           <a:xfrm>
-            <a:off x="311708" y="744575"/>
-            <a:ext cx="8520600" cy="2052600"/>
+            <a:off x="327293" y="1058952"/>
+            <a:ext cx="8946630" cy="2919253"/>
           </a:xfrm>
           <a:prstGeom prst="rect">
             <a:avLst/>
           </a:prstGeom>
         </p:spPr>
         <p:txBody>
-          <a:bodyPr spcFirstLastPara="1" wrap="square" lIns="91425" tIns="91425" rIns="91425" bIns="91425" anchor="b" anchorCtr="0"/>
+          <a:bodyPr spcFirstLastPara="1" wrap="square" lIns="96645" tIns="96645" rIns="96645" bIns="96645" anchor="b" anchorCtr="0"/>
           <a:lstStyle>
             <a:lvl1pPr lvl="0" algn="ctr">
               <a:spcBef>
@@ -1691,7 +1642,7 @@
               </a:spcAft>
               <a:buSzPts val="5200"/>
               <a:buNone/>
-              <a:defRPr sz="5200"/>
+              <a:defRPr sz="5500"/>
             </a:lvl1pPr>
             <a:lvl2pPr lvl="1" algn="ctr">
               <a:spcBef>
@@ -1702,7 +1653,7 @@
               </a:spcAft>
               <a:buSzPts val="5200"/>
               <a:buNone/>
-              <a:defRPr sz="5200"/>
+              <a:defRPr sz="5500"/>
             </a:lvl2pPr>
             <a:lvl3pPr lvl="2" algn="ctr">
               <a:spcBef>
@@ -1713,7 +1664,7 @@
               </a:spcAft>
               <a:buSzPts val="5200"/>
               <a:buNone/>
-              <a:defRPr sz="5200"/>
+              <a:defRPr sz="5500"/>
             </a:lvl3pPr>
             <a:lvl4pPr lvl="3" algn="ctr">
               <a:spcBef>
@@ -1724,7 +1675,7 @@
               </a:spcAft>
               <a:buSzPts val="5200"/>
               <a:buNone/>
-              <a:defRPr sz="5200"/>
+              <a:defRPr sz="5500"/>
             </a:lvl4pPr>
             <a:lvl5pPr lvl="4" algn="ctr">
               <a:spcBef>
@@ -1735,7 +1686,7 @@
               </a:spcAft>
               <a:buSzPts val="5200"/>
               <a:buNone/>
-              <a:defRPr sz="5200"/>
+              <a:defRPr sz="5500"/>
             </a:lvl5pPr>
             <a:lvl6pPr lvl="5" algn="ctr">
               <a:spcBef>
@@ -1746,7 +1697,7 @@
               </a:spcAft>
               <a:buSzPts val="5200"/>
               <a:buNone/>
-              <a:defRPr sz="5200"/>
+              <a:defRPr sz="5500"/>
             </a:lvl6pPr>
             <a:lvl7pPr lvl="6" algn="ctr">
               <a:spcBef>
@@ -1757,7 +1708,7 @@
               </a:spcAft>
               <a:buSzPts val="5200"/>
               <a:buNone/>
-              <a:defRPr sz="5200"/>
+              <a:defRPr sz="5500"/>
             </a:lvl7pPr>
             <a:lvl8pPr lvl="7" algn="ctr">
               <a:spcBef>
@@ -1768,7 +1719,7 @@
               </a:spcAft>
               <a:buSzPts val="5200"/>
               <a:buNone/>
-              <a:defRPr sz="5200"/>
+              <a:defRPr sz="5500"/>
             </a:lvl8pPr>
             <a:lvl9pPr lvl="8" algn="ctr">
               <a:spcBef>
@@ -1779,7 +1730,7 @@
               </a:spcAft>
               <a:buSzPts val="5200"/>
               <a:buNone/>
-              <a:defRPr sz="5200"/>
+              <a:defRPr sz="5500"/>
             </a:lvl9pPr>
           </a:lstStyle>
           <a:p>
@@ -1799,15 +1750,15 @@
         </p:nvSpPr>
         <p:spPr>
           <a:xfrm>
-            <a:off x="311700" y="2834125"/>
-            <a:ext cx="8520600" cy="792600"/>
+            <a:off x="327285" y="4030755"/>
+            <a:ext cx="8946630" cy="1127253"/>
           </a:xfrm>
           <a:prstGeom prst="rect">
             <a:avLst/>
           </a:prstGeom>
         </p:spPr>
         <p:txBody>
-          <a:bodyPr spcFirstLastPara="1" wrap="square" lIns="91425" tIns="91425" rIns="91425" bIns="91425" anchor="t" anchorCtr="0"/>
+          <a:bodyPr spcFirstLastPara="1" wrap="square" lIns="96645" tIns="96645" rIns="96645" bIns="96645" anchor="t" anchorCtr="0"/>
           <a:lstStyle>
             <a:lvl1pPr lvl="0" algn="ctr">
               <a:lnSpc>
@@ -1821,7 +1772,7 @@
               </a:spcAft>
               <a:buSzPts val="2800"/>
               <a:buNone/>
-              <a:defRPr sz="2800"/>
+              <a:defRPr sz="3000"/>
             </a:lvl1pPr>
             <a:lvl2pPr lvl="1" algn="ctr">
               <a:lnSpc>
@@ -1835,7 +1786,7 @@
               </a:spcAft>
               <a:buSzPts val="2800"/>
               <a:buNone/>
-              <a:defRPr sz="2800"/>
+              <a:defRPr sz="3000"/>
             </a:lvl2pPr>
             <a:lvl3pPr lvl="2" algn="ctr">
               <a:lnSpc>
@@ -1849,7 +1800,7 @@
               </a:spcAft>
               <a:buSzPts val="2800"/>
               <a:buNone/>
-              <a:defRPr sz="2800"/>
+              <a:defRPr sz="3000"/>
             </a:lvl3pPr>
             <a:lvl4pPr lvl="3" algn="ctr">
               <a:lnSpc>
@@ -1863,7 +1814,7 @@
               </a:spcAft>
               <a:buSzPts val="2800"/>
               <a:buNone/>
-              <a:defRPr sz="2800"/>
+              <a:defRPr sz="3000"/>
             </a:lvl4pPr>
             <a:lvl5pPr lvl="4" algn="ctr">
               <a:lnSpc>
@@ -1877,7 +1828,7 @@
               </a:spcAft>
               <a:buSzPts val="2800"/>
               <a:buNone/>
-              <a:defRPr sz="2800"/>
+              <a:defRPr sz="3000"/>
             </a:lvl5pPr>
             <a:lvl6pPr lvl="5" algn="ctr">
               <a:lnSpc>
@@ -1891,7 +1842,7 @@
               </a:spcAft>
               <a:buSzPts val="2800"/>
               <a:buNone/>
-              <a:defRPr sz="2800"/>
+              <a:defRPr sz="3000"/>
             </a:lvl6pPr>
             <a:lvl7pPr lvl="6" algn="ctr">
               <a:lnSpc>
@@ -1905,7 +1856,7 @@
               </a:spcAft>
               <a:buSzPts val="2800"/>
               <a:buNone/>
-              <a:defRPr sz="2800"/>
+              <a:defRPr sz="3000"/>
             </a:lvl7pPr>
             <a:lvl8pPr lvl="7" algn="ctr">
               <a:lnSpc>
@@ -1919,7 +1870,7 @@
               </a:spcAft>
               <a:buSzPts val="2800"/>
               <a:buNone/>
-              <a:defRPr sz="2800"/>
+              <a:defRPr sz="3000"/>
             </a:lvl8pPr>
             <a:lvl9pPr lvl="8" algn="ctr">
               <a:lnSpc>
@@ -1933,7 +1884,7 @@
               </a:spcAft>
               <a:buSzPts val="2800"/>
               <a:buNone/>
-              <a:defRPr sz="2800"/>
+              <a:defRPr sz="3000"/>
             </a:lvl9pPr>
           </a:lstStyle>
           <a:p>
@@ -1953,15 +1904,15 @@
         </p:nvSpPr>
         <p:spPr>
           <a:xfrm>
-            <a:off x="8472458" y="4663217"/>
-            <a:ext cx="548700" cy="393600"/>
+            <a:off x="8896081" y="6632131"/>
+            <a:ext cx="576135" cy="559787"/>
           </a:xfrm>
           <a:prstGeom prst="rect">
             <a:avLst/>
           </a:prstGeom>
         </p:spPr>
         <p:txBody>
-          <a:bodyPr spcFirstLastPara="1" wrap="square" lIns="91425" tIns="91425" rIns="91425" bIns="91425" anchor="ctr" anchorCtr="0">
+          <a:bodyPr spcFirstLastPara="1" wrap="square" lIns="96645" tIns="96645" rIns="96645" bIns="96645" anchor="ctr" anchorCtr="0">
             <a:noAutofit/>
           </a:bodyPr>
           <a:lstStyle>
@@ -2003,20 +1954,12 @@
             </a:lvl9pPr>
           </a:lstStyle>
           <a:p>
-            <a:pPr marL="0" lvl="0" indent="0">
-              <a:spcBef>
-                <a:spcPts val="0"/>
-              </a:spcBef>
-              <a:spcAft>
-                <a:spcPts val="0"/>
-              </a:spcAft>
-              <a:buNone/>
-            </a:pPr>
             <a:fld id="{00000000-1234-1234-1234-123412341234}" type="slidenum">
-              <a:rPr lang="en"/>
+              <a:rPr lang="en" smtClean="0"/>
+              <a:pPr/>
               <a:t>‹#›</a:t>
             </a:fld>
-            <a:endParaRPr/>
+            <a:endParaRPr lang="en"/>
           </a:p>
         </p:txBody>
       </p:sp>
@@ -2057,15 +2000,15 @@
         </p:nvSpPr>
         <p:spPr>
           <a:xfrm>
-            <a:off x="311700" y="1106125"/>
-            <a:ext cx="8520600" cy="1963500"/>
+            <a:off x="327285" y="1573155"/>
+            <a:ext cx="8946630" cy="2792533"/>
           </a:xfrm>
           <a:prstGeom prst="rect">
             <a:avLst/>
           </a:prstGeom>
         </p:spPr>
         <p:txBody>
-          <a:bodyPr spcFirstLastPara="1" wrap="square" lIns="91425" tIns="91425" rIns="91425" bIns="91425" anchor="b" anchorCtr="0"/>
+          <a:bodyPr spcFirstLastPara="1" wrap="square" lIns="96645" tIns="96645" rIns="96645" bIns="96645" anchor="b" anchorCtr="0"/>
           <a:lstStyle>
             <a:lvl1pPr lvl="0" algn="ctr">
               <a:spcBef>
@@ -2076,7 +2019,7 @@
               </a:spcAft>
               <a:buSzPts val="12000"/>
               <a:buNone/>
-              <a:defRPr sz="12000"/>
+              <a:defRPr sz="12700"/>
             </a:lvl1pPr>
             <a:lvl2pPr lvl="1" algn="ctr">
               <a:spcBef>
@@ -2087,7 +2030,7 @@
               </a:spcAft>
               <a:buSzPts val="12000"/>
               <a:buNone/>
-              <a:defRPr sz="12000"/>
+              <a:defRPr sz="12700"/>
             </a:lvl2pPr>
             <a:lvl3pPr lvl="2" algn="ctr">
               <a:spcBef>
@@ -2098,7 +2041,7 @@
               </a:spcAft>
               <a:buSzPts val="12000"/>
               <a:buNone/>
-              <a:defRPr sz="12000"/>
+              <a:defRPr sz="12700"/>
             </a:lvl3pPr>
             <a:lvl4pPr lvl="3" algn="ctr">
               <a:spcBef>
@@ -2109,7 +2052,7 @@
               </a:spcAft>
               <a:buSzPts val="12000"/>
               <a:buNone/>
-              <a:defRPr sz="12000"/>
+              <a:defRPr sz="12700"/>
             </a:lvl4pPr>
             <a:lvl5pPr lvl="4" algn="ctr">
               <a:spcBef>
@@ -2120,7 +2063,7 @@
               </a:spcAft>
               <a:buSzPts val="12000"/>
               <a:buNone/>
-              <a:defRPr sz="12000"/>
+              <a:defRPr sz="12700"/>
             </a:lvl5pPr>
             <a:lvl6pPr lvl="5" algn="ctr">
               <a:spcBef>
@@ -2131,7 +2074,7 @@
               </a:spcAft>
               <a:buSzPts val="12000"/>
               <a:buNone/>
-              <a:defRPr sz="12000"/>
+              <a:defRPr sz="12700"/>
             </a:lvl6pPr>
             <a:lvl7pPr lvl="6" algn="ctr">
               <a:spcBef>
@@ -2142,7 +2085,7 @@
               </a:spcAft>
               <a:buSzPts val="12000"/>
               <a:buNone/>
-              <a:defRPr sz="12000"/>
+              <a:defRPr sz="12700"/>
             </a:lvl7pPr>
             <a:lvl8pPr lvl="7" algn="ctr">
               <a:spcBef>
@@ -2153,7 +2096,7 @@
               </a:spcAft>
               <a:buSzPts val="12000"/>
               <a:buNone/>
-              <a:defRPr sz="12000"/>
+              <a:defRPr sz="12700"/>
             </a:lvl8pPr>
             <a:lvl9pPr lvl="8" algn="ctr">
               <a:spcBef>
@@ -2164,7 +2107,7 @@
               </a:spcAft>
               <a:buSzPts val="12000"/>
               <a:buNone/>
-              <a:defRPr sz="12000"/>
+              <a:defRPr sz="12700"/>
             </a:lvl9pPr>
           </a:lstStyle>
           <a:p>
@@ -2186,17 +2129,17 @@
         </p:nvSpPr>
         <p:spPr>
           <a:xfrm>
-            <a:off x="311700" y="3152225"/>
-            <a:ext cx="8520600" cy="1300800"/>
+            <a:off x="327285" y="4483165"/>
+            <a:ext cx="8946630" cy="1850027"/>
           </a:xfrm>
           <a:prstGeom prst="rect">
             <a:avLst/>
           </a:prstGeom>
         </p:spPr>
         <p:txBody>
-          <a:bodyPr spcFirstLastPara="1" wrap="square" lIns="91425" tIns="91425" rIns="91425" bIns="91425" anchor="t" anchorCtr="0"/>
+          <a:bodyPr spcFirstLastPara="1" wrap="square" lIns="96645" tIns="96645" rIns="96645" bIns="96645" anchor="t" anchorCtr="0"/>
           <a:lstStyle>
-            <a:lvl1pPr marL="457200" lvl="0" indent="-342900" algn="ctr">
+            <a:lvl1pPr marL="483306" lvl="0" indent="-362480" algn="ctr">
               <a:spcBef>
                 <a:spcPts val="0"/>
               </a:spcBef>
@@ -2207,9 +2150,9 @@
               <a:buChar char="●"/>
               <a:defRPr/>
             </a:lvl1pPr>
-            <a:lvl2pPr marL="914400" lvl="1" indent="-317500" algn="ctr">
-              <a:spcBef>
-                <a:spcPts val="1600"/>
+            <a:lvl2pPr marL="966612" lvl="1" indent="-335629" algn="ctr">
+              <a:spcBef>
+                <a:spcPts val="1691"/>
               </a:spcBef>
               <a:spcAft>
                 <a:spcPts val="0"/>
@@ -2218,9 +2161,9 @@
               <a:buChar char="○"/>
               <a:defRPr/>
             </a:lvl2pPr>
-            <a:lvl3pPr marL="1371600" lvl="2" indent="-317500" algn="ctr">
-              <a:spcBef>
-                <a:spcPts val="1600"/>
+            <a:lvl3pPr marL="1449918" lvl="2" indent="-335629" algn="ctr">
+              <a:spcBef>
+                <a:spcPts val="1691"/>
               </a:spcBef>
               <a:spcAft>
                 <a:spcPts val="0"/>
@@ -2229,9 +2172,9 @@
               <a:buChar char="■"/>
               <a:defRPr/>
             </a:lvl3pPr>
-            <a:lvl4pPr marL="1828800" lvl="3" indent="-317500" algn="ctr">
-              <a:spcBef>
-                <a:spcPts val="1600"/>
+            <a:lvl4pPr marL="1933224" lvl="3" indent="-335629" algn="ctr">
+              <a:spcBef>
+                <a:spcPts val="1691"/>
               </a:spcBef>
               <a:spcAft>
                 <a:spcPts val="0"/>
@@ -2240,9 +2183,9 @@
               <a:buChar char="●"/>
               <a:defRPr/>
             </a:lvl4pPr>
-            <a:lvl5pPr marL="2286000" lvl="4" indent="-317500" algn="ctr">
-              <a:spcBef>
-                <a:spcPts val="1600"/>
+            <a:lvl5pPr marL="2416531" lvl="4" indent="-335629" algn="ctr">
+              <a:spcBef>
+                <a:spcPts val="1691"/>
               </a:spcBef>
               <a:spcAft>
                 <a:spcPts val="0"/>
@@ -2251,9 +2194,9 @@
               <a:buChar char="○"/>
               <a:defRPr/>
             </a:lvl5pPr>
-            <a:lvl6pPr marL="2743200" lvl="5" indent="-317500" algn="ctr">
-              <a:spcBef>
-                <a:spcPts val="1600"/>
+            <a:lvl6pPr marL="2899837" lvl="5" indent="-335629" algn="ctr">
+              <a:spcBef>
+                <a:spcPts val="1691"/>
               </a:spcBef>
               <a:spcAft>
                 <a:spcPts val="0"/>
@@ -2262,9 +2205,9 @@
               <a:buChar char="■"/>
               <a:defRPr/>
             </a:lvl6pPr>
-            <a:lvl7pPr marL="3200400" lvl="6" indent="-317500" algn="ctr">
-              <a:spcBef>
-                <a:spcPts val="1600"/>
+            <a:lvl7pPr marL="3383143" lvl="6" indent="-335629" algn="ctr">
+              <a:spcBef>
+                <a:spcPts val="1691"/>
               </a:spcBef>
               <a:spcAft>
                 <a:spcPts val="0"/>
@@ -2273,9 +2216,9 @@
               <a:buChar char="●"/>
               <a:defRPr/>
             </a:lvl7pPr>
-            <a:lvl8pPr marL="3657600" lvl="7" indent="-317500" algn="ctr">
-              <a:spcBef>
-                <a:spcPts val="1600"/>
+            <a:lvl8pPr marL="3866449" lvl="7" indent="-335629" algn="ctr">
+              <a:spcBef>
+                <a:spcPts val="1691"/>
               </a:spcBef>
               <a:spcAft>
                 <a:spcPts val="0"/>
@@ -2284,12 +2227,12 @@
               <a:buChar char="○"/>
               <a:defRPr/>
             </a:lvl8pPr>
-            <a:lvl9pPr marL="4114800" lvl="8" indent="-317500" algn="ctr">
-              <a:spcBef>
-                <a:spcPts val="1600"/>
-              </a:spcBef>
-              <a:spcAft>
-                <a:spcPts val="1600"/>
+            <a:lvl9pPr marL="4349755" lvl="8" indent="-335629" algn="ctr">
+              <a:spcBef>
+                <a:spcPts val="1691"/>
+              </a:spcBef>
+              <a:spcAft>
+                <a:spcPts val="1691"/>
               </a:spcAft>
               <a:buSzPts val="1400"/>
               <a:buChar char="■"/>
@@ -2313,15 +2256,15 @@
         </p:nvSpPr>
         <p:spPr>
           <a:xfrm>
-            <a:off x="8472458" y="4663217"/>
-            <a:ext cx="548700" cy="393600"/>
+            <a:off x="8896081" y="6632131"/>
+            <a:ext cx="576135" cy="559787"/>
           </a:xfrm>
           <a:prstGeom prst="rect">
             <a:avLst/>
           </a:prstGeom>
         </p:spPr>
         <p:txBody>
-          <a:bodyPr spcFirstLastPara="1" wrap="square" lIns="91425" tIns="91425" rIns="91425" bIns="91425" anchor="ctr" anchorCtr="0">
+          <a:bodyPr spcFirstLastPara="1" wrap="square" lIns="96645" tIns="96645" rIns="96645" bIns="96645" anchor="ctr" anchorCtr="0">
             <a:noAutofit/>
           </a:bodyPr>
           <a:lstStyle>
@@ -2363,20 +2306,12 @@
             </a:lvl9pPr>
           </a:lstStyle>
           <a:p>
-            <a:pPr marL="0" lvl="0" indent="0">
-              <a:spcBef>
-                <a:spcPts val="0"/>
-              </a:spcBef>
-              <a:spcAft>
-                <a:spcPts val="0"/>
-              </a:spcAft>
-              <a:buNone/>
-            </a:pPr>
             <a:fld id="{00000000-1234-1234-1234-123412341234}" type="slidenum">
-              <a:rPr lang="en"/>
+              <a:rPr lang="en" smtClean="0"/>
+              <a:pPr/>
               <a:t>‹#›</a:t>
             </a:fld>
-            <a:endParaRPr/>
+            <a:endParaRPr lang="en"/>
           </a:p>
         </p:txBody>
       </p:sp>
@@ -2417,15 +2352,15 @@
         </p:nvSpPr>
         <p:spPr>
           <a:xfrm>
-            <a:off x="8472458" y="4663217"/>
-            <a:ext cx="548700" cy="393600"/>
+            <a:off x="8896081" y="6632131"/>
+            <a:ext cx="576135" cy="559787"/>
           </a:xfrm>
           <a:prstGeom prst="rect">
             <a:avLst/>
           </a:prstGeom>
         </p:spPr>
         <p:txBody>
-          <a:bodyPr spcFirstLastPara="1" wrap="square" lIns="91425" tIns="91425" rIns="91425" bIns="91425" anchor="ctr" anchorCtr="0">
+          <a:bodyPr spcFirstLastPara="1" wrap="square" lIns="96645" tIns="96645" rIns="96645" bIns="96645" anchor="ctr" anchorCtr="0">
             <a:noAutofit/>
           </a:bodyPr>
           <a:lstStyle>
@@ -2467,20 +2402,12 @@
             </a:lvl9pPr>
           </a:lstStyle>
           <a:p>
-            <a:pPr marL="0" lvl="0" indent="0">
-              <a:spcBef>
-                <a:spcPts val="0"/>
-              </a:spcBef>
-              <a:spcAft>
-                <a:spcPts val="0"/>
-              </a:spcAft>
-              <a:buNone/>
-            </a:pPr>
             <a:fld id="{00000000-1234-1234-1234-123412341234}" type="slidenum">
-              <a:rPr lang="en"/>
+              <a:rPr lang="en" smtClean="0"/>
+              <a:pPr/>
               <a:t>‹#›</a:t>
             </a:fld>
-            <a:endParaRPr/>
+            <a:endParaRPr lang="en"/>
           </a:p>
         </p:txBody>
       </p:sp>
@@ -2521,15 +2448,15 @@
         </p:nvSpPr>
         <p:spPr>
           <a:xfrm>
-            <a:off x="311700" y="2150850"/>
-            <a:ext cx="8520600" cy="841800"/>
+            <a:off x="327285" y="3058987"/>
+            <a:ext cx="8946630" cy="1197227"/>
           </a:xfrm>
           <a:prstGeom prst="rect">
             <a:avLst/>
           </a:prstGeom>
         </p:spPr>
         <p:txBody>
-          <a:bodyPr spcFirstLastPara="1" wrap="square" lIns="91425" tIns="91425" rIns="91425" bIns="91425" anchor="ctr" anchorCtr="0"/>
+          <a:bodyPr spcFirstLastPara="1" wrap="square" lIns="96645" tIns="96645" rIns="96645" bIns="96645" anchor="ctr" anchorCtr="0"/>
           <a:lstStyle>
             <a:lvl1pPr lvl="0" algn="ctr">
               <a:spcBef>
@@ -2540,7 +2467,7 @@
               </a:spcAft>
               <a:buSzPts val="3600"/>
               <a:buNone/>
-              <a:defRPr sz="3600"/>
+              <a:defRPr sz="3800"/>
             </a:lvl1pPr>
             <a:lvl2pPr lvl="1" algn="ctr">
               <a:spcBef>
@@ -2551,7 +2478,7 @@
               </a:spcAft>
               <a:buSzPts val="3600"/>
               <a:buNone/>
-              <a:defRPr sz="3600"/>
+              <a:defRPr sz="3800"/>
             </a:lvl2pPr>
             <a:lvl3pPr lvl="2" algn="ctr">
               <a:spcBef>
@@ -2562,7 +2489,7 @@
               </a:spcAft>
               <a:buSzPts val="3600"/>
               <a:buNone/>
-              <a:defRPr sz="3600"/>
+              <a:defRPr sz="3800"/>
             </a:lvl3pPr>
             <a:lvl4pPr lvl="3" algn="ctr">
               <a:spcBef>
@@ -2573,7 +2500,7 @@
               </a:spcAft>
               <a:buSzPts val="3600"/>
               <a:buNone/>
-              <a:defRPr sz="3600"/>
+              <a:defRPr sz="3800"/>
             </a:lvl4pPr>
             <a:lvl5pPr lvl="4" algn="ctr">
               <a:spcBef>
@@ -2584,7 +2511,7 @@
               </a:spcAft>
               <a:buSzPts val="3600"/>
               <a:buNone/>
-              <a:defRPr sz="3600"/>
+              <a:defRPr sz="3800"/>
             </a:lvl5pPr>
             <a:lvl6pPr lvl="5" algn="ctr">
               <a:spcBef>
@@ -2595,7 +2522,7 @@
               </a:spcAft>
               <a:buSzPts val="3600"/>
               <a:buNone/>
-              <a:defRPr sz="3600"/>
+              <a:defRPr sz="3800"/>
             </a:lvl6pPr>
             <a:lvl7pPr lvl="6" algn="ctr">
               <a:spcBef>
@@ -2606,7 +2533,7 @@
               </a:spcAft>
               <a:buSzPts val="3600"/>
               <a:buNone/>
-              <a:defRPr sz="3600"/>
+              <a:defRPr sz="3800"/>
             </a:lvl7pPr>
             <a:lvl8pPr lvl="7" algn="ctr">
               <a:spcBef>
@@ -2617,7 +2544,7 @@
               </a:spcAft>
               <a:buSzPts val="3600"/>
               <a:buNone/>
-              <a:defRPr sz="3600"/>
+              <a:defRPr sz="3800"/>
             </a:lvl8pPr>
             <a:lvl9pPr lvl="8" algn="ctr">
               <a:spcBef>
@@ -2628,7 +2555,7 @@
               </a:spcAft>
               <a:buSzPts val="3600"/>
               <a:buNone/>
-              <a:defRPr sz="3600"/>
+              <a:defRPr sz="3800"/>
             </a:lvl9pPr>
           </a:lstStyle>
           <a:p>
@@ -2648,15 +2575,15 @@
         </p:nvSpPr>
         <p:spPr>
           <a:xfrm>
-            <a:off x="8472458" y="4663217"/>
-            <a:ext cx="548700" cy="393600"/>
+            <a:off x="8896081" y="6632131"/>
+            <a:ext cx="576135" cy="559787"/>
           </a:xfrm>
           <a:prstGeom prst="rect">
             <a:avLst/>
           </a:prstGeom>
         </p:spPr>
         <p:txBody>
-          <a:bodyPr spcFirstLastPara="1" wrap="square" lIns="91425" tIns="91425" rIns="91425" bIns="91425" anchor="ctr" anchorCtr="0">
+          <a:bodyPr spcFirstLastPara="1" wrap="square" lIns="96645" tIns="96645" rIns="96645" bIns="96645" anchor="ctr" anchorCtr="0">
             <a:noAutofit/>
           </a:bodyPr>
           <a:lstStyle>
@@ -2698,20 +2625,12 @@
             </a:lvl9pPr>
           </a:lstStyle>
           <a:p>
-            <a:pPr marL="0" lvl="0" indent="0">
-              <a:spcBef>
-                <a:spcPts val="0"/>
-              </a:spcBef>
-              <a:spcAft>
-                <a:spcPts val="0"/>
-              </a:spcAft>
-              <a:buNone/>
-            </a:pPr>
             <a:fld id="{00000000-1234-1234-1234-123412341234}" type="slidenum">
-              <a:rPr lang="en"/>
+              <a:rPr lang="en" smtClean="0"/>
+              <a:pPr/>
               <a:t>‹#›</a:t>
             </a:fld>
-            <a:endParaRPr/>
+            <a:endParaRPr lang="en"/>
           </a:p>
         </p:txBody>
       </p:sp>
@@ -2752,15 +2671,15 @@
         </p:nvSpPr>
         <p:spPr>
           <a:xfrm>
-            <a:off x="311700" y="445025"/>
-            <a:ext cx="8520600" cy="572700"/>
+            <a:off x="327285" y="632925"/>
+            <a:ext cx="8946630" cy="814507"/>
           </a:xfrm>
           <a:prstGeom prst="rect">
             <a:avLst/>
           </a:prstGeom>
         </p:spPr>
         <p:txBody>
-          <a:bodyPr spcFirstLastPara="1" wrap="square" lIns="91425" tIns="91425" rIns="91425" bIns="91425" anchor="t" anchorCtr="0"/>
+          <a:bodyPr spcFirstLastPara="1" wrap="square" lIns="96645" tIns="96645" rIns="96645" bIns="96645" anchor="t" anchorCtr="0"/>
           <a:lstStyle>
             <a:lvl1pPr lvl="0">
               <a:spcBef>
@@ -2879,17 +2798,17 @@
         </p:nvSpPr>
         <p:spPr>
           <a:xfrm>
-            <a:off x="311700" y="1152475"/>
-            <a:ext cx="8520600" cy="3416400"/>
+            <a:off x="327285" y="1639075"/>
+            <a:ext cx="8946630" cy="4858880"/>
           </a:xfrm>
           <a:prstGeom prst="rect">
             <a:avLst/>
           </a:prstGeom>
         </p:spPr>
         <p:txBody>
-          <a:bodyPr spcFirstLastPara="1" wrap="square" lIns="91425" tIns="91425" rIns="91425" bIns="91425" anchor="t" anchorCtr="0"/>
+          <a:bodyPr spcFirstLastPara="1" wrap="square" lIns="96645" tIns="96645" rIns="96645" bIns="96645" anchor="t" anchorCtr="0"/>
           <a:lstStyle>
-            <a:lvl1pPr marL="457200" lvl="0" indent="-342900">
+            <a:lvl1pPr marL="483306" lvl="0" indent="-362480">
               <a:spcBef>
                 <a:spcPts val="0"/>
               </a:spcBef>
@@ -2900,9 +2819,9 @@
               <a:buChar char="●"/>
               <a:defRPr/>
             </a:lvl1pPr>
-            <a:lvl2pPr marL="914400" lvl="1" indent="-317500">
-              <a:spcBef>
-                <a:spcPts val="1600"/>
+            <a:lvl2pPr marL="966612" lvl="1" indent="-335629">
+              <a:spcBef>
+                <a:spcPts val="1691"/>
               </a:spcBef>
               <a:spcAft>
                 <a:spcPts val="0"/>
@@ -2911,9 +2830,9 @@
               <a:buChar char="○"/>
               <a:defRPr/>
             </a:lvl2pPr>
-            <a:lvl3pPr marL="1371600" lvl="2" indent="-317500">
-              <a:spcBef>
-                <a:spcPts val="1600"/>
+            <a:lvl3pPr marL="1449918" lvl="2" indent="-335629">
+              <a:spcBef>
+                <a:spcPts val="1691"/>
               </a:spcBef>
               <a:spcAft>
                 <a:spcPts val="0"/>
@@ -2922,9 +2841,9 @@
               <a:buChar char="■"/>
               <a:defRPr/>
             </a:lvl3pPr>
-            <a:lvl4pPr marL="1828800" lvl="3" indent="-317500">
-              <a:spcBef>
-                <a:spcPts val="1600"/>
+            <a:lvl4pPr marL="1933224" lvl="3" indent="-335629">
+              <a:spcBef>
+                <a:spcPts val="1691"/>
               </a:spcBef>
               <a:spcAft>
                 <a:spcPts val="0"/>
@@ -2933,9 +2852,9 @@
               <a:buChar char="●"/>
               <a:defRPr/>
             </a:lvl4pPr>
-            <a:lvl5pPr marL="2286000" lvl="4" indent="-317500">
-              <a:spcBef>
-                <a:spcPts val="1600"/>
+            <a:lvl5pPr marL="2416531" lvl="4" indent="-335629">
+              <a:spcBef>
+                <a:spcPts val="1691"/>
               </a:spcBef>
               <a:spcAft>
                 <a:spcPts val="0"/>
@@ -2944,9 +2863,9 @@
               <a:buChar char="○"/>
               <a:defRPr/>
             </a:lvl5pPr>
-            <a:lvl6pPr marL="2743200" lvl="5" indent="-317500">
-              <a:spcBef>
-                <a:spcPts val="1600"/>
+            <a:lvl6pPr marL="2899837" lvl="5" indent="-335629">
+              <a:spcBef>
+                <a:spcPts val="1691"/>
               </a:spcBef>
               <a:spcAft>
                 <a:spcPts val="0"/>
@@ -2955,9 +2874,9 @@
               <a:buChar char="■"/>
               <a:defRPr/>
             </a:lvl6pPr>
-            <a:lvl7pPr marL="3200400" lvl="6" indent="-317500">
-              <a:spcBef>
-                <a:spcPts val="1600"/>
+            <a:lvl7pPr marL="3383143" lvl="6" indent="-335629">
+              <a:spcBef>
+                <a:spcPts val="1691"/>
               </a:spcBef>
               <a:spcAft>
                 <a:spcPts val="0"/>
@@ -2966,9 +2885,9 @@
               <a:buChar char="●"/>
               <a:defRPr/>
             </a:lvl7pPr>
-            <a:lvl8pPr marL="3657600" lvl="7" indent="-317500">
-              <a:spcBef>
-                <a:spcPts val="1600"/>
+            <a:lvl8pPr marL="3866449" lvl="7" indent="-335629">
+              <a:spcBef>
+                <a:spcPts val="1691"/>
               </a:spcBef>
               <a:spcAft>
                 <a:spcPts val="0"/>
@@ -2977,12 +2896,12 @@
               <a:buChar char="○"/>
               <a:defRPr/>
             </a:lvl8pPr>
-            <a:lvl9pPr marL="4114800" lvl="8" indent="-317500">
-              <a:spcBef>
-                <a:spcPts val="1600"/>
-              </a:spcBef>
-              <a:spcAft>
-                <a:spcPts val="1600"/>
+            <a:lvl9pPr marL="4349755" lvl="8" indent="-335629">
+              <a:spcBef>
+                <a:spcPts val="1691"/>
+              </a:spcBef>
+              <a:spcAft>
+                <a:spcPts val="1691"/>
               </a:spcAft>
               <a:buSzPts val="1400"/>
               <a:buChar char="■"/>
@@ -3006,15 +2925,15 @@
         </p:nvSpPr>
         <p:spPr>
           <a:xfrm>
-            <a:off x="8472458" y="4663217"/>
-            <a:ext cx="548700" cy="393600"/>
+            <a:off x="8896081" y="6632131"/>
+            <a:ext cx="576135" cy="559787"/>
           </a:xfrm>
           <a:prstGeom prst="rect">
             <a:avLst/>
           </a:prstGeom>
         </p:spPr>
         <p:txBody>
-          <a:bodyPr spcFirstLastPara="1" wrap="square" lIns="91425" tIns="91425" rIns="91425" bIns="91425" anchor="ctr" anchorCtr="0">
+          <a:bodyPr spcFirstLastPara="1" wrap="square" lIns="96645" tIns="96645" rIns="96645" bIns="96645" anchor="ctr" anchorCtr="0">
             <a:noAutofit/>
           </a:bodyPr>
           <a:lstStyle>
@@ -3056,20 +2975,12 @@
             </a:lvl9pPr>
           </a:lstStyle>
           <a:p>
-            <a:pPr marL="0" lvl="0" indent="0">
-              <a:spcBef>
-                <a:spcPts val="0"/>
-              </a:spcBef>
-              <a:spcAft>
-                <a:spcPts val="0"/>
-              </a:spcAft>
-              <a:buNone/>
-            </a:pPr>
             <a:fld id="{00000000-1234-1234-1234-123412341234}" type="slidenum">
-              <a:rPr lang="en"/>
+              <a:rPr lang="en" smtClean="0"/>
+              <a:pPr/>
               <a:t>‹#›</a:t>
             </a:fld>
-            <a:endParaRPr/>
+            <a:endParaRPr lang="en"/>
           </a:p>
         </p:txBody>
       </p:sp>
@@ -3110,15 +3021,15 @@
         </p:nvSpPr>
         <p:spPr>
           <a:xfrm>
-            <a:off x="311700" y="445025"/>
-            <a:ext cx="8520600" cy="572700"/>
+            <a:off x="327285" y="632925"/>
+            <a:ext cx="8946630" cy="814507"/>
           </a:xfrm>
           <a:prstGeom prst="rect">
             <a:avLst/>
           </a:prstGeom>
         </p:spPr>
         <p:txBody>
-          <a:bodyPr spcFirstLastPara="1" wrap="square" lIns="91425" tIns="91425" rIns="91425" bIns="91425" anchor="t" anchorCtr="0"/>
+          <a:bodyPr spcFirstLastPara="1" wrap="square" lIns="96645" tIns="96645" rIns="96645" bIns="96645" anchor="t" anchorCtr="0"/>
           <a:lstStyle>
             <a:lvl1pPr lvl="0">
               <a:spcBef>
@@ -3237,17 +3148,17 @@
         </p:nvSpPr>
         <p:spPr>
           <a:xfrm>
-            <a:off x="311700" y="1152475"/>
-            <a:ext cx="3999900" cy="3416400"/>
+            <a:off x="327285" y="1639075"/>
+            <a:ext cx="4199895" cy="4858880"/>
           </a:xfrm>
           <a:prstGeom prst="rect">
             <a:avLst/>
           </a:prstGeom>
         </p:spPr>
         <p:txBody>
-          <a:bodyPr spcFirstLastPara="1" wrap="square" lIns="91425" tIns="91425" rIns="91425" bIns="91425" anchor="t" anchorCtr="0"/>
+          <a:bodyPr spcFirstLastPara="1" wrap="square" lIns="96645" tIns="96645" rIns="96645" bIns="96645" anchor="t" anchorCtr="0"/>
           <a:lstStyle>
-            <a:lvl1pPr marL="457200" lvl="0" indent="-317500">
+            <a:lvl1pPr marL="483306" lvl="0" indent="-335629">
               <a:spcBef>
                 <a:spcPts val="0"/>
               </a:spcBef>
@@ -3256,95 +3167,95 @@
               </a:spcAft>
               <a:buSzPts val="1400"/>
               <a:buChar char="●"/>
-              <a:defRPr sz="1400"/>
+              <a:defRPr sz="1500"/>
             </a:lvl1pPr>
-            <a:lvl2pPr marL="914400" lvl="1" indent="-304800">
-              <a:spcBef>
-                <a:spcPts val="1600"/>
+            <a:lvl2pPr marL="966612" lvl="1" indent="-322204">
+              <a:spcBef>
+                <a:spcPts val="1691"/>
               </a:spcBef>
               <a:spcAft>
                 <a:spcPts val="0"/>
               </a:spcAft>
               <a:buSzPts val="1200"/>
               <a:buChar char="○"/>
-              <a:defRPr sz="1200"/>
+              <a:defRPr sz="1300"/>
             </a:lvl2pPr>
-            <a:lvl3pPr marL="1371600" lvl="2" indent="-304800">
-              <a:spcBef>
-                <a:spcPts val="1600"/>
+            <a:lvl3pPr marL="1449918" lvl="2" indent="-322204">
+              <a:spcBef>
+                <a:spcPts val="1691"/>
               </a:spcBef>
               <a:spcAft>
                 <a:spcPts val="0"/>
               </a:spcAft>
               <a:buSzPts val="1200"/>
               <a:buChar char="■"/>
-              <a:defRPr sz="1200"/>
+              <a:defRPr sz="1300"/>
             </a:lvl3pPr>
-            <a:lvl4pPr marL="1828800" lvl="3" indent="-304800">
-              <a:spcBef>
-                <a:spcPts val="1600"/>
+            <a:lvl4pPr marL="1933224" lvl="3" indent="-322204">
+              <a:spcBef>
+                <a:spcPts val="1691"/>
               </a:spcBef>
               <a:spcAft>
                 <a:spcPts val="0"/>
               </a:spcAft>
               <a:buSzPts val="1200"/>
               <a:buChar char="●"/>
-              <a:defRPr sz="1200"/>
+              <a:defRPr sz="1300"/>
             </a:lvl4pPr>
-            <a:lvl5pPr marL="2286000" lvl="4" indent="-304800">
-              <a:spcBef>
-                <a:spcPts val="1600"/>
+            <a:lvl5pPr marL="2416531" lvl="4" indent="-322204">
+              <a:spcBef>
+                <a:spcPts val="1691"/>
               </a:spcBef>
               <a:spcAft>
                 <a:spcPts val="0"/>
               </a:spcAft>
               <a:buSzPts val="1200"/>
               <a:buChar char="○"/>
-              <a:defRPr sz="1200"/>
+              <a:defRPr sz="1300"/>
             </a:lvl5pPr>
-            <a:lvl6pPr marL="2743200" lvl="5" indent="-304800">
-              <a:spcBef>
-                <a:spcPts val="1600"/>
+            <a:lvl6pPr marL="2899837" lvl="5" indent="-322204">
+              <a:spcBef>
+                <a:spcPts val="1691"/>
               </a:spcBef>
               <a:spcAft>
                 <a:spcPts val="0"/>
               </a:spcAft>
               <a:buSzPts val="1200"/>
               <a:buChar char="■"/>
-              <a:defRPr sz="1200"/>
+              <a:defRPr sz="1300"/>
             </a:lvl6pPr>
-            <a:lvl7pPr marL="3200400" lvl="6" indent="-304800">
-              <a:spcBef>
-                <a:spcPts val="1600"/>
+            <a:lvl7pPr marL="3383143" lvl="6" indent="-322204">
+              <a:spcBef>
+                <a:spcPts val="1691"/>
               </a:spcBef>
               <a:spcAft>
                 <a:spcPts val="0"/>
               </a:spcAft>
               <a:buSzPts val="1200"/>
               <a:buChar char="●"/>
-              <a:defRPr sz="1200"/>
+              <a:defRPr sz="1300"/>
             </a:lvl7pPr>
-            <a:lvl8pPr marL="3657600" lvl="7" indent="-304800">
-              <a:spcBef>
-                <a:spcPts val="1600"/>
+            <a:lvl8pPr marL="3866449" lvl="7" indent="-322204">
+              <a:spcBef>
+                <a:spcPts val="1691"/>
               </a:spcBef>
               <a:spcAft>
                 <a:spcPts val="0"/>
               </a:spcAft>
               <a:buSzPts val="1200"/>
               <a:buChar char="○"/>
-              <a:defRPr sz="1200"/>
+              <a:defRPr sz="1300"/>
             </a:lvl8pPr>
-            <a:lvl9pPr marL="4114800" lvl="8" indent="-304800">
-              <a:spcBef>
-                <a:spcPts val="1600"/>
-              </a:spcBef>
-              <a:spcAft>
-                <a:spcPts val="1600"/>
+            <a:lvl9pPr marL="4349755" lvl="8" indent="-322204">
+              <a:spcBef>
+                <a:spcPts val="1691"/>
+              </a:spcBef>
+              <a:spcAft>
+                <a:spcPts val="1691"/>
               </a:spcAft>
               <a:buSzPts val="1200"/>
               <a:buChar char="■"/>
-              <a:defRPr sz="1200"/>
+              <a:defRPr sz="1300"/>
             </a:lvl9pPr>
           </a:lstStyle>
           <a:p>
@@ -3364,17 +3275,17 @@
         </p:nvSpPr>
         <p:spPr>
           <a:xfrm>
-            <a:off x="4832400" y="1152475"/>
-            <a:ext cx="3999900" cy="3416400"/>
+            <a:off x="5074020" y="1639075"/>
+            <a:ext cx="4199895" cy="4858880"/>
           </a:xfrm>
           <a:prstGeom prst="rect">
             <a:avLst/>
           </a:prstGeom>
         </p:spPr>
         <p:txBody>
-          <a:bodyPr spcFirstLastPara="1" wrap="square" lIns="91425" tIns="91425" rIns="91425" bIns="91425" anchor="t" anchorCtr="0"/>
+          <a:bodyPr spcFirstLastPara="1" wrap="square" lIns="96645" tIns="96645" rIns="96645" bIns="96645" anchor="t" anchorCtr="0"/>
           <a:lstStyle>
-            <a:lvl1pPr marL="457200" lvl="0" indent="-317500">
+            <a:lvl1pPr marL="483306" lvl="0" indent="-335629">
               <a:spcBef>
                 <a:spcPts val="0"/>
               </a:spcBef>
@@ -3383,95 +3294,95 @@
               </a:spcAft>
               <a:buSzPts val="1400"/>
               <a:buChar char="●"/>
-              <a:defRPr sz="1400"/>
+              <a:defRPr sz="1500"/>
             </a:lvl1pPr>
-            <a:lvl2pPr marL="914400" lvl="1" indent="-304800">
-              <a:spcBef>
-                <a:spcPts val="1600"/>
+            <a:lvl2pPr marL="966612" lvl="1" indent="-322204">
+              <a:spcBef>
+                <a:spcPts val="1691"/>
               </a:spcBef>
               <a:spcAft>
                 <a:spcPts val="0"/>
               </a:spcAft>
               <a:buSzPts val="1200"/>
               <a:buChar char="○"/>
-              <a:defRPr sz="1200"/>
+              <a:defRPr sz="1300"/>
             </a:lvl2pPr>
-            <a:lvl3pPr marL="1371600" lvl="2" indent="-304800">
-              <a:spcBef>
-                <a:spcPts val="1600"/>
+            <a:lvl3pPr marL="1449918" lvl="2" indent="-322204">
+              <a:spcBef>
+                <a:spcPts val="1691"/>
               </a:spcBef>
               <a:spcAft>
                 <a:spcPts val="0"/>
               </a:spcAft>
               <a:buSzPts val="1200"/>
               <a:buChar char="■"/>
-              <a:defRPr sz="1200"/>
+              <a:defRPr sz="1300"/>
             </a:lvl3pPr>
-            <a:lvl4pPr marL="1828800" lvl="3" indent="-304800">
-              <a:spcBef>
-                <a:spcPts val="1600"/>
+            <a:lvl4pPr marL="1933224" lvl="3" indent="-322204">
+              <a:spcBef>
+                <a:spcPts val="1691"/>
               </a:spcBef>
               <a:spcAft>
                 <a:spcPts val="0"/>
               </a:spcAft>
               <a:buSzPts val="1200"/>
               <a:buChar char="●"/>
-              <a:defRPr sz="1200"/>
+              <a:defRPr sz="1300"/>
             </a:lvl4pPr>
-            <a:lvl5pPr marL="2286000" lvl="4" indent="-304800">
-              <a:spcBef>
-                <a:spcPts val="1600"/>
+            <a:lvl5pPr marL="2416531" lvl="4" indent="-322204">
+              <a:spcBef>
+                <a:spcPts val="1691"/>
               </a:spcBef>
               <a:spcAft>
                 <a:spcPts val="0"/>
               </a:spcAft>
               <a:buSzPts val="1200"/>
               <a:buChar char="○"/>
-              <a:defRPr sz="1200"/>
+              <a:defRPr sz="1300"/>
             </a:lvl5pPr>
-            <a:lvl6pPr marL="2743200" lvl="5" indent="-304800">
-              <a:spcBef>
-                <a:spcPts val="1600"/>
+            <a:lvl6pPr marL="2899837" lvl="5" indent="-322204">
+              <a:spcBef>
+                <a:spcPts val="1691"/>
               </a:spcBef>
               <a:spcAft>
                 <a:spcPts val="0"/>
               </a:spcAft>
               <a:buSzPts val="1200"/>
               <a:buChar char="■"/>
-              <a:defRPr sz="1200"/>
+              <a:defRPr sz="1300"/>
             </a:lvl6pPr>
-            <a:lvl7pPr marL="3200400" lvl="6" indent="-304800">
-              <a:spcBef>
-                <a:spcPts val="1600"/>
+            <a:lvl7pPr marL="3383143" lvl="6" indent="-322204">
+              <a:spcBef>
+                <a:spcPts val="1691"/>
               </a:spcBef>
               <a:spcAft>
                 <a:spcPts val="0"/>
               </a:spcAft>
               <a:buSzPts val="1200"/>
               <a:buChar char="●"/>
-              <a:defRPr sz="1200"/>
+              <a:defRPr sz="1300"/>
             </a:lvl7pPr>
-            <a:lvl8pPr marL="3657600" lvl="7" indent="-304800">
-              <a:spcBef>
-                <a:spcPts val="1600"/>
+            <a:lvl8pPr marL="3866449" lvl="7" indent="-322204">
+              <a:spcBef>
+                <a:spcPts val="1691"/>
               </a:spcBef>
               <a:spcAft>
                 <a:spcPts val="0"/>
               </a:spcAft>
               <a:buSzPts val="1200"/>
               <a:buChar char="○"/>
-              <a:defRPr sz="1200"/>
+              <a:defRPr sz="1300"/>
             </a:lvl8pPr>
-            <a:lvl9pPr marL="4114800" lvl="8" indent="-304800">
-              <a:spcBef>
-                <a:spcPts val="1600"/>
-              </a:spcBef>
-              <a:spcAft>
-                <a:spcPts val="1600"/>
+            <a:lvl9pPr marL="4349755" lvl="8" indent="-322204">
+              <a:spcBef>
+                <a:spcPts val="1691"/>
+              </a:spcBef>
+              <a:spcAft>
+                <a:spcPts val="1691"/>
               </a:spcAft>
               <a:buSzPts val="1200"/>
               <a:buChar char="■"/>
-              <a:defRPr sz="1200"/>
+              <a:defRPr sz="1300"/>
             </a:lvl9pPr>
           </a:lstStyle>
           <a:p>
@@ -3491,15 +3402,15 @@
         </p:nvSpPr>
         <p:spPr>
           <a:xfrm>
-            <a:off x="8472458" y="4663217"/>
-            <a:ext cx="548700" cy="393600"/>
+            <a:off x="8896081" y="6632131"/>
+            <a:ext cx="576135" cy="559787"/>
           </a:xfrm>
           <a:prstGeom prst="rect">
             <a:avLst/>
           </a:prstGeom>
         </p:spPr>
         <p:txBody>
-          <a:bodyPr spcFirstLastPara="1" wrap="square" lIns="91425" tIns="91425" rIns="91425" bIns="91425" anchor="ctr" anchorCtr="0">
+          <a:bodyPr spcFirstLastPara="1" wrap="square" lIns="96645" tIns="96645" rIns="96645" bIns="96645" anchor="ctr" anchorCtr="0">
             <a:noAutofit/>
           </a:bodyPr>
           <a:lstStyle>
@@ -3541,20 +3452,12 @@
             </a:lvl9pPr>
           </a:lstStyle>
           <a:p>
-            <a:pPr marL="0" lvl="0" indent="0">
-              <a:spcBef>
-                <a:spcPts val="0"/>
-              </a:spcBef>
-              <a:spcAft>
-                <a:spcPts val="0"/>
-              </a:spcAft>
-              <a:buNone/>
-            </a:pPr>
             <a:fld id="{00000000-1234-1234-1234-123412341234}" type="slidenum">
-              <a:rPr lang="en"/>
+              <a:rPr lang="en" smtClean="0"/>
+              <a:pPr/>
               <a:t>‹#›</a:t>
             </a:fld>
-            <a:endParaRPr/>
+            <a:endParaRPr lang="en"/>
           </a:p>
         </p:txBody>
       </p:sp>
@@ -3595,15 +3498,15 @@
         </p:nvSpPr>
         <p:spPr>
           <a:xfrm>
-            <a:off x="311700" y="445025"/>
-            <a:ext cx="8520600" cy="572700"/>
+            <a:off x="327285" y="632925"/>
+            <a:ext cx="8946630" cy="814507"/>
           </a:xfrm>
           <a:prstGeom prst="rect">
             <a:avLst/>
           </a:prstGeom>
         </p:spPr>
         <p:txBody>
-          <a:bodyPr spcFirstLastPara="1" wrap="square" lIns="91425" tIns="91425" rIns="91425" bIns="91425" anchor="t" anchorCtr="0"/>
+          <a:bodyPr spcFirstLastPara="1" wrap="square" lIns="96645" tIns="96645" rIns="96645" bIns="96645" anchor="t" anchorCtr="0"/>
           <a:lstStyle>
             <a:lvl1pPr lvl="0">
               <a:spcBef>
@@ -3722,15 +3625,15 @@
         </p:nvSpPr>
         <p:spPr>
           <a:xfrm>
-            <a:off x="8472458" y="4663217"/>
-            <a:ext cx="548700" cy="393600"/>
+            <a:off x="8896081" y="6632131"/>
+            <a:ext cx="576135" cy="559787"/>
           </a:xfrm>
           <a:prstGeom prst="rect">
             <a:avLst/>
           </a:prstGeom>
         </p:spPr>
         <p:txBody>
-          <a:bodyPr spcFirstLastPara="1" wrap="square" lIns="91425" tIns="91425" rIns="91425" bIns="91425" anchor="ctr" anchorCtr="0">
+          <a:bodyPr spcFirstLastPara="1" wrap="square" lIns="96645" tIns="96645" rIns="96645" bIns="96645" anchor="ctr" anchorCtr="0">
             <a:noAutofit/>
           </a:bodyPr>
           <a:lstStyle>
@@ -3772,20 +3675,12 @@
             </a:lvl9pPr>
           </a:lstStyle>
           <a:p>
-            <a:pPr marL="0" lvl="0" indent="0">
-              <a:spcBef>
-                <a:spcPts val="0"/>
-              </a:spcBef>
-              <a:spcAft>
-                <a:spcPts val="0"/>
-              </a:spcAft>
-              <a:buNone/>
-            </a:pPr>
             <a:fld id="{00000000-1234-1234-1234-123412341234}" type="slidenum">
-              <a:rPr lang="en"/>
+              <a:rPr lang="en" smtClean="0"/>
+              <a:pPr/>
               <a:t>‹#›</a:t>
             </a:fld>
-            <a:endParaRPr/>
+            <a:endParaRPr lang="en"/>
           </a:p>
         </p:txBody>
       </p:sp>
@@ -3826,15 +3721,15 @@
         </p:nvSpPr>
         <p:spPr>
           <a:xfrm>
-            <a:off x="311700" y="555600"/>
-            <a:ext cx="2808000" cy="755700"/>
+            <a:off x="327285" y="790187"/>
+            <a:ext cx="2948400" cy="1074773"/>
           </a:xfrm>
           <a:prstGeom prst="rect">
             <a:avLst/>
           </a:prstGeom>
         </p:spPr>
         <p:txBody>
-          <a:bodyPr spcFirstLastPara="1" wrap="square" lIns="91425" tIns="91425" rIns="91425" bIns="91425" anchor="b" anchorCtr="0"/>
+          <a:bodyPr spcFirstLastPara="1" wrap="square" lIns="96645" tIns="96645" rIns="96645" bIns="96645" anchor="b" anchorCtr="0"/>
           <a:lstStyle>
             <a:lvl1pPr lvl="0">
               <a:spcBef>
@@ -3845,7 +3740,7 @@
               </a:spcAft>
               <a:buSzPts val="2400"/>
               <a:buNone/>
-              <a:defRPr sz="2400"/>
+              <a:defRPr sz="2500"/>
             </a:lvl1pPr>
             <a:lvl2pPr lvl="1">
               <a:spcBef>
@@ -3856,7 +3751,7 @@
               </a:spcAft>
               <a:buSzPts val="2400"/>
               <a:buNone/>
-              <a:defRPr sz="2400"/>
+              <a:defRPr sz="2500"/>
             </a:lvl2pPr>
             <a:lvl3pPr lvl="2">
               <a:spcBef>
@@ -3867,7 +3762,7 @@
               </a:spcAft>
               <a:buSzPts val="2400"/>
               <a:buNone/>
-              <a:defRPr sz="2400"/>
+              <a:defRPr sz="2500"/>
             </a:lvl3pPr>
             <a:lvl4pPr lvl="3">
               <a:spcBef>
@@ -3878,7 +3773,7 @@
               </a:spcAft>
               <a:buSzPts val="2400"/>
               <a:buNone/>
-              <a:defRPr sz="2400"/>
+              <a:defRPr sz="2500"/>
             </a:lvl4pPr>
             <a:lvl5pPr lvl="4">
               <a:spcBef>
@@ -3889,7 +3784,7 @@
               </a:spcAft>
               <a:buSzPts val="2400"/>
               <a:buNone/>
-              <a:defRPr sz="2400"/>
+              <a:defRPr sz="2500"/>
             </a:lvl5pPr>
             <a:lvl6pPr lvl="5">
               <a:spcBef>
@@ -3900,7 +3795,7 @@
               </a:spcAft>
               <a:buSzPts val="2400"/>
               <a:buNone/>
-              <a:defRPr sz="2400"/>
+              <a:defRPr sz="2500"/>
             </a:lvl6pPr>
             <a:lvl7pPr lvl="6">
               <a:spcBef>
@@ -3911,7 +3806,7 @@
               </a:spcAft>
               <a:buSzPts val="2400"/>
               <a:buNone/>
-              <a:defRPr sz="2400"/>
+              <a:defRPr sz="2500"/>
             </a:lvl7pPr>
             <a:lvl8pPr lvl="7">
               <a:spcBef>
@@ -3922,7 +3817,7 @@
               </a:spcAft>
               <a:buSzPts val="2400"/>
               <a:buNone/>
-              <a:defRPr sz="2400"/>
+              <a:defRPr sz="2500"/>
             </a:lvl8pPr>
             <a:lvl9pPr lvl="8">
               <a:spcBef>
@@ -3933,7 +3828,7 @@
               </a:spcAft>
               <a:buSzPts val="2400"/>
               <a:buNone/>
-              <a:defRPr sz="2400"/>
+              <a:defRPr sz="2500"/>
             </a:lvl9pPr>
           </a:lstStyle>
           <a:p>
@@ -3953,17 +3848,17 @@
         </p:nvSpPr>
         <p:spPr>
           <a:xfrm>
-            <a:off x="311700" y="1389600"/>
-            <a:ext cx="2808000" cy="3179400"/>
+            <a:off x="327285" y="1976320"/>
+            <a:ext cx="2948400" cy="4521813"/>
           </a:xfrm>
           <a:prstGeom prst="rect">
             <a:avLst/>
           </a:prstGeom>
         </p:spPr>
         <p:txBody>
-          <a:bodyPr spcFirstLastPara="1" wrap="square" lIns="91425" tIns="91425" rIns="91425" bIns="91425" anchor="t" anchorCtr="0"/>
+          <a:bodyPr spcFirstLastPara="1" wrap="square" lIns="96645" tIns="96645" rIns="96645" bIns="96645" anchor="t" anchorCtr="0"/>
           <a:lstStyle>
-            <a:lvl1pPr marL="457200" lvl="0" indent="-304800">
+            <a:lvl1pPr marL="483306" lvl="0" indent="-322204">
               <a:spcBef>
                 <a:spcPts val="0"/>
               </a:spcBef>
@@ -3972,95 +3867,95 @@
               </a:spcAft>
               <a:buSzPts val="1200"/>
               <a:buChar char="●"/>
-              <a:defRPr sz="1200"/>
+              <a:defRPr sz="1300"/>
             </a:lvl1pPr>
-            <a:lvl2pPr marL="914400" lvl="1" indent="-304800">
-              <a:spcBef>
-                <a:spcPts val="1600"/>
+            <a:lvl2pPr marL="966612" lvl="1" indent="-322204">
+              <a:spcBef>
+                <a:spcPts val="1691"/>
               </a:spcBef>
               <a:spcAft>
                 <a:spcPts val="0"/>
               </a:spcAft>
               <a:buSzPts val="1200"/>
               <a:buChar char="○"/>
-              <a:defRPr sz="1200"/>
+              <a:defRPr sz="1300"/>
             </a:lvl2pPr>
-            <a:lvl3pPr marL="1371600" lvl="2" indent="-304800">
-              <a:spcBef>
-                <a:spcPts val="1600"/>
+            <a:lvl3pPr marL="1449918" lvl="2" indent="-322204">
+              <a:spcBef>
+                <a:spcPts val="1691"/>
               </a:spcBef>
               <a:spcAft>
                 <a:spcPts val="0"/>
               </a:spcAft>
               <a:buSzPts val="1200"/>
               <a:buChar char="■"/>
-              <a:defRPr sz="1200"/>
+              <a:defRPr sz="1300"/>
             </a:lvl3pPr>
-            <a:lvl4pPr marL="1828800" lvl="3" indent="-304800">
-              <a:spcBef>
-                <a:spcPts val="1600"/>
+            <a:lvl4pPr marL="1933224" lvl="3" indent="-322204">
+              <a:spcBef>
+                <a:spcPts val="1691"/>
               </a:spcBef>
               <a:spcAft>
                 <a:spcPts val="0"/>
               </a:spcAft>
               <a:buSzPts val="1200"/>
               <a:buChar char="●"/>
-              <a:defRPr sz="1200"/>
+              <a:defRPr sz="1300"/>
             </a:lvl4pPr>
-            <a:lvl5pPr marL="2286000" lvl="4" indent="-304800">
-              <a:spcBef>
-                <a:spcPts val="1600"/>
+            <a:lvl5pPr marL="2416531" lvl="4" indent="-322204">
+              <a:spcBef>
+                <a:spcPts val="1691"/>
               </a:spcBef>
               <a:spcAft>
                 <a:spcPts val="0"/>
               </a:spcAft>
               <a:buSzPts val="1200"/>
               <a:buChar char="○"/>
-              <a:defRPr sz="1200"/>
+              <a:defRPr sz="1300"/>
             </a:lvl5pPr>
-            <a:lvl6pPr marL="2743200" lvl="5" indent="-304800">
-              <a:spcBef>
-                <a:spcPts val="1600"/>
+            <a:lvl6pPr marL="2899837" lvl="5" indent="-322204">
+              <a:spcBef>
+                <a:spcPts val="1691"/>
               </a:spcBef>
               <a:spcAft>
                 <a:spcPts val="0"/>
               </a:spcAft>
               <a:buSzPts val="1200"/>
               <a:buChar char="■"/>
-              <a:defRPr sz="1200"/>
+              <a:defRPr sz="1300"/>
             </a:lvl6pPr>
-            <a:lvl7pPr marL="3200400" lvl="6" indent="-304800">
-              <a:spcBef>
-                <a:spcPts val="1600"/>
+            <a:lvl7pPr marL="3383143" lvl="6" indent="-322204">
+              <a:spcBef>
+                <a:spcPts val="1691"/>
               </a:spcBef>
               <a:spcAft>
                 <a:spcPts val="0"/>
               </a:spcAft>
               <a:buSzPts val="1200"/>
               <a:buChar char="●"/>
-              <a:defRPr sz="1200"/>
+              <a:defRPr sz="1300"/>
             </a:lvl7pPr>
-            <a:lvl8pPr marL="3657600" lvl="7" indent="-304800">
-              <a:spcBef>
-                <a:spcPts val="1600"/>
+            <a:lvl8pPr marL="3866449" lvl="7" indent="-322204">
+              <a:spcBef>
+                <a:spcPts val="1691"/>
               </a:spcBef>
               <a:spcAft>
                 <a:spcPts val="0"/>
               </a:spcAft>
               <a:buSzPts val="1200"/>
               <a:buChar char="○"/>
-              <a:defRPr sz="1200"/>
+              <a:defRPr sz="1300"/>
             </a:lvl8pPr>
-            <a:lvl9pPr marL="4114800" lvl="8" indent="-304800">
-              <a:spcBef>
-                <a:spcPts val="1600"/>
-              </a:spcBef>
-              <a:spcAft>
-                <a:spcPts val="1600"/>
+            <a:lvl9pPr marL="4349755" lvl="8" indent="-322204">
+              <a:spcBef>
+                <a:spcPts val="1691"/>
+              </a:spcBef>
+              <a:spcAft>
+                <a:spcPts val="1691"/>
               </a:spcAft>
               <a:buSzPts val="1200"/>
               <a:buChar char="■"/>
-              <a:defRPr sz="1200"/>
+              <a:defRPr sz="1300"/>
             </a:lvl9pPr>
           </a:lstStyle>
           <a:p>
@@ -4080,15 +3975,15 @@
         </p:nvSpPr>
         <p:spPr>
           <a:xfrm>
-            <a:off x="8472458" y="4663217"/>
-            <a:ext cx="548700" cy="393600"/>
+            <a:off x="8896081" y="6632131"/>
+            <a:ext cx="576135" cy="559787"/>
           </a:xfrm>
           <a:prstGeom prst="rect">
             <a:avLst/>
           </a:prstGeom>
         </p:spPr>
         <p:txBody>
-          <a:bodyPr spcFirstLastPara="1" wrap="square" lIns="91425" tIns="91425" rIns="91425" bIns="91425" anchor="ctr" anchorCtr="0">
+          <a:bodyPr spcFirstLastPara="1" wrap="square" lIns="96645" tIns="96645" rIns="96645" bIns="96645" anchor="ctr" anchorCtr="0">
             <a:noAutofit/>
           </a:bodyPr>
           <a:lstStyle>
@@ -4130,20 +4025,12 @@
             </a:lvl9pPr>
           </a:lstStyle>
           <a:p>
-            <a:pPr marL="0" lvl="0" indent="0">
-              <a:spcBef>
-                <a:spcPts val="0"/>
-              </a:spcBef>
-              <a:spcAft>
-                <a:spcPts val="0"/>
-              </a:spcAft>
-              <a:buNone/>
-            </a:pPr>
             <a:fld id="{00000000-1234-1234-1234-123412341234}" type="slidenum">
-              <a:rPr lang="en"/>
+              <a:rPr lang="en" smtClean="0"/>
+              <a:pPr/>
               <a:t>‹#›</a:t>
             </a:fld>
-            <a:endParaRPr/>
+            <a:endParaRPr lang="en"/>
           </a:p>
         </p:txBody>
       </p:sp>
@@ -4184,15 +4071,15 @@
         </p:nvSpPr>
         <p:spPr>
           <a:xfrm>
-            <a:off x="490250" y="450150"/>
-            <a:ext cx="6367800" cy="4090800"/>
+            <a:off x="514763" y="640213"/>
+            <a:ext cx="6686190" cy="5818027"/>
           </a:xfrm>
           <a:prstGeom prst="rect">
             <a:avLst/>
           </a:prstGeom>
         </p:spPr>
         <p:txBody>
-          <a:bodyPr spcFirstLastPara="1" wrap="square" lIns="91425" tIns="91425" rIns="91425" bIns="91425" anchor="ctr" anchorCtr="0"/>
+          <a:bodyPr spcFirstLastPara="1" wrap="square" lIns="96645" tIns="96645" rIns="96645" bIns="96645" anchor="ctr" anchorCtr="0"/>
           <a:lstStyle>
             <a:lvl1pPr lvl="0">
               <a:spcBef>
@@ -4203,7 +4090,7 @@
               </a:spcAft>
               <a:buSzPts val="4800"/>
               <a:buNone/>
-              <a:defRPr sz="4800"/>
+              <a:defRPr sz="5100"/>
             </a:lvl1pPr>
             <a:lvl2pPr lvl="1">
               <a:spcBef>
@@ -4214,7 +4101,7 @@
               </a:spcAft>
               <a:buSzPts val="4800"/>
               <a:buNone/>
-              <a:defRPr sz="4800"/>
+              <a:defRPr sz="5100"/>
             </a:lvl2pPr>
             <a:lvl3pPr lvl="2">
               <a:spcBef>
@@ -4225,7 +4112,7 @@
               </a:spcAft>
               <a:buSzPts val="4800"/>
               <a:buNone/>
-              <a:defRPr sz="4800"/>
+              <a:defRPr sz="5100"/>
             </a:lvl3pPr>
             <a:lvl4pPr lvl="3">
               <a:spcBef>
@@ -4236,7 +4123,7 @@
               </a:spcAft>
               <a:buSzPts val="4800"/>
               <a:buNone/>
-              <a:defRPr sz="4800"/>
+              <a:defRPr sz="5100"/>
             </a:lvl4pPr>
             <a:lvl5pPr lvl="4">
               <a:spcBef>
@@ -4247,7 +4134,7 @@
               </a:spcAft>
               <a:buSzPts val="4800"/>
               <a:buNone/>
-              <a:defRPr sz="4800"/>
+              <a:defRPr sz="5100"/>
             </a:lvl5pPr>
             <a:lvl6pPr lvl="5">
               <a:spcBef>
@@ -4258,7 +4145,7 @@
               </a:spcAft>
               <a:buSzPts val="4800"/>
               <a:buNone/>
-              <a:defRPr sz="4800"/>
+              <a:defRPr sz="5100"/>
             </a:lvl6pPr>
             <a:lvl7pPr lvl="6">
               <a:spcBef>
@@ -4269,7 +4156,7 @@
               </a:spcAft>
               <a:buSzPts val="4800"/>
               <a:buNone/>
-              <a:defRPr sz="4800"/>
+              <a:defRPr sz="5100"/>
             </a:lvl7pPr>
             <a:lvl8pPr lvl="7">
               <a:spcBef>
@@ -4280,7 +4167,7 @@
               </a:spcAft>
               <a:buSzPts val="4800"/>
               <a:buNone/>
-              <a:defRPr sz="4800"/>
+              <a:defRPr sz="5100"/>
             </a:lvl8pPr>
             <a:lvl9pPr lvl="8">
               <a:spcBef>
@@ -4291,7 +4178,7 @@
               </a:spcAft>
               <a:buSzPts val="4800"/>
               <a:buNone/>
-              <a:defRPr sz="4800"/>
+              <a:defRPr sz="5100"/>
             </a:lvl9pPr>
           </a:lstStyle>
           <a:p>
@@ -4311,15 +4198,15 @@
         </p:nvSpPr>
         <p:spPr>
           <a:xfrm>
-            <a:off x="8472458" y="4663217"/>
-            <a:ext cx="548700" cy="393600"/>
+            <a:off x="8896081" y="6632131"/>
+            <a:ext cx="576135" cy="559787"/>
           </a:xfrm>
           <a:prstGeom prst="rect">
             <a:avLst/>
           </a:prstGeom>
         </p:spPr>
         <p:txBody>
-          <a:bodyPr spcFirstLastPara="1" wrap="square" lIns="91425" tIns="91425" rIns="91425" bIns="91425" anchor="ctr" anchorCtr="0">
+          <a:bodyPr spcFirstLastPara="1" wrap="square" lIns="96645" tIns="96645" rIns="96645" bIns="96645" anchor="ctr" anchorCtr="0">
             <a:noAutofit/>
           </a:bodyPr>
           <a:lstStyle>
@@ -4361,20 +4248,12 @@
             </a:lvl9pPr>
           </a:lstStyle>
           <a:p>
-            <a:pPr marL="0" lvl="0" indent="0">
-              <a:spcBef>
-                <a:spcPts val="0"/>
-              </a:spcBef>
-              <a:spcAft>
-                <a:spcPts val="0"/>
-              </a:spcAft>
-              <a:buNone/>
-            </a:pPr>
             <a:fld id="{00000000-1234-1234-1234-123412341234}" type="slidenum">
-              <a:rPr lang="en"/>
+              <a:rPr lang="en" smtClean="0"/>
+              <a:pPr/>
               <a:t>‹#›</a:t>
             </a:fld>
-            <a:endParaRPr/>
+            <a:endParaRPr lang="en"/>
           </a:p>
         </p:txBody>
       </p:sp>
@@ -4411,8 +4290,8 @@
         </p:nvSpPr>
         <p:spPr>
           <a:xfrm>
-            <a:off x="4572000" y="-125"/>
-            <a:ext cx="4572000" cy="5143500"/>
+            <a:off x="4800600" y="-178"/>
+            <a:ext cx="4800600" cy="7315200"/>
           </a:xfrm>
           <a:prstGeom prst="rect">
             <a:avLst/>
@@ -4425,7 +4304,7 @@
           </a:ln>
         </p:spPr>
         <p:txBody>
-          <a:bodyPr spcFirstLastPara="1" wrap="square" lIns="91425" tIns="91425" rIns="91425" bIns="91425" anchor="ctr" anchorCtr="0">
+          <a:bodyPr spcFirstLastPara="1" wrap="square" lIns="96645" tIns="96645" rIns="96645" bIns="96645" anchor="ctr" anchorCtr="0">
             <a:noAutofit/>
           </a:bodyPr>
           <a:lstStyle/>
@@ -4455,15 +4334,15 @@
         </p:nvSpPr>
         <p:spPr>
           <a:xfrm>
-            <a:off x="265500" y="1233175"/>
-            <a:ext cx="4045200" cy="1482300"/>
+            <a:off x="278775" y="1753849"/>
+            <a:ext cx="4247460" cy="2108160"/>
           </a:xfrm>
           <a:prstGeom prst="rect">
             <a:avLst/>
           </a:prstGeom>
         </p:spPr>
         <p:txBody>
-          <a:bodyPr spcFirstLastPara="1" wrap="square" lIns="91425" tIns="91425" rIns="91425" bIns="91425" anchor="b" anchorCtr="0"/>
+          <a:bodyPr spcFirstLastPara="1" wrap="square" lIns="96645" tIns="96645" rIns="96645" bIns="96645" anchor="b" anchorCtr="0"/>
           <a:lstStyle>
             <a:lvl1pPr lvl="0" algn="ctr">
               <a:spcBef>
@@ -4474,7 +4353,7 @@
               </a:spcAft>
               <a:buSzPts val="4200"/>
               <a:buNone/>
-              <a:defRPr sz="4200"/>
+              <a:defRPr sz="4400"/>
             </a:lvl1pPr>
             <a:lvl2pPr lvl="1" algn="ctr">
               <a:spcBef>
@@ -4485,7 +4364,7 @@
               </a:spcAft>
               <a:buSzPts val="4200"/>
               <a:buNone/>
-              <a:defRPr sz="4200"/>
+              <a:defRPr sz="4400"/>
             </a:lvl2pPr>
             <a:lvl3pPr lvl="2" algn="ctr">
               <a:spcBef>
@@ -4496,7 +4375,7 @@
               </a:spcAft>
               <a:buSzPts val="4200"/>
               <a:buNone/>
-              <a:defRPr sz="4200"/>
+              <a:defRPr sz="4400"/>
             </a:lvl3pPr>
             <a:lvl4pPr lvl="3" algn="ctr">
               <a:spcBef>
@@ -4507,7 +4386,7 @@
               </a:spcAft>
               <a:buSzPts val="4200"/>
               <a:buNone/>
-              <a:defRPr sz="4200"/>
+              <a:defRPr sz="4400"/>
             </a:lvl4pPr>
             <a:lvl5pPr lvl="4" algn="ctr">
               <a:spcBef>
@@ -4518,7 +4397,7 @@
               </a:spcAft>
               <a:buSzPts val="4200"/>
               <a:buNone/>
-              <a:defRPr sz="4200"/>
+              <a:defRPr sz="4400"/>
             </a:lvl5pPr>
             <a:lvl6pPr lvl="5" algn="ctr">
               <a:spcBef>
@@ -4529,7 +4408,7 @@
               </a:spcAft>
               <a:buSzPts val="4200"/>
               <a:buNone/>
-              <a:defRPr sz="4200"/>
+              <a:defRPr sz="4400"/>
             </a:lvl6pPr>
             <a:lvl7pPr lvl="6" algn="ctr">
               <a:spcBef>
@@ -4540,7 +4419,7 @@
               </a:spcAft>
               <a:buSzPts val="4200"/>
               <a:buNone/>
-              <a:defRPr sz="4200"/>
+              <a:defRPr sz="4400"/>
             </a:lvl7pPr>
             <a:lvl8pPr lvl="7" algn="ctr">
               <a:spcBef>
@@ -4551,7 +4430,7 @@
               </a:spcAft>
               <a:buSzPts val="4200"/>
               <a:buNone/>
-              <a:defRPr sz="4200"/>
+              <a:defRPr sz="4400"/>
             </a:lvl8pPr>
             <a:lvl9pPr lvl="8" algn="ctr">
               <a:spcBef>
@@ -4562,7 +4441,7 @@
               </a:spcAft>
               <a:buSzPts val="4200"/>
               <a:buNone/>
-              <a:defRPr sz="4200"/>
+              <a:defRPr sz="4400"/>
             </a:lvl9pPr>
           </a:lstStyle>
           <a:p>
@@ -4582,15 +4461,15 @@
         </p:nvSpPr>
         <p:spPr>
           <a:xfrm>
-            <a:off x="265500" y="2803075"/>
-            <a:ext cx="4045200" cy="1235100"/>
+            <a:off x="278775" y="3986595"/>
+            <a:ext cx="4247460" cy="1756587"/>
           </a:xfrm>
           <a:prstGeom prst="rect">
             <a:avLst/>
           </a:prstGeom>
         </p:spPr>
         <p:txBody>
-          <a:bodyPr spcFirstLastPara="1" wrap="square" lIns="91425" tIns="91425" rIns="91425" bIns="91425" anchor="t" anchorCtr="0"/>
+          <a:bodyPr spcFirstLastPara="1" wrap="square" lIns="96645" tIns="96645" rIns="96645" bIns="96645" anchor="t" anchorCtr="0"/>
           <a:lstStyle>
             <a:lvl1pPr lvl="0" algn="ctr">
               <a:lnSpc>
@@ -4604,7 +4483,7 @@
               </a:spcAft>
               <a:buSzPts val="2100"/>
               <a:buNone/>
-              <a:defRPr sz="2100"/>
+              <a:defRPr sz="2200"/>
             </a:lvl1pPr>
             <a:lvl2pPr lvl="1" algn="ctr">
               <a:lnSpc>
@@ -4618,7 +4497,7 @@
               </a:spcAft>
               <a:buSzPts val="2100"/>
               <a:buNone/>
-              <a:defRPr sz="2100"/>
+              <a:defRPr sz="2200"/>
             </a:lvl2pPr>
             <a:lvl3pPr lvl="2" algn="ctr">
               <a:lnSpc>
@@ -4632,7 +4511,7 @@
               </a:spcAft>
               <a:buSzPts val="2100"/>
               <a:buNone/>
-              <a:defRPr sz="2100"/>
+              <a:defRPr sz="2200"/>
             </a:lvl3pPr>
             <a:lvl4pPr lvl="3" algn="ctr">
               <a:lnSpc>
@@ -4646,7 +4525,7 @@
               </a:spcAft>
               <a:buSzPts val="2100"/>
               <a:buNone/>
-              <a:defRPr sz="2100"/>
+              <a:defRPr sz="2200"/>
             </a:lvl4pPr>
             <a:lvl5pPr lvl="4" algn="ctr">
               <a:lnSpc>
@@ -4660,7 +4539,7 @@
               </a:spcAft>
               <a:buSzPts val="2100"/>
               <a:buNone/>
-              <a:defRPr sz="2100"/>
+              <a:defRPr sz="2200"/>
             </a:lvl5pPr>
             <a:lvl6pPr lvl="5" algn="ctr">
               <a:lnSpc>
@@ -4674,7 +4553,7 @@
               </a:spcAft>
               <a:buSzPts val="2100"/>
               <a:buNone/>
-              <a:defRPr sz="2100"/>
+              <a:defRPr sz="2200"/>
             </a:lvl6pPr>
             <a:lvl7pPr lvl="6" algn="ctr">
               <a:lnSpc>
@@ -4688,7 +4567,7 @@
               </a:spcAft>
               <a:buSzPts val="2100"/>
               <a:buNone/>
-              <a:defRPr sz="2100"/>
+              <a:defRPr sz="2200"/>
             </a:lvl7pPr>
             <a:lvl8pPr lvl="7" algn="ctr">
               <a:lnSpc>
@@ -4702,7 +4581,7 @@
               </a:spcAft>
               <a:buSzPts val="2100"/>
               <a:buNone/>
-              <a:defRPr sz="2100"/>
+              <a:defRPr sz="2200"/>
             </a:lvl8pPr>
             <a:lvl9pPr lvl="8" algn="ctr">
               <a:lnSpc>
@@ -4716,7 +4595,7 @@
               </a:spcAft>
               <a:buSzPts val="2100"/>
               <a:buNone/>
-              <a:defRPr sz="2100"/>
+              <a:defRPr sz="2200"/>
             </a:lvl9pPr>
           </a:lstStyle>
           <a:p>
@@ -4736,17 +4615,17 @@
         </p:nvSpPr>
         <p:spPr>
           <a:xfrm>
-            <a:off x="4939500" y="724075"/>
-            <a:ext cx="3837000" cy="3695100"/>
+            <a:off x="5186475" y="1029795"/>
+            <a:ext cx="4028850" cy="5255253"/>
           </a:xfrm>
           <a:prstGeom prst="rect">
             <a:avLst/>
           </a:prstGeom>
         </p:spPr>
         <p:txBody>
-          <a:bodyPr spcFirstLastPara="1" wrap="square" lIns="91425" tIns="91425" rIns="91425" bIns="91425" anchor="ctr" anchorCtr="0"/>
+          <a:bodyPr spcFirstLastPara="1" wrap="square" lIns="96645" tIns="96645" rIns="96645" bIns="96645" anchor="ctr" anchorCtr="0"/>
           <a:lstStyle>
-            <a:lvl1pPr marL="457200" lvl="0" indent="-342900">
+            <a:lvl1pPr marL="483306" lvl="0" indent="-362480">
               <a:spcBef>
                 <a:spcPts val="0"/>
               </a:spcBef>
@@ -4757,9 +4636,9 @@
               <a:buChar char="●"/>
               <a:defRPr/>
             </a:lvl1pPr>
-            <a:lvl2pPr marL="914400" lvl="1" indent="-317500">
-              <a:spcBef>
-                <a:spcPts val="1600"/>
+            <a:lvl2pPr marL="966612" lvl="1" indent="-335629">
+              <a:spcBef>
+                <a:spcPts val="1691"/>
               </a:spcBef>
               <a:spcAft>
                 <a:spcPts val="0"/>
@@ -4768,9 +4647,9 @@
               <a:buChar char="○"/>
               <a:defRPr/>
             </a:lvl2pPr>
-            <a:lvl3pPr marL="1371600" lvl="2" indent="-317500">
-              <a:spcBef>
-                <a:spcPts val="1600"/>
+            <a:lvl3pPr marL="1449918" lvl="2" indent="-335629">
+              <a:spcBef>
+                <a:spcPts val="1691"/>
               </a:spcBef>
               <a:spcAft>
                 <a:spcPts val="0"/>
@@ -4779,9 +4658,9 @@
               <a:buChar char="■"/>
               <a:defRPr/>
             </a:lvl3pPr>
-            <a:lvl4pPr marL="1828800" lvl="3" indent="-317500">
-              <a:spcBef>
-                <a:spcPts val="1600"/>
+            <a:lvl4pPr marL="1933224" lvl="3" indent="-335629">
+              <a:spcBef>
+                <a:spcPts val="1691"/>
               </a:spcBef>
               <a:spcAft>
                 <a:spcPts val="0"/>
@@ -4790,9 +4669,9 @@
               <a:buChar char="●"/>
               <a:defRPr/>
             </a:lvl4pPr>
-            <a:lvl5pPr marL="2286000" lvl="4" indent="-317500">
-              <a:spcBef>
-                <a:spcPts val="1600"/>
+            <a:lvl5pPr marL="2416531" lvl="4" indent="-335629">
+              <a:spcBef>
+                <a:spcPts val="1691"/>
               </a:spcBef>
               <a:spcAft>
                 <a:spcPts val="0"/>
@@ -4801,9 +4680,9 @@
               <a:buChar char="○"/>
               <a:defRPr/>
             </a:lvl5pPr>
-            <a:lvl6pPr marL="2743200" lvl="5" indent="-317500">
-              <a:spcBef>
-                <a:spcPts val="1600"/>
+            <a:lvl6pPr marL="2899837" lvl="5" indent="-335629">
+              <a:spcBef>
+                <a:spcPts val="1691"/>
               </a:spcBef>
               <a:spcAft>
                 <a:spcPts val="0"/>
@@ -4812,9 +4691,9 @@
               <a:buChar char="■"/>
               <a:defRPr/>
             </a:lvl6pPr>
-            <a:lvl7pPr marL="3200400" lvl="6" indent="-317500">
-              <a:spcBef>
-                <a:spcPts val="1600"/>
+            <a:lvl7pPr marL="3383143" lvl="6" indent="-335629">
+              <a:spcBef>
+                <a:spcPts val="1691"/>
               </a:spcBef>
               <a:spcAft>
                 <a:spcPts val="0"/>
@@ -4823,9 +4702,9 @@
               <a:buChar char="●"/>
               <a:defRPr/>
             </a:lvl7pPr>
-            <a:lvl8pPr marL="3657600" lvl="7" indent="-317500">
-              <a:spcBef>
-                <a:spcPts val="1600"/>
+            <a:lvl8pPr marL="3866449" lvl="7" indent="-335629">
+              <a:spcBef>
+                <a:spcPts val="1691"/>
               </a:spcBef>
               <a:spcAft>
                 <a:spcPts val="0"/>
@@ -4834,12 +4713,12 @@
               <a:buChar char="○"/>
               <a:defRPr/>
             </a:lvl8pPr>
-            <a:lvl9pPr marL="4114800" lvl="8" indent="-317500">
-              <a:spcBef>
-                <a:spcPts val="1600"/>
-              </a:spcBef>
-              <a:spcAft>
-                <a:spcPts val="1600"/>
+            <a:lvl9pPr marL="4349755" lvl="8" indent="-335629">
+              <a:spcBef>
+                <a:spcPts val="1691"/>
+              </a:spcBef>
+              <a:spcAft>
+                <a:spcPts val="1691"/>
               </a:spcAft>
               <a:buSzPts val="1400"/>
               <a:buChar char="■"/>
@@ -4863,15 +4742,15 @@
         </p:nvSpPr>
         <p:spPr>
           <a:xfrm>
-            <a:off x="8472458" y="4663217"/>
-            <a:ext cx="548700" cy="393600"/>
+            <a:off x="8896081" y="6632131"/>
+            <a:ext cx="576135" cy="559787"/>
           </a:xfrm>
           <a:prstGeom prst="rect">
             <a:avLst/>
           </a:prstGeom>
         </p:spPr>
         <p:txBody>
-          <a:bodyPr spcFirstLastPara="1" wrap="square" lIns="91425" tIns="91425" rIns="91425" bIns="91425" anchor="ctr" anchorCtr="0">
+          <a:bodyPr spcFirstLastPara="1" wrap="square" lIns="96645" tIns="96645" rIns="96645" bIns="96645" anchor="ctr" anchorCtr="0">
             <a:noAutofit/>
           </a:bodyPr>
           <a:lstStyle>
@@ -4913,20 +4792,12 @@
             </a:lvl9pPr>
           </a:lstStyle>
           <a:p>
-            <a:pPr marL="0" lvl="0" indent="0">
-              <a:spcBef>
-                <a:spcPts val="0"/>
-              </a:spcBef>
-              <a:spcAft>
-                <a:spcPts val="0"/>
-              </a:spcAft>
-              <a:buNone/>
-            </a:pPr>
             <a:fld id="{00000000-1234-1234-1234-123412341234}" type="slidenum">
-              <a:rPr lang="en"/>
+              <a:rPr lang="en" smtClean="0"/>
+              <a:pPr/>
               <a:t>‹#›</a:t>
             </a:fld>
-            <a:endParaRPr/>
+            <a:endParaRPr lang="en"/>
           </a:p>
         </p:txBody>
       </p:sp>
@@ -4967,17 +4838,17 @@
         </p:nvSpPr>
         <p:spPr>
           <a:xfrm>
-            <a:off x="311700" y="4230575"/>
-            <a:ext cx="5998800" cy="605100"/>
+            <a:off x="327285" y="6016818"/>
+            <a:ext cx="6298740" cy="860587"/>
           </a:xfrm>
           <a:prstGeom prst="rect">
             <a:avLst/>
           </a:prstGeom>
         </p:spPr>
         <p:txBody>
-          <a:bodyPr spcFirstLastPara="1" wrap="square" lIns="91425" tIns="91425" rIns="91425" bIns="91425" anchor="ctr" anchorCtr="0"/>
+          <a:bodyPr spcFirstLastPara="1" wrap="square" lIns="96645" tIns="96645" rIns="96645" bIns="96645" anchor="ctr" anchorCtr="0"/>
           <a:lstStyle>
-            <a:lvl1pPr marL="457200" lvl="0" indent="-228600">
+            <a:lvl1pPr marL="483306" lvl="0" indent="-241653">
               <a:lnSpc>
                 <a:spcPct val="100000"/>
               </a:lnSpc>
@@ -5009,15 +4880,15 @@
         </p:nvSpPr>
         <p:spPr>
           <a:xfrm>
-            <a:off x="8472458" y="4663217"/>
-            <a:ext cx="548700" cy="393600"/>
+            <a:off x="8896081" y="6632131"/>
+            <a:ext cx="576135" cy="559787"/>
           </a:xfrm>
           <a:prstGeom prst="rect">
             <a:avLst/>
           </a:prstGeom>
         </p:spPr>
         <p:txBody>
-          <a:bodyPr spcFirstLastPara="1" wrap="square" lIns="91425" tIns="91425" rIns="91425" bIns="91425" anchor="ctr" anchorCtr="0">
+          <a:bodyPr spcFirstLastPara="1" wrap="square" lIns="96645" tIns="96645" rIns="96645" bIns="96645" anchor="ctr" anchorCtr="0">
             <a:noAutofit/>
           </a:bodyPr>
           <a:lstStyle>
@@ -5059,20 +4930,12 @@
             </a:lvl9pPr>
           </a:lstStyle>
           <a:p>
-            <a:pPr marL="0" lvl="0" indent="0">
-              <a:spcBef>
-                <a:spcPts val="0"/>
-              </a:spcBef>
-              <a:spcAft>
-                <a:spcPts val="0"/>
-              </a:spcAft>
-              <a:buNone/>
-            </a:pPr>
             <a:fld id="{00000000-1234-1234-1234-123412341234}" type="slidenum">
-              <a:rPr lang="en"/>
+              <a:rPr lang="en" smtClean="0"/>
+              <a:pPr/>
               <a:t>‹#›</a:t>
             </a:fld>
-            <a:endParaRPr/>
+            <a:endParaRPr lang="en"/>
           </a:p>
         </p:txBody>
       </p:sp>
@@ -5121,8 +4984,8 @@
         </p:nvSpPr>
         <p:spPr>
           <a:xfrm>
-            <a:off x="311700" y="445025"/>
-            <a:ext cx="8520600" cy="572700"/>
+            <a:off x="327285" y="632925"/>
+            <a:ext cx="8946630" cy="814507"/>
           </a:xfrm>
           <a:prstGeom prst="rect">
             <a:avLst/>
@@ -5133,7 +4996,7 @@
           </a:ln>
         </p:spPr>
         <p:txBody>
-          <a:bodyPr spcFirstLastPara="1" wrap="square" lIns="91425" tIns="91425" rIns="91425" bIns="91425" anchor="t" anchorCtr="0"/>
+          <a:bodyPr spcFirstLastPara="1" wrap="square" lIns="96645" tIns="96645" rIns="96645" bIns="96645" anchor="t" anchorCtr="0"/>
           <a:lstStyle>
             <a:lvl1pPr lvl="0">
               <a:spcBef>
@@ -5315,8 +5178,8 @@
         </p:nvSpPr>
         <p:spPr>
           <a:xfrm>
-            <a:off x="311700" y="1152475"/>
-            <a:ext cx="8520600" cy="3416400"/>
+            <a:off x="327285" y="1639075"/>
+            <a:ext cx="8946630" cy="4858880"/>
           </a:xfrm>
           <a:prstGeom prst="rect">
             <a:avLst/>
@@ -5327,7 +5190,7 @@
           </a:ln>
         </p:spPr>
         <p:txBody>
-          <a:bodyPr spcFirstLastPara="1" wrap="square" lIns="91425" tIns="91425" rIns="91425" bIns="91425" anchor="t" anchorCtr="0"/>
+          <a:bodyPr spcFirstLastPara="1" wrap="square" lIns="96645" tIns="96645" rIns="96645" bIns="96645" anchor="t" anchorCtr="0"/>
           <a:lstStyle>
             <a:lvl1pPr marL="457200" lvl="0" indent="-342900">
               <a:lnSpc>
@@ -5536,8 +5399,8 @@
         </p:nvSpPr>
         <p:spPr>
           <a:xfrm>
-            <a:off x="8472458" y="4663217"/>
-            <a:ext cx="548700" cy="393600"/>
+            <a:off x="8896081" y="6632131"/>
+            <a:ext cx="576135" cy="559787"/>
           </a:xfrm>
           <a:prstGeom prst="rect">
             <a:avLst/>
@@ -5548,13 +5411,13 @@
           </a:ln>
         </p:spPr>
         <p:txBody>
-          <a:bodyPr spcFirstLastPara="1" wrap="square" lIns="91425" tIns="91425" rIns="91425" bIns="91425" anchor="ctr" anchorCtr="0">
+          <a:bodyPr spcFirstLastPara="1" wrap="square" lIns="96645" tIns="96645" rIns="96645" bIns="96645" anchor="ctr" anchorCtr="0">
             <a:noAutofit/>
           </a:bodyPr>
           <a:lstStyle>
             <a:lvl1pPr lvl="0" algn="r">
               <a:buNone/>
-              <a:defRPr sz="1000">
+              <a:defRPr sz="1100">
                 <a:solidFill>
                   <a:schemeClr val="dk2"/>
                 </a:solidFill>
@@ -5562,7 +5425,7 @@
             </a:lvl1pPr>
             <a:lvl2pPr lvl="1" algn="r">
               <a:buNone/>
-              <a:defRPr sz="1000">
+              <a:defRPr sz="1100">
                 <a:solidFill>
                   <a:schemeClr val="dk2"/>
                 </a:solidFill>
@@ -5570,7 +5433,7 @@
             </a:lvl2pPr>
             <a:lvl3pPr lvl="2" algn="r">
               <a:buNone/>
-              <a:defRPr sz="1000">
+              <a:defRPr sz="1100">
                 <a:solidFill>
                   <a:schemeClr val="dk2"/>
                 </a:solidFill>
@@ -5578,7 +5441,7 @@
             </a:lvl3pPr>
             <a:lvl4pPr lvl="3" algn="r">
               <a:buNone/>
-              <a:defRPr sz="1000">
+              <a:defRPr sz="1100">
                 <a:solidFill>
                   <a:schemeClr val="dk2"/>
                 </a:solidFill>
@@ -5586,7 +5449,7 @@
             </a:lvl4pPr>
             <a:lvl5pPr lvl="4" algn="r">
               <a:buNone/>
-              <a:defRPr sz="1000">
+              <a:defRPr sz="1100">
                 <a:solidFill>
                   <a:schemeClr val="dk2"/>
                 </a:solidFill>
@@ -5594,7 +5457,7 @@
             </a:lvl5pPr>
             <a:lvl6pPr lvl="5" algn="r">
               <a:buNone/>
-              <a:defRPr sz="1000">
+              <a:defRPr sz="1100">
                 <a:solidFill>
                   <a:schemeClr val="dk2"/>
                 </a:solidFill>
@@ -5602,7 +5465,7 @@
             </a:lvl6pPr>
             <a:lvl7pPr lvl="6" algn="r">
               <a:buNone/>
-              <a:defRPr sz="1000">
+              <a:defRPr sz="1100">
                 <a:solidFill>
                   <a:schemeClr val="dk2"/>
                 </a:solidFill>
@@ -5610,7 +5473,7 @@
             </a:lvl7pPr>
             <a:lvl8pPr lvl="7" algn="r">
               <a:buNone/>
-              <a:defRPr sz="1000">
+              <a:defRPr sz="1100">
                 <a:solidFill>
                   <a:schemeClr val="dk2"/>
                 </a:solidFill>
@@ -5618,7 +5481,7 @@
             </a:lvl8pPr>
             <a:lvl9pPr lvl="8" algn="r">
               <a:buNone/>
-              <a:defRPr sz="1000">
+              <a:defRPr sz="1100">
                 <a:solidFill>
                   <a:schemeClr val="dk2"/>
                 </a:solidFill>
@@ -5626,20 +5489,12 @@
             </a:lvl9pPr>
           </a:lstStyle>
           <a:p>
-            <a:pPr marL="0" lvl="0" indent="0">
-              <a:spcBef>
-                <a:spcPts val="0"/>
-              </a:spcBef>
-              <a:spcAft>
-                <a:spcPts val="0"/>
-              </a:spcAft>
-              <a:buNone/>
-            </a:pPr>
             <a:fld id="{00000000-1234-1234-1234-123412341234}" type="slidenum">
-              <a:rPr lang="en"/>
+              <a:rPr lang="en" smtClean="0"/>
+              <a:pPr/>
               <a:t>‹#›</a:t>
             </a:fld>
-            <a:endParaRPr/>
+            <a:endParaRPr lang="en"/>
           </a:p>
         </p:txBody>
       </p:sp>
@@ -5659,7 +5514,7 @@
     <p:sldLayoutId id="2147483657" r:id="rId10"/>
     <p:sldLayoutId id="2147483658" r:id="rId11"/>
   </p:sldLayoutIdLst>
-  <p:hf sldNum="0" hdr="0" ftr="0" dt="0"/>
+  <p:hf hdr="0" ftr="0" dt="0"/>
   <p:txStyles>
     <p:titleStyle>
       <a:defPPr marR="0" lvl="0" algn="l" rtl="0">
@@ -5687,7 +5542,7 @@
           <a:srgbClr val="000000"/>
         </a:buClr>
         <a:buFont typeface="Arial"/>
-        <a:defRPr sz="1400" b="0" i="0" u="none" strike="noStrike" cap="none">
+        <a:defRPr sz="1500" b="0" i="0" u="none" strike="noStrike" cap="none">
           <a:solidFill>
             <a:srgbClr val="000000"/>
           </a:solidFill>
@@ -5711,7 +5566,7 @@
           <a:srgbClr val="000000"/>
         </a:buClr>
         <a:buFont typeface="Arial"/>
-        <a:defRPr sz="1400" b="0" i="0" u="none" strike="noStrike" cap="none">
+        <a:defRPr sz="1500" b="0" i="0" u="none" strike="noStrike" cap="none">
           <a:solidFill>
             <a:srgbClr val="000000"/>
           </a:solidFill>
@@ -5735,7 +5590,7 @@
           <a:srgbClr val="000000"/>
         </a:buClr>
         <a:buFont typeface="Arial"/>
-        <a:defRPr sz="1400" b="0" i="0" u="none" strike="noStrike" cap="none">
+        <a:defRPr sz="1500" b="0" i="0" u="none" strike="noStrike" cap="none">
           <a:solidFill>
             <a:srgbClr val="000000"/>
           </a:solidFill>
@@ -5759,7 +5614,7 @@
           <a:srgbClr val="000000"/>
         </a:buClr>
         <a:buFont typeface="Arial"/>
-        <a:defRPr sz="1400" b="0" i="0" u="none" strike="noStrike" cap="none">
+        <a:defRPr sz="1500" b="0" i="0" u="none" strike="noStrike" cap="none">
           <a:solidFill>
             <a:srgbClr val="000000"/>
           </a:solidFill>
@@ -5783,7 +5638,7 @@
           <a:srgbClr val="000000"/>
         </a:buClr>
         <a:buFont typeface="Arial"/>
-        <a:defRPr sz="1400" b="0" i="0" u="none" strike="noStrike" cap="none">
+        <a:defRPr sz="1500" b="0" i="0" u="none" strike="noStrike" cap="none">
           <a:solidFill>
             <a:srgbClr val="000000"/>
           </a:solidFill>
@@ -5807,7 +5662,7 @@
           <a:srgbClr val="000000"/>
         </a:buClr>
         <a:buFont typeface="Arial"/>
-        <a:defRPr sz="1400" b="0" i="0" u="none" strike="noStrike" cap="none">
+        <a:defRPr sz="1500" b="0" i="0" u="none" strike="noStrike" cap="none">
           <a:solidFill>
             <a:srgbClr val="000000"/>
           </a:solidFill>
@@ -5831,7 +5686,7 @@
           <a:srgbClr val="000000"/>
         </a:buClr>
         <a:buFont typeface="Arial"/>
-        <a:defRPr sz="1400" b="0" i="0" u="none" strike="noStrike" cap="none">
+        <a:defRPr sz="1500" b="0" i="0" u="none" strike="noStrike" cap="none">
           <a:solidFill>
             <a:srgbClr val="000000"/>
           </a:solidFill>
@@ -5855,7 +5710,7 @@
           <a:srgbClr val="000000"/>
         </a:buClr>
         <a:buFont typeface="Arial"/>
-        <a:defRPr sz="1400" b="0" i="0" u="none" strike="noStrike" cap="none">
+        <a:defRPr sz="1500" b="0" i="0" u="none" strike="noStrike" cap="none">
           <a:solidFill>
             <a:srgbClr val="000000"/>
           </a:solidFill>
@@ -5879,7 +5734,7 @@
           <a:srgbClr val="000000"/>
         </a:buClr>
         <a:buFont typeface="Arial"/>
-        <a:defRPr sz="1400" b="0" i="0" u="none" strike="noStrike" cap="none">
+        <a:defRPr sz="1500" b="0" i="0" u="none" strike="noStrike" cap="none">
           <a:solidFill>
             <a:srgbClr val="000000"/>
           </a:solidFill>
@@ -5916,7 +5771,7 @@
           <a:srgbClr val="000000"/>
         </a:buClr>
         <a:buFont typeface="Arial"/>
-        <a:defRPr sz="1400" b="0" i="0" u="none" strike="noStrike" cap="none">
+        <a:defRPr sz="1500" b="0" i="0" u="none" strike="noStrike" cap="none">
           <a:solidFill>
             <a:srgbClr val="000000"/>
           </a:solidFill>
@@ -5940,7 +5795,7 @@
           <a:srgbClr val="000000"/>
         </a:buClr>
         <a:buFont typeface="Arial"/>
-        <a:defRPr sz="1400" b="0" i="0" u="none" strike="noStrike" cap="none">
+        <a:defRPr sz="1500" b="0" i="0" u="none" strike="noStrike" cap="none">
           <a:solidFill>
             <a:srgbClr val="000000"/>
           </a:solidFill>
@@ -5964,7 +5819,7 @@
           <a:srgbClr val="000000"/>
         </a:buClr>
         <a:buFont typeface="Arial"/>
-        <a:defRPr sz="1400" b="0" i="0" u="none" strike="noStrike" cap="none">
+        <a:defRPr sz="1500" b="0" i="0" u="none" strike="noStrike" cap="none">
           <a:solidFill>
             <a:srgbClr val="000000"/>
           </a:solidFill>
@@ -5988,7 +5843,7 @@
           <a:srgbClr val="000000"/>
         </a:buClr>
         <a:buFont typeface="Arial"/>
-        <a:defRPr sz="1400" b="0" i="0" u="none" strike="noStrike" cap="none">
+        <a:defRPr sz="1500" b="0" i="0" u="none" strike="noStrike" cap="none">
           <a:solidFill>
             <a:srgbClr val="000000"/>
           </a:solidFill>
@@ -6012,7 +5867,7 @@
           <a:srgbClr val="000000"/>
         </a:buClr>
         <a:buFont typeface="Arial"/>
-        <a:defRPr sz="1400" b="0" i="0" u="none" strike="noStrike" cap="none">
+        <a:defRPr sz="1500" b="0" i="0" u="none" strike="noStrike" cap="none">
           <a:solidFill>
             <a:srgbClr val="000000"/>
           </a:solidFill>
@@ -6036,7 +5891,7 @@
           <a:srgbClr val="000000"/>
         </a:buClr>
         <a:buFont typeface="Arial"/>
-        <a:defRPr sz="1400" b="0" i="0" u="none" strike="noStrike" cap="none">
+        <a:defRPr sz="1500" b="0" i="0" u="none" strike="noStrike" cap="none">
           <a:solidFill>
             <a:srgbClr val="000000"/>
           </a:solidFill>
@@ -6060,7 +5915,7 @@
           <a:srgbClr val="000000"/>
         </a:buClr>
         <a:buFont typeface="Arial"/>
-        <a:defRPr sz="1400" b="0" i="0" u="none" strike="noStrike" cap="none">
+        <a:defRPr sz="1500" b="0" i="0" u="none" strike="noStrike" cap="none">
           <a:solidFill>
             <a:srgbClr val="000000"/>
           </a:solidFill>
@@ -6084,7 +5939,7 @@
           <a:srgbClr val="000000"/>
         </a:buClr>
         <a:buFont typeface="Arial"/>
-        <a:defRPr sz="1400" b="0" i="0" u="none" strike="noStrike" cap="none">
+        <a:defRPr sz="1500" b="0" i="0" u="none" strike="noStrike" cap="none">
           <a:solidFill>
             <a:srgbClr val="000000"/>
           </a:solidFill>
@@ -6108,7 +5963,7 @@
           <a:srgbClr val="000000"/>
         </a:buClr>
         <a:buFont typeface="Arial"/>
-        <a:defRPr sz="1400" b="0" i="0" u="none" strike="noStrike" cap="none">
+        <a:defRPr sz="1500" b="0" i="0" u="none" strike="noStrike" cap="none">
           <a:solidFill>
             <a:srgbClr val="000000"/>
           </a:solidFill>
@@ -6145,7 +6000,7 @@
           <a:srgbClr val="000000"/>
         </a:buClr>
         <a:buFont typeface="Arial"/>
-        <a:defRPr sz="1400" b="0" i="0" u="none" strike="noStrike" cap="none">
+        <a:defRPr sz="1500" b="0" i="0" u="none" strike="noStrike" cap="none">
           <a:solidFill>
             <a:srgbClr val="000000"/>
           </a:solidFill>
@@ -6169,7 +6024,7 @@
           <a:srgbClr val="000000"/>
         </a:buClr>
         <a:buFont typeface="Arial"/>
-        <a:defRPr sz="1400" b="0" i="0" u="none" strike="noStrike" cap="none">
+        <a:defRPr sz="1500" b="0" i="0" u="none" strike="noStrike" cap="none">
           <a:solidFill>
             <a:srgbClr val="000000"/>
           </a:solidFill>
@@ -6193,7 +6048,7 @@
           <a:srgbClr val="000000"/>
         </a:buClr>
         <a:buFont typeface="Arial"/>
-        <a:defRPr sz="1400" b="0" i="0" u="none" strike="noStrike" cap="none">
+        <a:defRPr sz="1500" b="0" i="0" u="none" strike="noStrike" cap="none">
           <a:solidFill>
             <a:srgbClr val="000000"/>
           </a:solidFill>
@@ -6217,7 +6072,7 @@
           <a:srgbClr val="000000"/>
         </a:buClr>
         <a:buFont typeface="Arial"/>
-        <a:defRPr sz="1400" b="0" i="0" u="none" strike="noStrike" cap="none">
+        <a:defRPr sz="1500" b="0" i="0" u="none" strike="noStrike" cap="none">
           <a:solidFill>
             <a:srgbClr val="000000"/>
           </a:solidFill>
@@ -6241,7 +6096,7 @@
           <a:srgbClr val="000000"/>
         </a:buClr>
         <a:buFont typeface="Arial"/>
-        <a:defRPr sz="1400" b="0" i="0" u="none" strike="noStrike" cap="none">
+        <a:defRPr sz="1500" b="0" i="0" u="none" strike="noStrike" cap="none">
           <a:solidFill>
             <a:srgbClr val="000000"/>
           </a:solidFill>
@@ -6265,7 +6120,7 @@
           <a:srgbClr val="000000"/>
         </a:buClr>
         <a:buFont typeface="Arial"/>
-        <a:defRPr sz="1400" b="0" i="0" u="none" strike="noStrike" cap="none">
+        <a:defRPr sz="1500" b="0" i="0" u="none" strike="noStrike" cap="none">
           <a:solidFill>
             <a:srgbClr val="000000"/>
           </a:solidFill>
@@ -6289,7 +6144,7 @@
           <a:srgbClr val="000000"/>
         </a:buClr>
         <a:buFont typeface="Arial"/>
-        <a:defRPr sz="1400" b="0" i="0" u="none" strike="noStrike" cap="none">
+        <a:defRPr sz="1500" b="0" i="0" u="none" strike="noStrike" cap="none">
           <a:solidFill>
             <a:srgbClr val="000000"/>
           </a:solidFill>
@@ -6313,7 +6168,7 @@
           <a:srgbClr val="000000"/>
         </a:buClr>
         <a:buFont typeface="Arial"/>
-        <a:defRPr sz="1400" b="0" i="0" u="none" strike="noStrike" cap="none">
+        <a:defRPr sz="1500" b="0" i="0" u="none" strike="noStrike" cap="none">
           <a:solidFill>
             <a:srgbClr val="000000"/>
           </a:solidFill>
@@ -6337,7 +6192,7 @@
           <a:srgbClr val="000000"/>
         </a:buClr>
         <a:buFont typeface="Arial"/>
-        <a:defRPr sz="1400" b="0" i="0" u="none" strike="noStrike" cap="none">
+        <a:defRPr sz="1500" b="0" i="0" u="none" strike="noStrike" cap="none">
           <a:solidFill>
             <a:srgbClr val="000000"/>
           </a:solidFill>
@@ -6381,28 +6236,19 @@
         </p:nvSpPr>
         <p:spPr>
           <a:xfrm>
-            <a:off x="311708" y="744575"/>
-            <a:ext cx="8520600" cy="2052600"/>
+            <a:off x="327293" y="1058952"/>
+            <a:ext cx="8946630" cy="2919253"/>
           </a:xfrm>
           <a:prstGeom prst="rect">
             <a:avLst/>
           </a:prstGeom>
         </p:spPr>
         <p:txBody>
-          <a:bodyPr spcFirstLastPara="1" wrap="square" lIns="91425" tIns="91425" rIns="91425" bIns="91425" anchor="b" anchorCtr="0">
+          <a:bodyPr spcFirstLastPara="1" wrap="square" lIns="96645" tIns="96645" rIns="96645" bIns="96645" anchor="b" anchorCtr="0">
             <a:noAutofit/>
           </a:bodyPr>
           <a:lstStyle/>
           <a:p>
-            <a:pPr marL="0" lvl="0" indent="0">
-              <a:spcBef>
-                <a:spcPts val="0"/>
-              </a:spcBef>
-              <a:spcAft>
-                <a:spcPts val="0"/>
-              </a:spcAft>
-              <a:buNone/>
-            </a:pPr>
             <a:r>
               <a:rPr lang="en"/>
               <a:t>DIY Battery</a:t>
@@ -6423,43 +6269,27 @@
         </p:nvSpPr>
         <p:spPr>
           <a:xfrm>
-            <a:off x="311700" y="2834124"/>
-            <a:ext cx="8520600" cy="1259703"/>
+            <a:off x="327285" y="4030755"/>
+            <a:ext cx="8946630" cy="1791578"/>
           </a:xfrm>
           <a:prstGeom prst="rect">
             <a:avLst/>
           </a:prstGeom>
         </p:spPr>
         <p:txBody>
-          <a:bodyPr spcFirstLastPara="1" wrap="square" lIns="91425" tIns="91425" rIns="91425" bIns="91425" anchor="t" anchorCtr="0">
+          <a:bodyPr spcFirstLastPara="1" wrap="square" lIns="96645" tIns="96645" rIns="96645" bIns="96645" anchor="t" anchorCtr="0">
             <a:noAutofit/>
           </a:bodyPr>
           <a:lstStyle/>
           <a:p>
-            <a:pPr marL="0" lvl="0" indent="0">
-              <a:spcBef>
-                <a:spcPts val="0"/>
-              </a:spcBef>
-              <a:spcAft>
-                <a:spcPts val="0"/>
-              </a:spcAft>
-              <a:buNone/>
-            </a:pPr>
+            <a:pPr marL="0" indent="0"/>
             <a:r>
               <a:rPr lang="en" dirty="0"/>
               <a:t>The League of Amazing Programmers</a:t>
             </a:r>
           </a:p>
           <a:p>
-            <a:pPr marL="0" lvl="0" indent="0">
-              <a:spcBef>
-                <a:spcPts val="0"/>
-              </a:spcBef>
-              <a:spcAft>
-                <a:spcPts val="0"/>
-              </a:spcAft>
-              <a:buNone/>
-            </a:pPr>
+            <a:pPr marL="0" indent="0"/>
             <a:r>
               <a:rPr lang="en" dirty="0"/>
               <a:t>EE Class – Level 1</a:t>
@@ -6484,8 +6314,8 @@
         </p:blipFill>
         <p:spPr>
           <a:xfrm>
-            <a:off x="431600" y="435075"/>
-            <a:ext cx="3825375" cy="1087600"/>
+            <a:off x="453181" y="618774"/>
+            <a:ext cx="4016644" cy="1249133"/>
           </a:xfrm>
           <a:prstGeom prst="rect">
             <a:avLst/>
@@ -6496,6 +6326,30 @@
           </a:ln>
         </p:spPr>
       </p:pic>
+      <p:sp>
+        <p:nvSpPr>
+          <p:cNvPr id="2" name="Slide Number Placeholder 1"/>
+          <p:cNvSpPr>
+            <a:spLocks noGrp="1"/>
+          </p:cNvSpPr>
+          <p:nvPr>
+            <p:ph type="sldNum" idx="12"/>
+          </p:nvPr>
+        </p:nvSpPr>
+        <p:spPr/>
+        <p:txBody>
+          <a:bodyPr/>
+          <a:lstStyle/>
+          <a:p>
+            <a:fld id="{00000000-1234-1234-1234-123412341234}" type="slidenum">
+              <a:rPr lang="en" smtClean="0"/>
+              <a:pPr/>
+              <a:t>1</a:t>
+            </a:fld>
+            <a:endParaRPr lang="en"/>
+          </a:p>
+        </p:txBody>
+      </p:sp>
     </p:spTree>
   </p:cSld>
   <p:clrMapOvr>
@@ -6537,8 +6391,8 @@
         </p:blipFill>
         <p:spPr>
           <a:xfrm>
-            <a:off x="5476699" y="930350"/>
-            <a:ext cx="2892525" cy="3860626"/>
+            <a:off x="5813940" y="1411506"/>
+            <a:ext cx="3037151" cy="4492189"/>
           </a:xfrm>
           <a:prstGeom prst="rect">
             <a:avLst/>
@@ -6561,33 +6415,24 @@
         </p:nvSpPr>
         <p:spPr>
           <a:xfrm>
-            <a:off x="311700" y="445025"/>
-            <a:ext cx="8520600" cy="572700"/>
+            <a:off x="327285" y="632925"/>
+            <a:ext cx="8946630" cy="814507"/>
           </a:xfrm>
           <a:prstGeom prst="rect">
             <a:avLst/>
           </a:prstGeom>
         </p:spPr>
         <p:txBody>
-          <a:bodyPr spcFirstLastPara="1" wrap="square" lIns="91425" tIns="91425" rIns="91425" bIns="91425" anchor="t" anchorCtr="0">
+          <a:bodyPr spcFirstLastPara="1" wrap="square" lIns="96645" tIns="96645" rIns="96645" bIns="96645" anchor="t" anchorCtr="0">
             <a:noAutofit/>
           </a:bodyPr>
           <a:lstStyle/>
           <a:p>
-            <a:pPr marL="0" lvl="0" indent="0">
-              <a:spcBef>
-                <a:spcPts val="0"/>
-              </a:spcBef>
-              <a:spcAft>
-                <a:spcPts val="0"/>
-              </a:spcAft>
-              <a:buNone/>
-            </a:pPr>
             <a:r>
-              <a:rPr lang="en"/>
+              <a:rPr lang="en" dirty="0"/>
               <a:t>Materials</a:t>
             </a:r>
-            <a:endParaRPr/>
+            <a:endParaRPr dirty="0"/>
           </a:p>
         </p:txBody>
       </p:sp>
@@ -6603,29 +6448,19 @@
         </p:nvSpPr>
         <p:spPr>
           <a:xfrm>
-            <a:off x="311700" y="1152475"/>
-            <a:ext cx="8520600" cy="3416400"/>
+            <a:off x="327285" y="1639075"/>
+            <a:ext cx="8946630" cy="4858880"/>
           </a:xfrm>
           <a:prstGeom prst="rect">
             <a:avLst/>
           </a:prstGeom>
         </p:spPr>
         <p:txBody>
-          <a:bodyPr spcFirstLastPara="1" wrap="square" lIns="91425" tIns="91425" rIns="91425" bIns="91425" anchor="t" anchorCtr="0">
+          <a:bodyPr spcFirstLastPara="1" wrap="square" lIns="96645" tIns="96645" rIns="96645" bIns="96645" anchor="t" anchorCtr="0">
             <a:noAutofit/>
           </a:bodyPr>
           <a:lstStyle/>
           <a:p>
-            <a:pPr marL="457200" lvl="0" indent="-342900" rtl="0">
-              <a:spcBef>
-                <a:spcPts val="0"/>
-              </a:spcBef>
-              <a:spcAft>
-                <a:spcPts val="0"/>
-              </a:spcAft>
-              <a:buSzPts val="1800"/>
-              <a:buChar char="●"/>
-            </a:pPr>
             <a:r>
               <a:rPr lang="en"/>
               <a:t>3 dosage cups</a:t>
@@ -6633,16 +6468,6 @@
             <a:endParaRPr/>
           </a:p>
           <a:p>
-            <a:pPr marL="457200" lvl="0" indent="-342900" rtl="0">
-              <a:spcBef>
-                <a:spcPts val="0"/>
-              </a:spcBef>
-              <a:spcAft>
-                <a:spcPts val="0"/>
-              </a:spcAft>
-              <a:buSzPts val="1800"/>
-              <a:buChar char="●"/>
-            </a:pPr>
             <a:r>
               <a:rPr lang="en"/>
               <a:t>½ cup water</a:t>
@@ -6650,16 +6475,6 @@
             <a:endParaRPr/>
           </a:p>
           <a:p>
-            <a:pPr marL="457200" lvl="0" indent="-342900" rtl="0">
-              <a:spcBef>
-                <a:spcPts val="0"/>
-              </a:spcBef>
-              <a:spcAft>
-                <a:spcPts val="0"/>
-              </a:spcAft>
-              <a:buSzPts val="1800"/>
-              <a:buChar char="●"/>
-            </a:pPr>
             <a:r>
               <a:rPr lang="en"/>
               <a:t>½ tsp salt</a:t>
@@ -6667,16 +6482,6 @@
             <a:endParaRPr/>
           </a:p>
           <a:p>
-            <a:pPr marL="457200" lvl="0" indent="-342900" rtl="0">
-              <a:spcBef>
-                <a:spcPts val="0"/>
-              </a:spcBef>
-              <a:spcAft>
-                <a:spcPts val="0"/>
-              </a:spcAft>
-              <a:buSzPts val="1800"/>
-              <a:buChar char="●"/>
-            </a:pPr>
             <a:r>
               <a:rPr lang="en"/>
               <a:t>30 cm long copper tape strip, 6 pcs</a:t>
@@ -6684,16 +6489,6 @@
             <a:endParaRPr/>
           </a:p>
           <a:p>
-            <a:pPr marL="457200" lvl="0" indent="-342900" rtl="0">
-              <a:spcBef>
-                <a:spcPts val="0"/>
-              </a:spcBef>
-              <a:spcAft>
-                <a:spcPts val="0"/>
-              </a:spcAft>
-              <a:buSzPts val="1800"/>
-              <a:buChar char="●"/>
-            </a:pPr>
             <a:r>
               <a:rPr lang="en"/>
               <a:t>30 cm long aluminum tape strip, 6 pcs</a:t>
@@ -6701,16 +6496,6 @@
             <a:endParaRPr/>
           </a:p>
           <a:p>
-            <a:pPr marL="457200" lvl="0" indent="-342900" rtl="0">
-              <a:spcBef>
-                <a:spcPts val="0"/>
-              </a:spcBef>
-              <a:spcAft>
-                <a:spcPts val="0"/>
-              </a:spcAft>
-              <a:buSzPts val="1800"/>
-              <a:buChar char="●"/>
-            </a:pPr>
             <a:r>
               <a:rPr lang="en"/>
               <a:t>Small stones (for weight)</a:t>
@@ -6718,16 +6503,6 @@
             <a:endParaRPr/>
           </a:p>
           <a:p>
-            <a:pPr marL="457200" lvl="0" indent="-342900" rtl="0">
-              <a:spcBef>
-                <a:spcPts val="0"/>
-              </a:spcBef>
-              <a:spcAft>
-                <a:spcPts val="0"/>
-              </a:spcAft>
-              <a:buSzPts val="1800"/>
-              <a:buChar char="●"/>
-            </a:pPr>
             <a:r>
               <a:rPr lang="en"/>
               <a:t>Jumper wires with small alligator clips, 4 pcs</a:t>
@@ -6735,16 +6510,6 @@
             <a:endParaRPr/>
           </a:p>
           <a:p>
-            <a:pPr marL="457200" lvl="0" indent="-342900" rtl="0">
-              <a:spcBef>
-                <a:spcPts val="0"/>
-              </a:spcBef>
-              <a:spcAft>
-                <a:spcPts val="0"/>
-              </a:spcAft>
-              <a:buSzPts val="1800"/>
-              <a:buChar char="●"/>
-            </a:pPr>
             <a:r>
               <a:rPr lang="en"/>
               <a:t>Multimeter</a:t>
@@ -6752,21 +6517,35 @@
             <a:endParaRPr/>
           </a:p>
           <a:p>
-            <a:pPr marL="457200" lvl="0" indent="-342900">
-              <a:spcBef>
-                <a:spcPts val="0"/>
-              </a:spcBef>
-              <a:spcAft>
-                <a:spcPts val="0"/>
-              </a:spcAft>
-              <a:buSzPts val="1800"/>
-              <a:buChar char="●"/>
-            </a:pPr>
             <a:r>
               <a:rPr lang="en"/>
               <a:t>Digital clock with wires</a:t>
             </a:r>
             <a:endParaRPr/>
+          </a:p>
+        </p:txBody>
+      </p:sp>
+      <p:sp>
+        <p:nvSpPr>
+          <p:cNvPr id="2" name="Slide Number Placeholder 1"/>
+          <p:cNvSpPr>
+            <a:spLocks noGrp="1"/>
+          </p:cNvSpPr>
+          <p:nvPr>
+            <p:ph type="sldNum" idx="12"/>
+          </p:nvPr>
+        </p:nvSpPr>
+        <p:spPr/>
+        <p:txBody>
+          <a:bodyPr/>
+          <a:lstStyle/>
+          <a:p>
+            <a:fld id="{00000000-1234-1234-1234-123412341234}" type="slidenum">
+              <a:rPr lang="en" smtClean="0"/>
+              <a:pPr/>
+              <a:t>2</a:t>
+            </a:fld>
+            <a:endParaRPr lang="en"/>
           </a:p>
         </p:txBody>
       </p:sp>
@@ -6807,28 +6586,19 @@
         </p:nvSpPr>
         <p:spPr>
           <a:xfrm>
-            <a:off x="311700" y="445025"/>
-            <a:ext cx="8520600" cy="572700"/>
+            <a:off x="327285" y="632925"/>
+            <a:ext cx="8946630" cy="814507"/>
           </a:xfrm>
           <a:prstGeom prst="rect">
             <a:avLst/>
           </a:prstGeom>
         </p:spPr>
         <p:txBody>
-          <a:bodyPr spcFirstLastPara="1" wrap="square" lIns="91425" tIns="91425" rIns="91425" bIns="91425" anchor="t" anchorCtr="0">
+          <a:bodyPr spcFirstLastPara="1" wrap="square" lIns="96645" tIns="96645" rIns="96645" bIns="96645" anchor="t" anchorCtr="0">
             <a:noAutofit/>
           </a:bodyPr>
           <a:lstStyle/>
           <a:p>
-            <a:pPr marL="0" lvl="0" indent="0">
-              <a:spcBef>
-                <a:spcPts val="0"/>
-              </a:spcBef>
-              <a:spcAft>
-                <a:spcPts val="0"/>
-              </a:spcAft>
-              <a:buNone/>
-            </a:pPr>
             <a:r>
               <a:rPr lang="en"/>
               <a:t>Instructions</a:t>
@@ -6849,26 +6619,20 @@
         </p:nvSpPr>
         <p:spPr>
           <a:xfrm>
-            <a:off x="311700" y="1152475"/>
-            <a:ext cx="8520600" cy="3416400"/>
+            <a:off x="327285" y="1639075"/>
+            <a:ext cx="8946630" cy="4858880"/>
           </a:xfrm>
           <a:prstGeom prst="rect">
             <a:avLst/>
           </a:prstGeom>
         </p:spPr>
         <p:txBody>
-          <a:bodyPr spcFirstLastPara="1" wrap="square" lIns="91425" tIns="91425" rIns="91425" bIns="91425" anchor="t" anchorCtr="0">
+          <a:bodyPr spcFirstLastPara="1" wrap="square" lIns="96645" tIns="96645" rIns="96645" bIns="96645" anchor="t" anchorCtr="0">
             <a:noAutofit/>
           </a:bodyPr>
           <a:lstStyle/>
           <a:p>
-            <a:pPr marL="0" lvl="0" indent="0">
-              <a:spcBef>
-                <a:spcPts val="0"/>
-              </a:spcBef>
-              <a:spcAft>
-                <a:spcPts val="0"/>
-              </a:spcAft>
+            <a:pPr marL="0" indent="0">
               <a:buNone/>
             </a:pPr>
             <a:r>
@@ -6878,15 +6642,10 @@
             <a:endParaRPr b="1" i="1"/>
           </a:p>
           <a:p>
-            <a:pPr marL="457200" lvl="0" indent="-342900" rtl="0">
-              <a:spcBef>
-                <a:spcPts val="1600"/>
-              </a:spcBef>
-              <a:spcAft>
-                <a:spcPts val="0"/>
-              </a:spcAft>
-              <a:buSzPts val="1800"/>
-              <a:buChar char="●"/>
+            <a:pPr>
+              <a:spcBef>
+                <a:spcPts val="1691"/>
+              </a:spcBef>
             </a:pPr>
             <a:r>
               <a:rPr lang="en"/>
@@ -6895,16 +6654,6 @@
             <a:endParaRPr/>
           </a:p>
           <a:p>
-            <a:pPr marL="457200" lvl="0" indent="-342900" rtl="0">
-              <a:spcBef>
-                <a:spcPts val="0"/>
-              </a:spcBef>
-              <a:spcAft>
-                <a:spcPts val="0"/>
-              </a:spcAft>
-              <a:buSzPts val="1800"/>
-              <a:buChar char="●"/>
-            </a:pPr>
             <a:r>
               <a:rPr lang="en"/>
               <a:t>Fold extra tape over the lip of the cup</a:t>
@@ -6912,16 +6661,6 @@
             <a:endParaRPr/>
           </a:p>
           <a:p>
-            <a:pPr marL="457200" lvl="0" indent="-342900" rtl="0">
-              <a:spcBef>
-                <a:spcPts val="0"/>
-              </a:spcBef>
-              <a:spcAft>
-                <a:spcPts val="0"/>
-              </a:spcAft>
-              <a:buSzPts val="1800"/>
-              <a:buChar char="●"/>
-            </a:pPr>
             <a:r>
               <a:rPr lang="en"/>
               <a:t>Wipe metal tape clean to remove oils and other contaminants</a:t>
@@ -6929,16 +6668,6 @@
             <a:endParaRPr/>
           </a:p>
           <a:p>
-            <a:pPr marL="457200" lvl="0" indent="-342900" rtl="0">
-              <a:spcBef>
-                <a:spcPts val="0"/>
-              </a:spcBef>
-              <a:spcAft>
-                <a:spcPts val="0"/>
-              </a:spcAft>
-              <a:buSzPts val="1800"/>
-              <a:buChar char="●"/>
-            </a:pPr>
             <a:r>
               <a:rPr lang="en"/>
               <a:t>Add a small stone or other non-metal weight to help keep it stable</a:t>
@@ -6946,16 +6675,6 @@
             <a:endParaRPr/>
           </a:p>
           <a:p>
-            <a:pPr marL="457200" lvl="0" indent="-342900" rtl="0">
-              <a:spcBef>
-                <a:spcPts val="0"/>
-              </a:spcBef>
-              <a:spcAft>
-                <a:spcPts val="0"/>
-              </a:spcAft>
-              <a:buSzPts val="1800"/>
-              <a:buChar char="●"/>
-            </a:pPr>
             <a:r>
               <a:rPr lang="en"/>
               <a:t>Attach alligator clips and wire together</a:t>
@@ -6963,16 +6682,6 @@
             <a:endParaRPr/>
           </a:p>
           <a:p>
-            <a:pPr marL="457200" lvl="0" indent="-342900" rtl="0">
-              <a:spcBef>
-                <a:spcPts val="0"/>
-              </a:spcBef>
-              <a:spcAft>
-                <a:spcPts val="0"/>
-              </a:spcAft>
-              <a:buSzPts val="1800"/>
-              <a:buChar char="●"/>
-            </a:pPr>
             <a:r>
               <a:rPr lang="en"/>
               <a:t>Make a salt water solution with ½ cup water and ½ to 1 teaspoon of salt</a:t>
@@ -6980,21 +6689,35 @@
             <a:endParaRPr/>
           </a:p>
           <a:p>
-            <a:pPr marL="457200" lvl="0" indent="-342900">
-              <a:spcBef>
-                <a:spcPts val="0"/>
-              </a:spcBef>
-              <a:spcAft>
-                <a:spcPts val="0"/>
-              </a:spcAft>
-              <a:buSzPts val="1800"/>
-              <a:buChar char="●"/>
-            </a:pPr>
             <a:r>
               <a:rPr lang="en"/>
               <a:t>Pour salt solution into cup. Fill ½ to ⅔ to the top.</a:t>
             </a:r>
             <a:endParaRPr/>
+          </a:p>
+        </p:txBody>
+      </p:sp>
+      <p:sp>
+        <p:nvSpPr>
+          <p:cNvPr id="2" name="Slide Number Placeholder 1"/>
+          <p:cNvSpPr>
+            <a:spLocks noGrp="1"/>
+          </p:cNvSpPr>
+          <p:nvPr>
+            <p:ph type="sldNum" idx="12"/>
+          </p:nvPr>
+        </p:nvSpPr>
+        <p:spPr/>
+        <p:txBody>
+          <a:bodyPr/>
+          <a:lstStyle/>
+          <a:p>
+            <a:fld id="{00000000-1234-1234-1234-123412341234}" type="slidenum">
+              <a:rPr lang="en" smtClean="0"/>
+              <a:pPr/>
+              <a:t>3</a:t>
+            </a:fld>
+            <a:endParaRPr lang="en"/>
           </a:p>
         </p:txBody>
       </p:sp>
@@ -7031,8 +6754,8 @@
         </p:nvSpPr>
         <p:spPr>
           <a:xfrm>
-            <a:off x="1604975" y="2581275"/>
-            <a:ext cx="1601475" cy="763350"/>
+            <a:off x="1685225" y="3671147"/>
+            <a:ext cx="1681549" cy="1085653"/>
           </a:xfrm>
           <a:custGeom>
             <a:avLst/>
@@ -7086,28 +6809,19 @@
         </p:nvSpPr>
         <p:spPr>
           <a:xfrm>
-            <a:off x="311700" y="445025"/>
-            <a:ext cx="8520600" cy="572700"/>
+            <a:off x="327285" y="632925"/>
+            <a:ext cx="8946630" cy="814507"/>
           </a:xfrm>
           <a:prstGeom prst="rect">
             <a:avLst/>
           </a:prstGeom>
         </p:spPr>
         <p:txBody>
-          <a:bodyPr spcFirstLastPara="1" wrap="square" lIns="91425" tIns="91425" rIns="91425" bIns="91425" anchor="t" anchorCtr="0">
+          <a:bodyPr spcFirstLastPara="1" wrap="square" lIns="96645" tIns="96645" rIns="96645" bIns="96645" anchor="t" anchorCtr="0">
             <a:noAutofit/>
           </a:bodyPr>
           <a:lstStyle/>
           <a:p>
-            <a:pPr marL="0" lvl="0" indent="0">
-              <a:spcBef>
-                <a:spcPts val="0"/>
-              </a:spcBef>
-              <a:spcAft>
-                <a:spcPts val="0"/>
-              </a:spcAft>
-              <a:buNone/>
-            </a:pPr>
             <a:r>
               <a:rPr lang="en"/>
               <a:t>How to make one cell, about 0.5 Volts</a:t>
@@ -7124,8 +6838,8 @@
         </p:nvSpPr>
         <p:spPr>
           <a:xfrm>
-            <a:off x="1478475" y="2233663"/>
-            <a:ext cx="1887850" cy="1162475"/>
+            <a:off x="1552399" y="3176766"/>
+            <a:ext cx="1982243" cy="1653298"/>
           </a:xfrm>
           <a:custGeom>
             <a:avLst/>
@@ -7170,8 +6884,8 @@
         </p:nvSpPr>
         <p:spPr>
           <a:xfrm>
-            <a:off x="1375500" y="2232388"/>
-            <a:ext cx="461200" cy="1089800"/>
+            <a:off x="1444275" y="3174952"/>
+            <a:ext cx="484260" cy="1549938"/>
           </a:xfrm>
           <a:custGeom>
             <a:avLst/>
@@ -7216,8 +6930,8 @@
         </p:nvSpPr>
         <p:spPr>
           <a:xfrm>
-            <a:off x="3005325" y="2189288"/>
-            <a:ext cx="463875" cy="1143125"/>
+            <a:off x="3155593" y="3113655"/>
+            <a:ext cx="487069" cy="1625778"/>
           </a:xfrm>
           <a:custGeom>
             <a:avLst/>
@@ -7270,8 +6984,8 @@
         </p:blipFill>
         <p:spPr>
           <a:xfrm>
-            <a:off x="5384100" y="1817174"/>
-            <a:ext cx="2744801" cy="2058601"/>
+            <a:off x="5653307" y="2584427"/>
+            <a:ext cx="2882041" cy="2623628"/>
           </a:xfrm>
           <a:prstGeom prst="rect">
             <a:avLst/>
@@ -7290,8 +7004,8 @@
         </p:nvSpPr>
         <p:spPr>
           <a:xfrm>
-            <a:off x="1999513" y="2843125"/>
-            <a:ext cx="843000" cy="489300"/>
+            <a:off x="2099489" y="4043555"/>
+            <a:ext cx="885150" cy="695893"/>
           </a:xfrm>
           <a:prstGeom prst="flowChartAlternateProcess">
             <a:avLst/>
@@ -7310,25 +7024,17 @@
           </a:ln>
         </p:spPr>
         <p:txBody>
-          <a:bodyPr spcFirstLastPara="1" wrap="square" lIns="91425" tIns="91425" rIns="91425" bIns="91425" anchor="ctr" anchorCtr="0">
+          <a:bodyPr spcFirstLastPara="1" wrap="square" lIns="96645" tIns="96645" rIns="96645" bIns="96645" anchor="ctr" anchorCtr="0">
             <a:noAutofit/>
           </a:bodyPr>
           <a:lstStyle/>
           <a:p>
-            <a:pPr marL="0" lvl="0" indent="0" algn="ctr">
-              <a:spcBef>
-                <a:spcPts val="0"/>
-              </a:spcBef>
-              <a:spcAft>
-                <a:spcPts val="0"/>
-              </a:spcAft>
-              <a:buNone/>
-            </a:pPr>
+            <a:pPr algn="ctr"/>
             <a:r>
-              <a:rPr lang="en" sz="1000"/>
+              <a:rPr lang="en" sz="1100"/>
               <a:t>Non-metal weight</a:t>
             </a:r>
-            <a:endParaRPr sz="1000"/>
+            <a:endParaRPr sz="1100"/>
           </a:p>
         </p:txBody>
       </p:sp>
@@ -7340,8 +7046,8 @@
         </p:nvSpPr>
         <p:spPr>
           <a:xfrm>
-            <a:off x="2850650" y="1579500"/>
-            <a:ext cx="1519500" cy="320100"/>
+            <a:off x="2993183" y="2246400"/>
+            <a:ext cx="1595475" cy="455253"/>
           </a:xfrm>
           <a:prstGeom prst="rect">
             <a:avLst/>
@@ -7352,20 +7058,12 @@
           </a:ln>
         </p:spPr>
         <p:txBody>
-          <a:bodyPr spcFirstLastPara="1" wrap="square" lIns="91425" tIns="91425" rIns="91425" bIns="91425" anchor="t" anchorCtr="0">
+          <a:bodyPr spcFirstLastPara="1" wrap="square" lIns="96645" tIns="96645" rIns="96645" bIns="96645" anchor="t" anchorCtr="0">
             <a:noAutofit/>
           </a:bodyPr>
           <a:lstStyle/>
           <a:p>
-            <a:pPr marL="0" lvl="0" indent="0" algn="ctr" rtl="0">
-              <a:spcBef>
-                <a:spcPts val="0"/>
-              </a:spcBef>
-              <a:spcAft>
-                <a:spcPts val="0"/>
-              </a:spcAft>
-              <a:buNone/>
-            </a:pPr>
+            <a:pPr algn="ctr"/>
             <a:r>
               <a:rPr lang="en"/>
               <a:t>Aluminum</a:t>
@@ -7373,15 +7071,7 @@
             <a:endParaRPr/>
           </a:p>
           <a:p>
-            <a:pPr marL="0" lvl="0" indent="0" algn="ctr">
-              <a:spcBef>
-                <a:spcPts val="0"/>
-              </a:spcBef>
-              <a:spcAft>
-                <a:spcPts val="0"/>
-              </a:spcAft>
-              <a:buNone/>
-            </a:pPr>
+            <a:pPr algn="ctr"/>
             <a:r>
               <a:rPr lang="en"/>
               <a:t>tape</a:t>
@@ -7398,8 +7088,8 @@
         </p:nvSpPr>
         <p:spPr>
           <a:xfrm>
-            <a:off x="611325" y="1579500"/>
-            <a:ext cx="1519500" cy="320100"/>
+            <a:off x="641891" y="2246400"/>
+            <a:ext cx="1595475" cy="455253"/>
           </a:xfrm>
           <a:prstGeom prst="rect">
             <a:avLst/>
@@ -7410,20 +7100,12 @@
           </a:ln>
         </p:spPr>
         <p:txBody>
-          <a:bodyPr spcFirstLastPara="1" wrap="square" lIns="91425" tIns="91425" rIns="91425" bIns="91425" anchor="t" anchorCtr="0">
+          <a:bodyPr spcFirstLastPara="1" wrap="square" lIns="96645" tIns="96645" rIns="96645" bIns="96645" anchor="t" anchorCtr="0">
             <a:noAutofit/>
           </a:bodyPr>
           <a:lstStyle/>
           <a:p>
-            <a:pPr marL="0" lvl="0" indent="0" algn="ctr" rtl="0">
-              <a:spcBef>
-                <a:spcPts val="0"/>
-              </a:spcBef>
-              <a:spcAft>
-                <a:spcPts val="0"/>
-              </a:spcAft>
-              <a:buNone/>
-            </a:pPr>
+            <a:pPr algn="ctr"/>
             <a:r>
               <a:rPr lang="en"/>
               <a:t>Copper</a:t>
@@ -7431,15 +7113,7 @@
             <a:endParaRPr/>
           </a:p>
           <a:p>
-            <a:pPr marL="0" lvl="0" indent="0" algn="ctr" rtl="0">
-              <a:spcBef>
-                <a:spcPts val="0"/>
-              </a:spcBef>
-              <a:spcAft>
-                <a:spcPts val="0"/>
-              </a:spcAft>
-              <a:buNone/>
-            </a:pPr>
+            <a:pPr algn="ctr"/>
             <a:r>
               <a:rPr lang="en"/>
               <a:t>tape</a:t>
@@ -7456,8 +7130,8 @@
         </p:nvSpPr>
         <p:spPr>
           <a:xfrm>
-            <a:off x="752150" y="2168850"/>
-            <a:ext cx="563400" cy="805800"/>
+            <a:off x="789758" y="3084587"/>
+            <a:ext cx="591570" cy="1146027"/>
           </a:xfrm>
           <a:prstGeom prst="rect">
             <a:avLst/>
@@ -7468,25 +7142,17 @@
           </a:ln>
         </p:spPr>
         <p:txBody>
-          <a:bodyPr spcFirstLastPara="1" wrap="square" lIns="91425" tIns="91425" rIns="91425" bIns="91425" anchor="t" anchorCtr="0">
+          <a:bodyPr spcFirstLastPara="1" wrap="square" lIns="96645" tIns="96645" rIns="96645" bIns="96645" anchor="t" anchorCtr="0">
             <a:noAutofit/>
           </a:bodyPr>
           <a:lstStyle/>
           <a:p>
-            <a:pPr marL="0" lvl="0" indent="0" algn="ctr">
-              <a:spcBef>
-                <a:spcPts val="0"/>
-              </a:spcBef>
-              <a:spcAft>
-                <a:spcPts val="0"/>
-              </a:spcAft>
-              <a:buNone/>
-            </a:pPr>
+            <a:pPr algn="ctr"/>
             <a:r>
-              <a:rPr lang="en" sz="3600"/>
+              <a:rPr lang="en" sz="3800"/>
               <a:t>+</a:t>
             </a:r>
-            <a:endParaRPr sz="3600"/>
+            <a:endParaRPr sz="3800"/>
           </a:p>
         </p:txBody>
       </p:sp>
@@ -7498,8 +7164,8 @@
         </p:nvSpPr>
         <p:spPr>
           <a:xfrm>
-            <a:off x="3328700" y="2168850"/>
-            <a:ext cx="563400" cy="805800"/>
+            <a:off x="3495135" y="3084587"/>
+            <a:ext cx="591570" cy="1146027"/>
           </a:xfrm>
           <a:prstGeom prst="rect">
             <a:avLst/>
@@ -7510,25 +7176,17 @@
           </a:ln>
         </p:spPr>
         <p:txBody>
-          <a:bodyPr spcFirstLastPara="1" wrap="square" lIns="91425" tIns="91425" rIns="91425" bIns="91425" anchor="t" anchorCtr="0">
+          <a:bodyPr spcFirstLastPara="1" wrap="square" lIns="96645" tIns="96645" rIns="96645" bIns="96645" anchor="t" anchorCtr="0">
             <a:noAutofit/>
           </a:bodyPr>
           <a:lstStyle/>
           <a:p>
-            <a:pPr marL="0" lvl="0" indent="0" algn="ctr" rtl="0">
-              <a:spcBef>
-                <a:spcPts val="0"/>
-              </a:spcBef>
-              <a:spcAft>
-                <a:spcPts val="0"/>
-              </a:spcAft>
-              <a:buNone/>
-            </a:pPr>
+            <a:pPr algn="ctr"/>
             <a:r>
-              <a:rPr lang="en" sz="3600"/>
+              <a:rPr lang="en" sz="3800"/>
               <a:t>-</a:t>
             </a:r>
-            <a:endParaRPr sz="3600"/>
+            <a:endParaRPr sz="3800"/>
           </a:p>
         </p:txBody>
       </p:sp>
@@ -7540,8 +7198,8 @@
         </p:nvSpPr>
         <p:spPr>
           <a:xfrm>
-            <a:off x="1645963" y="2331375"/>
-            <a:ext cx="1519500" cy="320100"/>
+            <a:off x="1728261" y="3315734"/>
+            <a:ext cx="1595475" cy="455253"/>
           </a:xfrm>
           <a:prstGeom prst="rect">
             <a:avLst/>
@@ -7552,25 +7210,41 @@
           </a:ln>
         </p:spPr>
         <p:txBody>
-          <a:bodyPr spcFirstLastPara="1" wrap="square" lIns="91425" tIns="91425" rIns="91425" bIns="91425" anchor="t" anchorCtr="0">
+          <a:bodyPr spcFirstLastPara="1" wrap="square" lIns="96645" tIns="96645" rIns="96645" bIns="96645" anchor="t" anchorCtr="0">
             <a:noAutofit/>
           </a:bodyPr>
           <a:lstStyle/>
           <a:p>
-            <a:pPr marL="0" lvl="0" indent="0" algn="ctr" rtl="0">
-              <a:spcBef>
-                <a:spcPts val="0"/>
-              </a:spcBef>
-              <a:spcAft>
-                <a:spcPts val="0"/>
-              </a:spcAft>
-              <a:buNone/>
-            </a:pPr>
+            <a:pPr algn="ctr"/>
             <a:r>
               <a:rPr lang="en"/>
               <a:t>Salt water</a:t>
             </a:r>
             <a:endParaRPr/>
+          </a:p>
+        </p:txBody>
+      </p:sp>
+      <p:sp>
+        <p:nvSpPr>
+          <p:cNvPr id="2" name="Slide Number Placeholder 1"/>
+          <p:cNvSpPr>
+            <a:spLocks noGrp="1"/>
+          </p:cNvSpPr>
+          <p:nvPr>
+            <p:ph type="sldNum" idx="12"/>
+          </p:nvPr>
+        </p:nvSpPr>
+        <p:spPr/>
+        <p:txBody>
+          <a:bodyPr/>
+          <a:lstStyle/>
+          <a:p>
+            <a:fld id="{00000000-1234-1234-1234-123412341234}" type="slidenum">
+              <a:rPr lang="en" smtClean="0"/>
+              <a:pPr/>
+              <a:t>4</a:t>
+            </a:fld>
+            <a:endParaRPr lang="en"/>
           </a:p>
         </p:txBody>
       </p:sp>
@@ -7611,28 +7285,19 @@
         </p:nvSpPr>
         <p:spPr>
           <a:xfrm>
-            <a:off x="311700" y="445025"/>
-            <a:ext cx="8520600" cy="572700"/>
+            <a:off x="327285" y="632925"/>
+            <a:ext cx="8946630" cy="814507"/>
           </a:xfrm>
           <a:prstGeom prst="rect">
             <a:avLst/>
           </a:prstGeom>
         </p:spPr>
         <p:txBody>
-          <a:bodyPr spcFirstLastPara="1" wrap="square" lIns="91425" tIns="91425" rIns="91425" bIns="91425" anchor="t" anchorCtr="0">
+          <a:bodyPr spcFirstLastPara="1" wrap="square" lIns="96645" tIns="96645" rIns="96645" bIns="96645" anchor="t" anchorCtr="0">
             <a:noAutofit/>
           </a:bodyPr>
           <a:lstStyle/>
           <a:p>
-            <a:pPr marL="0" lvl="0" indent="0">
-              <a:spcBef>
-                <a:spcPts val="0"/>
-              </a:spcBef>
-              <a:spcAft>
-                <a:spcPts val="0"/>
-              </a:spcAft>
-              <a:buNone/>
-            </a:pPr>
             <a:r>
               <a:rPr lang="en"/>
               <a:t>Wire three cells together, about 1.5 Volts!</a:t>
@@ -7649,8 +7314,8 @@
         </p:nvGrpSpPr>
         <p:grpSpPr>
           <a:xfrm>
-            <a:off x="1698488" y="3294150"/>
-            <a:ext cx="1078025" cy="709971"/>
+            <a:off x="1783414" y="4685014"/>
+            <a:ext cx="1131926" cy="1009737"/>
             <a:chOff x="2028600" y="2374400"/>
             <a:chExt cx="1078025" cy="709971"/>
           </a:xfrm>
@@ -7951,8 +7616,8 @@
         </p:nvGrpSpPr>
         <p:grpSpPr>
           <a:xfrm>
-            <a:off x="3421513" y="3294150"/>
-            <a:ext cx="1078025" cy="709971"/>
+            <a:off x="3592590" y="4685014"/>
+            <a:ext cx="1131926" cy="1009737"/>
             <a:chOff x="2028600" y="2374400"/>
             <a:chExt cx="1078025" cy="709971"/>
           </a:xfrm>
@@ -8253,8 +7918,8 @@
         </p:nvGrpSpPr>
         <p:grpSpPr>
           <a:xfrm>
-            <a:off x="5144538" y="3294150"/>
-            <a:ext cx="1078025" cy="709971"/>
+            <a:off x="5401767" y="4685014"/>
+            <a:ext cx="1131926" cy="1009737"/>
             <a:chOff x="2028600" y="2374400"/>
             <a:chExt cx="1078025" cy="709971"/>
           </a:xfrm>
@@ -8555,8 +8220,8 @@
         </p:nvSpPr>
         <p:spPr>
           <a:xfrm>
-            <a:off x="2757575" y="2944792"/>
-            <a:ext cx="719375" cy="400275"/>
+            <a:off x="2895455" y="4188149"/>
+            <a:ext cx="755344" cy="569280"/>
           </a:xfrm>
           <a:custGeom>
             <a:avLst/>
@@ -8607,8 +8272,8 @@
         </p:nvSpPr>
         <p:spPr>
           <a:xfrm>
-            <a:off x="4499550" y="2944792"/>
-            <a:ext cx="719375" cy="400275"/>
+            <a:off x="4724529" y="4188149"/>
+            <a:ext cx="755344" cy="569280"/>
           </a:xfrm>
           <a:custGeom>
             <a:avLst/>
@@ -8659,8 +8324,8 @@
         </p:nvSpPr>
         <p:spPr>
           <a:xfrm>
-            <a:off x="6618200" y="1769050"/>
-            <a:ext cx="1498800" cy="710100"/>
+            <a:off x="6949110" y="2515982"/>
+            <a:ext cx="1573740" cy="1009920"/>
           </a:xfrm>
           <a:prstGeom prst="roundRect">
             <a:avLst>
@@ -8681,25 +8346,17 @@
           </a:ln>
         </p:spPr>
         <p:txBody>
-          <a:bodyPr spcFirstLastPara="1" wrap="square" lIns="91425" tIns="91425" rIns="91425" bIns="91425" anchor="ctr" anchorCtr="0">
+          <a:bodyPr spcFirstLastPara="1" wrap="square" lIns="96645" tIns="96645" rIns="96645" bIns="96645" anchor="ctr" anchorCtr="0">
             <a:noAutofit/>
           </a:bodyPr>
           <a:lstStyle/>
           <a:p>
-            <a:pPr marL="0" lvl="0" indent="0" algn="ctr">
-              <a:spcBef>
-                <a:spcPts val="0"/>
-              </a:spcBef>
-              <a:spcAft>
-                <a:spcPts val="0"/>
-              </a:spcAft>
-              <a:buNone/>
-            </a:pPr>
+            <a:pPr algn="ctr"/>
             <a:r>
-              <a:rPr lang="en" sz="3000" i="1"/>
-              <a:t>12:00</a:t>
+              <a:rPr lang="en" sz="3200" i="1" dirty="0"/>
+              <a:t>1.500</a:t>
             </a:r>
-            <a:endParaRPr sz="3000" i="1"/>
+            <a:endParaRPr sz="3200" i="1" dirty="0"/>
           </a:p>
         </p:txBody>
       </p:sp>
@@ -8711,8 +8368,8 @@
         </p:nvSpPr>
         <p:spPr>
           <a:xfrm>
-            <a:off x="1646193" y="1807927"/>
-            <a:ext cx="4960025" cy="1477200"/>
+            <a:off x="1728504" y="2571273"/>
+            <a:ext cx="5208026" cy="2100907"/>
           </a:xfrm>
           <a:custGeom>
             <a:avLst/>
@@ -8768,8 +8425,8 @@
         </p:nvSpPr>
         <p:spPr>
           <a:xfrm>
-            <a:off x="5970775" y="2278000"/>
-            <a:ext cx="659425" cy="1055075"/>
+            <a:off x="6269315" y="3239824"/>
+            <a:ext cx="692396" cy="1500551"/>
           </a:xfrm>
           <a:custGeom>
             <a:avLst/>
@@ -8825,8 +8482,8 @@
         </p:nvSpPr>
         <p:spPr>
           <a:xfrm>
-            <a:off x="5659175" y="1401525"/>
-            <a:ext cx="563400" cy="805800"/>
+            <a:off x="5942134" y="1993280"/>
+            <a:ext cx="591570" cy="1146027"/>
           </a:xfrm>
           <a:prstGeom prst="rect">
             <a:avLst/>
@@ -8837,25 +8494,17 @@
           </a:ln>
         </p:spPr>
         <p:txBody>
-          <a:bodyPr spcFirstLastPara="1" wrap="square" lIns="91425" tIns="91425" rIns="91425" bIns="91425" anchor="t" anchorCtr="0">
+          <a:bodyPr spcFirstLastPara="1" wrap="square" lIns="96645" tIns="96645" rIns="96645" bIns="96645" anchor="t" anchorCtr="0">
             <a:noAutofit/>
           </a:bodyPr>
           <a:lstStyle/>
           <a:p>
-            <a:pPr marL="0" lvl="0" indent="0" algn="ctr" rtl="0">
-              <a:spcBef>
-                <a:spcPts val="0"/>
-              </a:spcBef>
-              <a:spcAft>
-                <a:spcPts val="0"/>
-              </a:spcAft>
-              <a:buNone/>
-            </a:pPr>
+            <a:pPr algn="ctr"/>
             <a:r>
-              <a:rPr lang="en" sz="3600"/>
+              <a:rPr lang="en" sz="3800"/>
               <a:t>+</a:t>
             </a:r>
-            <a:endParaRPr sz="3600"/>
+            <a:endParaRPr sz="3800"/>
           </a:p>
         </p:txBody>
       </p:sp>
@@ -8867,8 +8516,8 @@
         </p:nvSpPr>
         <p:spPr>
           <a:xfrm>
-            <a:off x="5659175" y="2009525"/>
-            <a:ext cx="563400" cy="805800"/>
+            <a:off x="5942134" y="2857991"/>
+            <a:ext cx="591570" cy="1146027"/>
           </a:xfrm>
           <a:prstGeom prst="rect">
             <a:avLst/>
@@ -8879,25 +8528,17 @@
           </a:ln>
         </p:spPr>
         <p:txBody>
-          <a:bodyPr spcFirstLastPara="1" wrap="square" lIns="91425" tIns="91425" rIns="91425" bIns="91425" anchor="t" anchorCtr="0">
+          <a:bodyPr spcFirstLastPara="1" wrap="square" lIns="96645" tIns="96645" rIns="96645" bIns="96645" anchor="t" anchorCtr="0">
             <a:noAutofit/>
           </a:bodyPr>
           <a:lstStyle/>
           <a:p>
-            <a:pPr marL="0" lvl="0" indent="0" algn="ctr" rtl="0">
-              <a:spcBef>
-                <a:spcPts val="0"/>
-              </a:spcBef>
-              <a:spcAft>
-                <a:spcPts val="0"/>
-              </a:spcAft>
-              <a:buNone/>
-            </a:pPr>
+            <a:pPr algn="ctr"/>
             <a:r>
-              <a:rPr lang="en" sz="3600"/>
+              <a:rPr lang="en" sz="3800"/>
               <a:t>-</a:t>
             </a:r>
-            <a:endParaRPr sz="3600"/>
+            <a:endParaRPr sz="3800"/>
           </a:p>
         </p:txBody>
       </p:sp>
@@ -8909,8 +8550,8 @@
         </p:nvSpPr>
         <p:spPr>
           <a:xfrm>
-            <a:off x="1171575" y="2944800"/>
-            <a:ext cx="563400" cy="805800"/>
+            <a:off x="1230154" y="4188160"/>
+            <a:ext cx="591570" cy="1146027"/>
           </a:xfrm>
           <a:prstGeom prst="rect">
             <a:avLst/>
@@ -8921,25 +8562,17 @@
           </a:ln>
         </p:spPr>
         <p:txBody>
-          <a:bodyPr spcFirstLastPara="1" wrap="square" lIns="91425" tIns="91425" rIns="91425" bIns="91425" anchor="t" anchorCtr="0">
+          <a:bodyPr spcFirstLastPara="1" wrap="square" lIns="96645" tIns="96645" rIns="96645" bIns="96645" anchor="t" anchorCtr="0">
             <a:noAutofit/>
           </a:bodyPr>
           <a:lstStyle/>
           <a:p>
-            <a:pPr marL="0" lvl="0" indent="0" algn="ctr" rtl="0">
-              <a:spcBef>
-                <a:spcPts val="0"/>
-              </a:spcBef>
-              <a:spcAft>
-                <a:spcPts val="0"/>
-              </a:spcAft>
-              <a:buNone/>
-            </a:pPr>
+            <a:pPr algn="ctr"/>
             <a:r>
-              <a:rPr lang="en" sz="3600"/>
+              <a:rPr lang="en" sz="3800"/>
               <a:t>+</a:t>
             </a:r>
-            <a:endParaRPr sz="3600"/>
+            <a:endParaRPr sz="3800"/>
           </a:p>
         </p:txBody>
       </p:sp>
@@ -8951,8 +8584,8 @@
         </p:nvSpPr>
         <p:spPr>
           <a:xfrm>
-            <a:off x="6125050" y="2944800"/>
-            <a:ext cx="563400" cy="805800"/>
+            <a:off x="6431303" y="4188160"/>
+            <a:ext cx="591570" cy="1146027"/>
           </a:xfrm>
           <a:prstGeom prst="rect">
             <a:avLst/>
@@ -8963,25 +8596,41 @@
           </a:ln>
         </p:spPr>
         <p:txBody>
-          <a:bodyPr spcFirstLastPara="1" wrap="square" lIns="91425" tIns="91425" rIns="91425" bIns="91425" anchor="t" anchorCtr="0">
+          <a:bodyPr spcFirstLastPara="1" wrap="square" lIns="96645" tIns="96645" rIns="96645" bIns="96645" anchor="t" anchorCtr="0">
             <a:noAutofit/>
           </a:bodyPr>
           <a:lstStyle/>
           <a:p>
-            <a:pPr marL="0" lvl="0" indent="0" algn="ctr" rtl="0">
-              <a:spcBef>
-                <a:spcPts val="0"/>
-              </a:spcBef>
-              <a:spcAft>
-                <a:spcPts val="0"/>
-              </a:spcAft>
-              <a:buNone/>
-            </a:pPr>
+            <a:pPr algn="ctr"/>
             <a:r>
-              <a:rPr lang="en" sz="3600"/>
+              <a:rPr lang="en" sz="3800"/>
               <a:t>-</a:t>
             </a:r>
-            <a:endParaRPr sz="3600"/>
+            <a:endParaRPr sz="3800"/>
+          </a:p>
+        </p:txBody>
+      </p:sp>
+      <p:sp>
+        <p:nvSpPr>
+          <p:cNvPr id="2" name="Slide Number Placeholder 1"/>
+          <p:cNvSpPr>
+            <a:spLocks noGrp="1"/>
+          </p:cNvSpPr>
+          <p:nvPr>
+            <p:ph type="sldNum" idx="12"/>
+          </p:nvPr>
+        </p:nvSpPr>
+        <p:spPr/>
+        <p:txBody>
+          <a:bodyPr/>
+          <a:lstStyle/>
+          <a:p>
+            <a:fld id="{00000000-1234-1234-1234-123412341234}" type="slidenum">
+              <a:rPr lang="en" smtClean="0"/>
+              <a:pPr/>
+              <a:t>5</a:t>
+            </a:fld>
+            <a:endParaRPr lang="en"/>
           </a:p>
         </p:txBody>
       </p:sp>
@@ -9022,28 +8671,19 @@
         </p:nvSpPr>
         <p:spPr>
           <a:xfrm>
-            <a:off x="311700" y="445025"/>
-            <a:ext cx="8520600" cy="572700"/>
+            <a:off x="327285" y="632925"/>
+            <a:ext cx="8946630" cy="814507"/>
           </a:xfrm>
           <a:prstGeom prst="rect">
             <a:avLst/>
           </a:prstGeom>
         </p:spPr>
         <p:txBody>
-          <a:bodyPr spcFirstLastPara="1" wrap="square" lIns="91425" tIns="91425" rIns="91425" bIns="91425" anchor="t" anchorCtr="0">
+          <a:bodyPr spcFirstLastPara="1" wrap="square" lIns="96645" tIns="96645" rIns="96645" bIns="96645" anchor="t" anchorCtr="0">
             <a:noAutofit/>
           </a:bodyPr>
           <a:lstStyle/>
           <a:p>
-            <a:pPr marL="0" lvl="0" indent="0">
-              <a:spcBef>
-                <a:spcPts val="0"/>
-              </a:spcBef>
-              <a:spcAft>
-                <a:spcPts val="0"/>
-              </a:spcAft>
-              <a:buNone/>
-            </a:pPr>
             <a:r>
               <a:rPr lang="en"/>
               <a:t>Example Setup</a:t>
@@ -9068,8 +8708,8 @@
         </p:blipFill>
         <p:spPr>
           <a:xfrm>
-            <a:off x="3326563" y="1330850"/>
-            <a:ext cx="2490875" cy="3324550"/>
+            <a:off x="2824317" y="1635122"/>
+            <a:ext cx="3952566" cy="4778329"/>
           </a:xfrm>
           <a:prstGeom prst="rect">
             <a:avLst/>
@@ -9080,6 +8720,30 @@
           </a:ln>
         </p:spPr>
       </p:pic>
+      <p:sp>
+        <p:nvSpPr>
+          <p:cNvPr id="2" name="Slide Number Placeholder 1"/>
+          <p:cNvSpPr>
+            <a:spLocks noGrp="1"/>
+          </p:cNvSpPr>
+          <p:nvPr>
+            <p:ph type="sldNum" idx="12"/>
+          </p:nvPr>
+        </p:nvSpPr>
+        <p:spPr/>
+        <p:txBody>
+          <a:bodyPr/>
+          <a:lstStyle/>
+          <a:p>
+            <a:fld id="{00000000-1234-1234-1234-123412341234}" type="slidenum">
+              <a:rPr lang="en" smtClean="0"/>
+              <a:pPr/>
+              <a:t>6</a:t>
+            </a:fld>
+            <a:endParaRPr lang="en"/>
+          </a:p>
+        </p:txBody>
+      </p:sp>
     </p:spTree>
   </p:cSld>
   <p:clrMapOvr>
@@ -9117,33 +8781,48 @@
         </p:nvSpPr>
         <p:spPr>
           <a:xfrm>
-            <a:off x="311700" y="2150850"/>
-            <a:ext cx="8520600" cy="841800"/>
+            <a:off x="327285" y="3058987"/>
+            <a:ext cx="8946630" cy="1197227"/>
           </a:xfrm>
           <a:prstGeom prst="rect">
             <a:avLst/>
           </a:prstGeom>
         </p:spPr>
         <p:txBody>
-          <a:bodyPr spcFirstLastPara="1" wrap="square" lIns="91425" tIns="91425" rIns="91425" bIns="91425" anchor="ctr" anchorCtr="0">
+          <a:bodyPr spcFirstLastPara="1" wrap="square" lIns="96645" tIns="96645" rIns="96645" bIns="96645" anchor="ctr" anchorCtr="0">
             <a:noAutofit/>
           </a:bodyPr>
           <a:lstStyle/>
           <a:p>
-            <a:pPr marL="0" lvl="0" indent="0">
-              <a:spcBef>
-                <a:spcPts val="0"/>
-              </a:spcBef>
-              <a:spcAft>
-                <a:spcPts val="0"/>
-              </a:spcAft>
-              <a:buNone/>
-            </a:pPr>
             <a:r>
               <a:rPr lang="en"/>
               <a:t>Appendix</a:t>
             </a:r>
             <a:endParaRPr/>
+          </a:p>
+        </p:txBody>
+      </p:sp>
+      <p:sp>
+        <p:nvSpPr>
+          <p:cNvPr id="2" name="Slide Number Placeholder 1"/>
+          <p:cNvSpPr>
+            <a:spLocks noGrp="1"/>
+          </p:cNvSpPr>
+          <p:nvPr>
+            <p:ph type="sldNum" idx="12"/>
+          </p:nvPr>
+        </p:nvSpPr>
+        <p:spPr/>
+        <p:txBody>
+          <a:bodyPr/>
+          <a:lstStyle/>
+          <a:p>
+            <a:fld id="{00000000-1234-1234-1234-123412341234}" type="slidenum">
+              <a:rPr lang="en" smtClean="0"/>
+              <a:pPr/>
+              <a:t>7</a:t>
+            </a:fld>
+            <a:endParaRPr lang="en"/>
           </a:p>
         </p:txBody>
       </p:sp>
@@ -9184,28 +8863,19 @@
         </p:nvSpPr>
         <p:spPr>
           <a:xfrm>
-            <a:off x="311700" y="445025"/>
-            <a:ext cx="8520600" cy="572700"/>
+            <a:off x="327285" y="632925"/>
+            <a:ext cx="8946630" cy="814507"/>
           </a:xfrm>
           <a:prstGeom prst="rect">
             <a:avLst/>
           </a:prstGeom>
         </p:spPr>
         <p:txBody>
-          <a:bodyPr spcFirstLastPara="1" wrap="square" lIns="91425" tIns="91425" rIns="91425" bIns="91425" anchor="t" anchorCtr="0">
+          <a:bodyPr spcFirstLastPara="1" wrap="square" lIns="96645" tIns="96645" rIns="96645" bIns="96645" anchor="t" anchorCtr="0">
             <a:noAutofit/>
           </a:bodyPr>
           <a:lstStyle/>
           <a:p>
-            <a:pPr marL="0" lvl="0" indent="0">
-              <a:spcBef>
-                <a:spcPts val="0"/>
-              </a:spcBef>
-              <a:spcAft>
-                <a:spcPts val="0"/>
-              </a:spcAft>
-              <a:buNone/>
-            </a:pPr>
             <a:r>
               <a:rPr lang="en"/>
               <a:t>Electronegativity</a:t>
@@ -9226,25 +8896,22 @@
         </p:nvSpPr>
         <p:spPr>
           <a:xfrm>
-            <a:off x="311700" y="1085100"/>
-            <a:ext cx="8520600" cy="745200"/>
+            <a:off x="327285" y="1543253"/>
+            <a:ext cx="8946630" cy="1059840"/>
           </a:xfrm>
           <a:prstGeom prst="rect">
             <a:avLst/>
           </a:prstGeom>
         </p:spPr>
         <p:txBody>
-          <a:bodyPr spcFirstLastPara="1" wrap="square" lIns="91425" tIns="91425" rIns="91425" bIns="91425" anchor="t" anchorCtr="0">
+          <a:bodyPr spcFirstLastPara="1" wrap="square" lIns="96645" tIns="96645" rIns="96645" bIns="96645" anchor="t" anchorCtr="0">
             <a:noAutofit/>
           </a:bodyPr>
           <a:lstStyle/>
           <a:p>
-            <a:pPr marL="0" lvl="0" indent="0">
-              <a:spcBef>
-                <a:spcPts val="0"/>
-              </a:spcBef>
-              <a:spcAft>
-                <a:spcPts val="1600"/>
+            <a:pPr marL="0" indent="0">
+              <a:spcAft>
+                <a:spcPts val="1691"/>
               </a:spcAft>
               <a:buNone/>
             </a:pPr>
@@ -9272,8 +8939,8 @@
         </p:blipFill>
         <p:spPr>
           <a:xfrm>
-            <a:off x="901450" y="1897663"/>
-            <a:ext cx="6858000" cy="3171825"/>
+            <a:off x="946523" y="2698899"/>
+            <a:ext cx="7200900" cy="4511040"/>
           </a:xfrm>
           <a:prstGeom prst="rect">
             <a:avLst/>
@@ -9284,6 +8951,30 @@
           </a:ln>
         </p:spPr>
       </p:pic>
+      <p:sp>
+        <p:nvSpPr>
+          <p:cNvPr id="2" name="Slide Number Placeholder 1"/>
+          <p:cNvSpPr>
+            <a:spLocks noGrp="1"/>
+          </p:cNvSpPr>
+          <p:nvPr>
+            <p:ph type="sldNum" idx="12"/>
+          </p:nvPr>
+        </p:nvSpPr>
+        <p:spPr/>
+        <p:txBody>
+          <a:bodyPr/>
+          <a:lstStyle/>
+          <a:p>
+            <a:fld id="{00000000-1234-1234-1234-123412341234}" type="slidenum">
+              <a:rPr lang="en" smtClean="0"/>
+              <a:pPr/>
+              <a:t>8</a:t>
+            </a:fld>
+            <a:endParaRPr lang="en"/>
+          </a:p>
+        </p:txBody>
+      </p:sp>
     </p:spTree>
   </p:cSld>
   <p:clrMapOvr>
@@ -9321,28 +9012,19 @@
         </p:nvSpPr>
         <p:spPr>
           <a:xfrm>
-            <a:off x="311700" y="445025"/>
-            <a:ext cx="8520600" cy="572700"/>
+            <a:off x="327285" y="632925"/>
+            <a:ext cx="8946630" cy="814507"/>
           </a:xfrm>
           <a:prstGeom prst="rect">
             <a:avLst/>
           </a:prstGeom>
         </p:spPr>
         <p:txBody>
-          <a:bodyPr spcFirstLastPara="1" wrap="square" lIns="91425" tIns="91425" rIns="91425" bIns="91425" anchor="t" anchorCtr="0">
+          <a:bodyPr spcFirstLastPara="1" wrap="square" lIns="96645" tIns="96645" rIns="96645" bIns="96645" anchor="t" anchorCtr="0">
             <a:noAutofit/>
           </a:bodyPr>
           <a:lstStyle/>
           <a:p>
-            <a:pPr marL="0" lvl="0" indent="0">
-              <a:spcBef>
-                <a:spcPts val="0"/>
-              </a:spcBef>
-              <a:spcAft>
-                <a:spcPts val="0"/>
-              </a:spcAft>
-              <a:buNone/>
-            </a:pPr>
             <a:r>
               <a:rPr lang="en"/>
               <a:t>References</a:t>
@@ -9363,29 +9045,19 @@
         </p:nvSpPr>
         <p:spPr>
           <a:xfrm>
-            <a:off x="311700" y="1152475"/>
-            <a:ext cx="8520600" cy="3416400"/>
+            <a:off x="327285" y="1639075"/>
+            <a:ext cx="8946630" cy="4858880"/>
           </a:xfrm>
           <a:prstGeom prst="rect">
             <a:avLst/>
           </a:prstGeom>
         </p:spPr>
         <p:txBody>
-          <a:bodyPr spcFirstLastPara="1" wrap="square" lIns="91425" tIns="91425" rIns="91425" bIns="91425" anchor="t" anchorCtr="0">
+          <a:bodyPr spcFirstLastPara="1" wrap="square" lIns="96645" tIns="96645" rIns="96645" bIns="96645" anchor="t" anchorCtr="0">
             <a:noAutofit/>
           </a:bodyPr>
           <a:lstStyle/>
           <a:p>
-            <a:pPr marL="457200" lvl="0" indent="-342900" rtl="0">
-              <a:spcBef>
-                <a:spcPts val="0"/>
-              </a:spcBef>
-              <a:spcAft>
-                <a:spcPts val="0"/>
-              </a:spcAft>
-              <a:buSzPts val="1800"/>
-              <a:buChar char="●"/>
-            </a:pPr>
             <a:r>
               <a:rPr lang="en"/>
               <a:t>List of elecronegativity of the elments: </a:t>
@@ -9402,16 +9074,6 @@
             <a:endParaRPr/>
           </a:p>
           <a:p>
-            <a:pPr marL="457200" lvl="0" indent="-342900" rtl="0">
-              <a:spcBef>
-                <a:spcPts val="0"/>
-              </a:spcBef>
-              <a:spcAft>
-                <a:spcPts val="0"/>
-              </a:spcAft>
-              <a:buSzPts val="1800"/>
-              <a:buChar char="●"/>
-            </a:pPr>
             <a:r>
               <a:rPr lang="en"/>
               <a:t>How batteries work</a:t>
@@ -9419,15 +9081,10 @@
             <a:endParaRPr/>
           </a:p>
           <a:p>
-            <a:pPr marL="914400" lvl="1" indent="-317500" rtl="0">
-              <a:spcBef>
-                <a:spcPts val="0"/>
-              </a:spcBef>
-              <a:spcAft>
-                <a:spcPts val="0"/>
-              </a:spcAft>
-              <a:buSzPts val="1400"/>
-              <a:buChar char="○"/>
+            <a:pPr lvl="1">
+              <a:spcBef>
+                <a:spcPts val="0"/>
+              </a:spcBef>
             </a:pPr>
             <a:r>
               <a:rPr lang="en" u="sng">
@@ -9441,15 +9098,10 @@
             <a:endParaRPr/>
           </a:p>
           <a:p>
-            <a:pPr marL="914400" lvl="1" indent="-317500" rtl="0">
-              <a:spcBef>
-                <a:spcPts val="0"/>
-              </a:spcBef>
-              <a:spcAft>
-                <a:spcPts val="0"/>
-              </a:spcAft>
-              <a:buSzPts val="1400"/>
-              <a:buChar char="○"/>
+            <a:pPr lvl="1">
+              <a:spcBef>
+                <a:spcPts val="0"/>
+              </a:spcBef>
             </a:pPr>
             <a:r>
               <a:rPr lang="en" u="sng">
@@ -9463,15 +9115,10 @@
             <a:endParaRPr/>
           </a:p>
           <a:p>
-            <a:pPr marL="914400" lvl="1" indent="-317500" rtl="0">
-              <a:spcBef>
-                <a:spcPts val="0"/>
-              </a:spcBef>
-              <a:spcAft>
-                <a:spcPts val="0"/>
-              </a:spcAft>
-              <a:buSzPts val="1400"/>
-              <a:buChar char="○"/>
+            <a:pPr lvl="1">
+              <a:spcBef>
+                <a:spcPts val="0"/>
+              </a:spcBef>
             </a:pPr>
             <a:r>
               <a:rPr lang="en" u="sng">
@@ -9485,15 +9132,10 @@
             <a:endParaRPr/>
           </a:p>
           <a:p>
-            <a:pPr marL="914400" lvl="1" indent="-317500" rtl="0">
-              <a:spcBef>
-                <a:spcPts val="0"/>
-              </a:spcBef>
-              <a:spcAft>
-                <a:spcPts val="0"/>
-              </a:spcAft>
-              <a:buSzPts val="1400"/>
-              <a:buChar char="○"/>
+            <a:pPr lvl="1">
+              <a:spcBef>
+                <a:spcPts val="0"/>
+              </a:spcBef>
             </a:pPr>
             <a:r>
               <a:rPr lang="en" u="sng">
@@ -9507,16 +9149,40 @@
             <a:endParaRPr/>
           </a:p>
           <a:p>
-            <a:pPr marL="0" lvl="0" indent="0">
-              <a:spcBef>
-                <a:spcPts val="1600"/>
-              </a:spcBef>
-              <a:spcAft>
-                <a:spcPts val="1600"/>
+            <a:pPr marL="0" indent="0">
+              <a:spcBef>
+                <a:spcPts val="1691"/>
+              </a:spcBef>
+              <a:spcAft>
+                <a:spcPts val="1691"/>
               </a:spcAft>
               <a:buNone/>
             </a:pPr>
             <a:endParaRPr/>
+          </a:p>
+        </p:txBody>
+      </p:sp>
+      <p:sp>
+        <p:nvSpPr>
+          <p:cNvPr id="2" name="Slide Number Placeholder 1"/>
+          <p:cNvSpPr>
+            <a:spLocks noGrp="1"/>
+          </p:cNvSpPr>
+          <p:nvPr>
+            <p:ph type="sldNum" idx="12"/>
+          </p:nvPr>
+        </p:nvSpPr>
+        <p:spPr/>
+        <p:txBody>
+          <a:bodyPr/>
+          <a:lstStyle/>
+          <a:p>
+            <a:fld id="{00000000-1234-1234-1234-123412341234}" type="slidenum">
+              <a:rPr lang="en" smtClean="0"/>
+              <a:pPr/>
+              <a:t>9</a:t>
+            </a:fld>
+            <a:endParaRPr lang="en"/>
           </a:p>
         </p:txBody>
       </p:sp>
